--- a/notes/Team17.pptx
+++ b/notes/Team17.pptx
@@ -5,7 +5,7 @@
     <p:sldMasterId id="2147483659" r:id="rId1"/>
   </p:sldMasterIdLst>
   <p:notesMasterIdLst>
-    <p:notesMasterId r:id="rId23"/>
+    <p:notesMasterId r:id="rId25"/>
   </p:notesMasterIdLst>
   <p:sldIdLst>
     <p:sldId id="256" r:id="rId2"/>
@@ -27,25 +27,27 @@
     <p:sldId id="274" r:id="rId18"/>
     <p:sldId id="275" r:id="rId19"/>
     <p:sldId id="277" r:id="rId20"/>
-    <p:sldId id="269" r:id="rId21"/>
-    <p:sldId id="270" r:id="rId22"/>
+    <p:sldId id="279" r:id="rId21"/>
+    <p:sldId id="281" r:id="rId22"/>
+    <p:sldId id="269" r:id="rId23"/>
+    <p:sldId id="270" r:id="rId24"/>
   </p:sldIdLst>
   <p:sldSz cx="9144000" cy="5143500" type="screen16x9"/>
   <p:notesSz cx="6858000" cy="9144000"/>
   <p:embeddedFontLst>
     <p:embeddedFont>
       <p:font typeface="Lato" panose="020B0604020202020204" charset="0"/>
-      <p:regular r:id="rId24"/>
-      <p:bold r:id="rId25"/>
-      <p:italic r:id="rId26"/>
-      <p:boldItalic r:id="rId27"/>
+      <p:regular r:id="rId26"/>
+      <p:bold r:id="rId27"/>
+      <p:italic r:id="rId28"/>
+      <p:boldItalic r:id="rId29"/>
     </p:embeddedFont>
     <p:embeddedFont>
       <p:font typeface="Raleway" panose="020B0604020202020204" charset="-52"/>
-      <p:regular r:id="rId28"/>
-      <p:bold r:id="rId29"/>
-      <p:italic r:id="rId30"/>
-      <p:boldItalic r:id="rId31"/>
+      <p:regular r:id="rId30"/>
+      <p:bold r:id="rId31"/>
+      <p:italic r:id="rId32"/>
+      <p:boldItalic r:id="rId33"/>
     </p:embeddedFont>
   </p:embeddedFontLst>
   <p:defaultTextStyle>
@@ -14158,7 +14160,7 @@
         </p:nvSpPr>
         <p:spPr>
           <a:xfrm>
-            <a:off x="729450" y="1131765"/>
+            <a:off x="727650" y="664553"/>
             <a:ext cx="7688700" cy="535200"/>
           </a:xfrm>
         </p:spPr>
@@ -14170,395 +14172,11 @@
           <a:p>
             <a:r>
               <a:rPr lang="ru-RU" dirty="0"/>
-              <a:t>Результаты бинарной классификации</a:t>
+              <a:t>Результаты</a:t>
             </a:r>
           </a:p>
         </p:txBody>
       </p:sp>
-      <p:sp>
-        <p:nvSpPr>
-          <p:cNvPr id="3" name="Текст 2">
-            <a:extLst>
-              <a:ext uri="{FF2B5EF4-FFF2-40B4-BE49-F238E27FC236}">
-                <a16:creationId xmlns:a16="http://schemas.microsoft.com/office/drawing/2014/main" id="{9BE8532C-D4A4-4122-AE36-3BA9DB45EEF5}"/>
-              </a:ext>
-            </a:extLst>
-          </p:cNvPr>
-          <p:cNvSpPr>
-            <a:spLocks noGrp="1"/>
-          </p:cNvSpPr>
-          <p:nvPr>
-            <p:ph type="body" idx="1"/>
-          </p:nvPr>
-        </p:nvSpPr>
-        <p:spPr>
-          <a:xfrm>
-            <a:off x="517039" y="1750635"/>
-            <a:ext cx="4963858" cy="2261100"/>
-          </a:xfrm>
-        </p:spPr>
-        <p:txBody>
-          <a:bodyPr>
-            <a:noAutofit/>
-          </a:bodyPr>
-          <a:lstStyle/>
-          <a:p>
-            <a:r>
-              <a:rPr lang="ru-RU" sz="1000" dirty="0">
-                <a:solidFill>
-                  <a:schemeClr val="bg2"/>
-                </a:solidFill>
-                <a:latin typeface="Raleway" panose="020B0604020202020204" charset="-52"/>
-                <a:cs typeface="Arial" panose="020B0604020202020204" pitchFamily="34" charset="0"/>
-              </a:rPr>
-              <a:t>Для обучения модели применяется алгоритм логистической регрессии — статистическая модель для прогнозирования вероятности возникновения некоторого события путём подгонки данных к логистической кривой. </a:t>
-            </a:r>
-          </a:p>
-          <a:p>
-            <a:r>
-              <a:rPr lang="ru-RU" sz="1000" dirty="0">
-                <a:solidFill>
-                  <a:schemeClr val="bg2"/>
-                </a:solidFill>
-                <a:latin typeface="Raleway" panose="020B0604020202020204" charset="-52"/>
-                <a:cs typeface="Arial" panose="020B0604020202020204" pitchFamily="34" charset="0"/>
-              </a:rPr>
-              <a:t>Классификатор выдаёт для каждого объекта вероятность того, что объект принадлежит к определенному классу. Далее, по принятому порогу объекты делятся на классы</a:t>
-            </a:r>
-          </a:p>
-          <a:p>
-            <a:r>
-              <a:rPr lang="ru-RU" sz="1000" dirty="0">
-                <a:solidFill>
-                  <a:schemeClr val="bg2"/>
-                </a:solidFill>
-                <a:latin typeface="Raleway" panose="020B0604020202020204" charset="-52"/>
-                <a:cs typeface="Arial" panose="020B0604020202020204" pitchFamily="34" charset="0"/>
-              </a:rPr>
-              <a:t>Для оценки качества построенной модели используется метрика AUC (</a:t>
-            </a:r>
-            <a:r>
-              <a:rPr lang="ru-RU" sz="1000" dirty="0" err="1">
-                <a:solidFill>
-                  <a:schemeClr val="bg2"/>
-                </a:solidFill>
-                <a:latin typeface="Raleway" panose="020B0604020202020204" charset="-52"/>
-                <a:cs typeface="Arial" panose="020B0604020202020204" pitchFamily="34" charset="0"/>
-              </a:rPr>
-              <a:t>Area</a:t>
-            </a:r>
-            <a:r>
-              <a:rPr lang="ru-RU" sz="1000" dirty="0">
-                <a:solidFill>
-                  <a:schemeClr val="bg2"/>
-                </a:solidFill>
-                <a:latin typeface="Raleway" panose="020B0604020202020204" charset="-52"/>
-                <a:cs typeface="Arial" panose="020B0604020202020204" pitchFamily="34" charset="0"/>
-              </a:rPr>
-              <a:t> </a:t>
-            </a:r>
-            <a:r>
-              <a:rPr lang="ru-RU" sz="1000" dirty="0" err="1">
-                <a:solidFill>
-                  <a:schemeClr val="bg2"/>
-                </a:solidFill>
-                <a:latin typeface="Raleway" panose="020B0604020202020204" charset="-52"/>
-                <a:cs typeface="Arial" panose="020B0604020202020204" pitchFamily="34" charset="0"/>
-              </a:rPr>
-              <a:t>Under</a:t>
-            </a:r>
-            <a:r>
-              <a:rPr lang="ru-RU" sz="1000" dirty="0">
-                <a:solidFill>
-                  <a:schemeClr val="bg2"/>
-                </a:solidFill>
-                <a:latin typeface="Raleway" panose="020B0604020202020204" charset="-52"/>
-                <a:cs typeface="Arial" panose="020B0604020202020204" pitchFamily="34" charset="0"/>
-              </a:rPr>
-              <a:t> </a:t>
-            </a:r>
-            <a:r>
-              <a:rPr lang="ru-RU" sz="1000" dirty="0" err="1">
-                <a:solidFill>
-                  <a:schemeClr val="bg2"/>
-                </a:solidFill>
-                <a:latin typeface="Raleway" panose="020B0604020202020204" charset="-52"/>
-                <a:cs typeface="Arial" panose="020B0604020202020204" pitchFamily="34" charset="0"/>
-              </a:rPr>
-              <a:t>the</a:t>
-            </a:r>
-            <a:r>
-              <a:rPr lang="ru-RU" sz="1000" dirty="0">
-                <a:solidFill>
-                  <a:schemeClr val="bg2"/>
-                </a:solidFill>
-                <a:latin typeface="Raleway" panose="020B0604020202020204" charset="-52"/>
-                <a:cs typeface="Arial" panose="020B0604020202020204" pitchFamily="34" charset="0"/>
-              </a:rPr>
-              <a:t> </a:t>
-            </a:r>
-            <a:r>
-              <a:rPr lang="ru-RU" sz="1000" dirty="0" err="1">
-                <a:solidFill>
-                  <a:schemeClr val="bg2"/>
-                </a:solidFill>
-                <a:latin typeface="Raleway" panose="020B0604020202020204" charset="-52"/>
-                <a:cs typeface="Arial" panose="020B0604020202020204" pitchFamily="34" charset="0"/>
-              </a:rPr>
-              <a:t>Receiver</a:t>
-            </a:r>
-            <a:r>
-              <a:rPr lang="ru-RU" sz="1000" dirty="0">
-                <a:solidFill>
-                  <a:schemeClr val="bg2"/>
-                </a:solidFill>
-                <a:latin typeface="Raleway" panose="020B0604020202020204" charset="-52"/>
-                <a:cs typeface="Arial" panose="020B0604020202020204" pitchFamily="34" charset="0"/>
-              </a:rPr>
-              <a:t> </a:t>
-            </a:r>
-            <a:r>
-              <a:rPr lang="ru-RU" sz="1000" dirty="0" err="1">
-                <a:solidFill>
-                  <a:schemeClr val="bg2"/>
-                </a:solidFill>
-                <a:latin typeface="Raleway" panose="020B0604020202020204" charset="-52"/>
-                <a:cs typeface="Arial" panose="020B0604020202020204" pitchFamily="34" charset="0"/>
-              </a:rPr>
-              <a:t>Operating</a:t>
-            </a:r>
-            <a:r>
-              <a:rPr lang="ru-RU" sz="1000" dirty="0">
-                <a:solidFill>
-                  <a:schemeClr val="bg2"/>
-                </a:solidFill>
-                <a:latin typeface="Raleway" panose="020B0604020202020204" charset="-52"/>
-                <a:cs typeface="Arial" panose="020B0604020202020204" pitchFamily="34" charset="0"/>
-              </a:rPr>
-              <a:t> </a:t>
-            </a:r>
-            <a:r>
-              <a:rPr lang="ru-RU" sz="1000" dirty="0" err="1">
-                <a:solidFill>
-                  <a:schemeClr val="bg2"/>
-                </a:solidFill>
-                <a:latin typeface="Raleway" panose="020B0604020202020204" charset="-52"/>
-                <a:cs typeface="Arial" panose="020B0604020202020204" pitchFamily="34" charset="0"/>
-              </a:rPr>
-              <a:t>Curve</a:t>
-            </a:r>
-            <a:r>
-              <a:rPr lang="ru-RU" sz="1000" dirty="0">
-                <a:solidFill>
-                  <a:schemeClr val="bg2"/>
-                </a:solidFill>
-                <a:latin typeface="Raleway" panose="020B0604020202020204" charset="-52"/>
-                <a:cs typeface="Arial" panose="020B0604020202020204" pitchFamily="34" charset="0"/>
-              </a:rPr>
-              <a:t>) – площадь под ROC AUC – кривой.</a:t>
-            </a:r>
-          </a:p>
-          <a:p>
-            <a:r>
-              <a:rPr lang="ru-RU" sz="1000" dirty="0">
-                <a:solidFill>
-                  <a:schemeClr val="bg2"/>
-                </a:solidFill>
-                <a:latin typeface="Raleway" panose="020B0604020202020204" charset="-52"/>
-                <a:cs typeface="Arial" panose="020B0604020202020204" pitchFamily="34" charset="0"/>
-              </a:rPr>
-              <a:t>ROС AUC - кривая строится на основании соотношения доли верно классифицированных объектов, обладающих некоторым свойством (TPR </a:t>
-            </a:r>
-            <a:r>
-              <a:rPr lang="ru-RU" sz="1000" dirty="0" err="1">
-                <a:solidFill>
-                  <a:schemeClr val="bg2"/>
-                </a:solidFill>
-                <a:latin typeface="Raleway" panose="020B0604020202020204" charset="-52"/>
-                <a:cs typeface="Arial" panose="020B0604020202020204" pitchFamily="34" charset="0"/>
-              </a:rPr>
-              <a:t>true</a:t>
-            </a:r>
-            <a:r>
-              <a:rPr lang="ru-RU" sz="1000" dirty="0">
-                <a:solidFill>
-                  <a:schemeClr val="bg2"/>
-                </a:solidFill>
-                <a:latin typeface="Raleway" panose="020B0604020202020204" charset="-52"/>
-                <a:cs typeface="Arial" panose="020B0604020202020204" pitchFamily="34" charset="0"/>
-              </a:rPr>
-              <a:t> </a:t>
-            </a:r>
-            <a:r>
-              <a:rPr lang="ru-RU" sz="1000" dirty="0" err="1">
-                <a:solidFill>
-                  <a:schemeClr val="bg2"/>
-                </a:solidFill>
-                <a:latin typeface="Raleway" panose="020B0604020202020204" charset="-52"/>
-                <a:cs typeface="Arial" panose="020B0604020202020204" pitchFamily="34" charset="0"/>
-              </a:rPr>
-              <a:t>positive</a:t>
-            </a:r>
-            <a:r>
-              <a:rPr lang="ru-RU" sz="1000" dirty="0">
-                <a:solidFill>
-                  <a:schemeClr val="bg2"/>
-                </a:solidFill>
-                <a:latin typeface="Raleway" panose="020B0604020202020204" charset="-52"/>
-                <a:cs typeface="Arial" panose="020B0604020202020204" pitchFamily="34" charset="0"/>
-              </a:rPr>
-              <a:t> </a:t>
-            </a:r>
-            <a:r>
-              <a:rPr lang="ru-RU" sz="1000" dirty="0" err="1">
-                <a:solidFill>
-                  <a:schemeClr val="bg2"/>
-                </a:solidFill>
-                <a:latin typeface="Raleway" panose="020B0604020202020204" charset="-52"/>
-                <a:cs typeface="Arial" panose="020B0604020202020204" pitchFamily="34" charset="0"/>
-              </a:rPr>
-              <a:t>rate</a:t>
-            </a:r>
-            <a:r>
-              <a:rPr lang="ru-RU" sz="1000" dirty="0">
-                <a:solidFill>
-                  <a:schemeClr val="bg2"/>
-                </a:solidFill>
-                <a:latin typeface="Raleway" panose="020B0604020202020204" charset="-52"/>
-                <a:cs typeface="Arial" panose="020B0604020202020204" pitchFamily="34" charset="0"/>
-              </a:rPr>
-              <a:t>) и доли объектов, не обладающих свойством, но ошибочно классифицированных как обладающие этим свойством (FPR </a:t>
-            </a:r>
-            <a:r>
-              <a:rPr lang="ru-RU" sz="1000" dirty="0" err="1">
-                <a:solidFill>
-                  <a:schemeClr val="bg2"/>
-                </a:solidFill>
-                <a:latin typeface="Raleway" panose="020B0604020202020204" charset="-52"/>
-                <a:cs typeface="Arial" panose="020B0604020202020204" pitchFamily="34" charset="0"/>
-              </a:rPr>
-              <a:t>false</a:t>
-            </a:r>
-            <a:r>
-              <a:rPr lang="ru-RU" sz="1000" dirty="0">
-                <a:solidFill>
-                  <a:schemeClr val="bg2"/>
-                </a:solidFill>
-                <a:latin typeface="Raleway" panose="020B0604020202020204" charset="-52"/>
-                <a:cs typeface="Arial" panose="020B0604020202020204" pitchFamily="34" charset="0"/>
-              </a:rPr>
-              <a:t> </a:t>
-            </a:r>
-            <a:r>
-              <a:rPr lang="ru-RU" sz="1000" dirty="0" err="1">
-                <a:solidFill>
-                  <a:schemeClr val="bg2"/>
-                </a:solidFill>
-                <a:latin typeface="Raleway" panose="020B0604020202020204" charset="-52"/>
-                <a:cs typeface="Arial" panose="020B0604020202020204" pitchFamily="34" charset="0"/>
-              </a:rPr>
-              <a:t>positive</a:t>
-            </a:r>
-            <a:r>
-              <a:rPr lang="ru-RU" sz="1000" dirty="0">
-                <a:solidFill>
-                  <a:schemeClr val="bg2"/>
-                </a:solidFill>
-                <a:latin typeface="Raleway" panose="020B0604020202020204" charset="-52"/>
-                <a:cs typeface="Arial" panose="020B0604020202020204" pitchFamily="34" charset="0"/>
-              </a:rPr>
-              <a:t> </a:t>
-            </a:r>
-            <a:r>
-              <a:rPr lang="ru-RU" sz="1000" dirty="0" err="1">
-                <a:solidFill>
-                  <a:schemeClr val="bg2"/>
-                </a:solidFill>
-                <a:latin typeface="Raleway" panose="020B0604020202020204" charset="-52"/>
-                <a:cs typeface="Arial" panose="020B0604020202020204" pitchFamily="34" charset="0"/>
-              </a:rPr>
-              <a:t>rate</a:t>
-            </a:r>
-            <a:r>
-              <a:rPr lang="ru-RU" sz="1000" dirty="0">
-                <a:solidFill>
-                  <a:schemeClr val="bg2"/>
-                </a:solidFill>
-                <a:latin typeface="Raleway" panose="020B0604020202020204" charset="-52"/>
-                <a:cs typeface="Arial" panose="020B0604020202020204" pitchFamily="34" charset="0"/>
-              </a:rPr>
-              <a:t>), при различных уровнях порога принятия решения.</a:t>
-            </a:r>
-          </a:p>
-        </p:txBody>
-      </p:sp>
-      <p:sp>
-        <p:nvSpPr>
-          <p:cNvPr id="4" name="TextBox 3">
-            <a:extLst>
-              <a:ext uri="{FF2B5EF4-FFF2-40B4-BE49-F238E27FC236}">
-                <a16:creationId xmlns:a16="http://schemas.microsoft.com/office/drawing/2014/main" id="{9FB33570-2400-4D25-AB0A-541B253AC406}"/>
-              </a:ext>
-            </a:extLst>
-          </p:cNvPr>
-          <p:cNvSpPr txBox="1"/>
-          <p:nvPr/>
-        </p:nvSpPr>
-        <p:spPr>
-          <a:xfrm>
-            <a:off x="5401370" y="1812050"/>
-            <a:ext cx="3343186" cy="400110"/>
-          </a:xfrm>
-          <a:prstGeom prst="rect">
-            <a:avLst/>
-          </a:prstGeom>
-          <a:noFill/>
-        </p:spPr>
-        <p:txBody>
-          <a:bodyPr wrap="square" rtlCol="0">
-            <a:spAutoFit/>
-          </a:bodyPr>
-          <a:lstStyle/>
-          <a:p>
-            <a:r>
-              <a:rPr lang="ru-RU" sz="1000" dirty="0">
-                <a:latin typeface="Raleway" panose="020B0604020202020204" charset="-52"/>
-              </a:rPr>
-              <a:t>Используем 75% данных для обучения и 25% для тестирования</a:t>
-            </a:r>
-          </a:p>
-        </p:txBody>
-      </p:sp>
-      <p:pic>
-        <p:nvPicPr>
-          <p:cNvPr id="7" name="Рисунок 6">
-            <a:extLst>
-              <a:ext uri="{FF2B5EF4-FFF2-40B4-BE49-F238E27FC236}">
-                <a16:creationId xmlns:a16="http://schemas.microsoft.com/office/drawing/2014/main" id="{D874A26F-EF96-4E1E-912B-B6E44F350485}"/>
-              </a:ext>
-            </a:extLst>
-          </p:cNvPr>
-          <p:cNvPicPr>
-            <a:picLocks noChangeAspect="1"/>
-          </p:cNvPicPr>
-          <p:nvPr/>
-        </p:nvPicPr>
-        <p:blipFill>
-          <a:blip r:embed="rId2"/>
-          <a:stretch>
-            <a:fillRect/>
-          </a:stretch>
-        </p:blipFill>
-        <p:spPr>
-          <a:xfrm>
-            <a:off x="5401370" y="2357245"/>
-            <a:ext cx="3406960" cy="719057"/>
-          </a:xfrm>
-          <a:prstGeom prst="rect">
-            <a:avLst/>
-          </a:prstGeom>
-        </p:spPr>
-      </p:pic>
     </p:spTree>
     <p:extLst>
       <p:ext uri="{BB962C8B-B14F-4D97-AF65-F5344CB8AC3E}">
@@ -14692,6 +14310,1222 @@
   <p:cSld>
     <p:spTree>
       <p:nvGrpSpPr>
+        <p:cNvPr id="1" name=""/>
+        <p:cNvGrpSpPr/>
+        <p:nvPr/>
+      </p:nvGrpSpPr>
+      <p:grpSpPr>
+        <a:xfrm>
+          <a:off x="0" y="0"/>
+          <a:ext cx="0" cy="0"/>
+          <a:chOff x="0" y="0"/>
+          <a:chExt cx="0" cy="0"/>
+        </a:xfrm>
+      </p:grpSpPr>
+      <p:sp>
+        <p:nvSpPr>
+          <p:cNvPr id="2" name="Заголовок 1">
+            <a:extLst>
+              <a:ext uri="{FF2B5EF4-FFF2-40B4-BE49-F238E27FC236}">
+                <a16:creationId xmlns:a16="http://schemas.microsoft.com/office/drawing/2014/main" id="{AE9F47F1-32A4-4334-B8F9-BA13AD642BF3}"/>
+              </a:ext>
+            </a:extLst>
+          </p:cNvPr>
+          <p:cNvSpPr>
+            <a:spLocks noGrp="1"/>
+          </p:cNvSpPr>
+          <p:nvPr>
+            <p:ph type="title"/>
+          </p:nvPr>
+        </p:nvSpPr>
+        <p:spPr>
+          <a:xfrm>
+            <a:off x="727650" y="664553"/>
+            <a:ext cx="7688700" cy="535200"/>
+          </a:xfrm>
+        </p:spPr>
+        <p:txBody>
+          <a:bodyPr>
+            <a:normAutofit fontScale="90000"/>
+          </a:bodyPr>
+          <a:lstStyle/>
+          <a:p>
+            <a:r>
+              <a:rPr lang="en-US" dirty="0" err="1"/>
+              <a:t>RA_Rado</a:t>
+            </a:r>
+            <a:endParaRPr lang="ru-RU" dirty="0"/>
+          </a:p>
+        </p:txBody>
+      </p:sp>
+      <p:graphicFrame>
+        <p:nvGraphicFramePr>
+          <p:cNvPr id="3" name="Google Shape;161;p26">
+            <a:extLst>
+              <a:ext uri="{FF2B5EF4-FFF2-40B4-BE49-F238E27FC236}">
+                <a16:creationId xmlns:a16="http://schemas.microsoft.com/office/drawing/2014/main" id="{852CED0D-9C0C-461C-B324-B6AF49D8863B}"/>
+              </a:ext>
+            </a:extLst>
+          </p:cNvPr>
+          <p:cNvGraphicFramePr/>
+          <p:nvPr>
+            <p:extLst>
+              <p:ext uri="{D42A27DB-BD31-4B8C-83A1-F6EECF244321}">
+                <p14:modId xmlns:p14="http://schemas.microsoft.com/office/powerpoint/2010/main" val="1457489547"/>
+              </p:ext>
+            </p:extLst>
+          </p:nvPr>
+        </p:nvGraphicFramePr>
+        <p:xfrm>
+          <a:off x="727650" y="3811323"/>
+          <a:ext cx="3360831" cy="1005780"/>
+        </p:xfrm>
+        <a:graphic>
+          <a:graphicData uri="http://schemas.openxmlformats.org/drawingml/2006/table">
+            <a:tbl>
+              <a:tblPr>
+                <a:noFill/>
+                <a:tableStyleId>{51A54548-8C6E-4327-B64F-6EE99FB00B55}</a:tableStyleId>
+              </a:tblPr>
+              <a:tblGrid>
+                <a:gridCol w="1120277">
+                  <a:extLst>
+                    <a:ext uri="{9D8B030D-6E8A-4147-A177-3AD203B41FA5}">
+                      <a16:colId xmlns:a16="http://schemas.microsoft.com/office/drawing/2014/main" val="20000"/>
+                    </a:ext>
+                  </a:extLst>
+                </a:gridCol>
+                <a:gridCol w="1120277">
+                  <a:extLst>
+                    <a:ext uri="{9D8B030D-6E8A-4147-A177-3AD203B41FA5}">
+                      <a16:colId xmlns:a16="http://schemas.microsoft.com/office/drawing/2014/main" val="20001"/>
+                    </a:ext>
+                  </a:extLst>
+                </a:gridCol>
+                <a:gridCol w="1120277">
+                  <a:extLst>
+                    <a:ext uri="{9D8B030D-6E8A-4147-A177-3AD203B41FA5}">
+                      <a16:colId xmlns:a16="http://schemas.microsoft.com/office/drawing/2014/main" val="20002"/>
+                    </a:ext>
+                  </a:extLst>
+                </a:gridCol>
+              </a:tblGrid>
+              <a:tr h="267601">
+                <a:tc>
+                  <a:txBody>
+                    <a:bodyPr/>
+                    <a:lstStyle/>
+                    <a:p>
+                      <a:pPr marL="0" marR="0" lvl="0" indent="0" algn="l" rtl="0">
+                        <a:lnSpc>
+                          <a:spcPct val="100000"/>
+                        </a:lnSpc>
+                        <a:spcBef>
+                          <a:spcPts val="0"/>
+                        </a:spcBef>
+                        <a:spcAft>
+                          <a:spcPts val="0"/>
+                        </a:spcAft>
+                        <a:buClr>
+                          <a:srgbClr val="000000"/>
+                        </a:buClr>
+                        <a:buSzPts val="1400"/>
+                        <a:buFont typeface="Arial"/>
+                        <a:buNone/>
+                      </a:pPr>
+                      <a:r>
+                        <a:rPr lang="ru" sz="1400" u="none" strike="noStrike" cap="none" dirty="0"/>
+                        <a:t>Static </a:t>
+                      </a:r>
+                      <a:r>
+                        <a:rPr lang="en-US" sz="1400" u="none" strike="noStrike" cap="none" dirty="0"/>
+                        <a:t>features</a:t>
+                      </a:r>
+                      <a:endParaRPr sz="1400" u="none" strike="noStrike" cap="none" dirty="0"/>
+                    </a:p>
+                  </a:txBody>
+                  <a:tcPr marL="91425" marR="91425" marT="91425" marB="91425"/>
+                </a:tc>
+                <a:tc>
+                  <a:txBody>
+                    <a:bodyPr/>
+                    <a:lstStyle/>
+                    <a:p>
+                      <a:pPr marL="0" marR="0" lvl="0" indent="0" algn="l" rtl="0">
+                        <a:lnSpc>
+                          <a:spcPct val="100000"/>
+                        </a:lnSpc>
+                        <a:spcBef>
+                          <a:spcPts val="0"/>
+                        </a:spcBef>
+                        <a:spcAft>
+                          <a:spcPts val="0"/>
+                        </a:spcAft>
+                        <a:buClr>
+                          <a:srgbClr val="000000"/>
+                        </a:buClr>
+                        <a:buSzPts val="1400"/>
+                        <a:buFont typeface="Arial"/>
+                        <a:buNone/>
+                      </a:pPr>
+                      <a:r>
+                        <a:rPr lang="ru" sz="1400" u="none" strike="noStrike" cap="none"/>
+                        <a:t>Test</a:t>
+                      </a:r>
+                      <a:endParaRPr sz="1400" u="none" strike="noStrike" cap="none"/>
+                    </a:p>
+                  </a:txBody>
+                  <a:tcPr marL="91425" marR="91425" marT="91425" marB="91425"/>
+                </a:tc>
+                <a:tc>
+                  <a:txBody>
+                    <a:bodyPr/>
+                    <a:lstStyle/>
+                    <a:p>
+                      <a:pPr marL="0" marR="0" lvl="0" indent="0" algn="l" rtl="0">
+                        <a:lnSpc>
+                          <a:spcPct val="100000"/>
+                        </a:lnSpc>
+                        <a:spcBef>
+                          <a:spcPts val="0"/>
+                        </a:spcBef>
+                        <a:spcAft>
+                          <a:spcPts val="0"/>
+                        </a:spcAft>
+                        <a:buClr>
+                          <a:srgbClr val="000000"/>
+                        </a:buClr>
+                        <a:buSzPts val="1400"/>
+                        <a:buFont typeface="Arial"/>
+                        <a:buNone/>
+                      </a:pPr>
+                      <a:r>
+                        <a:rPr lang="ru" sz="1400" u="none" strike="noStrike" cap="none"/>
+                        <a:t>Table</a:t>
+                      </a:r>
+                      <a:endParaRPr sz="1400" u="none" strike="noStrike" cap="none"/>
+                    </a:p>
+                  </a:txBody>
+                  <a:tcPr marL="91425" marR="91425" marT="91425" marB="91425"/>
+                </a:tc>
+                <a:extLst>
+                  <a:ext uri="{0D108BD9-81ED-4DB2-BD59-A6C34878D82A}">
+                    <a16:rowId xmlns:a16="http://schemas.microsoft.com/office/drawing/2014/main" val="10000"/>
+                  </a:ext>
+                </a:extLst>
+              </a:tr>
+              <a:tr h="267601">
+                <a:tc>
+                  <a:txBody>
+                    <a:bodyPr/>
+                    <a:lstStyle/>
+                    <a:p>
+                      <a:pPr marL="0" marR="0" lvl="0" indent="0" algn="l" rtl="0">
+                        <a:lnSpc>
+                          <a:spcPct val="100000"/>
+                        </a:lnSpc>
+                        <a:spcBef>
+                          <a:spcPts val="0"/>
+                        </a:spcBef>
+                        <a:spcAft>
+                          <a:spcPts val="0"/>
+                        </a:spcAft>
+                        <a:buClr>
+                          <a:srgbClr val="000000"/>
+                        </a:buClr>
+                        <a:buSzPts val="1400"/>
+                        <a:buFont typeface="Arial"/>
+                        <a:buNone/>
+                      </a:pPr>
+                      <a:r>
+                        <a:rPr lang="ru" sz="1400" u="none" strike="noStrike" cap="none"/>
+                        <a:t>AUC</a:t>
+                      </a:r>
+                      <a:endParaRPr sz="1400" u="none" strike="noStrike" cap="none"/>
+                    </a:p>
+                  </a:txBody>
+                  <a:tcPr marL="91425" marR="91425" marT="91425" marB="91425"/>
+                </a:tc>
+                <a:tc>
+                  <a:txBody>
+                    <a:bodyPr/>
+                    <a:lstStyle/>
+                    <a:p>
+                      <a:pPr marL="0" marR="0" lvl="0" indent="0" algn="l" rtl="0">
+                        <a:lnSpc>
+                          <a:spcPct val="100000"/>
+                        </a:lnSpc>
+                        <a:spcBef>
+                          <a:spcPts val="0"/>
+                        </a:spcBef>
+                        <a:spcAft>
+                          <a:spcPts val="0"/>
+                        </a:spcAft>
+                        <a:buClr>
+                          <a:srgbClr val="000000"/>
+                        </a:buClr>
+                        <a:buSzPts val="1400"/>
+                        <a:buFont typeface="Arial"/>
+                        <a:buNone/>
+                      </a:pPr>
+                      <a:r>
+                        <a:rPr lang="ru" sz="1400" u="none" strike="noStrike" cap="none"/>
+                        <a:t>0.879</a:t>
+                      </a:r>
+                      <a:endParaRPr sz="1400" u="none" strike="noStrike" cap="none"/>
+                    </a:p>
+                  </a:txBody>
+                  <a:tcPr marL="91425" marR="91425" marT="91425" marB="91425"/>
+                </a:tc>
+                <a:tc>
+                  <a:txBody>
+                    <a:bodyPr/>
+                    <a:lstStyle/>
+                    <a:p>
+                      <a:pPr marL="0" marR="0" lvl="0" indent="0" algn="l" rtl="0">
+                        <a:lnSpc>
+                          <a:spcPct val="100000"/>
+                        </a:lnSpc>
+                        <a:spcBef>
+                          <a:spcPts val="0"/>
+                        </a:spcBef>
+                        <a:spcAft>
+                          <a:spcPts val="0"/>
+                        </a:spcAft>
+                        <a:buClr>
+                          <a:srgbClr val="000000"/>
+                        </a:buClr>
+                        <a:buSzPts val="1400"/>
+                        <a:buFont typeface="Arial"/>
+                        <a:buNone/>
+                      </a:pPr>
+                      <a:r>
+                        <a:rPr lang="ru" sz="1400" u="none" strike="noStrike" cap="none" dirty="0"/>
+                        <a:t>0.864</a:t>
+                      </a:r>
+                      <a:endParaRPr sz="1400" u="none" strike="noStrike" cap="none" dirty="0"/>
+                    </a:p>
+                  </a:txBody>
+                  <a:tcPr marL="91425" marR="91425" marT="91425" marB="91425"/>
+                </a:tc>
+                <a:extLst>
+                  <a:ext uri="{0D108BD9-81ED-4DB2-BD59-A6C34878D82A}">
+                    <a16:rowId xmlns:a16="http://schemas.microsoft.com/office/drawing/2014/main" val="10001"/>
+                  </a:ext>
+                </a:extLst>
+              </a:tr>
+            </a:tbl>
+          </a:graphicData>
+        </a:graphic>
+      </p:graphicFrame>
+      <p:graphicFrame>
+        <p:nvGraphicFramePr>
+          <p:cNvPr id="4" name="Google Shape;161;p26">
+            <a:extLst>
+              <a:ext uri="{FF2B5EF4-FFF2-40B4-BE49-F238E27FC236}">
+                <a16:creationId xmlns:a16="http://schemas.microsoft.com/office/drawing/2014/main" id="{8EB1D278-E93D-4095-84E5-5CB63C59AB05}"/>
+              </a:ext>
+            </a:extLst>
+          </p:cNvPr>
+          <p:cNvGraphicFramePr/>
+          <p:nvPr>
+            <p:extLst>
+              <p:ext uri="{D42A27DB-BD31-4B8C-83A1-F6EECF244321}">
+                <p14:modId xmlns:p14="http://schemas.microsoft.com/office/powerpoint/2010/main" val="2912104090"/>
+              </p:ext>
+            </p:extLst>
+          </p:nvPr>
+        </p:nvGraphicFramePr>
+        <p:xfrm>
+          <a:off x="4911419" y="3811323"/>
+          <a:ext cx="3360831" cy="1005780"/>
+        </p:xfrm>
+        <a:graphic>
+          <a:graphicData uri="http://schemas.openxmlformats.org/drawingml/2006/table">
+            <a:tbl>
+              <a:tblPr>
+                <a:noFill/>
+                <a:tableStyleId>{51A54548-8C6E-4327-B64F-6EE99FB00B55}</a:tableStyleId>
+              </a:tblPr>
+              <a:tblGrid>
+                <a:gridCol w="1120277">
+                  <a:extLst>
+                    <a:ext uri="{9D8B030D-6E8A-4147-A177-3AD203B41FA5}">
+                      <a16:colId xmlns:a16="http://schemas.microsoft.com/office/drawing/2014/main" val="20000"/>
+                    </a:ext>
+                  </a:extLst>
+                </a:gridCol>
+                <a:gridCol w="1120277">
+                  <a:extLst>
+                    <a:ext uri="{9D8B030D-6E8A-4147-A177-3AD203B41FA5}">
+                      <a16:colId xmlns:a16="http://schemas.microsoft.com/office/drawing/2014/main" val="20001"/>
+                    </a:ext>
+                  </a:extLst>
+                </a:gridCol>
+                <a:gridCol w="1120277">
+                  <a:extLst>
+                    <a:ext uri="{9D8B030D-6E8A-4147-A177-3AD203B41FA5}">
+                      <a16:colId xmlns:a16="http://schemas.microsoft.com/office/drawing/2014/main" val="20002"/>
+                    </a:ext>
+                  </a:extLst>
+                </a:gridCol>
+              </a:tblGrid>
+              <a:tr h="267601">
+                <a:tc>
+                  <a:txBody>
+                    <a:bodyPr/>
+                    <a:lstStyle/>
+                    <a:p>
+                      <a:pPr marL="0" marR="0" lvl="0" indent="0" algn="l" rtl="0">
+                        <a:lnSpc>
+                          <a:spcPct val="100000"/>
+                        </a:lnSpc>
+                        <a:spcBef>
+                          <a:spcPts val="0"/>
+                        </a:spcBef>
+                        <a:spcAft>
+                          <a:spcPts val="0"/>
+                        </a:spcAft>
+                        <a:buClr>
+                          <a:srgbClr val="000000"/>
+                        </a:buClr>
+                        <a:buSzPts val="1400"/>
+                        <a:buFont typeface="Arial"/>
+                        <a:buNone/>
+                      </a:pPr>
+                      <a:r>
+                        <a:rPr lang="en-US" sz="1400" u="none" strike="noStrike" cap="none" dirty="0"/>
+                        <a:t>Temporal</a:t>
+                      </a:r>
+                      <a:r>
+                        <a:rPr lang="ru" sz="1400" u="none" strike="noStrike" cap="none" dirty="0"/>
+                        <a:t> </a:t>
+                      </a:r>
+                      <a:r>
+                        <a:rPr lang="en-US" sz="1400" u="none" strike="noStrike" cap="none" dirty="0"/>
+                        <a:t>features</a:t>
+                      </a:r>
+                      <a:endParaRPr sz="1400" u="none" strike="noStrike" cap="none" dirty="0"/>
+                    </a:p>
+                  </a:txBody>
+                  <a:tcPr marL="91425" marR="91425" marT="91425" marB="91425"/>
+                </a:tc>
+                <a:tc>
+                  <a:txBody>
+                    <a:bodyPr/>
+                    <a:lstStyle/>
+                    <a:p>
+                      <a:pPr marL="0" marR="0" lvl="0" indent="0" algn="l" rtl="0">
+                        <a:lnSpc>
+                          <a:spcPct val="100000"/>
+                        </a:lnSpc>
+                        <a:spcBef>
+                          <a:spcPts val="0"/>
+                        </a:spcBef>
+                        <a:spcAft>
+                          <a:spcPts val="0"/>
+                        </a:spcAft>
+                        <a:buClr>
+                          <a:srgbClr val="000000"/>
+                        </a:buClr>
+                        <a:buSzPts val="1400"/>
+                        <a:buFont typeface="Arial"/>
+                        <a:buNone/>
+                      </a:pPr>
+                      <a:r>
+                        <a:rPr lang="ru" sz="1400" u="none" strike="noStrike" cap="none"/>
+                        <a:t>Test</a:t>
+                      </a:r>
+                      <a:endParaRPr sz="1400" u="none" strike="noStrike" cap="none"/>
+                    </a:p>
+                  </a:txBody>
+                  <a:tcPr marL="91425" marR="91425" marT="91425" marB="91425"/>
+                </a:tc>
+                <a:tc>
+                  <a:txBody>
+                    <a:bodyPr/>
+                    <a:lstStyle/>
+                    <a:p>
+                      <a:pPr marL="0" marR="0" lvl="0" indent="0" algn="l" rtl="0">
+                        <a:lnSpc>
+                          <a:spcPct val="100000"/>
+                        </a:lnSpc>
+                        <a:spcBef>
+                          <a:spcPts val="0"/>
+                        </a:spcBef>
+                        <a:spcAft>
+                          <a:spcPts val="0"/>
+                        </a:spcAft>
+                        <a:buClr>
+                          <a:srgbClr val="000000"/>
+                        </a:buClr>
+                        <a:buSzPts val="1400"/>
+                        <a:buFont typeface="Arial"/>
+                        <a:buNone/>
+                      </a:pPr>
+                      <a:r>
+                        <a:rPr lang="ru" sz="1400" u="none" strike="noStrike" cap="none" dirty="0"/>
+                        <a:t>Table</a:t>
+                      </a:r>
+                      <a:endParaRPr sz="1400" u="none" strike="noStrike" cap="none" dirty="0"/>
+                    </a:p>
+                  </a:txBody>
+                  <a:tcPr marL="91425" marR="91425" marT="91425" marB="91425"/>
+                </a:tc>
+                <a:extLst>
+                  <a:ext uri="{0D108BD9-81ED-4DB2-BD59-A6C34878D82A}">
+                    <a16:rowId xmlns:a16="http://schemas.microsoft.com/office/drawing/2014/main" val="10000"/>
+                  </a:ext>
+                </a:extLst>
+              </a:tr>
+              <a:tr h="267601">
+                <a:tc>
+                  <a:txBody>
+                    <a:bodyPr/>
+                    <a:lstStyle/>
+                    <a:p>
+                      <a:pPr marL="0" marR="0" lvl="0" indent="0" algn="l" rtl="0">
+                        <a:lnSpc>
+                          <a:spcPct val="100000"/>
+                        </a:lnSpc>
+                        <a:spcBef>
+                          <a:spcPts val="0"/>
+                        </a:spcBef>
+                        <a:spcAft>
+                          <a:spcPts val="0"/>
+                        </a:spcAft>
+                        <a:buClr>
+                          <a:srgbClr val="000000"/>
+                        </a:buClr>
+                        <a:buSzPts val="1400"/>
+                        <a:buFont typeface="Arial"/>
+                        <a:buNone/>
+                      </a:pPr>
+                      <a:r>
+                        <a:rPr lang="ru" sz="1400" u="none" strike="noStrike" cap="none"/>
+                        <a:t>AUC</a:t>
+                      </a:r>
+                      <a:endParaRPr sz="1400" u="none" strike="noStrike" cap="none"/>
+                    </a:p>
+                  </a:txBody>
+                  <a:tcPr marL="91425" marR="91425" marT="91425" marB="91425"/>
+                </a:tc>
+                <a:tc>
+                  <a:txBody>
+                    <a:bodyPr/>
+                    <a:lstStyle/>
+                    <a:p>
+                      <a:pPr marL="0" marR="0" lvl="0" indent="0" algn="l" rtl="0">
+                        <a:lnSpc>
+                          <a:spcPct val="100000"/>
+                        </a:lnSpc>
+                        <a:spcBef>
+                          <a:spcPts val="0"/>
+                        </a:spcBef>
+                        <a:spcAft>
+                          <a:spcPts val="0"/>
+                        </a:spcAft>
+                        <a:buClr>
+                          <a:srgbClr val="000000"/>
+                        </a:buClr>
+                        <a:buSzPts val="1400"/>
+                        <a:buFont typeface="Arial"/>
+                        <a:buNone/>
+                      </a:pPr>
+                      <a:endParaRPr sz="1400" u="none" strike="noStrike" cap="none" dirty="0"/>
+                    </a:p>
+                  </a:txBody>
+                  <a:tcPr marL="91425" marR="91425" marT="91425" marB="91425"/>
+                </a:tc>
+                <a:tc>
+                  <a:txBody>
+                    <a:bodyPr/>
+                    <a:lstStyle/>
+                    <a:p>
+                      <a:pPr marL="0" marR="0" lvl="0" indent="0" algn="l" rtl="0">
+                        <a:lnSpc>
+                          <a:spcPct val="100000"/>
+                        </a:lnSpc>
+                        <a:spcBef>
+                          <a:spcPts val="0"/>
+                        </a:spcBef>
+                        <a:spcAft>
+                          <a:spcPts val="0"/>
+                        </a:spcAft>
+                        <a:buClr>
+                          <a:srgbClr val="000000"/>
+                        </a:buClr>
+                        <a:buSzPts val="1400"/>
+                        <a:buFont typeface="Arial"/>
+                        <a:buNone/>
+                      </a:pPr>
+                      <a:endParaRPr sz="1400" u="none" strike="noStrike" cap="none" dirty="0"/>
+                    </a:p>
+                  </a:txBody>
+                  <a:tcPr marL="91425" marR="91425" marT="91425" marB="91425"/>
+                </a:tc>
+                <a:extLst>
+                  <a:ext uri="{0D108BD9-81ED-4DB2-BD59-A6C34878D82A}">
+                    <a16:rowId xmlns:a16="http://schemas.microsoft.com/office/drawing/2014/main" val="10001"/>
+                  </a:ext>
+                </a:extLst>
+              </a:tr>
+            </a:tbl>
+          </a:graphicData>
+        </a:graphic>
+      </p:graphicFrame>
+      <p:pic>
+        <p:nvPicPr>
+          <p:cNvPr id="5" name="Рисунок 4">
+            <a:extLst>
+              <a:ext uri="{FF2B5EF4-FFF2-40B4-BE49-F238E27FC236}">
+                <a16:creationId xmlns:a16="http://schemas.microsoft.com/office/drawing/2014/main" id="{D079327E-EF2B-404E-AD82-11CEBF6D6FE9}"/>
+              </a:ext>
+            </a:extLst>
+          </p:cNvPr>
+          <p:cNvPicPr>
+            <a:picLocks noChangeAspect="1"/>
+          </p:cNvPicPr>
+          <p:nvPr/>
+        </p:nvPicPr>
+        <p:blipFill>
+          <a:blip r:embed="rId2"/>
+          <a:stretch>
+            <a:fillRect/>
+          </a:stretch>
+        </p:blipFill>
+        <p:spPr>
+          <a:xfrm>
+            <a:off x="727650" y="1495918"/>
+            <a:ext cx="2929496" cy="2151664"/>
+          </a:xfrm>
+          <a:prstGeom prst="rect">
+            <a:avLst/>
+          </a:prstGeom>
+        </p:spPr>
+      </p:pic>
+    </p:spTree>
+    <p:extLst>
+      <p:ext uri="{BB962C8B-B14F-4D97-AF65-F5344CB8AC3E}">
+        <p14:creationId xmlns:p14="http://schemas.microsoft.com/office/powerpoint/2010/main" val="555738040"/>
+      </p:ext>
+    </p:extLst>
+  </p:cSld>
+  <p:clrMapOvr>
+    <a:masterClrMapping/>
+  </p:clrMapOvr>
+</p:sld>
+</file>
+
+<file path=ppt/slides/slide21.xml><?xml version="1.0" encoding="utf-8"?>
+<p:sld xmlns:a="http://schemas.openxmlformats.org/drawingml/2006/main" xmlns:r="http://schemas.openxmlformats.org/officeDocument/2006/relationships" xmlns:p="http://schemas.openxmlformats.org/presentationml/2006/main">
+  <p:cSld>
+    <p:spTree>
+      <p:nvGrpSpPr>
+        <p:cNvPr id="1" name=""/>
+        <p:cNvGrpSpPr/>
+        <p:nvPr/>
+      </p:nvGrpSpPr>
+      <p:grpSpPr>
+        <a:xfrm>
+          <a:off x="0" y="0"/>
+          <a:ext cx="0" cy="0"/>
+          <a:chOff x="0" y="0"/>
+          <a:chExt cx="0" cy="0"/>
+        </a:xfrm>
+      </p:grpSpPr>
+      <p:sp>
+        <p:nvSpPr>
+          <p:cNvPr id="2" name="Заголовок 1">
+            <a:extLst>
+              <a:ext uri="{FF2B5EF4-FFF2-40B4-BE49-F238E27FC236}">
+                <a16:creationId xmlns:a16="http://schemas.microsoft.com/office/drawing/2014/main" id="{AE9F47F1-32A4-4334-B8F9-BA13AD642BF3}"/>
+              </a:ext>
+            </a:extLst>
+          </p:cNvPr>
+          <p:cNvSpPr>
+            <a:spLocks noGrp="1"/>
+          </p:cNvSpPr>
+          <p:nvPr>
+            <p:ph type="title"/>
+          </p:nvPr>
+        </p:nvSpPr>
+        <p:spPr>
+          <a:xfrm>
+            <a:off x="727650" y="664553"/>
+            <a:ext cx="7688700" cy="535200"/>
+          </a:xfrm>
+        </p:spPr>
+        <p:txBody>
+          <a:bodyPr>
+            <a:normAutofit fontScale="90000"/>
+          </a:bodyPr>
+          <a:lstStyle/>
+          <a:p>
+            <a:r>
+              <a:rPr lang="en-US" dirty="0"/>
+              <a:t>UC_UC</a:t>
+            </a:r>
+            <a:endParaRPr lang="ru-RU" dirty="0"/>
+          </a:p>
+        </p:txBody>
+      </p:sp>
+      <p:graphicFrame>
+        <p:nvGraphicFramePr>
+          <p:cNvPr id="3" name="Google Shape;161;p26">
+            <a:extLst>
+              <a:ext uri="{FF2B5EF4-FFF2-40B4-BE49-F238E27FC236}">
+                <a16:creationId xmlns:a16="http://schemas.microsoft.com/office/drawing/2014/main" id="{852CED0D-9C0C-461C-B324-B6AF49D8863B}"/>
+              </a:ext>
+            </a:extLst>
+          </p:cNvPr>
+          <p:cNvGraphicFramePr/>
+          <p:nvPr>
+            <p:extLst>
+              <p:ext uri="{D42A27DB-BD31-4B8C-83A1-F6EECF244321}">
+                <p14:modId xmlns:p14="http://schemas.microsoft.com/office/powerpoint/2010/main" val="2537227826"/>
+              </p:ext>
+            </p:extLst>
+          </p:nvPr>
+        </p:nvGraphicFramePr>
+        <p:xfrm>
+          <a:off x="727650" y="3811323"/>
+          <a:ext cx="3360831" cy="1005780"/>
+        </p:xfrm>
+        <a:graphic>
+          <a:graphicData uri="http://schemas.openxmlformats.org/drawingml/2006/table">
+            <a:tbl>
+              <a:tblPr>
+                <a:noFill/>
+                <a:tableStyleId>{51A54548-8C6E-4327-B64F-6EE99FB00B55}</a:tableStyleId>
+              </a:tblPr>
+              <a:tblGrid>
+                <a:gridCol w="1120277">
+                  <a:extLst>
+                    <a:ext uri="{9D8B030D-6E8A-4147-A177-3AD203B41FA5}">
+                      <a16:colId xmlns:a16="http://schemas.microsoft.com/office/drawing/2014/main" val="20000"/>
+                    </a:ext>
+                  </a:extLst>
+                </a:gridCol>
+                <a:gridCol w="1120277">
+                  <a:extLst>
+                    <a:ext uri="{9D8B030D-6E8A-4147-A177-3AD203B41FA5}">
+                      <a16:colId xmlns:a16="http://schemas.microsoft.com/office/drawing/2014/main" val="20001"/>
+                    </a:ext>
+                  </a:extLst>
+                </a:gridCol>
+                <a:gridCol w="1120277">
+                  <a:extLst>
+                    <a:ext uri="{9D8B030D-6E8A-4147-A177-3AD203B41FA5}">
+                      <a16:colId xmlns:a16="http://schemas.microsoft.com/office/drawing/2014/main" val="20002"/>
+                    </a:ext>
+                  </a:extLst>
+                </a:gridCol>
+              </a:tblGrid>
+              <a:tr h="267601">
+                <a:tc>
+                  <a:txBody>
+                    <a:bodyPr/>
+                    <a:lstStyle/>
+                    <a:p>
+                      <a:pPr marL="0" marR="0" lvl="0" indent="0" algn="l" rtl="0">
+                        <a:lnSpc>
+                          <a:spcPct val="100000"/>
+                        </a:lnSpc>
+                        <a:spcBef>
+                          <a:spcPts val="0"/>
+                        </a:spcBef>
+                        <a:spcAft>
+                          <a:spcPts val="0"/>
+                        </a:spcAft>
+                        <a:buClr>
+                          <a:srgbClr val="000000"/>
+                        </a:buClr>
+                        <a:buSzPts val="1400"/>
+                        <a:buFont typeface="Arial"/>
+                        <a:buNone/>
+                      </a:pPr>
+                      <a:r>
+                        <a:rPr lang="ru" sz="1400" u="none" strike="noStrike" cap="none" dirty="0"/>
+                        <a:t>Static </a:t>
+                      </a:r>
+                      <a:r>
+                        <a:rPr lang="en-US" sz="1400" u="none" strike="noStrike" cap="none" dirty="0"/>
+                        <a:t>features</a:t>
+                      </a:r>
+                      <a:endParaRPr sz="1400" u="none" strike="noStrike" cap="none" dirty="0"/>
+                    </a:p>
+                  </a:txBody>
+                  <a:tcPr marL="91425" marR="91425" marT="91425" marB="91425"/>
+                </a:tc>
+                <a:tc>
+                  <a:txBody>
+                    <a:bodyPr/>
+                    <a:lstStyle/>
+                    <a:p>
+                      <a:pPr marL="0" marR="0" lvl="0" indent="0" algn="l" rtl="0">
+                        <a:lnSpc>
+                          <a:spcPct val="100000"/>
+                        </a:lnSpc>
+                        <a:spcBef>
+                          <a:spcPts val="0"/>
+                        </a:spcBef>
+                        <a:spcAft>
+                          <a:spcPts val="0"/>
+                        </a:spcAft>
+                        <a:buClr>
+                          <a:srgbClr val="000000"/>
+                        </a:buClr>
+                        <a:buSzPts val="1400"/>
+                        <a:buFont typeface="Arial"/>
+                        <a:buNone/>
+                      </a:pPr>
+                      <a:r>
+                        <a:rPr lang="ru" sz="1400" u="none" strike="noStrike" cap="none"/>
+                        <a:t>Test</a:t>
+                      </a:r>
+                      <a:endParaRPr sz="1400" u="none" strike="noStrike" cap="none"/>
+                    </a:p>
+                  </a:txBody>
+                  <a:tcPr marL="91425" marR="91425" marT="91425" marB="91425"/>
+                </a:tc>
+                <a:tc>
+                  <a:txBody>
+                    <a:bodyPr/>
+                    <a:lstStyle/>
+                    <a:p>
+                      <a:pPr marL="0" marR="0" lvl="0" indent="0" algn="l" rtl="0">
+                        <a:lnSpc>
+                          <a:spcPct val="100000"/>
+                        </a:lnSpc>
+                        <a:spcBef>
+                          <a:spcPts val="0"/>
+                        </a:spcBef>
+                        <a:spcAft>
+                          <a:spcPts val="0"/>
+                        </a:spcAft>
+                        <a:buClr>
+                          <a:srgbClr val="000000"/>
+                        </a:buClr>
+                        <a:buSzPts val="1400"/>
+                        <a:buFont typeface="Arial"/>
+                        <a:buNone/>
+                      </a:pPr>
+                      <a:r>
+                        <a:rPr lang="ru" sz="1400" u="none" strike="noStrike" cap="none"/>
+                        <a:t>Table</a:t>
+                      </a:r>
+                      <a:endParaRPr sz="1400" u="none" strike="noStrike" cap="none"/>
+                    </a:p>
+                  </a:txBody>
+                  <a:tcPr marL="91425" marR="91425" marT="91425" marB="91425"/>
+                </a:tc>
+                <a:extLst>
+                  <a:ext uri="{0D108BD9-81ED-4DB2-BD59-A6C34878D82A}">
+                    <a16:rowId xmlns:a16="http://schemas.microsoft.com/office/drawing/2014/main" val="10000"/>
+                  </a:ext>
+                </a:extLst>
+              </a:tr>
+              <a:tr h="267601">
+                <a:tc>
+                  <a:txBody>
+                    <a:bodyPr/>
+                    <a:lstStyle/>
+                    <a:p>
+                      <a:pPr marL="0" marR="0" lvl="0" indent="0" algn="l" rtl="0">
+                        <a:lnSpc>
+                          <a:spcPct val="100000"/>
+                        </a:lnSpc>
+                        <a:spcBef>
+                          <a:spcPts val="0"/>
+                        </a:spcBef>
+                        <a:spcAft>
+                          <a:spcPts val="0"/>
+                        </a:spcAft>
+                        <a:buClr>
+                          <a:srgbClr val="000000"/>
+                        </a:buClr>
+                        <a:buSzPts val="1400"/>
+                        <a:buFont typeface="Arial"/>
+                        <a:buNone/>
+                      </a:pPr>
+                      <a:r>
+                        <a:rPr lang="ru" sz="1400" u="none" strike="noStrike" cap="none"/>
+                        <a:t>AUC</a:t>
+                      </a:r>
+                      <a:endParaRPr sz="1400" u="none" strike="noStrike" cap="none"/>
+                    </a:p>
+                  </a:txBody>
+                  <a:tcPr marL="91425" marR="91425" marT="91425" marB="91425"/>
+                </a:tc>
+                <a:tc>
+                  <a:txBody>
+                    <a:bodyPr/>
+                    <a:lstStyle/>
+                    <a:p>
+                      <a:pPr marL="0" marR="0" lvl="0" indent="0" algn="l" rtl="0">
+                        <a:lnSpc>
+                          <a:spcPct val="100000"/>
+                        </a:lnSpc>
+                        <a:spcBef>
+                          <a:spcPts val="0"/>
+                        </a:spcBef>
+                        <a:spcAft>
+                          <a:spcPts val="0"/>
+                        </a:spcAft>
+                        <a:buClr>
+                          <a:srgbClr val="000000"/>
+                        </a:buClr>
+                        <a:buSzPts val="1400"/>
+                        <a:buFont typeface="Arial"/>
+                        <a:buNone/>
+                      </a:pPr>
+                      <a:r>
+                        <a:rPr lang="ru" sz="1400" u="none" strike="noStrike" cap="none" dirty="0"/>
+                        <a:t>0.869</a:t>
+                      </a:r>
+                    </a:p>
+                  </a:txBody>
+                  <a:tcPr marL="91425" marR="91425" marT="91425" marB="91425"/>
+                </a:tc>
+                <a:tc>
+                  <a:txBody>
+                    <a:bodyPr/>
+                    <a:lstStyle/>
+                    <a:p>
+                      <a:pPr marL="0" marR="0" lvl="0" indent="0" algn="l" rtl="0">
+                        <a:lnSpc>
+                          <a:spcPct val="100000"/>
+                        </a:lnSpc>
+                        <a:spcBef>
+                          <a:spcPts val="0"/>
+                        </a:spcBef>
+                        <a:spcAft>
+                          <a:spcPts val="0"/>
+                        </a:spcAft>
+                        <a:buClr>
+                          <a:srgbClr val="000000"/>
+                        </a:buClr>
+                        <a:buSzPts val="1400"/>
+                        <a:buFont typeface="Arial"/>
+                        <a:buNone/>
+                      </a:pPr>
+                      <a:r>
+                        <a:rPr lang="ru" sz="1400" u="none" strike="noStrike" cap="none" dirty="0"/>
+                        <a:t>0.921</a:t>
+                      </a:r>
+                    </a:p>
+                  </a:txBody>
+                  <a:tcPr marL="91425" marR="91425" marT="91425" marB="91425"/>
+                </a:tc>
+                <a:extLst>
+                  <a:ext uri="{0D108BD9-81ED-4DB2-BD59-A6C34878D82A}">
+                    <a16:rowId xmlns:a16="http://schemas.microsoft.com/office/drawing/2014/main" val="10001"/>
+                  </a:ext>
+                </a:extLst>
+              </a:tr>
+            </a:tbl>
+          </a:graphicData>
+        </a:graphic>
+      </p:graphicFrame>
+      <p:graphicFrame>
+        <p:nvGraphicFramePr>
+          <p:cNvPr id="4" name="Google Shape;161;p26">
+            <a:extLst>
+              <a:ext uri="{FF2B5EF4-FFF2-40B4-BE49-F238E27FC236}">
+                <a16:creationId xmlns:a16="http://schemas.microsoft.com/office/drawing/2014/main" id="{8EB1D278-E93D-4095-84E5-5CB63C59AB05}"/>
+              </a:ext>
+            </a:extLst>
+          </p:cNvPr>
+          <p:cNvGraphicFramePr/>
+          <p:nvPr/>
+        </p:nvGraphicFramePr>
+        <p:xfrm>
+          <a:off x="4911419" y="3811323"/>
+          <a:ext cx="3360831" cy="1005780"/>
+        </p:xfrm>
+        <a:graphic>
+          <a:graphicData uri="http://schemas.openxmlformats.org/drawingml/2006/table">
+            <a:tbl>
+              <a:tblPr>
+                <a:noFill/>
+                <a:tableStyleId>{51A54548-8C6E-4327-B64F-6EE99FB00B55}</a:tableStyleId>
+              </a:tblPr>
+              <a:tblGrid>
+                <a:gridCol w="1120277">
+                  <a:extLst>
+                    <a:ext uri="{9D8B030D-6E8A-4147-A177-3AD203B41FA5}">
+                      <a16:colId xmlns:a16="http://schemas.microsoft.com/office/drawing/2014/main" val="20000"/>
+                    </a:ext>
+                  </a:extLst>
+                </a:gridCol>
+                <a:gridCol w="1120277">
+                  <a:extLst>
+                    <a:ext uri="{9D8B030D-6E8A-4147-A177-3AD203B41FA5}">
+                      <a16:colId xmlns:a16="http://schemas.microsoft.com/office/drawing/2014/main" val="20001"/>
+                    </a:ext>
+                  </a:extLst>
+                </a:gridCol>
+                <a:gridCol w="1120277">
+                  <a:extLst>
+                    <a:ext uri="{9D8B030D-6E8A-4147-A177-3AD203B41FA5}">
+                      <a16:colId xmlns:a16="http://schemas.microsoft.com/office/drawing/2014/main" val="20002"/>
+                    </a:ext>
+                  </a:extLst>
+                </a:gridCol>
+              </a:tblGrid>
+              <a:tr h="267601">
+                <a:tc>
+                  <a:txBody>
+                    <a:bodyPr/>
+                    <a:lstStyle/>
+                    <a:p>
+                      <a:pPr marL="0" marR="0" lvl="0" indent="0" algn="l" rtl="0">
+                        <a:lnSpc>
+                          <a:spcPct val="100000"/>
+                        </a:lnSpc>
+                        <a:spcBef>
+                          <a:spcPts val="0"/>
+                        </a:spcBef>
+                        <a:spcAft>
+                          <a:spcPts val="0"/>
+                        </a:spcAft>
+                        <a:buClr>
+                          <a:srgbClr val="000000"/>
+                        </a:buClr>
+                        <a:buSzPts val="1400"/>
+                        <a:buFont typeface="Arial"/>
+                        <a:buNone/>
+                      </a:pPr>
+                      <a:r>
+                        <a:rPr lang="en-US" sz="1400" u="none" strike="noStrike" cap="none" dirty="0"/>
+                        <a:t>Temporal</a:t>
+                      </a:r>
+                      <a:r>
+                        <a:rPr lang="ru" sz="1400" u="none" strike="noStrike" cap="none" dirty="0"/>
+                        <a:t> </a:t>
+                      </a:r>
+                      <a:r>
+                        <a:rPr lang="en-US" sz="1400" u="none" strike="noStrike" cap="none" dirty="0"/>
+                        <a:t>features</a:t>
+                      </a:r>
+                      <a:endParaRPr sz="1400" u="none" strike="noStrike" cap="none" dirty="0"/>
+                    </a:p>
+                  </a:txBody>
+                  <a:tcPr marL="91425" marR="91425" marT="91425" marB="91425"/>
+                </a:tc>
+                <a:tc>
+                  <a:txBody>
+                    <a:bodyPr/>
+                    <a:lstStyle/>
+                    <a:p>
+                      <a:pPr marL="0" marR="0" lvl="0" indent="0" algn="l" rtl="0">
+                        <a:lnSpc>
+                          <a:spcPct val="100000"/>
+                        </a:lnSpc>
+                        <a:spcBef>
+                          <a:spcPts val="0"/>
+                        </a:spcBef>
+                        <a:spcAft>
+                          <a:spcPts val="0"/>
+                        </a:spcAft>
+                        <a:buClr>
+                          <a:srgbClr val="000000"/>
+                        </a:buClr>
+                        <a:buSzPts val="1400"/>
+                        <a:buFont typeface="Arial"/>
+                        <a:buNone/>
+                      </a:pPr>
+                      <a:r>
+                        <a:rPr lang="ru" sz="1400" u="none" strike="noStrike" cap="none"/>
+                        <a:t>Test</a:t>
+                      </a:r>
+                      <a:endParaRPr sz="1400" u="none" strike="noStrike" cap="none"/>
+                    </a:p>
+                  </a:txBody>
+                  <a:tcPr marL="91425" marR="91425" marT="91425" marB="91425"/>
+                </a:tc>
+                <a:tc>
+                  <a:txBody>
+                    <a:bodyPr/>
+                    <a:lstStyle/>
+                    <a:p>
+                      <a:pPr marL="0" marR="0" lvl="0" indent="0" algn="l" rtl="0">
+                        <a:lnSpc>
+                          <a:spcPct val="100000"/>
+                        </a:lnSpc>
+                        <a:spcBef>
+                          <a:spcPts val="0"/>
+                        </a:spcBef>
+                        <a:spcAft>
+                          <a:spcPts val="0"/>
+                        </a:spcAft>
+                        <a:buClr>
+                          <a:srgbClr val="000000"/>
+                        </a:buClr>
+                        <a:buSzPts val="1400"/>
+                        <a:buFont typeface="Arial"/>
+                        <a:buNone/>
+                      </a:pPr>
+                      <a:r>
+                        <a:rPr lang="ru" sz="1400" u="none" strike="noStrike" cap="none" dirty="0"/>
+                        <a:t>Table</a:t>
+                      </a:r>
+                      <a:endParaRPr sz="1400" u="none" strike="noStrike" cap="none" dirty="0"/>
+                    </a:p>
+                  </a:txBody>
+                  <a:tcPr marL="91425" marR="91425" marT="91425" marB="91425"/>
+                </a:tc>
+                <a:extLst>
+                  <a:ext uri="{0D108BD9-81ED-4DB2-BD59-A6C34878D82A}">
+                    <a16:rowId xmlns:a16="http://schemas.microsoft.com/office/drawing/2014/main" val="10000"/>
+                  </a:ext>
+                </a:extLst>
+              </a:tr>
+              <a:tr h="267601">
+                <a:tc>
+                  <a:txBody>
+                    <a:bodyPr/>
+                    <a:lstStyle/>
+                    <a:p>
+                      <a:pPr marL="0" marR="0" lvl="0" indent="0" algn="l" rtl="0">
+                        <a:lnSpc>
+                          <a:spcPct val="100000"/>
+                        </a:lnSpc>
+                        <a:spcBef>
+                          <a:spcPts val="0"/>
+                        </a:spcBef>
+                        <a:spcAft>
+                          <a:spcPts val="0"/>
+                        </a:spcAft>
+                        <a:buClr>
+                          <a:srgbClr val="000000"/>
+                        </a:buClr>
+                        <a:buSzPts val="1400"/>
+                        <a:buFont typeface="Arial"/>
+                        <a:buNone/>
+                      </a:pPr>
+                      <a:r>
+                        <a:rPr lang="ru" sz="1400" u="none" strike="noStrike" cap="none"/>
+                        <a:t>AUC</a:t>
+                      </a:r>
+                      <a:endParaRPr sz="1400" u="none" strike="noStrike" cap="none"/>
+                    </a:p>
+                  </a:txBody>
+                  <a:tcPr marL="91425" marR="91425" marT="91425" marB="91425"/>
+                </a:tc>
+                <a:tc>
+                  <a:txBody>
+                    <a:bodyPr/>
+                    <a:lstStyle/>
+                    <a:p>
+                      <a:pPr marL="0" marR="0" lvl="0" indent="0" algn="l" rtl="0">
+                        <a:lnSpc>
+                          <a:spcPct val="100000"/>
+                        </a:lnSpc>
+                        <a:spcBef>
+                          <a:spcPts val="0"/>
+                        </a:spcBef>
+                        <a:spcAft>
+                          <a:spcPts val="0"/>
+                        </a:spcAft>
+                        <a:buClr>
+                          <a:srgbClr val="000000"/>
+                        </a:buClr>
+                        <a:buSzPts val="1400"/>
+                        <a:buFont typeface="Arial"/>
+                        <a:buNone/>
+                      </a:pPr>
+                      <a:endParaRPr sz="1400" u="none" strike="noStrike" cap="none" dirty="0"/>
+                    </a:p>
+                  </a:txBody>
+                  <a:tcPr marL="91425" marR="91425" marT="91425" marB="91425"/>
+                </a:tc>
+                <a:tc>
+                  <a:txBody>
+                    <a:bodyPr/>
+                    <a:lstStyle/>
+                    <a:p>
+                      <a:pPr marL="0" marR="0" lvl="0" indent="0" algn="l" rtl="0">
+                        <a:lnSpc>
+                          <a:spcPct val="100000"/>
+                        </a:lnSpc>
+                        <a:spcBef>
+                          <a:spcPts val="0"/>
+                        </a:spcBef>
+                        <a:spcAft>
+                          <a:spcPts val="0"/>
+                        </a:spcAft>
+                        <a:buClr>
+                          <a:srgbClr val="000000"/>
+                        </a:buClr>
+                        <a:buSzPts val="1400"/>
+                        <a:buFont typeface="Arial"/>
+                        <a:buNone/>
+                      </a:pPr>
+                      <a:endParaRPr sz="1400" u="none" strike="noStrike" cap="none" dirty="0"/>
+                    </a:p>
+                  </a:txBody>
+                  <a:tcPr marL="91425" marR="91425" marT="91425" marB="91425"/>
+                </a:tc>
+                <a:extLst>
+                  <a:ext uri="{0D108BD9-81ED-4DB2-BD59-A6C34878D82A}">
+                    <a16:rowId xmlns:a16="http://schemas.microsoft.com/office/drawing/2014/main" val="10001"/>
+                  </a:ext>
+                </a:extLst>
+              </a:tr>
+            </a:tbl>
+          </a:graphicData>
+        </a:graphic>
+      </p:graphicFrame>
+      <p:pic>
+        <p:nvPicPr>
+          <p:cNvPr id="6" name="Рисунок 5">
+            <a:extLst>
+              <a:ext uri="{FF2B5EF4-FFF2-40B4-BE49-F238E27FC236}">
+                <a16:creationId xmlns:a16="http://schemas.microsoft.com/office/drawing/2014/main" id="{6769207B-E344-4EC1-9EE2-4875CD424E24}"/>
+              </a:ext>
+            </a:extLst>
+          </p:cNvPr>
+          <p:cNvPicPr>
+            <a:picLocks noChangeAspect="1"/>
+          </p:cNvPicPr>
+          <p:nvPr/>
+        </p:nvPicPr>
+        <p:blipFill>
+          <a:blip r:embed="rId2"/>
+          <a:stretch>
+            <a:fillRect/>
+          </a:stretch>
+        </p:blipFill>
+        <p:spPr>
+          <a:xfrm>
+            <a:off x="727650" y="1415897"/>
+            <a:ext cx="2996512" cy="2179282"/>
+          </a:xfrm>
+          <a:prstGeom prst="rect">
+            <a:avLst/>
+          </a:prstGeom>
+        </p:spPr>
+      </p:pic>
+    </p:spTree>
+    <p:extLst>
+      <p:ext uri="{BB962C8B-B14F-4D97-AF65-F5344CB8AC3E}">
+        <p14:creationId xmlns:p14="http://schemas.microsoft.com/office/powerpoint/2010/main" val="2715681902"/>
+      </p:ext>
+    </p:extLst>
+  </p:cSld>
+  <p:clrMapOvr>
+    <a:masterClrMapping/>
+  </p:clrMapOvr>
+</p:sld>
+</file>
+
+<file path=ppt/slides/slide22.xml><?xml version="1.0" encoding="utf-8"?>
+<p:sld xmlns:a="http://schemas.openxmlformats.org/drawingml/2006/main" xmlns:r="http://schemas.openxmlformats.org/officeDocument/2006/relationships" xmlns:p="http://schemas.openxmlformats.org/presentationml/2006/main">
+  <p:cSld>
+    <p:spTree>
+      <p:nvGrpSpPr>
         <p:cNvPr id="1" name="Shape 159"/>
         <p:cNvGrpSpPr/>
         <p:nvPr/>
@@ -14747,7 +15581,7 @@
               <a:buNone/>
             </a:pPr>
             <a:r>
-              <a:rPr lang="ru" sz="3000">
+              <a:rPr lang="ru" sz="3000" dirty="0">
                 <a:latin typeface="Times New Roman"/>
                 <a:ea typeface="Times New Roman"/>
                 <a:cs typeface="Times New Roman"/>
@@ -14755,7 +15589,7 @@
               </a:rPr>
               <a:t>Датасет RA_Rado</a:t>
             </a:r>
-            <a:endParaRPr sz="3000">
+            <a:endParaRPr sz="3000" dirty="0">
               <a:latin typeface="Times New Roman"/>
               <a:ea typeface="Times New Roman"/>
               <a:cs typeface="Times New Roman"/>
@@ -15070,7 +15904,7 @@
 </p:sld>
 </file>
 
-<file path=ppt/slides/slide21.xml><?xml version="1.0" encoding="utf-8"?>
+<file path=ppt/slides/slide23.xml><?xml version="1.0" encoding="utf-8"?>
 <p:sld xmlns:a="http://schemas.openxmlformats.org/drawingml/2006/main" xmlns:r="http://schemas.openxmlformats.org/officeDocument/2006/relationships" xmlns:p="http://schemas.openxmlformats.org/presentationml/2006/main">
   <p:cSld>
     <p:spTree>
@@ -15130,7 +15964,7 @@
               <a:buNone/>
             </a:pPr>
             <a:r>
-              <a:rPr lang="ru" sz="3000">
+              <a:rPr lang="ru" sz="3000" dirty="0">
                 <a:latin typeface="Times New Roman"/>
                 <a:ea typeface="Times New Roman"/>
                 <a:cs typeface="Times New Roman"/>
@@ -15138,7 +15972,7 @@
               </a:rPr>
               <a:t>Датасет UC_UC</a:t>
             </a:r>
-            <a:endParaRPr sz="3000">
+            <a:endParaRPr sz="3000" dirty="0">
               <a:latin typeface="Times New Roman"/>
               <a:ea typeface="Times New Roman"/>
               <a:cs typeface="Times New Roman"/>
@@ -15338,10 +16172,10 @@
                         <a:buNone/>
                       </a:pPr>
                       <a:r>
-                        <a:rPr lang="ru"/>
+                        <a:rPr lang="ru" dirty="0"/>
                         <a:t>0.869</a:t>
                       </a:r>
-                      <a:endParaRPr sz="1400" u="none" strike="noStrike" cap="none"/>
+                      <a:endParaRPr sz="1400" u="none" strike="noStrike" cap="none" dirty="0"/>
                     </a:p>
                   </a:txBody>
                   <a:tcPr marL="91425" marR="91425" marT="91425" marB="91425"/>
@@ -15369,10 +16203,10 @@
                         <a:buNone/>
                       </a:pPr>
                       <a:r>
-                        <a:rPr lang="ru" sz="1400" u="none" strike="noStrike" cap="none"/>
+                        <a:rPr lang="ru" sz="1400" u="none" strike="noStrike" cap="none" dirty="0"/>
                         <a:t>0.921</a:t>
                       </a:r>
-                      <a:endParaRPr sz="1400" u="none" strike="noStrike" cap="none"/>
+                      <a:endParaRPr sz="1400" u="none" strike="noStrike" cap="none" dirty="0"/>
                     </a:p>
                   </a:txBody>
                   <a:tcPr marL="91425" marR="91425" marT="91425" marB="91425"/>

--- a/notes/Team17.pptx
+++ b/notes/Team17.pptx
@@ -5,7 +5,7 @@
     <p:sldMasterId id="2147483659" r:id="rId1"/>
   </p:sldMasterIdLst>
   <p:notesMasterIdLst>
-    <p:notesMasterId r:id="rId25"/>
+    <p:notesMasterId r:id="rId28"/>
   </p:notesMasterIdLst>
   <p:sldIdLst>
     <p:sldId id="256" r:id="rId2"/>
@@ -28,26 +28,29 @@
     <p:sldId id="275" r:id="rId19"/>
     <p:sldId id="277" r:id="rId20"/>
     <p:sldId id="279" r:id="rId21"/>
-    <p:sldId id="281" r:id="rId22"/>
-    <p:sldId id="269" r:id="rId23"/>
-    <p:sldId id="270" r:id="rId24"/>
+    <p:sldId id="282" r:id="rId22"/>
+    <p:sldId id="283" r:id="rId23"/>
+    <p:sldId id="281" r:id="rId24"/>
+    <p:sldId id="284" r:id="rId25"/>
+    <p:sldId id="285" r:id="rId26"/>
+    <p:sldId id="286" r:id="rId27"/>
   </p:sldIdLst>
   <p:sldSz cx="9144000" cy="5143500" type="screen16x9"/>
   <p:notesSz cx="6858000" cy="9144000"/>
   <p:embeddedFontLst>
     <p:embeddedFont>
       <p:font typeface="Lato" panose="020B0604020202020204" charset="0"/>
-      <p:regular r:id="rId26"/>
-      <p:bold r:id="rId27"/>
-      <p:italic r:id="rId28"/>
-      <p:boldItalic r:id="rId29"/>
+      <p:regular r:id="rId29"/>
+      <p:bold r:id="rId30"/>
+      <p:italic r:id="rId31"/>
+      <p:boldItalic r:id="rId32"/>
     </p:embeddedFont>
     <p:embeddedFont>
       <p:font typeface="Raleway" panose="020B0604020202020204" charset="-52"/>
-      <p:regular r:id="rId30"/>
-      <p:bold r:id="rId31"/>
-      <p:italic r:id="rId32"/>
-      <p:boldItalic r:id="rId33"/>
+      <p:regular r:id="rId33"/>
+      <p:bold r:id="rId34"/>
+      <p:italic r:id="rId35"/>
+      <p:boldItalic r:id="rId36"/>
     </p:embeddedFont>
   </p:embeddedFontLst>
   <p:defaultTextStyle>
@@ -1436,250 +1439,6 @@
       <p:sp>
         <p:nvSpPr>
           <p:cNvPr id="153" name="Google Shape;153;p13:notes"/>
-          <p:cNvSpPr txBox="1">
-            <a:spLocks noGrp="1"/>
-          </p:cNvSpPr>
-          <p:nvPr>
-            <p:ph type="body" idx="1"/>
-          </p:nvPr>
-        </p:nvSpPr>
-        <p:spPr>
-          <a:xfrm>
-            <a:off x="685800" y="4343400"/>
-            <a:ext cx="5486400" cy="4114800"/>
-          </a:xfrm>
-          <a:prstGeom prst="rect">
-            <a:avLst/>
-          </a:prstGeom>
-          <a:noFill/>
-          <a:ln>
-            <a:noFill/>
-          </a:ln>
-        </p:spPr>
-        <p:txBody>
-          <a:bodyPr spcFirstLastPara="1" wrap="square" lIns="91425" tIns="91425" rIns="91425" bIns="91425" anchor="t" anchorCtr="0">
-            <a:noAutofit/>
-          </a:bodyPr>
-          <a:lstStyle/>
-          <a:p>
-            <a:pPr marL="0" lvl="0" indent="0" algn="l" rtl="0">
-              <a:lnSpc>
-                <a:spcPct val="100000"/>
-              </a:lnSpc>
-              <a:spcBef>
-                <a:spcPts val="0"/>
-              </a:spcBef>
-              <a:spcAft>
-                <a:spcPts val="0"/>
-              </a:spcAft>
-              <a:buSzPts val="1100"/>
-              <a:buNone/>
-            </a:pPr>
-            <a:endParaRPr/>
-          </a:p>
-        </p:txBody>
-      </p:sp>
-    </p:spTree>
-  </p:cSld>
-  <p:clrMapOvr>
-    <a:masterClrMapping/>
-  </p:clrMapOvr>
-</p:notes>
-</file>
-
-<file path=ppt/notesSlides/notesSlide14.xml><?xml version="1.0" encoding="utf-8"?>
-<p:notes xmlns:a="http://schemas.openxmlformats.org/drawingml/2006/main" xmlns:r="http://schemas.openxmlformats.org/officeDocument/2006/relationships" xmlns:p="http://schemas.openxmlformats.org/presentationml/2006/main" showMasterSp="0" showMasterPhAnim="0">
-  <p:cSld>
-    <p:spTree>
-      <p:nvGrpSpPr>
-        <p:cNvPr id="1" name="Shape 156"/>
-        <p:cNvGrpSpPr/>
-        <p:nvPr/>
-      </p:nvGrpSpPr>
-      <p:grpSpPr>
-        <a:xfrm>
-          <a:off x="0" y="0"/>
-          <a:ext cx="0" cy="0"/>
-          <a:chOff x="0" y="0"/>
-          <a:chExt cx="0" cy="0"/>
-        </a:xfrm>
-      </p:grpSpPr>
-      <p:sp>
-        <p:nvSpPr>
-          <p:cNvPr id="157" name="Google Shape;157;p15:notes"/>
-          <p:cNvSpPr>
-            <a:spLocks noGrp="1" noRot="1" noChangeAspect="1"/>
-          </p:cNvSpPr>
-          <p:nvPr>
-            <p:ph type="sldImg" idx="2"/>
-          </p:nvPr>
-        </p:nvSpPr>
-        <p:spPr>
-          <a:xfrm>
-            <a:off x="381300" y="685800"/>
-            <a:ext cx="6096000" cy="3429000"/>
-          </a:xfrm>
-          <a:custGeom>
-            <a:avLst/>
-            <a:gdLst/>
-            <a:ahLst/>
-            <a:cxnLst/>
-            <a:rect l="l" t="t" r="r" b="b"/>
-            <a:pathLst>
-              <a:path w="120000" h="120000" extrusionOk="0">
-                <a:moveTo>
-                  <a:pt x="0" y="0"/>
-                </a:moveTo>
-                <a:lnTo>
-                  <a:pt x="120000" y="0"/>
-                </a:lnTo>
-                <a:lnTo>
-                  <a:pt x="120000" y="120000"/>
-                </a:lnTo>
-                <a:lnTo>
-                  <a:pt x="0" y="120000"/>
-                </a:lnTo>
-                <a:close/>
-              </a:path>
-            </a:pathLst>
-          </a:custGeom>
-          <a:noFill/>
-          <a:ln w="9525" cap="flat" cmpd="sng">
-            <a:solidFill>
-              <a:srgbClr val="000000"/>
-            </a:solidFill>
-            <a:prstDash val="solid"/>
-            <a:round/>
-            <a:headEnd type="none" w="sm" len="sm"/>
-            <a:tailEnd type="none" w="sm" len="sm"/>
-          </a:ln>
-        </p:spPr>
-      </p:sp>
-      <p:sp>
-        <p:nvSpPr>
-          <p:cNvPr id="158" name="Google Shape;158;p15:notes"/>
-          <p:cNvSpPr txBox="1">
-            <a:spLocks noGrp="1"/>
-          </p:cNvSpPr>
-          <p:nvPr>
-            <p:ph type="body" idx="1"/>
-          </p:nvPr>
-        </p:nvSpPr>
-        <p:spPr>
-          <a:xfrm>
-            <a:off x="685800" y="4343400"/>
-            <a:ext cx="5486400" cy="4114800"/>
-          </a:xfrm>
-          <a:prstGeom prst="rect">
-            <a:avLst/>
-          </a:prstGeom>
-          <a:noFill/>
-          <a:ln>
-            <a:noFill/>
-          </a:ln>
-        </p:spPr>
-        <p:txBody>
-          <a:bodyPr spcFirstLastPara="1" wrap="square" lIns="91425" tIns="91425" rIns="91425" bIns="91425" anchor="t" anchorCtr="0">
-            <a:noAutofit/>
-          </a:bodyPr>
-          <a:lstStyle/>
-          <a:p>
-            <a:pPr marL="0" lvl="0" indent="0" algn="l" rtl="0">
-              <a:lnSpc>
-                <a:spcPct val="100000"/>
-              </a:lnSpc>
-              <a:spcBef>
-                <a:spcPts val="0"/>
-              </a:spcBef>
-              <a:spcAft>
-                <a:spcPts val="0"/>
-              </a:spcAft>
-              <a:buSzPts val="1100"/>
-              <a:buNone/>
-            </a:pPr>
-            <a:endParaRPr/>
-          </a:p>
-        </p:txBody>
-      </p:sp>
-    </p:spTree>
-  </p:cSld>
-  <p:clrMapOvr>
-    <a:masterClrMapping/>
-  </p:clrMapOvr>
-</p:notes>
-</file>
-
-<file path=ppt/notesSlides/notesSlide15.xml><?xml version="1.0" encoding="utf-8"?>
-<p:notes xmlns:a="http://schemas.openxmlformats.org/drawingml/2006/main" xmlns:r="http://schemas.openxmlformats.org/officeDocument/2006/relationships" xmlns:p="http://schemas.openxmlformats.org/presentationml/2006/main" showMasterSp="0" showMasterPhAnim="0">
-  <p:cSld>
-    <p:spTree>
-      <p:nvGrpSpPr>
-        <p:cNvPr id="1" name="Shape 164"/>
-        <p:cNvGrpSpPr/>
-        <p:nvPr/>
-      </p:nvGrpSpPr>
-      <p:grpSpPr>
-        <a:xfrm>
-          <a:off x="0" y="0"/>
-          <a:ext cx="0" cy="0"/>
-          <a:chOff x="0" y="0"/>
-          <a:chExt cx="0" cy="0"/>
-        </a:xfrm>
-      </p:grpSpPr>
-      <p:sp>
-        <p:nvSpPr>
-          <p:cNvPr id="165" name="Google Shape;165;p16:notes"/>
-          <p:cNvSpPr>
-            <a:spLocks noGrp="1" noRot="1" noChangeAspect="1"/>
-          </p:cNvSpPr>
-          <p:nvPr>
-            <p:ph type="sldImg" idx="2"/>
-          </p:nvPr>
-        </p:nvSpPr>
-        <p:spPr>
-          <a:xfrm>
-            <a:off x="381300" y="685800"/>
-            <a:ext cx="6096000" cy="3429000"/>
-          </a:xfrm>
-          <a:custGeom>
-            <a:avLst/>
-            <a:gdLst/>
-            <a:ahLst/>
-            <a:cxnLst/>
-            <a:rect l="l" t="t" r="r" b="b"/>
-            <a:pathLst>
-              <a:path w="120000" h="120000" extrusionOk="0">
-                <a:moveTo>
-                  <a:pt x="0" y="0"/>
-                </a:moveTo>
-                <a:lnTo>
-                  <a:pt x="120000" y="0"/>
-                </a:lnTo>
-                <a:lnTo>
-                  <a:pt x="120000" y="120000"/>
-                </a:lnTo>
-                <a:lnTo>
-                  <a:pt x="0" y="120000"/>
-                </a:lnTo>
-                <a:close/>
-              </a:path>
-            </a:pathLst>
-          </a:custGeom>
-          <a:noFill/>
-          <a:ln w="9525" cap="flat" cmpd="sng">
-            <a:solidFill>
-              <a:srgbClr val="000000"/>
-            </a:solidFill>
-            <a:prstDash val="solid"/>
-            <a:round/>
-            <a:headEnd type="none" w="sm" len="sm"/>
-            <a:tailEnd type="none" w="sm" len="sm"/>
-          </a:ln>
-        </p:spPr>
-      </p:sp>
-      <p:sp>
-        <p:nvSpPr>
-          <p:cNvPr id="166" name="Google Shape;166;p16:notes"/>
           <p:cNvSpPr txBox="1">
             <a:spLocks noGrp="1"/>
           </p:cNvSpPr>
@@ -12508,7 +12267,7 @@
               <a:buNone/>
             </a:pPr>
             <a:r>
-              <a:rPr lang="ru" sz="3000">
+              <a:rPr lang="ru" sz="3000" dirty="0">
                 <a:latin typeface="Times New Roman"/>
                 <a:ea typeface="Times New Roman"/>
                 <a:cs typeface="Times New Roman"/>
@@ -12516,7 +12275,7 @@
               </a:rPr>
               <a:t>Датасет BA_bitA</a:t>
             </a:r>
-            <a:endParaRPr sz="3000">
+            <a:endParaRPr sz="3000" dirty="0">
               <a:latin typeface="Times New Roman"/>
               <a:ea typeface="Times New Roman"/>
               <a:cs typeface="Times New Roman"/>
@@ -13618,7 +13377,7 @@
         <p:spPr>
           <a:xfrm>
             <a:off x="424606" y="3550070"/>
-            <a:ext cx="2808113" cy="461665"/>
+            <a:ext cx="2808113" cy="830997"/>
           </a:xfrm>
           <a:prstGeom prst="rect">
             <a:avLst/>
@@ -13646,6 +13405,31 @@
                 <a:latin typeface="Lato" panose="020B0604020202020204" charset="0"/>
               </a:rPr>
               <a:t>l=0.2</a:t>
+            </a:r>
+            <a:br>
+              <a:rPr lang="en-US" sz="1200" dirty="0">
+                <a:solidFill>
+                  <a:schemeClr val="bg2"/>
+                </a:solidFill>
+                <a:latin typeface="Lato" panose="020B0604020202020204" charset="0"/>
+              </a:rPr>
+            </a:br>
+            <a:br>
+              <a:rPr lang="en-US" sz="1200" dirty="0">
+                <a:solidFill>
+                  <a:schemeClr val="bg2"/>
+                </a:solidFill>
+                <a:latin typeface="Lato" panose="020B0604020202020204" charset="0"/>
+              </a:rPr>
+            </a:br>
+            <a:r>
+              <a:rPr lang="ru-RU" sz="1200" dirty="0">
+                <a:solidFill>
+                  <a:schemeClr val="bg2"/>
+                </a:solidFill>
+                <a:latin typeface="Lato" panose="020B0604020202020204" charset="0"/>
+              </a:rPr>
+              <a:t>Признаки без учета событий прошлого</a:t>
             </a:r>
             <a:endParaRPr lang="ru-RU" sz="1200" dirty="0">
               <a:solidFill>
@@ -14172,8 +13956,138 @@
           <a:p>
             <a:r>
               <a:rPr lang="ru-RU" dirty="0"/>
-              <a:t>Результаты</a:t>
+              <a:t>Стратегия</a:t>
             </a:r>
+          </a:p>
+        </p:txBody>
+      </p:sp>
+      <p:sp>
+        <p:nvSpPr>
+          <p:cNvPr id="4" name="TextBox 3">
+            <a:extLst>
+              <a:ext uri="{FF2B5EF4-FFF2-40B4-BE49-F238E27FC236}">
+                <a16:creationId xmlns:a16="http://schemas.microsoft.com/office/drawing/2014/main" id="{D78554E8-8C48-4560-9DD3-3E7A687E7625}"/>
+              </a:ext>
+            </a:extLst>
+          </p:cNvPr>
+          <p:cNvSpPr txBox="1"/>
+          <p:nvPr/>
+        </p:nvSpPr>
+        <p:spPr>
+          <a:xfrm>
+            <a:off x="727650" y="1374937"/>
+            <a:ext cx="8003067" cy="3108543"/>
+          </a:xfrm>
+          <a:prstGeom prst="rect">
+            <a:avLst/>
+          </a:prstGeom>
+          <a:noFill/>
+        </p:spPr>
+        <p:txBody>
+          <a:bodyPr wrap="square" rtlCol="0">
+            <a:spAutoFit/>
+          </a:bodyPr>
+          <a:lstStyle/>
+          <a:p>
+            <a:r>
+              <a:rPr lang="ru-RU" dirty="0"/>
+              <a:t>Будем беспорядочно и без повторений перебирать все пары вершин </a:t>
+            </a:r>
+            <a:r>
+              <a:rPr lang="en-US" dirty="0" err="1"/>
+              <a:t>u,v</a:t>
+            </a:r>
+            <a:r>
+              <a:rPr lang="ru-RU" dirty="0"/>
+              <a:t> так, чтобы выделить равные доли пар между которыми есть ребро в момент времени </a:t>
+            </a:r>
+            <a:r>
+              <a:rPr lang="en-US" dirty="0"/>
+              <a:t>t</a:t>
+            </a:r>
+            <a:r>
+              <a:rPr lang="ru-RU" dirty="0"/>
+              <a:t> (</a:t>
+            </a:r>
+            <a:r>
+              <a:rPr lang="en-US" dirty="0"/>
+              <a:t>pos) </a:t>
+            </a:r>
+            <a:r>
+              <a:rPr lang="ru-RU" dirty="0"/>
+              <a:t>и пар между которыми ребра нет</a:t>
+            </a:r>
+            <a:r>
+              <a:rPr lang="en-US" dirty="0"/>
+              <a:t> (neg)</a:t>
+            </a:r>
+            <a:r>
+              <a:rPr lang="ru-RU" dirty="0"/>
+              <a:t>. Далее для каждой доли находим или статические признаки, или </a:t>
+            </a:r>
+            <a:r>
+              <a:rPr lang="ru-RU" dirty="0" err="1"/>
+              <a:t>темпоральные</a:t>
+            </a:r>
+            <a:r>
+              <a:rPr lang="ru-RU" dirty="0"/>
+              <a:t> (без учёта событий прошлого). Перемешиваем</a:t>
+            </a:r>
+            <a:r>
+              <a:rPr lang="en-US" dirty="0"/>
+              <a:t> pos </a:t>
+            </a:r>
+            <a:r>
+              <a:rPr lang="ru-RU" dirty="0"/>
+              <a:t>и </a:t>
+            </a:r>
+            <a:r>
+              <a:rPr lang="en-US" dirty="0"/>
+              <a:t>neg </a:t>
+            </a:r>
+            <a:r>
+              <a:rPr lang="ru-RU" dirty="0"/>
+              <a:t>доли, далее 75% данных используем для обучения и 25% для тестов.</a:t>
+            </a:r>
+            <a:br>
+              <a:rPr lang="ru-RU" dirty="0"/>
+            </a:br>
+            <a:br>
+              <a:rPr lang="ru-RU" dirty="0"/>
+            </a:br>
+            <a:r>
+              <a:rPr lang="ru-RU" dirty="0"/>
+              <a:t>Для больших сетей берем размер долей для статических признаков = 100 000. Для </a:t>
+            </a:r>
+            <a:r>
+              <a:rPr lang="ru-RU" dirty="0" err="1"/>
+              <a:t>темпоральных</a:t>
+            </a:r>
+            <a:r>
+              <a:rPr lang="ru-RU" dirty="0"/>
+              <a:t> признаков = 10 000. Для маленьких сетей перебираем все возможные пары без ограничений на размер доли.</a:t>
+            </a:r>
+            <a:br>
+              <a:rPr lang="ru-RU" dirty="0"/>
+            </a:br>
+            <a:br>
+              <a:rPr lang="ru-RU" dirty="0"/>
+            </a:br>
+            <a:r>
+              <a:rPr lang="ru-RU" dirty="0"/>
+              <a:t>После сравним наши значения с табличными из статьи.</a:t>
+            </a:r>
+            <a:br>
+              <a:rPr lang="ru-RU" dirty="0"/>
+            </a:br>
+            <a:r>
+              <a:rPr lang="ru-RU" dirty="0"/>
+              <a:t>В статье используется похожая стратегия, но пары вершин перебираются не беспорядочно, а на расстоянии 2 друг от друга</a:t>
+            </a:r>
+            <a:br>
+              <a:rPr lang="ru-RU" dirty="0"/>
+            </a:br>
+            <a:endParaRPr lang="ru-RU" dirty="0"/>
           </a:p>
         </p:txBody>
       </p:sp>
@@ -14371,7 +14285,7 @@
           <p:nvPr>
             <p:extLst>
               <p:ext uri="{D42A27DB-BD31-4B8C-83A1-F6EECF244321}">
-                <p14:modId xmlns:p14="http://schemas.microsoft.com/office/powerpoint/2010/main" val="1457489547"/>
+                <p14:modId xmlns:p14="http://schemas.microsoft.com/office/powerpoint/2010/main" val="651247163"/>
               </p:ext>
             </p:extLst>
           </p:nvPr>
@@ -14500,10 +14414,10 @@
                         <a:buNone/>
                       </a:pPr>
                       <a:r>
-                        <a:rPr lang="ru" sz="1400" u="none" strike="noStrike" cap="none"/>
+                        <a:rPr lang="ru" sz="1400" u="none" strike="noStrike" cap="none" dirty="0"/>
                         <a:t>Table</a:t>
                       </a:r>
-                      <a:endParaRPr sz="1400" u="none" strike="noStrike" cap="none"/>
+                      <a:endParaRPr sz="1400" u="none" strike="noStrike" cap="none" dirty="0"/>
                     </a:p>
                   </a:txBody>
                   <a:tcPr marL="91425" marR="91425" marT="91425" marB="91425"/>
@@ -14569,10 +14483,10 @@
                         <a:buNone/>
                       </a:pPr>
                       <a:r>
-                        <a:rPr lang="ru" sz="1400" u="none" strike="noStrike" cap="none"/>
-                        <a:t>0.879</a:t>
+                        <a:rPr lang="ru-RU" sz="1400" u="none" strike="noStrike" cap="none" dirty="0"/>
+                        <a:t>0.843</a:t>
                       </a:r>
-                      <a:endParaRPr sz="1400" u="none" strike="noStrike" cap="none"/>
+                      <a:endParaRPr sz="1400" u="none" strike="noStrike" cap="none" dirty="0"/>
                     </a:p>
                   </a:txBody>
                   <a:tcPr marL="91425" marR="91425" marT="91425" marB="91425"/>
@@ -14600,7 +14514,7 @@
                         <a:buNone/>
                       </a:pPr>
                       <a:r>
-                        <a:rPr lang="ru" sz="1400" u="none" strike="noStrike" cap="none" dirty="0"/>
+                        <a:rPr lang="ru-RU" sz="1400" u="none" strike="noStrike" cap="none" dirty="0"/>
                         <a:t>0.864</a:t>
                       </a:r>
                       <a:endParaRPr sz="1400" u="none" strike="noStrike" cap="none" dirty="0"/>
@@ -14631,7 +14545,7 @@
           <p:nvPr>
             <p:extLst>
               <p:ext uri="{D42A27DB-BD31-4B8C-83A1-F6EECF244321}">
-                <p14:modId xmlns:p14="http://schemas.microsoft.com/office/powerpoint/2010/main" val="2912104090"/>
+                <p14:modId xmlns:p14="http://schemas.microsoft.com/office/powerpoint/2010/main" val="3143751666"/>
               </p:ext>
             </p:extLst>
           </p:nvPr>
@@ -14832,6 +14746,10 @@
                         <a:buFont typeface="Arial"/>
                         <a:buNone/>
                       </a:pPr>
+                      <a:r>
+                        <a:rPr lang="ru-RU" sz="1400" u="none" strike="noStrike" cap="none" dirty="0"/>
+                        <a:t>0.859</a:t>
+                      </a:r>
                       <a:endParaRPr sz="1400" u="none" strike="noStrike" cap="none" dirty="0"/>
                     </a:p>
                   </a:txBody>
@@ -14859,6 +14777,10 @@
                         <a:buFont typeface="Arial"/>
                         <a:buNone/>
                       </a:pPr>
+                      <a:r>
+                        <a:rPr lang="ru-RU" sz="1400" u="none" strike="noStrike" cap="none" dirty="0"/>
+                        <a:t>0.852</a:t>
+                      </a:r>
                       <a:endParaRPr sz="1400" u="none" strike="noStrike" cap="none" dirty="0"/>
                     </a:p>
                   </a:txBody>
@@ -14876,10 +14798,10 @@
       </p:graphicFrame>
       <p:pic>
         <p:nvPicPr>
-          <p:cNvPr id="5" name="Рисунок 4">
+          <p:cNvPr id="6" name="Рисунок 5">
             <a:extLst>
               <a:ext uri="{FF2B5EF4-FFF2-40B4-BE49-F238E27FC236}">
-                <a16:creationId xmlns:a16="http://schemas.microsoft.com/office/drawing/2014/main" id="{D079327E-EF2B-404E-AD82-11CEBF6D6FE9}"/>
+                <a16:creationId xmlns:a16="http://schemas.microsoft.com/office/drawing/2014/main" id="{65646A09-6205-4EBC-8CE9-6899256B7607}"/>
               </a:ext>
             </a:extLst>
           </p:cNvPr>
@@ -14896,8 +14818,38 @@
         </p:blipFill>
         <p:spPr>
           <a:xfrm>
-            <a:off x="727650" y="1495918"/>
-            <a:ext cx="2929496" cy="2151664"/>
+            <a:off x="727650" y="1339767"/>
+            <a:ext cx="2975217" cy="2236842"/>
+          </a:xfrm>
+          <a:prstGeom prst="rect">
+            <a:avLst/>
+          </a:prstGeom>
+        </p:spPr>
+      </p:pic>
+      <p:pic>
+        <p:nvPicPr>
+          <p:cNvPr id="7" name="Рисунок 6">
+            <a:extLst>
+              <a:ext uri="{FF2B5EF4-FFF2-40B4-BE49-F238E27FC236}">
+                <a16:creationId xmlns:a16="http://schemas.microsoft.com/office/drawing/2014/main" id="{AC3AED17-F99E-4139-A7FA-BA43A197C99F}"/>
+              </a:ext>
+            </a:extLst>
+          </p:cNvPr>
+          <p:cNvPicPr>
+            <a:picLocks noChangeAspect="1"/>
+          </p:cNvPicPr>
+          <p:nvPr/>
+        </p:nvPicPr>
+        <p:blipFill>
+          <a:blip r:embed="rId3"/>
+          <a:stretch>
+            <a:fillRect/>
+          </a:stretch>
+        </p:blipFill>
+        <p:spPr>
+          <a:xfrm>
+            <a:off x="4911419" y="1339767"/>
+            <a:ext cx="2975217" cy="2254445"/>
           </a:xfrm>
           <a:prstGeom prst="rect">
             <a:avLst/>
@@ -14963,8 +14915,8 @@
           <a:lstStyle/>
           <a:p>
             <a:r>
-              <a:rPr lang="en-US" dirty="0"/>
-              <a:t>UC_UC</a:t>
+              <a:rPr lang="en-US" dirty="0" err="1"/>
+              <a:t>BA_bitA</a:t>
             </a:r>
             <a:endParaRPr lang="ru-RU" dirty="0"/>
           </a:p>
@@ -14983,7 +14935,7 @@
           <p:nvPr>
             <p:extLst>
               <p:ext uri="{D42A27DB-BD31-4B8C-83A1-F6EECF244321}">
-                <p14:modId xmlns:p14="http://schemas.microsoft.com/office/powerpoint/2010/main" val="2537227826"/>
+                <p14:modId xmlns:p14="http://schemas.microsoft.com/office/powerpoint/2010/main" val="3801044566"/>
               </p:ext>
             </p:extLst>
           </p:nvPr>
@@ -15181,9 +15133,10 @@
                         <a:buNone/>
                       </a:pPr>
                       <a:r>
-                        <a:rPr lang="ru" sz="1400" u="none" strike="noStrike" cap="none" dirty="0"/>
-                        <a:t>0.869</a:t>
+                        <a:rPr lang="ru-RU" sz="1400" u="none" strike="noStrike" cap="none" dirty="0"/>
+                        <a:t>0.791</a:t>
                       </a:r>
+                      <a:endParaRPr sz="1400" u="none" strike="noStrike" cap="none" dirty="0"/>
                     </a:p>
                   </a:txBody>
                   <a:tcPr marL="91425" marR="91425" marT="91425" marB="91425"/>
@@ -15211,9 +15164,10 @@
                         <a:buNone/>
                       </a:pPr>
                       <a:r>
-                        <a:rPr lang="ru" sz="1400" u="none" strike="noStrike" cap="none" dirty="0"/>
-                        <a:t>0.921</a:t>
+                        <a:rPr lang="ru-RU" sz="1400" u="none" strike="noStrike" cap="none" dirty="0"/>
+                        <a:t>0.868</a:t>
                       </a:r>
+                      <a:endParaRPr sz="1400" u="none" strike="noStrike" cap="none" dirty="0"/>
                     </a:p>
                   </a:txBody>
                   <a:tcPr marL="91425" marR="91425" marT="91425" marB="91425"/>
@@ -15238,7 +15192,13 @@
             </a:extLst>
           </p:cNvPr>
           <p:cNvGraphicFramePr/>
-          <p:nvPr/>
+          <p:nvPr>
+            <p:extLst>
+              <p:ext uri="{D42A27DB-BD31-4B8C-83A1-F6EECF244321}">
+                <p14:modId xmlns:p14="http://schemas.microsoft.com/office/powerpoint/2010/main" val="418518766"/>
+              </p:ext>
+            </p:extLst>
+          </p:nvPr>
         </p:nvGraphicFramePr>
         <p:xfrm>
           <a:off x="4911419" y="3811323"/>
@@ -15436,6 +15396,10 @@
                         <a:buFont typeface="Arial"/>
                         <a:buNone/>
                       </a:pPr>
+                      <a:r>
+                        <a:rPr lang="ru-RU" sz="1400" u="none" strike="noStrike" cap="none" dirty="0"/>
+                        <a:t>0.866</a:t>
+                      </a:r>
                       <a:endParaRPr sz="1400" u="none" strike="noStrike" cap="none" dirty="0"/>
                     </a:p>
                   </a:txBody>
@@ -15463,6 +15427,10 @@
                         <a:buFont typeface="Arial"/>
                         <a:buNone/>
                       </a:pPr>
+                      <a:r>
+                        <a:rPr lang="ru-RU" sz="1400" u="none" strike="noStrike" cap="none" dirty="0"/>
+                        <a:t>0.945</a:t>
+                      </a:r>
                       <a:endParaRPr sz="1400" u="none" strike="noStrike" cap="none" dirty="0"/>
                     </a:p>
                   </a:txBody>
@@ -15480,10 +15448,10 @@
       </p:graphicFrame>
       <p:pic>
         <p:nvPicPr>
-          <p:cNvPr id="6" name="Рисунок 5">
+          <p:cNvPr id="5" name="Рисунок 4">
             <a:extLst>
               <a:ext uri="{FF2B5EF4-FFF2-40B4-BE49-F238E27FC236}">
-                <a16:creationId xmlns:a16="http://schemas.microsoft.com/office/drawing/2014/main" id="{6769207B-E344-4EC1-9EE2-4875CD424E24}"/>
+                <a16:creationId xmlns:a16="http://schemas.microsoft.com/office/drawing/2014/main" id="{5AAC54CE-135B-4A0E-ABE5-430A39911B8A}"/>
               </a:ext>
             </a:extLst>
           </p:cNvPr>
@@ -15500,8 +15468,38 @@
         </p:blipFill>
         <p:spPr>
           <a:xfrm>
-            <a:off x="727650" y="1415897"/>
-            <a:ext cx="2996512" cy="2179282"/>
+            <a:off x="727650" y="1456111"/>
+            <a:ext cx="2778046" cy="2098854"/>
+          </a:xfrm>
+          <a:prstGeom prst="rect">
+            <a:avLst/>
+          </a:prstGeom>
+        </p:spPr>
+      </p:pic>
+      <p:pic>
+        <p:nvPicPr>
+          <p:cNvPr id="6" name="Рисунок 5">
+            <a:extLst>
+              <a:ext uri="{FF2B5EF4-FFF2-40B4-BE49-F238E27FC236}">
+                <a16:creationId xmlns:a16="http://schemas.microsoft.com/office/drawing/2014/main" id="{83BBA008-604F-46BA-A2F9-8CF3EFB88B52}"/>
+              </a:ext>
+            </a:extLst>
+          </p:cNvPr>
+          <p:cNvPicPr>
+            <a:picLocks noChangeAspect="1"/>
+          </p:cNvPicPr>
+          <p:nvPr/>
+        </p:nvPicPr>
+        <p:blipFill>
+          <a:blip r:embed="rId3"/>
+          <a:stretch>
+            <a:fillRect/>
+          </a:stretch>
+        </p:blipFill>
+        <p:spPr>
+          <a:xfrm>
+            <a:off x="4911419" y="1456111"/>
+            <a:ext cx="2829338" cy="2098854"/>
           </a:xfrm>
           <a:prstGeom prst="rect">
             <a:avLst/>
@@ -15511,7 +15509,7 @@
     </p:spTree>
     <p:extLst>
       <p:ext uri="{BB962C8B-B14F-4D97-AF65-F5344CB8AC3E}">
-        <p14:creationId xmlns:p14="http://schemas.microsoft.com/office/powerpoint/2010/main" val="2715681902"/>
+        <p14:creationId xmlns:p14="http://schemas.microsoft.com/office/powerpoint/2010/main" val="4030824258"/>
       </p:ext>
     </p:extLst>
   </p:cSld>
@@ -15526,7 +15524,7 @@
   <p:cSld>
     <p:spTree>
       <p:nvGrpSpPr>
-        <p:cNvPr id="1" name="Shape 159"/>
+        <p:cNvPr id="1" name=""/>
         <p:cNvGrpSpPr/>
         <p:nvPr/>
       </p:nvGrpSpPr>
@@ -15540,8 +15538,14 @@
       </p:grpSpPr>
       <p:sp>
         <p:nvSpPr>
-          <p:cNvPr id="160" name="Google Shape;160;p26"/>
-          <p:cNvSpPr txBox="1">
+          <p:cNvPr id="2" name="Заголовок 1">
+            <a:extLst>
+              <a:ext uri="{FF2B5EF4-FFF2-40B4-BE49-F238E27FC236}">
+                <a16:creationId xmlns:a16="http://schemas.microsoft.com/office/drawing/2014/main" id="{AE9F47F1-32A4-4334-B8F9-BA13AD642BF3}"/>
+              </a:ext>
+            </a:extLst>
+          </p:cNvPr>
+          <p:cNvSpPr>
             <a:spLocks noGrp="1"/>
           </p:cNvSpPr>
           <p:nvPr>
@@ -15550,63 +15554,45 @@
         </p:nvSpPr>
         <p:spPr>
           <a:xfrm>
-            <a:off x="729450" y="1318650"/>
+            <a:off x="727650" y="664553"/>
             <a:ext cx="7688700" cy="535200"/>
           </a:xfrm>
-          <a:prstGeom prst="rect">
-            <a:avLst/>
-          </a:prstGeom>
-          <a:noFill/>
-          <a:ln>
-            <a:noFill/>
-          </a:ln>
         </p:spPr>
         <p:txBody>
-          <a:bodyPr spcFirstLastPara="1" wrap="square" lIns="91425" tIns="91425" rIns="91425" bIns="91425" anchor="t" anchorCtr="0">
+          <a:bodyPr>
             <a:normAutofit fontScale="90000"/>
           </a:bodyPr>
           <a:lstStyle/>
           <a:p>
-            <a:pPr marL="0" lvl="0" indent="0" algn="l" rtl="0">
-              <a:lnSpc>
-                <a:spcPct val="100000"/>
-              </a:lnSpc>
-              <a:spcBef>
-                <a:spcPts val="0"/>
-              </a:spcBef>
-              <a:spcAft>
-                <a:spcPts val="0"/>
-              </a:spcAft>
-              <a:buSzPct val="96296"/>
-              <a:buNone/>
-            </a:pPr>
             <a:r>
-              <a:rPr lang="ru" sz="3000" dirty="0">
-                <a:latin typeface="Times New Roman"/>
-                <a:ea typeface="Times New Roman"/>
-                <a:cs typeface="Times New Roman"/>
-                <a:sym typeface="Times New Roman"/>
-              </a:rPr>
-              <a:t>Датасет RA_Rado</a:t>
+              <a:rPr lang="en-US" dirty="0" err="1"/>
+              <a:t>BO_bitOt</a:t>
             </a:r>
-            <a:endParaRPr sz="3000" dirty="0">
-              <a:latin typeface="Times New Roman"/>
-              <a:ea typeface="Times New Roman"/>
-              <a:cs typeface="Times New Roman"/>
-              <a:sym typeface="Times New Roman"/>
-            </a:endParaRPr>
+            <a:endParaRPr lang="ru-RU" dirty="0"/>
           </a:p>
         </p:txBody>
       </p:sp>
       <p:graphicFrame>
         <p:nvGraphicFramePr>
-          <p:cNvPr id="161" name="Google Shape;161;p26"/>
+          <p:cNvPr id="3" name="Google Shape;161;p26">
+            <a:extLst>
+              <a:ext uri="{FF2B5EF4-FFF2-40B4-BE49-F238E27FC236}">
+                <a16:creationId xmlns:a16="http://schemas.microsoft.com/office/drawing/2014/main" id="{852CED0D-9C0C-461C-B324-B6AF49D8863B}"/>
+              </a:ext>
+            </a:extLst>
+          </p:cNvPr>
           <p:cNvGraphicFramePr/>
-          <p:nvPr/>
+          <p:nvPr>
+            <p:extLst>
+              <p:ext uri="{D42A27DB-BD31-4B8C-83A1-F6EECF244321}">
+                <p14:modId xmlns:p14="http://schemas.microsoft.com/office/powerpoint/2010/main" val="841792639"/>
+              </p:ext>
+            </p:extLst>
+          </p:nvPr>
         </p:nvGraphicFramePr>
         <p:xfrm>
-          <a:off x="4095000" y="1061450"/>
-          <a:ext cx="4832325" cy="792420"/>
+          <a:off x="727650" y="3811323"/>
+          <a:ext cx="3360831" cy="1005780"/>
         </p:xfrm>
         <a:graphic>
           <a:graphicData uri="http://schemas.openxmlformats.org/drawingml/2006/table">
@@ -15616,21 +15602,21 @@
                 <a:tableStyleId>{51A54548-8C6E-4327-B64F-6EE99FB00B55}</a:tableStyleId>
               </a:tblPr>
               <a:tblGrid>
-                <a:gridCol w="1610775">
+                <a:gridCol w="1120277">
                   <a:extLst>
                     <a:ext uri="{9D8B030D-6E8A-4147-A177-3AD203B41FA5}">
                       <a16:colId xmlns:a16="http://schemas.microsoft.com/office/drawing/2014/main" val="20000"/>
                     </a:ext>
                   </a:extLst>
                 </a:gridCol>
-                <a:gridCol w="1610775">
+                <a:gridCol w="1120277">
                   <a:extLst>
                     <a:ext uri="{9D8B030D-6E8A-4147-A177-3AD203B41FA5}">
                       <a16:colId xmlns:a16="http://schemas.microsoft.com/office/drawing/2014/main" val="20001"/>
                     </a:ext>
                   </a:extLst>
                 </a:gridCol>
-                <a:gridCol w="1610775">
+                <a:gridCol w="1120277">
                   <a:extLst>
                     <a:ext uri="{9D8B030D-6E8A-4147-A177-3AD203B41FA5}">
                       <a16:colId xmlns:a16="http://schemas.microsoft.com/office/drawing/2014/main" val="20002"/>
@@ -15638,7 +15624,7 @@
                   </a:extLst>
                 </a:gridCol>
               </a:tblGrid>
-              <a:tr h="381000">
+              <a:tr h="267601">
                 <a:tc>
                   <a:txBody>
                     <a:bodyPr/>
@@ -15662,10 +15648,14 @@
                         <a:buNone/>
                       </a:pPr>
                       <a:r>
-                        <a:rPr lang="ru" sz="1400" u="none" strike="noStrike" cap="none"/>
-                        <a:t>Static topological</a:t>
+                        <a:rPr lang="ru" sz="1400" u="none" strike="noStrike" cap="none" dirty="0"/>
+                        <a:t>Static </a:t>
                       </a:r>
-                      <a:endParaRPr sz="1400" u="none" strike="noStrike" cap="none"/>
+                      <a:r>
+                        <a:rPr lang="en-US" sz="1400" u="none" strike="noStrike" cap="none" dirty="0"/>
+                        <a:t>features</a:t>
+                      </a:r>
+                      <a:endParaRPr sz="1400" u="none" strike="noStrike" cap="none" dirty="0"/>
                     </a:p>
                   </a:txBody>
                   <a:tcPr marL="91425" marR="91425" marT="91425" marB="91425"/>
@@ -15738,7 +15728,7 @@
                   </a:ext>
                 </a:extLst>
               </a:tr>
-              <a:tr h="381000">
+              <a:tr h="267601">
                 <a:tc>
                   <a:txBody>
                     <a:bodyPr/>
@@ -15793,10 +15783,10 @@
                         <a:buNone/>
                       </a:pPr>
                       <a:r>
-                        <a:rPr lang="ru" sz="1400" u="none" strike="noStrike" cap="none"/>
-                        <a:t>0.879</a:t>
+                        <a:rPr lang="ru-RU" sz="1400" u="none" strike="noStrike" cap="none" dirty="0"/>
+                        <a:t>0.766</a:t>
                       </a:r>
-                      <a:endParaRPr sz="1400" u="none" strike="noStrike" cap="none"/>
+                      <a:endParaRPr sz="1400" u="none" strike="noStrike" cap="none" dirty="0"/>
                     </a:p>
                   </a:txBody>
                   <a:tcPr marL="91425" marR="91425" marT="91425" marB="91425"/>
@@ -15824,10 +15814,10 @@
                         <a:buNone/>
                       </a:pPr>
                       <a:r>
-                        <a:rPr lang="ru" sz="1400" u="none" strike="noStrike" cap="none"/>
-                        <a:t>0.864</a:t>
+                        <a:rPr lang="ru-RU" sz="1400" u="none" strike="noStrike" cap="none" dirty="0"/>
+                        <a:t>0.821</a:t>
                       </a:r>
-                      <a:endParaRPr sz="1400" u="none" strike="noStrike" cap="none"/>
+                      <a:endParaRPr sz="1400" u="none" strike="noStrike" cap="none" dirty="0"/>
                     </a:p>
                   </a:txBody>
                   <a:tcPr marL="91425" marR="91425" marT="91425" marB="91425"/>
@@ -15842,154 +15832,27 @@
           </a:graphicData>
         </a:graphic>
       </p:graphicFrame>
-      <p:pic>
-        <p:nvPicPr>
-          <p:cNvPr id="162" name="Google Shape;162;p26"/>
-          <p:cNvPicPr preferRelativeResize="0"/>
-          <p:nvPr/>
-        </p:nvPicPr>
-        <p:blipFill rotWithShape="1">
-          <a:blip r:embed="rId3">
-            <a:alphaModFix/>
-          </a:blip>
-          <a:srcRect/>
-          <a:stretch/>
-        </p:blipFill>
-        <p:spPr>
-          <a:xfrm>
-            <a:off x="729450" y="1853850"/>
-            <a:ext cx="4033019" cy="2984850"/>
-          </a:xfrm>
-          <a:prstGeom prst="rect">
-            <a:avLst/>
-          </a:prstGeom>
-          <a:noFill/>
-          <a:ln>
-            <a:noFill/>
-          </a:ln>
-        </p:spPr>
-      </p:pic>
-      <p:pic>
-        <p:nvPicPr>
-          <p:cNvPr id="163" name="Google Shape;163;p26"/>
-          <p:cNvPicPr preferRelativeResize="0"/>
-          <p:nvPr/>
-        </p:nvPicPr>
-        <p:blipFill rotWithShape="1">
-          <a:blip r:embed="rId4">
-            <a:alphaModFix/>
-          </a:blip>
-          <a:srcRect/>
-          <a:stretch/>
-        </p:blipFill>
-        <p:spPr>
-          <a:xfrm>
-            <a:off x="4762469" y="2049700"/>
-            <a:ext cx="1409700" cy="676275"/>
-          </a:xfrm>
-          <a:prstGeom prst="rect">
-            <a:avLst/>
-          </a:prstGeom>
-          <a:noFill/>
-          <a:ln>
-            <a:noFill/>
-          </a:ln>
-        </p:spPr>
-      </p:pic>
-    </p:spTree>
-  </p:cSld>
-  <p:clrMapOvr>
-    <a:masterClrMapping/>
-  </p:clrMapOvr>
-</p:sld>
-</file>
-
-<file path=ppt/slides/slide23.xml><?xml version="1.0" encoding="utf-8"?>
-<p:sld xmlns:a="http://schemas.openxmlformats.org/drawingml/2006/main" xmlns:r="http://schemas.openxmlformats.org/officeDocument/2006/relationships" xmlns:p="http://schemas.openxmlformats.org/presentationml/2006/main">
-  <p:cSld>
-    <p:spTree>
-      <p:nvGrpSpPr>
-        <p:cNvPr id="1" name="Shape 167"/>
-        <p:cNvGrpSpPr/>
-        <p:nvPr/>
-      </p:nvGrpSpPr>
-      <p:grpSpPr>
-        <a:xfrm>
-          <a:off x="0" y="0"/>
-          <a:ext cx="0" cy="0"/>
-          <a:chOff x="0" y="0"/>
-          <a:chExt cx="0" cy="0"/>
-        </a:xfrm>
-      </p:grpSpPr>
-      <p:sp>
-        <p:nvSpPr>
-          <p:cNvPr id="168" name="Google Shape;168;p27"/>
-          <p:cNvSpPr txBox="1">
-            <a:spLocks noGrp="1"/>
-          </p:cNvSpPr>
-          <p:nvPr>
-            <p:ph type="title"/>
-          </p:nvPr>
-        </p:nvSpPr>
-        <p:spPr>
-          <a:xfrm>
-            <a:off x="729450" y="1318650"/>
-            <a:ext cx="7688700" cy="535200"/>
-          </a:xfrm>
-          <a:prstGeom prst="rect">
-            <a:avLst/>
-          </a:prstGeom>
-          <a:noFill/>
-          <a:ln>
-            <a:noFill/>
-          </a:ln>
-        </p:spPr>
-        <p:txBody>
-          <a:bodyPr spcFirstLastPara="1" wrap="square" lIns="91425" tIns="91425" rIns="91425" bIns="91425" anchor="t" anchorCtr="0">
-            <a:normAutofit fontScale="90000"/>
-          </a:bodyPr>
-          <a:lstStyle/>
-          <a:p>
-            <a:pPr marL="0" lvl="0" indent="0" algn="l" rtl="0">
-              <a:lnSpc>
-                <a:spcPct val="100000"/>
-              </a:lnSpc>
-              <a:spcBef>
-                <a:spcPts val="0"/>
-              </a:spcBef>
-              <a:spcAft>
-                <a:spcPts val="0"/>
-              </a:spcAft>
-              <a:buSzPct val="96296"/>
-              <a:buNone/>
-            </a:pPr>
-            <a:r>
-              <a:rPr lang="ru" sz="3000" dirty="0">
-                <a:latin typeface="Times New Roman"/>
-                <a:ea typeface="Times New Roman"/>
-                <a:cs typeface="Times New Roman"/>
-                <a:sym typeface="Times New Roman"/>
-              </a:rPr>
-              <a:t>Датасет UC_UC</a:t>
-            </a:r>
-            <a:endParaRPr sz="3000" dirty="0">
-              <a:latin typeface="Times New Roman"/>
-              <a:ea typeface="Times New Roman"/>
-              <a:cs typeface="Times New Roman"/>
-              <a:sym typeface="Times New Roman"/>
-            </a:endParaRPr>
-          </a:p>
-        </p:txBody>
-      </p:sp>
       <p:graphicFrame>
         <p:nvGraphicFramePr>
-          <p:cNvPr id="169" name="Google Shape;169;p27"/>
+          <p:cNvPr id="4" name="Google Shape;161;p26">
+            <a:extLst>
+              <a:ext uri="{FF2B5EF4-FFF2-40B4-BE49-F238E27FC236}">
+                <a16:creationId xmlns:a16="http://schemas.microsoft.com/office/drawing/2014/main" id="{8EB1D278-E93D-4095-84E5-5CB63C59AB05}"/>
+              </a:ext>
+            </a:extLst>
+          </p:cNvPr>
           <p:cNvGraphicFramePr/>
-          <p:nvPr/>
+          <p:nvPr>
+            <p:extLst>
+              <p:ext uri="{D42A27DB-BD31-4B8C-83A1-F6EECF244321}">
+                <p14:modId xmlns:p14="http://schemas.microsoft.com/office/powerpoint/2010/main" val="423744499"/>
+              </p:ext>
+            </p:extLst>
+          </p:nvPr>
         </p:nvGraphicFramePr>
         <p:xfrm>
-          <a:off x="4095000" y="1061450"/>
-          <a:ext cx="4323150" cy="792420"/>
+          <a:off x="4911419" y="3811323"/>
+          <a:ext cx="3360831" cy="1005780"/>
         </p:xfrm>
         <a:graphic>
           <a:graphicData uri="http://schemas.openxmlformats.org/drawingml/2006/table">
@@ -15999,21 +15862,21 @@
                 <a:tableStyleId>{51A54548-8C6E-4327-B64F-6EE99FB00B55}</a:tableStyleId>
               </a:tblPr>
               <a:tblGrid>
-                <a:gridCol w="1441050">
+                <a:gridCol w="1120277">
                   <a:extLst>
                     <a:ext uri="{9D8B030D-6E8A-4147-A177-3AD203B41FA5}">
                       <a16:colId xmlns:a16="http://schemas.microsoft.com/office/drawing/2014/main" val="20000"/>
                     </a:ext>
                   </a:extLst>
                 </a:gridCol>
-                <a:gridCol w="1441050">
+                <a:gridCol w="1120277">
                   <a:extLst>
                     <a:ext uri="{9D8B030D-6E8A-4147-A177-3AD203B41FA5}">
                       <a16:colId xmlns:a16="http://schemas.microsoft.com/office/drawing/2014/main" val="20001"/>
                     </a:ext>
                   </a:extLst>
                 </a:gridCol>
-                <a:gridCol w="1441050">
+                <a:gridCol w="1120277">
                   <a:extLst>
                     <a:ext uri="{9D8B030D-6E8A-4147-A177-3AD203B41FA5}">
                       <a16:colId xmlns:a16="http://schemas.microsoft.com/office/drawing/2014/main" val="20002"/>
@@ -16021,7 +15884,7 @@
                   </a:extLst>
                 </a:gridCol>
               </a:tblGrid>
-              <a:tr h="381000">
+              <a:tr h="267601">
                 <a:tc>
                   <a:txBody>
                     <a:bodyPr/>
@@ -16044,7 +15907,19 @@
                         <a:buFont typeface="Arial"/>
                         <a:buNone/>
                       </a:pPr>
-                      <a:endParaRPr sz="1400" u="none" strike="noStrike" cap="none"/>
+                      <a:r>
+                        <a:rPr lang="en-US" sz="1400" u="none" strike="noStrike" cap="none" dirty="0"/>
+                        <a:t>Temporal</a:t>
+                      </a:r>
+                      <a:r>
+                        <a:rPr lang="ru" sz="1400" u="none" strike="noStrike" cap="none" dirty="0"/>
+                        <a:t> </a:t>
+                      </a:r>
+                      <a:r>
+                        <a:rPr lang="en-US" sz="1400" u="none" strike="noStrike" cap="none" dirty="0"/>
+                        <a:t>features</a:t>
+                      </a:r>
+                      <a:endParaRPr sz="1400" u="none" strike="noStrike" cap="none" dirty="0"/>
                     </a:p>
                   </a:txBody>
                   <a:tcPr marL="91425" marR="91425" marT="91425" marB="91425"/>
@@ -16103,10 +15978,10 @@
                         <a:buNone/>
                       </a:pPr>
                       <a:r>
-                        <a:rPr lang="ru" sz="1400" u="none" strike="noStrike" cap="none"/>
+                        <a:rPr lang="ru" sz="1400" u="none" strike="noStrike" cap="none" dirty="0"/>
                         <a:t>Table</a:t>
                       </a:r>
-                      <a:endParaRPr sz="1400" u="none" strike="noStrike" cap="none"/>
+                      <a:endParaRPr sz="1400" u="none" strike="noStrike" cap="none" dirty="0"/>
                     </a:p>
                   </a:txBody>
                   <a:tcPr marL="91425" marR="91425" marT="91425" marB="91425"/>
@@ -16117,7 +15992,7 @@
                   </a:ext>
                 </a:extLst>
               </a:tr>
-              <a:tr h="381000">
+              <a:tr h="267601">
                 <a:tc>
                   <a:txBody>
                     <a:bodyPr/>
@@ -16172,8 +16047,8 @@
                         <a:buNone/>
                       </a:pPr>
                       <a:r>
-                        <a:rPr lang="ru" dirty="0"/>
-                        <a:t>0.869</a:t>
+                        <a:rPr lang="ru-RU" sz="1400" u="none" strike="noStrike" cap="none" dirty="0"/>
+                        <a:t>0.779</a:t>
                       </a:r>
                       <a:endParaRPr sz="1400" u="none" strike="noStrike" cap="none" dirty="0"/>
                     </a:p>
@@ -16203,8 +16078,8 @@
                         <a:buNone/>
                       </a:pPr>
                       <a:r>
-                        <a:rPr lang="ru" sz="1400" u="none" strike="noStrike" cap="none" dirty="0"/>
-                        <a:t>0.921</a:t>
+                        <a:rPr lang="ru-RU" sz="1400" u="none" strike="noStrike" cap="none" dirty="0"/>
+                        <a:t>0.947</a:t>
                       </a:r>
                       <a:endParaRPr sz="1400" u="none" strike="noStrike" cap="none" dirty="0"/>
                     </a:p>
@@ -16223,61 +16098,2209 @@
       </p:graphicFrame>
       <p:pic>
         <p:nvPicPr>
-          <p:cNvPr id="170" name="Google Shape;170;p27"/>
-          <p:cNvPicPr preferRelativeResize="0"/>
+          <p:cNvPr id="5" name="Рисунок 4">
+            <a:extLst>
+              <a:ext uri="{FF2B5EF4-FFF2-40B4-BE49-F238E27FC236}">
+                <a16:creationId xmlns:a16="http://schemas.microsoft.com/office/drawing/2014/main" id="{C68FEFB0-38AE-4468-BCEA-760901AF07EB}"/>
+              </a:ext>
+            </a:extLst>
+          </p:cNvPr>
+          <p:cNvPicPr>
+            <a:picLocks noChangeAspect="1"/>
+          </p:cNvPicPr>
           <p:nvPr/>
         </p:nvPicPr>
         <p:blipFill>
-          <a:blip r:embed="rId3">
-            <a:alphaModFix/>
-          </a:blip>
+          <a:blip r:embed="rId2"/>
           <a:stretch>
             <a:fillRect/>
           </a:stretch>
         </p:blipFill>
         <p:spPr>
           <a:xfrm>
-            <a:off x="729450" y="1945425"/>
-            <a:ext cx="3839573" cy="2984850"/>
+            <a:off x="727650" y="1318621"/>
+            <a:ext cx="3074680" cy="2373834"/>
           </a:xfrm>
           <a:prstGeom prst="rect">
             <a:avLst/>
           </a:prstGeom>
-          <a:noFill/>
-          <a:ln>
-            <a:noFill/>
-          </a:ln>
         </p:spPr>
       </p:pic>
       <p:pic>
         <p:nvPicPr>
-          <p:cNvPr id="171" name="Google Shape;171;p27"/>
-          <p:cNvPicPr preferRelativeResize="0"/>
+          <p:cNvPr id="6" name="Рисунок 5">
+            <a:extLst>
+              <a:ext uri="{FF2B5EF4-FFF2-40B4-BE49-F238E27FC236}">
+                <a16:creationId xmlns:a16="http://schemas.microsoft.com/office/drawing/2014/main" id="{BCF6E42F-BE90-4DF0-92D9-3007ACB1625D}"/>
+              </a:ext>
+            </a:extLst>
+          </p:cNvPr>
+          <p:cNvPicPr>
+            <a:picLocks noChangeAspect="1"/>
+          </p:cNvPicPr>
           <p:nvPr/>
         </p:nvPicPr>
         <p:blipFill>
-          <a:blip r:embed="rId4">
-            <a:alphaModFix/>
-          </a:blip>
+          <a:blip r:embed="rId3"/>
           <a:stretch>
             <a:fillRect/>
           </a:stretch>
         </p:blipFill>
         <p:spPr>
           <a:xfrm>
-            <a:off x="4569023" y="2171325"/>
-            <a:ext cx="1476375" cy="695325"/>
+            <a:off x="4911419" y="1318621"/>
+            <a:ext cx="3116361" cy="2373834"/>
+          </a:xfrm>
+          <a:prstGeom prst="rect">
+            <a:avLst/>
+          </a:prstGeom>
+        </p:spPr>
+      </p:pic>
+    </p:spTree>
+    <p:extLst>
+      <p:ext uri="{BB962C8B-B14F-4D97-AF65-F5344CB8AC3E}">
+        <p14:creationId xmlns:p14="http://schemas.microsoft.com/office/powerpoint/2010/main" val="2450066844"/>
+      </p:ext>
+    </p:extLst>
+  </p:cSld>
+  <p:clrMapOvr>
+    <a:masterClrMapping/>
+  </p:clrMapOvr>
+</p:sld>
+</file>
+
+<file path=ppt/slides/slide23.xml><?xml version="1.0" encoding="utf-8"?>
+<p:sld xmlns:a="http://schemas.openxmlformats.org/drawingml/2006/main" xmlns:r="http://schemas.openxmlformats.org/officeDocument/2006/relationships" xmlns:p="http://schemas.openxmlformats.org/presentationml/2006/main">
+  <p:cSld>
+    <p:spTree>
+      <p:nvGrpSpPr>
+        <p:cNvPr id="1" name=""/>
+        <p:cNvGrpSpPr/>
+        <p:nvPr/>
+      </p:nvGrpSpPr>
+      <p:grpSpPr>
+        <a:xfrm>
+          <a:off x="0" y="0"/>
+          <a:ext cx="0" cy="0"/>
+          <a:chOff x="0" y="0"/>
+          <a:chExt cx="0" cy="0"/>
+        </a:xfrm>
+      </p:grpSpPr>
+      <p:sp>
+        <p:nvSpPr>
+          <p:cNvPr id="2" name="Заголовок 1">
+            <a:extLst>
+              <a:ext uri="{FF2B5EF4-FFF2-40B4-BE49-F238E27FC236}">
+                <a16:creationId xmlns:a16="http://schemas.microsoft.com/office/drawing/2014/main" id="{AE9F47F1-32A4-4334-B8F9-BA13AD642BF3}"/>
+              </a:ext>
+            </a:extLst>
+          </p:cNvPr>
+          <p:cNvSpPr>
+            <a:spLocks noGrp="1"/>
+          </p:cNvSpPr>
+          <p:nvPr>
+            <p:ph type="title"/>
+          </p:nvPr>
+        </p:nvSpPr>
+        <p:spPr>
+          <a:xfrm>
+            <a:off x="727650" y="664553"/>
+            <a:ext cx="7688700" cy="535200"/>
+          </a:xfrm>
+        </p:spPr>
+        <p:txBody>
+          <a:bodyPr>
+            <a:normAutofit fontScale="90000"/>
+          </a:bodyPr>
+          <a:lstStyle/>
+          <a:p>
+            <a:r>
+              <a:rPr lang="en-US" dirty="0"/>
+              <a:t>UC_UC</a:t>
+            </a:r>
+            <a:endParaRPr lang="ru-RU" dirty="0"/>
+          </a:p>
+        </p:txBody>
+      </p:sp>
+      <p:graphicFrame>
+        <p:nvGraphicFramePr>
+          <p:cNvPr id="3" name="Google Shape;161;p26">
+            <a:extLst>
+              <a:ext uri="{FF2B5EF4-FFF2-40B4-BE49-F238E27FC236}">
+                <a16:creationId xmlns:a16="http://schemas.microsoft.com/office/drawing/2014/main" id="{852CED0D-9C0C-461C-B324-B6AF49D8863B}"/>
+              </a:ext>
+            </a:extLst>
+          </p:cNvPr>
+          <p:cNvGraphicFramePr/>
+          <p:nvPr>
+            <p:extLst>
+              <p:ext uri="{D42A27DB-BD31-4B8C-83A1-F6EECF244321}">
+                <p14:modId xmlns:p14="http://schemas.microsoft.com/office/powerpoint/2010/main" val="3759056914"/>
+              </p:ext>
+            </p:extLst>
+          </p:nvPr>
+        </p:nvGraphicFramePr>
+        <p:xfrm>
+          <a:off x="727650" y="3811323"/>
+          <a:ext cx="3360831" cy="1005780"/>
+        </p:xfrm>
+        <a:graphic>
+          <a:graphicData uri="http://schemas.openxmlformats.org/drawingml/2006/table">
+            <a:tbl>
+              <a:tblPr>
+                <a:noFill/>
+                <a:tableStyleId>{51A54548-8C6E-4327-B64F-6EE99FB00B55}</a:tableStyleId>
+              </a:tblPr>
+              <a:tblGrid>
+                <a:gridCol w="1120277">
+                  <a:extLst>
+                    <a:ext uri="{9D8B030D-6E8A-4147-A177-3AD203B41FA5}">
+                      <a16:colId xmlns:a16="http://schemas.microsoft.com/office/drawing/2014/main" val="20000"/>
+                    </a:ext>
+                  </a:extLst>
+                </a:gridCol>
+                <a:gridCol w="1120277">
+                  <a:extLst>
+                    <a:ext uri="{9D8B030D-6E8A-4147-A177-3AD203B41FA5}">
+                      <a16:colId xmlns:a16="http://schemas.microsoft.com/office/drawing/2014/main" val="20001"/>
+                    </a:ext>
+                  </a:extLst>
+                </a:gridCol>
+                <a:gridCol w="1120277">
+                  <a:extLst>
+                    <a:ext uri="{9D8B030D-6E8A-4147-A177-3AD203B41FA5}">
+                      <a16:colId xmlns:a16="http://schemas.microsoft.com/office/drawing/2014/main" val="20002"/>
+                    </a:ext>
+                  </a:extLst>
+                </a:gridCol>
+              </a:tblGrid>
+              <a:tr h="267601">
+                <a:tc>
+                  <a:txBody>
+                    <a:bodyPr/>
+                    <a:lstStyle/>
+                    <a:p>
+                      <a:pPr marL="0" marR="0" lvl="0" indent="0" algn="l" rtl="0">
+                        <a:lnSpc>
+                          <a:spcPct val="100000"/>
+                        </a:lnSpc>
+                        <a:spcBef>
+                          <a:spcPts val="0"/>
+                        </a:spcBef>
+                        <a:spcAft>
+                          <a:spcPts val="0"/>
+                        </a:spcAft>
+                        <a:buClr>
+                          <a:srgbClr val="000000"/>
+                        </a:buClr>
+                        <a:buSzPts val="1400"/>
+                        <a:buFont typeface="Arial"/>
+                        <a:buNone/>
+                      </a:pPr>
+                      <a:r>
+                        <a:rPr lang="ru" sz="1400" u="none" strike="noStrike" cap="none" dirty="0"/>
+                        <a:t>Static </a:t>
+                      </a:r>
+                      <a:r>
+                        <a:rPr lang="en-US" sz="1400" u="none" strike="noStrike" cap="none" dirty="0"/>
+                        <a:t>features</a:t>
+                      </a:r>
+                      <a:endParaRPr sz="1400" u="none" strike="noStrike" cap="none" dirty="0"/>
+                    </a:p>
+                  </a:txBody>
+                  <a:tcPr marL="91425" marR="91425" marT="91425" marB="91425"/>
+                </a:tc>
+                <a:tc>
+                  <a:txBody>
+                    <a:bodyPr/>
+                    <a:lstStyle/>
+                    <a:p>
+                      <a:pPr marL="0" marR="0" lvl="0" indent="0" algn="l" rtl="0">
+                        <a:lnSpc>
+                          <a:spcPct val="100000"/>
+                        </a:lnSpc>
+                        <a:spcBef>
+                          <a:spcPts val="0"/>
+                        </a:spcBef>
+                        <a:spcAft>
+                          <a:spcPts val="0"/>
+                        </a:spcAft>
+                        <a:buClr>
+                          <a:srgbClr val="000000"/>
+                        </a:buClr>
+                        <a:buSzPts val="1400"/>
+                        <a:buFont typeface="Arial"/>
+                        <a:buNone/>
+                      </a:pPr>
+                      <a:r>
+                        <a:rPr lang="ru" sz="1400" u="none" strike="noStrike" cap="none"/>
+                        <a:t>Test</a:t>
+                      </a:r>
+                      <a:endParaRPr sz="1400" u="none" strike="noStrike" cap="none"/>
+                    </a:p>
+                  </a:txBody>
+                  <a:tcPr marL="91425" marR="91425" marT="91425" marB="91425"/>
+                </a:tc>
+                <a:tc>
+                  <a:txBody>
+                    <a:bodyPr/>
+                    <a:lstStyle/>
+                    <a:p>
+                      <a:pPr marL="0" marR="0" lvl="0" indent="0" algn="l" rtl="0">
+                        <a:lnSpc>
+                          <a:spcPct val="100000"/>
+                        </a:lnSpc>
+                        <a:spcBef>
+                          <a:spcPts val="0"/>
+                        </a:spcBef>
+                        <a:spcAft>
+                          <a:spcPts val="0"/>
+                        </a:spcAft>
+                        <a:buClr>
+                          <a:srgbClr val="000000"/>
+                        </a:buClr>
+                        <a:buSzPts val="1400"/>
+                        <a:buFont typeface="Arial"/>
+                        <a:buNone/>
+                      </a:pPr>
+                      <a:r>
+                        <a:rPr lang="ru" sz="1400" u="none" strike="noStrike" cap="none"/>
+                        <a:t>Table</a:t>
+                      </a:r>
+                      <a:endParaRPr sz="1400" u="none" strike="noStrike" cap="none"/>
+                    </a:p>
+                  </a:txBody>
+                  <a:tcPr marL="91425" marR="91425" marT="91425" marB="91425"/>
+                </a:tc>
+                <a:extLst>
+                  <a:ext uri="{0D108BD9-81ED-4DB2-BD59-A6C34878D82A}">
+                    <a16:rowId xmlns:a16="http://schemas.microsoft.com/office/drawing/2014/main" val="10000"/>
+                  </a:ext>
+                </a:extLst>
+              </a:tr>
+              <a:tr h="267601">
+                <a:tc>
+                  <a:txBody>
+                    <a:bodyPr/>
+                    <a:lstStyle/>
+                    <a:p>
+                      <a:pPr marL="0" marR="0" lvl="0" indent="0" algn="l" rtl="0">
+                        <a:lnSpc>
+                          <a:spcPct val="100000"/>
+                        </a:lnSpc>
+                        <a:spcBef>
+                          <a:spcPts val="0"/>
+                        </a:spcBef>
+                        <a:spcAft>
+                          <a:spcPts val="0"/>
+                        </a:spcAft>
+                        <a:buClr>
+                          <a:srgbClr val="000000"/>
+                        </a:buClr>
+                        <a:buSzPts val="1400"/>
+                        <a:buFont typeface="Arial"/>
+                        <a:buNone/>
+                      </a:pPr>
+                      <a:r>
+                        <a:rPr lang="ru" sz="1400" u="none" strike="noStrike" cap="none"/>
+                        <a:t>AUC</a:t>
+                      </a:r>
+                      <a:endParaRPr sz="1400" u="none" strike="noStrike" cap="none"/>
+                    </a:p>
+                  </a:txBody>
+                  <a:tcPr marL="91425" marR="91425" marT="91425" marB="91425"/>
+                </a:tc>
+                <a:tc>
+                  <a:txBody>
+                    <a:bodyPr/>
+                    <a:lstStyle/>
+                    <a:p>
+                      <a:pPr marL="0" marR="0" lvl="0" indent="0" algn="l" rtl="0">
+                        <a:lnSpc>
+                          <a:spcPct val="100000"/>
+                        </a:lnSpc>
+                        <a:spcBef>
+                          <a:spcPts val="0"/>
+                        </a:spcBef>
+                        <a:spcAft>
+                          <a:spcPts val="0"/>
+                        </a:spcAft>
+                        <a:buClr>
+                          <a:srgbClr val="000000"/>
+                        </a:buClr>
+                        <a:buSzPts val="1400"/>
+                        <a:buFont typeface="Arial"/>
+                        <a:buNone/>
+                      </a:pPr>
+                      <a:r>
+                        <a:rPr lang="ru" sz="1400" u="none" strike="noStrike" cap="none" dirty="0"/>
+                        <a:t>0</a:t>
+                      </a:r>
+                      <a:r>
+                        <a:rPr lang="ru-RU" sz="1400" u="none" strike="noStrike" cap="none" dirty="0"/>
+                        <a:t>.873</a:t>
+                      </a:r>
+                      <a:endParaRPr lang="ru" sz="1400" u="none" strike="noStrike" cap="none" dirty="0"/>
+                    </a:p>
+                  </a:txBody>
+                  <a:tcPr marL="91425" marR="91425" marT="91425" marB="91425"/>
+                </a:tc>
+                <a:tc>
+                  <a:txBody>
+                    <a:bodyPr/>
+                    <a:lstStyle/>
+                    <a:p>
+                      <a:pPr marL="0" marR="0" lvl="0" indent="0" algn="l" rtl="0">
+                        <a:lnSpc>
+                          <a:spcPct val="100000"/>
+                        </a:lnSpc>
+                        <a:spcBef>
+                          <a:spcPts val="0"/>
+                        </a:spcBef>
+                        <a:spcAft>
+                          <a:spcPts val="0"/>
+                        </a:spcAft>
+                        <a:buClr>
+                          <a:srgbClr val="000000"/>
+                        </a:buClr>
+                        <a:buSzPts val="1400"/>
+                        <a:buFont typeface="Arial"/>
+                        <a:buNone/>
+                      </a:pPr>
+                      <a:r>
+                        <a:rPr lang="ru" sz="1400" u="none" strike="noStrike" cap="none" dirty="0"/>
+                        <a:t>0.731</a:t>
+                      </a:r>
+                    </a:p>
+                  </a:txBody>
+                  <a:tcPr marL="91425" marR="91425" marT="91425" marB="91425"/>
+                </a:tc>
+                <a:extLst>
+                  <a:ext uri="{0D108BD9-81ED-4DB2-BD59-A6C34878D82A}">
+                    <a16:rowId xmlns:a16="http://schemas.microsoft.com/office/drawing/2014/main" val="10001"/>
+                  </a:ext>
+                </a:extLst>
+              </a:tr>
+            </a:tbl>
+          </a:graphicData>
+        </a:graphic>
+      </p:graphicFrame>
+      <p:graphicFrame>
+        <p:nvGraphicFramePr>
+          <p:cNvPr id="4" name="Google Shape;161;p26">
+            <a:extLst>
+              <a:ext uri="{FF2B5EF4-FFF2-40B4-BE49-F238E27FC236}">
+                <a16:creationId xmlns:a16="http://schemas.microsoft.com/office/drawing/2014/main" id="{8EB1D278-E93D-4095-84E5-5CB63C59AB05}"/>
+              </a:ext>
+            </a:extLst>
+          </p:cNvPr>
+          <p:cNvGraphicFramePr/>
+          <p:nvPr>
+            <p:extLst>
+              <p:ext uri="{D42A27DB-BD31-4B8C-83A1-F6EECF244321}">
+                <p14:modId xmlns:p14="http://schemas.microsoft.com/office/powerpoint/2010/main" val="501813185"/>
+              </p:ext>
+            </p:extLst>
+          </p:nvPr>
+        </p:nvGraphicFramePr>
+        <p:xfrm>
+          <a:off x="4911419" y="3811323"/>
+          <a:ext cx="3360831" cy="1005780"/>
+        </p:xfrm>
+        <a:graphic>
+          <a:graphicData uri="http://schemas.openxmlformats.org/drawingml/2006/table">
+            <a:tbl>
+              <a:tblPr>
+                <a:noFill/>
+                <a:tableStyleId>{51A54548-8C6E-4327-B64F-6EE99FB00B55}</a:tableStyleId>
+              </a:tblPr>
+              <a:tblGrid>
+                <a:gridCol w="1120277">
+                  <a:extLst>
+                    <a:ext uri="{9D8B030D-6E8A-4147-A177-3AD203B41FA5}">
+                      <a16:colId xmlns:a16="http://schemas.microsoft.com/office/drawing/2014/main" val="20000"/>
+                    </a:ext>
+                  </a:extLst>
+                </a:gridCol>
+                <a:gridCol w="1120277">
+                  <a:extLst>
+                    <a:ext uri="{9D8B030D-6E8A-4147-A177-3AD203B41FA5}">
+                      <a16:colId xmlns:a16="http://schemas.microsoft.com/office/drawing/2014/main" val="20001"/>
+                    </a:ext>
+                  </a:extLst>
+                </a:gridCol>
+                <a:gridCol w="1120277">
+                  <a:extLst>
+                    <a:ext uri="{9D8B030D-6E8A-4147-A177-3AD203B41FA5}">
+                      <a16:colId xmlns:a16="http://schemas.microsoft.com/office/drawing/2014/main" val="20002"/>
+                    </a:ext>
+                  </a:extLst>
+                </a:gridCol>
+              </a:tblGrid>
+              <a:tr h="267601">
+                <a:tc>
+                  <a:txBody>
+                    <a:bodyPr/>
+                    <a:lstStyle/>
+                    <a:p>
+                      <a:pPr marL="0" marR="0" lvl="0" indent="0" algn="l" rtl="0">
+                        <a:lnSpc>
+                          <a:spcPct val="100000"/>
+                        </a:lnSpc>
+                        <a:spcBef>
+                          <a:spcPts val="0"/>
+                        </a:spcBef>
+                        <a:spcAft>
+                          <a:spcPts val="0"/>
+                        </a:spcAft>
+                        <a:buClr>
+                          <a:srgbClr val="000000"/>
+                        </a:buClr>
+                        <a:buSzPts val="1400"/>
+                        <a:buFont typeface="Arial"/>
+                        <a:buNone/>
+                      </a:pPr>
+                      <a:r>
+                        <a:rPr lang="en-US" sz="1400" u="none" strike="noStrike" cap="none" dirty="0"/>
+                        <a:t>Temporal</a:t>
+                      </a:r>
+                      <a:r>
+                        <a:rPr lang="ru" sz="1400" u="none" strike="noStrike" cap="none" dirty="0"/>
+                        <a:t> </a:t>
+                      </a:r>
+                      <a:r>
+                        <a:rPr lang="en-US" sz="1400" u="none" strike="noStrike" cap="none" dirty="0"/>
+                        <a:t>features</a:t>
+                      </a:r>
+                      <a:endParaRPr sz="1400" u="none" strike="noStrike" cap="none" dirty="0"/>
+                    </a:p>
+                  </a:txBody>
+                  <a:tcPr marL="91425" marR="91425" marT="91425" marB="91425"/>
+                </a:tc>
+                <a:tc>
+                  <a:txBody>
+                    <a:bodyPr/>
+                    <a:lstStyle/>
+                    <a:p>
+                      <a:pPr marL="0" marR="0" lvl="0" indent="0" algn="l" rtl="0">
+                        <a:lnSpc>
+                          <a:spcPct val="100000"/>
+                        </a:lnSpc>
+                        <a:spcBef>
+                          <a:spcPts val="0"/>
+                        </a:spcBef>
+                        <a:spcAft>
+                          <a:spcPts val="0"/>
+                        </a:spcAft>
+                        <a:buClr>
+                          <a:srgbClr val="000000"/>
+                        </a:buClr>
+                        <a:buSzPts val="1400"/>
+                        <a:buFont typeface="Arial"/>
+                        <a:buNone/>
+                      </a:pPr>
+                      <a:r>
+                        <a:rPr lang="ru" sz="1400" u="none" strike="noStrike" cap="none"/>
+                        <a:t>Test</a:t>
+                      </a:r>
+                      <a:endParaRPr sz="1400" u="none" strike="noStrike" cap="none"/>
+                    </a:p>
+                  </a:txBody>
+                  <a:tcPr marL="91425" marR="91425" marT="91425" marB="91425"/>
+                </a:tc>
+                <a:tc>
+                  <a:txBody>
+                    <a:bodyPr/>
+                    <a:lstStyle/>
+                    <a:p>
+                      <a:pPr marL="0" marR="0" lvl="0" indent="0" algn="l" rtl="0">
+                        <a:lnSpc>
+                          <a:spcPct val="100000"/>
+                        </a:lnSpc>
+                        <a:spcBef>
+                          <a:spcPts val="0"/>
+                        </a:spcBef>
+                        <a:spcAft>
+                          <a:spcPts val="0"/>
+                        </a:spcAft>
+                        <a:buClr>
+                          <a:srgbClr val="000000"/>
+                        </a:buClr>
+                        <a:buSzPts val="1400"/>
+                        <a:buFont typeface="Arial"/>
+                        <a:buNone/>
+                      </a:pPr>
+                      <a:r>
+                        <a:rPr lang="ru" sz="1400" u="none" strike="noStrike" cap="none" dirty="0"/>
+                        <a:t>Table</a:t>
+                      </a:r>
+                      <a:endParaRPr sz="1400" u="none" strike="noStrike" cap="none" dirty="0"/>
+                    </a:p>
+                  </a:txBody>
+                  <a:tcPr marL="91425" marR="91425" marT="91425" marB="91425"/>
+                </a:tc>
+                <a:extLst>
+                  <a:ext uri="{0D108BD9-81ED-4DB2-BD59-A6C34878D82A}">
+                    <a16:rowId xmlns:a16="http://schemas.microsoft.com/office/drawing/2014/main" val="10000"/>
+                  </a:ext>
+                </a:extLst>
+              </a:tr>
+              <a:tr h="267601">
+                <a:tc>
+                  <a:txBody>
+                    <a:bodyPr/>
+                    <a:lstStyle/>
+                    <a:p>
+                      <a:pPr marL="0" marR="0" lvl="0" indent="0" algn="l" rtl="0">
+                        <a:lnSpc>
+                          <a:spcPct val="100000"/>
+                        </a:lnSpc>
+                        <a:spcBef>
+                          <a:spcPts val="0"/>
+                        </a:spcBef>
+                        <a:spcAft>
+                          <a:spcPts val="0"/>
+                        </a:spcAft>
+                        <a:buClr>
+                          <a:srgbClr val="000000"/>
+                        </a:buClr>
+                        <a:buSzPts val="1400"/>
+                        <a:buFont typeface="Arial"/>
+                        <a:buNone/>
+                      </a:pPr>
+                      <a:r>
+                        <a:rPr lang="ru" sz="1400" u="none" strike="noStrike" cap="none"/>
+                        <a:t>AUC</a:t>
+                      </a:r>
+                      <a:endParaRPr sz="1400" u="none" strike="noStrike" cap="none"/>
+                    </a:p>
+                  </a:txBody>
+                  <a:tcPr marL="91425" marR="91425" marT="91425" marB="91425"/>
+                </a:tc>
+                <a:tc>
+                  <a:txBody>
+                    <a:bodyPr/>
+                    <a:lstStyle/>
+                    <a:p>
+                      <a:pPr marL="0" marR="0" lvl="0" indent="0" algn="l" rtl="0">
+                        <a:lnSpc>
+                          <a:spcPct val="100000"/>
+                        </a:lnSpc>
+                        <a:spcBef>
+                          <a:spcPts val="0"/>
+                        </a:spcBef>
+                        <a:spcAft>
+                          <a:spcPts val="0"/>
+                        </a:spcAft>
+                        <a:buClr>
+                          <a:srgbClr val="000000"/>
+                        </a:buClr>
+                        <a:buSzPts val="1400"/>
+                        <a:buFont typeface="Arial"/>
+                        <a:buNone/>
+                      </a:pPr>
+                      <a:r>
+                        <a:rPr lang="ru-RU" sz="1400" u="none" strike="noStrike" cap="none" dirty="0"/>
+                        <a:t>0.808</a:t>
+                      </a:r>
+                      <a:endParaRPr sz="1400" u="none" strike="noStrike" cap="none" dirty="0"/>
+                    </a:p>
+                  </a:txBody>
+                  <a:tcPr marL="91425" marR="91425" marT="91425" marB="91425"/>
+                </a:tc>
+                <a:tc>
+                  <a:txBody>
+                    <a:bodyPr/>
+                    <a:lstStyle/>
+                    <a:p>
+                      <a:pPr marL="0" marR="0" lvl="0" indent="0" algn="l" rtl="0">
+                        <a:lnSpc>
+                          <a:spcPct val="100000"/>
+                        </a:lnSpc>
+                        <a:spcBef>
+                          <a:spcPts val="0"/>
+                        </a:spcBef>
+                        <a:spcAft>
+                          <a:spcPts val="0"/>
+                        </a:spcAft>
+                        <a:buClr>
+                          <a:srgbClr val="000000"/>
+                        </a:buClr>
+                        <a:buSzPts val="1400"/>
+                        <a:buFont typeface="Arial"/>
+                        <a:buNone/>
+                      </a:pPr>
+                      <a:r>
+                        <a:rPr lang="ru-RU" sz="1400" u="none" strike="noStrike" cap="none" dirty="0"/>
+                        <a:t>0.744</a:t>
+                      </a:r>
+                      <a:endParaRPr sz="1400" u="none" strike="noStrike" cap="none" dirty="0"/>
+                    </a:p>
+                  </a:txBody>
+                  <a:tcPr marL="91425" marR="91425" marT="91425" marB="91425"/>
+                </a:tc>
+                <a:extLst>
+                  <a:ext uri="{0D108BD9-81ED-4DB2-BD59-A6C34878D82A}">
+                    <a16:rowId xmlns:a16="http://schemas.microsoft.com/office/drawing/2014/main" val="10001"/>
+                  </a:ext>
+                </a:extLst>
+              </a:tr>
+            </a:tbl>
+          </a:graphicData>
+        </a:graphic>
+      </p:graphicFrame>
+      <p:pic>
+        <p:nvPicPr>
+          <p:cNvPr id="5" name="Рисунок 4">
+            <a:extLst>
+              <a:ext uri="{FF2B5EF4-FFF2-40B4-BE49-F238E27FC236}">
+                <a16:creationId xmlns:a16="http://schemas.microsoft.com/office/drawing/2014/main" id="{8405A245-5CF8-442F-B6A5-A07AC1FE8244}"/>
+              </a:ext>
+            </a:extLst>
+          </p:cNvPr>
+          <p:cNvPicPr>
+            <a:picLocks noChangeAspect="1"/>
+          </p:cNvPicPr>
+          <p:nvPr/>
+        </p:nvPicPr>
+        <p:blipFill>
+          <a:blip r:embed="rId2"/>
+          <a:stretch>
+            <a:fillRect/>
+          </a:stretch>
+        </p:blipFill>
+        <p:spPr>
+          <a:xfrm>
+            <a:off x="727650" y="1332177"/>
+            <a:ext cx="2921417" cy="2224813"/>
+          </a:xfrm>
+          <a:prstGeom prst="rect">
+            <a:avLst/>
+          </a:prstGeom>
+        </p:spPr>
+      </p:pic>
+      <p:pic>
+        <p:nvPicPr>
+          <p:cNvPr id="7" name="Рисунок 6">
+            <a:extLst>
+              <a:ext uri="{FF2B5EF4-FFF2-40B4-BE49-F238E27FC236}">
+                <a16:creationId xmlns:a16="http://schemas.microsoft.com/office/drawing/2014/main" id="{A73D689A-CEEB-4454-A303-DBDD2A726338}"/>
+              </a:ext>
+            </a:extLst>
+          </p:cNvPr>
+          <p:cNvPicPr>
+            <a:picLocks noChangeAspect="1"/>
+          </p:cNvPicPr>
+          <p:nvPr/>
+        </p:nvPicPr>
+        <p:blipFill>
+          <a:blip r:embed="rId3"/>
+          <a:stretch>
+            <a:fillRect/>
+          </a:stretch>
+        </p:blipFill>
+        <p:spPr>
+          <a:xfrm>
+            <a:off x="4911419" y="1332177"/>
+            <a:ext cx="2921416" cy="2210945"/>
+          </a:xfrm>
+          <a:prstGeom prst="rect">
+            <a:avLst/>
+          </a:prstGeom>
+        </p:spPr>
+      </p:pic>
+    </p:spTree>
+    <p:extLst>
+      <p:ext uri="{BB962C8B-B14F-4D97-AF65-F5344CB8AC3E}">
+        <p14:creationId xmlns:p14="http://schemas.microsoft.com/office/powerpoint/2010/main" val="2715681902"/>
+      </p:ext>
+    </p:extLst>
+  </p:cSld>
+  <p:clrMapOvr>
+    <a:masterClrMapping/>
+  </p:clrMapOvr>
+</p:sld>
+</file>
+
+<file path=ppt/slides/slide24.xml><?xml version="1.0" encoding="utf-8"?>
+<p:sld xmlns:a="http://schemas.openxmlformats.org/drawingml/2006/main" xmlns:r="http://schemas.openxmlformats.org/officeDocument/2006/relationships" xmlns:p="http://schemas.openxmlformats.org/presentationml/2006/main">
+  <p:cSld>
+    <p:spTree>
+      <p:nvGrpSpPr>
+        <p:cNvPr id="1" name=""/>
+        <p:cNvGrpSpPr/>
+        <p:nvPr/>
+      </p:nvGrpSpPr>
+      <p:grpSpPr>
+        <a:xfrm>
+          <a:off x="0" y="0"/>
+          <a:ext cx="0" cy="0"/>
+          <a:chOff x="0" y="0"/>
+          <a:chExt cx="0" cy="0"/>
+        </a:xfrm>
+      </p:grpSpPr>
+      <p:sp>
+        <p:nvSpPr>
+          <p:cNvPr id="2" name="Заголовок 1">
+            <a:extLst>
+              <a:ext uri="{FF2B5EF4-FFF2-40B4-BE49-F238E27FC236}">
+                <a16:creationId xmlns:a16="http://schemas.microsoft.com/office/drawing/2014/main" id="{AE9F47F1-32A4-4334-B8F9-BA13AD642BF3}"/>
+              </a:ext>
+            </a:extLst>
+          </p:cNvPr>
+          <p:cNvSpPr>
+            <a:spLocks noGrp="1"/>
+          </p:cNvSpPr>
+          <p:nvPr>
+            <p:ph type="title"/>
+          </p:nvPr>
+        </p:nvSpPr>
+        <p:spPr>
+          <a:xfrm>
+            <a:off x="727650" y="664553"/>
+            <a:ext cx="7688700" cy="535200"/>
+          </a:xfrm>
+        </p:spPr>
+        <p:txBody>
+          <a:bodyPr>
+            <a:normAutofit fontScale="90000"/>
+          </a:bodyPr>
+          <a:lstStyle/>
+          <a:p>
+            <a:r>
+              <a:rPr lang="en-US" dirty="0" err="1"/>
+              <a:t>ma_SX</a:t>
+            </a:r>
+            <a:r>
+              <a:rPr lang="en-US" dirty="0"/>
+              <a:t>-MO</a:t>
+            </a:r>
+            <a:endParaRPr lang="ru-RU" dirty="0"/>
+          </a:p>
+        </p:txBody>
+      </p:sp>
+      <p:graphicFrame>
+        <p:nvGraphicFramePr>
+          <p:cNvPr id="3" name="Google Shape;161;p26">
+            <a:extLst>
+              <a:ext uri="{FF2B5EF4-FFF2-40B4-BE49-F238E27FC236}">
+                <a16:creationId xmlns:a16="http://schemas.microsoft.com/office/drawing/2014/main" id="{852CED0D-9C0C-461C-B324-B6AF49D8863B}"/>
+              </a:ext>
+            </a:extLst>
+          </p:cNvPr>
+          <p:cNvGraphicFramePr/>
+          <p:nvPr>
+            <p:extLst>
+              <p:ext uri="{D42A27DB-BD31-4B8C-83A1-F6EECF244321}">
+                <p14:modId xmlns:p14="http://schemas.microsoft.com/office/powerpoint/2010/main" val="3455771471"/>
+              </p:ext>
+            </p:extLst>
+          </p:nvPr>
+        </p:nvGraphicFramePr>
+        <p:xfrm>
+          <a:off x="727650" y="3811323"/>
+          <a:ext cx="3360831" cy="1005780"/>
+        </p:xfrm>
+        <a:graphic>
+          <a:graphicData uri="http://schemas.openxmlformats.org/drawingml/2006/table">
+            <a:tbl>
+              <a:tblPr>
+                <a:noFill/>
+                <a:tableStyleId>{51A54548-8C6E-4327-B64F-6EE99FB00B55}</a:tableStyleId>
+              </a:tblPr>
+              <a:tblGrid>
+                <a:gridCol w="1120277">
+                  <a:extLst>
+                    <a:ext uri="{9D8B030D-6E8A-4147-A177-3AD203B41FA5}">
+                      <a16:colId xmlns:a16="http://schemas.microsoft.com/office/drawing/2014/main" val="20000"/>
+                    </a:ext>
+                  </a:extLst>
+                </a:gridCol>
+                <a:gridCol w="1120277">
+                  <a:extLst>
+                    <a:ext uri="{9D8B030D-6E8A-4147-A177-3AD203B41FA5}">
+                      <a16:colId xmlns:a16="http://schemas.microsoft.com/office/drawing/2014/main" val="20001"/>
+                    </a:ext>
+                  </a:extLst>
+                </a:gridCol>
+                <a:gridCol w="1120277">
+                  <a:extLst>
+                    <a:ext uri="{9D8B030D-6E8A-4147-A177-3AD203B41FA5}">
+                      <a16:colId xmlns:a16="http://schemas.microsoft.com/office/drawing/2014/main" val="20002"/>
+                    </a:ext>
+                  </a:extLst>
+                </a:gridCol>
+              </a:tblGrid>
+              <a:tr h="267601">
+                <a:tc>
+                  <a:txBody>
+                    <a:bodyPr/>
+                    <a:lstStyle/>
+                    <a:p>
+                      <a:pPr marL="0" marR="0" lvl="0" indent="0" algn="l" rtl="0">
+                        <a:lnSpc>
+                          <a:spcPct val="100000"/>
+                        </a:lnSpc>
+                        <a:spcBef>
+                          <a:spcPts val="0"/>
+                        </a:spcBef>
+                        <a:spcAft>
+                          <a:spcPts val="0"/>
+                        </a:spcAft>
+                        <a:buClr>
+                          <a:srgbClr val="000000"/>
+                        </a:buClr>
+                        <a:buSzPts val="1400"/>
+                        <a:buFont typeface="Arial"/>
+                        <a:buNone/>
+                      </a:pPr>
+                      <a:r>
+                        <a:rPr lang="ru" sz="1400" u="none" strike="noStrike" cap="none" dirty="0"/>
+                        <a:t>Static </a:t>
+                      </a:r>
+                      <a:r>
+                        <a:rPr lang="en-US" sz="1400" u="none" strike="noStrike" cap="none" dirty="0"/>
+                        <a:t>features</a:t>
+                      </a:r>
+                      <a:endParaRPr sz="1400" u="none" strike="noStrike" cap="none" dirty="0"/>
+                    </a:p>
+                  </a:txBody>
+                  <a:tcPr marL="91425" marR="91425" marT="91425" marB="91425"/>
+                </a:tc>
+                <a:tc>
+                  <a:txBody>
+                    <a:bodyPr/>
+                    <a:lstStyle/>
+                    <a:p>
+                      <a:pPr marL="0" marR="0" lvl="0" indent="0" algn="l" rtl="0">
+                        <a:lnSpc>
+                          <a:spcPct val="100000"/>
+                        </a:lnSpc>
+                        <a:spcBef>
+                          <a:spcPts val="0"/>
+                        </a:spcBef>
+                        <a:spcAft>
+                          <a:spcPts val="0"/>
+                        </a:spcAft>
+                        <a:buClr>
+                          <a:srgbClr val="000000"/>
+                        </a:buClr>
+                        <a:buSzPts val="1400"/>
+                        <a:buFont typeface="Arial"/>
+                        <a:buNone/>
+                      </a:pPr>
+                      <a:r>
+                        <a:rPr lang="ru" sz="1400" u="none" strike="noStrike" cap="none"/>
+                        <a:t>Test</a:t>
+                      </a:r>
+                      <a:endParaRPr sz="1400" u="none" strike="noStrike" cap="none"/>
+                    </a:p>
+                  </a:txBody>
+                  <a:tcPr marL="91425" marR="91425" marT="91425" marB="91425"/>
+                </a:tc>
+                <a:tc>
+                  <a:txBody>
+                    <a:bodyPr/>
+                    <a:lstStyle/>
+                    <a:p>
+                      <a:pPr marL="0" marR="0" lvl="0" indent="0" algn="l" rtl="0">
+                        <a:lnSpc>
+                          <a:spcPct val="100000"/>
+                        </a:lnSpc>
+                        <a:spcBef>
+                          <a:spcPts val="0"/>
+                        </a:spcBef>
+                        <a:spcAft>
+                          <a:spcPts val="0"/>
+                        </a:spcAft>
+                        <a:buClr>
+                          <a:srgbClr val="000000"/>
+                        </a:buClr>
+                        <a:buSzPts val="1400"/>
+                        <a:buFont typeface="Arial"/>
+                        <a:buNone/>
+                      </a:pPr>
+                      <a:r>
+                        <a:rPr lang="ru" sz="1400" u="none" strike="noStrike" cap="none"/>
+                        <a:t>Table</a:t>
+                      </a:r>
+                      <a:endParaRPr sz="1400" u="none" strike="noStrike" cap="none"/>
+                    </a:p>
+                  </a:txBody>
+                  <a:tcPr marL="91425" marR="91425" marT="91425" marB="91425"/>
+                </a:tc>
+                <a:extLst>
+                  <a:ext uri="{0D108BD9-81ED-4DB2-BD59-A6C34878D82A}">
+                    <a16:rowId xmlns:a16="http://schemas.microsoft.com/office/drawing/2014/main" val="10000"/>
+                  </a:ext>
+                </a:extLst>
+              </a:tr>
+              <a:tr h="267601">
+                <a:tc>
+                  <a:txBody>
+                    <a:bodyPr/>
+                    <a:lstStyle/>
+                    <a:p>
+                      <a:pPr marL="0" marR="0" lvl="0" indent="0" algn="l" rtl="0">
+                        <a:lnSpc>
+                          <a:spcPct val="100000"/>
+                        </a:lnSpc>
+                        <a:spcBef>
+                          <a:spcPts val="0"/>
+                        </a:spcBef>
+                        <a:spcAft>
+                          <a:spcPts val="0"/>
+                        </a:spcAft>
+                        <a:buClr>
+                          <a:srgbClr val="000000"/>
+                        </a:buClr>
+                        <a:buSzPts val="1400"/>
+                        <a:buFont typeface="Arial"/>
+                        <a:buNone/>
+                      </a:pPr>
+                      <a:r>
+                        <a:rPr lang="ru" sz="1400" u="none" strike="noStrike" cap="none"/>
+                        <a:t>AUC</a:t>
+                      </a:r>
+                      <a:endParaRPr sz="1400" u="none" strike="noStrike" cap="none"/>
+                    </a:p>
+                  </a:txBody>
+                  <a:tcPr marL="91425" marR="91425" marT="91425" marB="91425"/>
+                </a:tc>
+                <a:tc>
+                  <a:txBody>
+                    <a:bodyPr/>
+                    <a:lstStyle/>
+                    <a:p>
+                      <a:pPr marL="0" marR="0" lvl="0" indent="0" algn="l" rtl="0">
+                        <a:lnSpc>
+                          <a:spcPct val="100000"/>
+                        </a:lnSpc>
+                        <a:spcBef>
+                          <a:spcPts val="0"/>
+                        </a:spcBef>
+                        <a:spcAft>
+                          <a:spcPts val="0"/>
+                        </a:spcAft>
+                        <a:buClr>
+                          <a:srgbClr val="000000"/>
+                        </a:buClr>
+                        <a:buSzPts val="1400"/>
+                        <a:buFont typeface="Arial"/>
+                        <a:buNone/>
+                      </a:pPr>
+                      <a:r>
+                        <a:rPr lang="ru" sz="1400" u="none" strike="noStrike" cap="none" dirty="0"/>
+                        <a:t>0</a:t>
+                      </a:r>
+                      <a:r>
+                        <a:rPr lang="ru-RU" sz="1400" u="none" strike="noStrike" cap="none" dirty="0"/>
+                        <a:t>.849</a:t>
+                      </a:r>
+                      <a:endParaRPr lang="ru" sz="1400" u="none" strike="noStrike" cap="none" dirty="0"/>
+                    </a:p>
+                  </a:txBody>
+                  <a:tcPr marL="91425" marR="91425" marT="91425" marB="91425"/>
+                </a:tc>
+                <a:tc>
+                  <a:txBody>
+                    <a:bodyPr/>
+                    <a:lstStyle/>
+                    <a:p>
+                      <a:pPr marL="0" marR="0" lvl="0" indent="0" algn="l" rtl="0">
+                        <a:lnSpc>
+                          <a:spcPct val="100000"/>
+                        </a:lnSpc>
+                        <a:spcBef>
+                          <a:spcPts val="0"/>
+                        </a:spcBef>
+                        <a:spcAft>
+                          <a:spcPts val="0"/>
+                        </a:spcAft>
+                        <a:buClr>
+                          <a:srgbClr val="000000"/>
+                        </a:buClr>
+                        <a:buSzPts val="1400"/>
+                        <a:buFont typeface="Arial"/>
+                        <a:buNone/>
+                      </a:pPr>
+                      <a:r>
+                        <a:rPr lang="en-US" sz="1400" u="none" strike="noStrike" cap="none" dirty="0"/>
+                        <a:t>0.859</a:t>
+                      </a:r>
+                      <a:endParaRPr lang="ru" sz="1400" u="none" strike="noStrike" cap="none" dirty="0"/>
+                    </a:p>
+                  </a:txBody>
+                  <a:tcPr marL="91425" marR="91425" marT="91425" marB="91425"/>
+                </a:tc>
+                <a:extLst>
+                  <a:ext uri="{0D108BD9-81ED-4DB2-BD59-A6C34878D82A}">
+                    <a16:rowId xmlns:a16="http://schemas.microsoft.com/office/drawing/2014/main" val="10001"/>
+                  </a:ext>
+                </a:extLst>
+              </a:tr>
+            </a:tbl>
+          </a:graphicData>
+        </a:graphic>
+      </p:graphicFrame>
+      <p:graphicFrame>
+        <p:nvGraphicFramePr>
+          <p:cNvPr id="4" name="Google Shape;161;p26">
+            <a:extLst>
+              <a:ext uri="{FF2B5EF4-FFF2-40B4-BE49-F238E27FC236}">
+                <a16:creationId xmlns:a16="http://schemas.microsoft.com/office/drawing/2014/main" id="{8EB1D278-E93D-4095-84E5-5CB63C59AB05}"/>
+              </a:ext>
+            </a:extLst>
+          </p:cNvPr>
+          <p:cNvGraphicFramePr/>
+          <p:nvPr>
+            <p:extLst>
+              <p:ext uri="{D42A27DB-BD31-4B8C-83A1-F6EECF244321}">
+                <p14:modId xmlns:p14="http://schemas.microsoft.com/office/powerpoint/2010/main" val="2310727418"/>
+              </p:ext>
+            </p:extLst>
+          </p:nvPr>
+        </p:nvGraphicFramePr>
+        <p:xfrm>
+          <a:off x="4911419" y="3811323"/>
+          <a:ext cx="3360831" cy="1005780"/>
+        </p:xfrm>
+        <a:graphic>
+          <a:graphicData uri="http://schemas.openxmlformats.org/drawingml/2006/table">
+            <a:tbl>
+              <a:tblPr>
+                <a:noFill/>
+                <a:tableStyleId>{51A54548-8C6E-4327-B64F-6EE99FB00B55}</a:tableStyleId>
+              </a:tblPr>
+              <a:tblGrid>
+                <a:gridCol w="1120277">
+                  <a:extLst>
+                    <a:ext uri="{9D8B030D-6E8A-4147-A177-3AD203B41FA5}">
+                      <a16:colId xmlns:a16="http://schemas.microsoft.com/office/drawing/2014/main" val="20000"/>
+                    </a:ext>
+                  </a:extLst>
+                </a:gridCol>
+                <a:gridCol w="1120277">
+                  <a:extLst>
+                    <a:ext uri="{9D8B030D-6E8A-4147-A177-3AD203B41FA5}">
+                      <a16:colId xmlns:a16="http://schemas.microsoft.com/office/drawing/2014/main" val="20001"/>
+                    </a:ext>
+                  </a:extLst>
+                </a:gridCol>
+                <a:gridCol w="1120277">
+                  <a:extLst>
+                    <a:ext uri="{9D8B030D-6E8A-4147-A177-3AD203B41FA5}">
+                      <a16:colId xmlns:a16="http://schemas.microsoft.com/office/drawing/2014/main" val="20002"/>
+                    </a:ext>
+                  </a:extLst>
+                </a:gridCol>
+              </a:tblGrid>
+              <a:tr h="267601">
+                <a:tc>
+                  <a:txBody>
+                    <a:bodyPr/>
+                    <a:lstStyle/>
+                    <a:p>
+                      <a:pPr marL="0" marR="0" lvl="0" indent="0" algn="l" rtl="0">
+                        <a:lnSpc>
+                          <a:spcPct val="100000"/>
+                        </a:lnSpc>
+                        <a:spcBef>
+                          <a:spcPts val="0"/>
+                        </a:spcBef>
+                        <a:spcAft>
+                          <a:spcPts val="0"/>
+                        </a:spcAft>
+                        <a:buClr>
+                          <a:srgbClr val="000000"/>
+                        </a:buClr>
+                        <a:buSzPts val="1400"/>
+                        <a:buFont typeface="Arial"/>
+                        <a:buNone/>
+                      </a:pPr>
+                      <a:r>
+                        <a:rPr lang="en-US" sz="1400" u="none" strike="noStrike" cap="none" dirty="0"/>
+                        <a:t>Temporal</a:t>
+                      </a:r>
+                      <a:r>
+                        <a:rPr lang="ru" sz="1400" u="none" strike="noStrike" cap="none" dirty="0"/>
+                        <a:t> </a:t>
+                      </a:r>
+                      <a:r>
+                        <a:rPr lang="en-US" sz="1400" u="none" strike="noStrike" cap="none" dirty="0"/>
+                        <a:t>features</a:t>
+                      </a:r>
+                      <a:endParaRPr sz="1400" u="none" strike="noStrike" cap="none" dirty="0"/>
+                    </a:p>
+                  </a:txBody>
+                  <a:tcPr marL="91425" marR="91425" marT="91425" marB="91425"/>
+                </a:tc>
+                <a:tc>
+                  <a:txBody>
+                    <a:bodyPr/>
+                    <a:lstStyle/>
+                    <a:p>
+                      <a:pPr marL="0" marR="0" lvl="0" indent="0" algn="l" rtl="0">
+                        <a:lnSpc>
+                          <a:spcPct val="100000"/>
+                        </a:lnSpc>
+                        <a:spcBef>
+                          <a:spcPts val="0"/>
+                        </a:spcBef>
+                        <a:spcAft>
+                          <a:spcPts val="0"/>
+                        </a:spcAft>
+                        <a:buClr>
+                          <a:srgbClr val="000000"/>
+                        </a:buClr>
+                        <a:buSzPts val="1400"/>
+                        <a:buFont typeface="Arial"/>
+                        <a:buNone/>
+                      </a:pPr>
+                      <a:r>
+                        <a:rPr lang="ru" sz="1400" u="none" strike="noStrike" cap="none"/>
+                        <a:t>Test</a:t>
+                      </a:r>
+                      <a:endParaRPr sz="1400" u="none" strike="noStrike" cap="none"/>
+                    </a:p>
+                  </a:txBody>
+                  <a:tcPr marL="91425" marR="91425" marT="91425" marB="91425"/>
+                </a:tc>
+                <a:tc>
+                  <a:txBody>
+                    <a:bodyPr/>
+                    <a:lstStyle/>
+                    <a:p>
+                      <a:pPr marL="0" marR="0" lvl="0" indent="0" algn="l" rtl="0">
+                        <a:lnSpc>
+                          <a:spcPct val="100000"/>
+                        </a:lnSpc>
+                        <a:spcBef>
+                          <a:spcPts val="0"/>
+                        </a:spcBef>
+                        <a:spcAft>
+                          <a:spcPts val="0"/>
+                        </a:spcAft>
+                        <a:buClr>
+                          <a:srgbClr val="000000"/>
+                        </a:buClr>
+                        <a:buSzPts val="1400"/>
+                        <a:buFont typeface="Arial"/>
+                        <a:buNone/>
+                      </a:pPr>
+                      <a:r>
+                        <a:rPr lang="ru" sz="1400" u="none" strike="noStrike" cap="none" dirty="0"/>
+                        <a:t>Table</a:t>
+                      </a:r>
+                      <a:endParaRPr sz="1400" u="none" strike="noStrike" cap="none" dirty="0"/>
+                    </a:p>
+                  </a:txBody>
+                  <a:tcPr marL="91425" marR="91425" marT="91425" marB="91425"/>
+                </a:tc>
+                <a:extLst>
+                  <a:ext uri="{0D108BD9-81ED-4DB2-BD59-A6C34878D82A}">
+                    <a16:rowId xmlns:a16="http://schemas.microsoft.com/office/drawing/2014/main" val="10000"/>
+                  </a:ext>
+                </a:extLst>
+              </a:tr>
+              <a:tr h="267601">
+                <a:tc>
+                  <a:txBody>
+                    <a:bodyPr/>
+                    <a:lstStyle/>
+                    <a:p>
+                      <a:pPr marL="0" marR="0" lvl="0" indent="0" algn="l" rtl="0">
+                        <a:lnSpc>
+                          <a:spcPct val="100000"/>
+                        </a:lnSpc>
+                        <a:spcBef>
+                          <a:spcPts val="0"/>
+                        </a:spcBef>
+                        <a:spcAft>
+                          <a:spcPts val="0"/>
+                        </a:spcAft>
+                        <a:buClr>
+                          <a:srgbClr val="000000"/>
+                        </a:buClr>
+                        <a:buSzPts val="1400"/>
+                        <a:buFont typeface="Arial"/>
+                        <a:buNone/>
+                      </a:pPr>
+                      <a:r>
+                        <a:rPr lang="ru" sz="1400" u="none" strike="noStrike" cap="none"/>
+                        <a:t>AUC</a:t>
+                      </a:r>
+                      <a:endParaRPr sz="1400" u="none" strike="noStrike" cap="none"/>
+                    </a:p>
+                  </a:txBody>
+                  <a:tcPr marL="91425" marR="91425" marT="91425" marB="91425"/>
+                </a:tc>
+                <a:tc>
+                  <a:txBody>
+                    <a:bodyPr/>
+                    <a:lstStyle/>
+                    <a:p>
+                      <a:pPr marL="0" marR="0" lvl="0" indent="0" algn="l" rtl="0">
+                        <a:lnSpc>
+                          <a:spcPct val="100000"/>
+                        </a:lnSpc>
+                        <a:spcBef>
+                          <a:spcPts val="0"/>
+                        </a:spcBef>
+                        <a:spcAft>
+                          <a:spcPts val="0"/>
+                        </a:spcAft>
+                        <a:buClr>
+                          <a:srgbClr val="000000"/>
+                        </a:buClr>
+                        <a:buSzPts val="1400"/>
+                        <a:buFont typeface="Arial"/>
+                        <a:buNone/>
+                      </a:pPr>
+                      <a:r>
+                        <a:rPr lang="ru-RU" sz="1400" u="none" strike="noStrike" cap="none" dirty="0"/>
+                        <a:t>0.988</a:t>
+                      </a:r>
+                      <a:endParaRPr sz="1400" u="none" strike="noStrike" cap="none" dirty="0"/>
+                    </a:p>
+                  </a:txBody>
+                  <a:tcPr marL="91425" marR="91425" marT="91425" marB="91425"/>
+                </a:tc>
+                <a:tc>
+                  <a:txBody>
+                    <a:bodyPr/>
+                    <a:lstStyle/>
+                    <a:p>
+                      <a:pPr marL="0" marR="0" lvl="0" indent="0" algn="l" rtl="0">
+                        <a:lnSpc>
+                          <a:spcPct val="100000"/>
+                        </a:lnSpc>
+                        <a:spcBef>
+                          <a:spcPts val="0"/>
+                        </a:spcBef>
+                        <a:spcAft>
+                          <a:spcPts val="0"/>
+                        </a:spcAft>
+                        <a:buClr>
+                          <a:srgbClr val="000000"/>
+                        </a:buClr>
+                        <a:buSzPts val="1400"/>
+                        <a:buFont typeface="Arial"/>
+                        <a:buNone/>
+                      </a:pPr>
+                      <a:r>
+                        <a:rPr lang="en-US" sz="1400" u="none" strike="noStrike" cap="none" dirty="0"/>
+                        <a:t>0.909</a:t>
+                      </a:r>
+                      <a:endParaRPr sz="1400" u="none" strike="noStrike" cap="none" dirty="0"/>
+                    </a:p>
+                  </a:txBody>
+                  <a:tcPr marL="91425" marR="91425" marT="91425" marB="91425"/>
+                </a:tc>
+                <a:extLst>
+                  <a:ext uri="{0D108BD9-81ED-4DB2-BD59-A6C34878D82A}">
+                    <a16:rowId xmlns:a16="http://schemas.microsoft.com/office/drawing/2014/main" val="10001"/>
+                  </a:ext>
+                </a:extLst>
+              </a:tr>
+            </a:tbl>
+          </a:graphicData>
+        </a:graphic>
+      </p:graphicFrame>
+      <p:pic>
+        <p:nvPicPr>
+          <p:cNvPr id="6" name="Рисунок 5">
+            <a:extLst>
+              <a:ext uri="{FF2B5EF4-FFF2-40B4-BE49-F238E27FC236}">
+                <a16:creationId xmlns:a16="http://schemas.microsoft.com/office/drawing/2014/main" id="{293A7F34-D740-4C8F-AD54-3B9D7962A649}"/>
+              </a:ext>
+            </a:extLst>
+          </p:cNvPr>
+          <p:cNvPicPr>
+            <a:picLocks noChangeAspect="1"/>
+          </p:cNvPicPr>
+          <p:nvPr/>
+        </p:nvPicPr>
+        <p:blipFill>
+          <a:blip r:embed="rId2"/>
+          <a:stretch>
+            <a:fillRect/>
+          </a:stretch>
+        </p:blipFill>
+        <p:spPr>
+          <a:xfrm>
+            <a:off x="727650" y="1332177"/>
+            <a:ext cx="2822826" cy="2173371"/>
+          </a:xfrm>
+          <a:prstGeom prst="rect">
+            <a:avLst/>
+          </a:prstGeom>
+        </p:spPr>
+      </p:pic>
+      <p:pic>
+        <p:nvPicPr>
+          <p:cNvPr id="5" name="Рисунок 4">
+            <a:extLst>
+              <a:ext uri="{FF2B5EF4-FFF2-40B4-BE49-F238E27FC236}">
+                <a16:creationId xmlns:a16="http://schemas.microsoft.com/office/drawing/2014/main" id="{B1C60544-A55D-4A96-A7D2-437FB67E6365}"/>
+              </a:ext>
+            </a:extLst>
+          </p:cNvPr>
+          <p:cNvPicPr>
+            <a:picLocks noChangeAspect="1"/>
+          </p:cNvPicPr>
+          <p:nvPr/>
+        </p:nvPicPr>
+        <p:blipFill>
+          <a:blip r:embed="rId3"/>
+          <a:stretch>
+            <a:fillRect/>
+          </a:stretch>
+        </p:blipFill>
+        <p:spPr>
+          <a:xfrm>
+            <a:off x="4911419" y="1332176"/>
+            <a:ext cx="2787148" cy="2173371"/>
+          </a:xfrm>
+          <a:prstGeom prst="rect">
+            <a:avLst/>
+          </a:prstGeom>
+        </p:spPr>
+      </p:pic>
+    </p:spTree>
+    <p:extLst>
+      <p:ext uri="{BB962C8B-B14F-4D97-AF65-F5344CB8AC3E}">
+        <p14:creationId xmlns:p14="http://schemas.microsoft.com/office/powerpoint/2010/main" val="3112312068"/>
+      </p:ext>
+    </p:extLst>
+  </p:cSld>
+  <p:clrMapOvr>
+    <a:masterClrMapping/>
+  </p:clrMapOvr>
+</p:sld>
+</file>
+
+<file path=ppt/slides/slide25.xml><?xml version="1.0" encoding="utf-8"?>
+<p:sld xmlns:a="http://schemas.openxmlformats.org/drawingml/2006/main" xmlns:r="http://schemas.openxmlformats.org/officeDocument/2006/relationships" xmlns:p="http://schemas.openxmlformats.org/presentationml/2006/main">
+  <p:cSld>
+    <p:spTree>
+      <p:nvGrpSpPr>
+        <p:cNvPr id="1" name=""/>
+        <p:cNvGrpSpPr/>
+        <p:nvPr/>
+      </p:nvGrpSpPr>
+      <p:grpSpPr>
+        <a:xfrm>
+          <a:off x="0" y="0"/>
+          <a:ext cx="0" cy="0"/>
+          <a:chOff x="0" y="0"/>
+          <a:chExt cx="0" cy="0"/>
+        </a:xfrm>
+      </p:grpSpPr>
+      <p:sp>
+        <p:nvSpPr>
+          <p:cNvPr id="2" name="Заголовок 1">
+            <a:extLst>
+              <a:ext uri="{FF2B5EF4-FFF2-40B4-BE49-F238E27FC236}">
+                <a16:creationId xmlns:a16="http://schemas.microsoft.com/office/drawing/2014/main" id="{AE9F47F1-32A4-4334-B8F9-BA13AD642BF3}"/>
+              </a:ext>
+            </a:extLst>
+          </p:cNvPr>
+          <p:cNvSpPr>
+            <a:spLocks noGrp="1"/>
+          </p:cNvSpPr>
+          <p:nvPr>
+            <p:ph type="title"/>
+          </p:nvPr>
+        </p:nvSpPr>
+        <p:spPr>
+          <a:xfrm>
+            <a:off x="727650" y="664553"/>
+            <a:ext cx="7688700" cy="535200"/>
+          </a:xfrm>
+        </p:spPr>
+        <p:txBody>
+          <a:bodyPr>
+            <a:normAutofit fontScale="90000"/>
+          </a:bodyPr>
+          <a:lstStyle/>
+          <a:p>
+            <a:r>
+              <a:rPr lang="en-US" dirty="0"/>
+              <a:t>SU_SX-SU</a:t>
+            </a:r>
+            <a:endParaRPr lang="ru-RU" dirty="0"/>
+          </a:p>
+        </p:txBody>
+      </p:sp>
+      <p:graphicFrame>
+        <p:nvGraphicFramePr>
+          <p:cNvPr id="3" name="Google Shape;161;p26">
+            <a:extLst>
+              <a:ext uri="{FF2B5EF4-FFF2-40B4-BE49-F238E27FC236}">
+                <a16:creationId xmlns:a16="http://schemas.microsoft.com/office/drawing/2014/main" id="{852CED0D-9C0C-461C-B324-B6AF49D8863B}"/>
+              </a:ext>
+            </a:extLst>
+          </p:cNvPr>
+          <p:cNvGraphicFramePr/>
+          <p:nvPr>
+            <p:extLst>
+              <p:ext uri="{D42A27DB-BD31-4B8C-83A1-F6EECF244321}">
+                <p14:modId xmlns:p14="http://schemas.microsoft.com/office/powerpoint/2010/main" val="968806279"/>
+              </p:ext>
+            </p:extLst>
+          </p:nvPr>
+        </p:nvGraphicFramePr>
+        <p:xfrm>
+          <a:off x="727650" y="3811323"/>
+          <a:ext cx="3360831" cy="1005780"/>
+        </p:xfrm>
+        <a:graphic>
+          <a:graphicData uri="http://schemas.openxmlformats.org/drawingml/2006/table">
+            <a:tbl>
+              <a:tblPr>
+                <a:noFill/>
+                <a:tableStyleId>{51A54548-8C6E-4327-B64F-6EE99FB00B55}</a:tableStyleId>
+              </a:tblPr>
+              <a:tblGrid>
+                <a:gridCol w="1120277">
+                  <a:extLst>
+                    <a:ext uri="{9D8B030D-6E8A-4147-A177-3AD203B41FA5}">
+                      <a16:colId xmlns:a16="http://schemas.microsoft.com/office/drawing/2014/main" val="20000"/>
+                    </a:ext>
+                  </a:extLst>
+                </a:gridCol>
+                <a:gridCol w="1120277">
+                  <a:extLst>
+                    <a:ext uri="{9D8B030D-6E8A-4147-A177-3AD203B41FA5}">
+                      <a16:colId xmlns:a16="http://schemas.microsoft.com/office/drawing/2014/main" val="20001"/>
+                    </a:ext>
+                  </a:extLst>
+                </a:gridCol>
+                <a:gridCol w="1120277">
+                  <a:extLst>
+                    <a:ext uri="{9D8B030D-6E8A-4147-A177-3AD203B41FA5}">
+                      <a16:colId xmlns:a16="http://schemas.microsoft.com/office/drawing/2014/main" val="20002"/>
+                    </a:ext>
+                  </a:extLst>
+                </a:gridCol>
+              </a:tblGrid>
+              <a:tr h="267601">
+                <a:tc>
+                  <a:txBody>
+                    <a:bodyPr/>
+                    <a:lstStyle/>
+                    <a:p>
+                      <a:pPr marL="0" marR="0" lvl="0" indent="0" algn="l" rtl="0">
+                        <a:lnSpc>
+                          <a:spcPct val="100000"/>
+                        </a:lnSpc>
+                        <a:spcBef>
+                          <a:spcPts val="0"/>
+                        </a:spcBef>
+                        <a:spcAft>
+                          <a:spcPts val="0"/>
+                        </a:spcAft>
+                        <a:buClr>
+                          <a:srgbClr val="000000"/>
+                        </a:buClr>
+                        <a:buSzPts val="1400"/>
+                        <a:buFont typeface="Arial"/>
+                        <a:buNone/>
+                      </a:pPr>
+                      <a:r>
+                        <a:rPr lang="ru" sz="1400" u="none" strike="noStrike" cap="none" dirty="0"/>
+                        <a:t>Static </a:t>
+                      </a:r>
+                      <a:r>
+                        <a:rPr lang="en-US" sz="1400" u="none" strike="noStrike" cap="none" dirty="0"/>
+                        <a:t>features</a:t>
+                      </a:r>
+                      <a:endParaRPr sz="1400" u="none" strike="noStrike" cap="none" dirty="0"/>
+                    </a:p>
+                  </a:txBody>
+                  <a:tcPr marL="91425" marR="91425" marT="91425" marB="91425"/>
+                </a:tc>
+                <a:tc>
+                  <a:txBody>
+                    <a:bodyPr/>
+                    <a:lstStyle/>
+                    <a:p>
+                      <a:pPr marL="0" marR="0" lvl="0" indent="0" algn="l" rtl="0">
+                        <a:lnSpc>
+                          <a:spcPct val="100000"/>
+                        </a:lnSpc>
+                        <a:spcBef>
+                          <a:spcPts val="0"/>
+                        </a:spcBef>
+                        <a:spcAft>
+                          <a:spcPts val="0"/>
+                        </a:spcAft>
+                        <a:buClr>
+                          <a:srgbClr val="000000"/>
+                        </a:buClr>
+                        <a:buSzPts val="1400"/>
+                        <a:buFont typeface="Arial"/>
+                        <a:buNone/>
+                      </a:pPr>
+                      <a:r>
+                        <a:rPr lang="ru" sz="1400" u="none" strike="noStrike" cap="none"/>
+                        <a:t>Test</a:t>
+                      </a:r>
+                      <a:endParaRPr sz="1400" u="none" strike="noStrike" cap="none"/>
+                    </a:p>
+                  </a:txBody>
+                  <a:tcPr marL="91425" marR="91425" marT="91425" marB="91425"/>
+                </a:tc>
+                <a:tc>
+                  <a:txBody>
+                    <a:bodyPr/>
+                    <a:lstStyle/>
+                    <a:p>
+                      <a:pPr marL="0" marR="0" lvl="0" indent="0" algn="l" rtl="0">
+                        <a:lnSpc>
+                          <a:spcPct val="100000"/>
+                        </a:lnSpc>
+                        <a:spcBef>
+                          <a:spcPts val="0"/>
+                        </a:spcBef>
+                        <a:spcAft>
+                          <a:spcPts val="0"/>
+                        </a:spcAft>
+                        <a:buClr>
+                          <a:srgbClr val="000000"/>
+                        </a:buClr>
+                        <a:buSzPts val="1400"/>
+                        <a:buFont typeface="Arial"/>
+                        <a:buNone/>
+                      </a:pPr>
+                      <a:r>
+                        <a:rPr lang="ru" sz="1400" u="none" strike="noStrike" cap="none"/>
+                        <a:t>Table</a:t>
+                      </a:r>
+                      <a:endParaRPr sz="1400" u="none" strike="noStrike" cap="none"/>
+                    </a:p>
+                  </a:txBody>
+                  <a:tcPr marL="91425" marR="91425" marT="91425" marB="91425"/>
+                </a:tc>
+                <a:extLst>
+                  <a:ext uri="{0D108BD9-81ED-4DB2-BD59-A6C34878D82A}">
+                    <a16:rowId xmlns:a16="http://schemas.microsoft.com/office/drawing/2014/main" val="10000"/>
+                  </a:ext>
+                </a:extLst>
+              </a:tr>
+              <a:tr h="267601">
+                <a:tc>
+                  <a:txBody>
+                    <a:bodyPr/>
+                    <a:lstStyle/>
+                    <a:p>
+                      <a:pPr marL="0" marR="0" lvl="0" indent="0" algn="l" rtl="0">
+                        <a:lnSpc>
+                          <a:spcPct val="100000"/>
+                        </a:lnSpc>
+                        <a:spcBef>
+                          <a:spcPts val="0"/>
+                        </a:spcBef>
+                        <a:spcAft>
+                          <a:spcPts val="0"/>
+                        </a:spcAft>
+                        <a:buClr>
+                          <a:srgbClr val="000000"/>
+                        </a:buClr>
+                        <a:buSzPts val="1400"/>
+                        <a:buFont typeface="Arial"/>
+                        <a:buNone/>
+                      </a:pPr>
+                      <a:r>
+                        <a:rPr lang="ru" sz="1400" u="none" strike="noStrike" cap="none"/>
+                        <a:t>AUC</a:t>
+                      </a:r>
+                      <a:endParaRPr sz="1400" u="none" strike="noStrike" cap="none"/>
+                    </a:p>
+                  </a:txBody>
+                  <a:tcPr marL="91425" marR="91425" marT="91425" marB="91425"/>
+                </a:tc>
+                <a:tc>
+                  <a:txBody>
+                    <a:bodyPr/>
+                    <a:lstStyle/>
+                    <a:p>
+                      <a:pPr marL="0" marR="0" lvl="0" indent="0" algn="l" rtl="0">
+                        <a:lnSpc>
+                          <a:spcPct val="100000"/>
+                        </a:lnSpc>
+                        <a:spcBef>
+                          <a:spcPts val="0"/>
+                        </a:spcBef>
+                        <a:spcAft>
+                          <a:spcPts val="0"/>
+                        </a:spcAft>
+                        <a:buClr>
+                          <a:srgbClr val="000000"/>
+                        </a:buClr>
+                        <a:buSzPts val="1400"/>
+                        <a:buFont typeface="Arial"/>
+                        <a:buNone/>
+                      </a:pPr>
+                      <a:r>
+                        <a:rPr lang="en-US" sz="1400" u="none" strike="noStrike" cap="none" dirty="0"/>
+                        <a:t>0.820</a:t>
+                      </a:r>
+                      <a:endParaRPr lang="ru" sz="1400" u="none" strike="noStrike" cap="none" dirty="0"/>
+                    </a:p>
+                  </a:txBody>
+                  <a:tcPr marL="91425" marR="91425" marT="91425" marB="91425"/>
+                </a:tc>
+                <a:tc>
+                  <a:txBody>
+                    <a:bodyPr/>
+                    <a:lstStyle/>
+                    <a:p>
+                      <a:pPr marL="0" marR="0" lvl="0" indent="0" algn="l" rtl="0">
+                        <a:lnSpc>
+                          <a:spcPct val="100000"/>
+                        </a:lnSpc>
+                        <a:spcBef>
+                          <a:spcPts val="0"/>
+                        </a:spcBef>
+                        <a:spcAft>
+                          <a:spcPts val="0"/>
+                        </a:spcAft>
+                        <a:buClr>
+                          <a:srgbClr val="000000"/>
+                        </a:buClr>
+                        <a:buSzPts val="1400"/>
+                        <a:buFont typeface="Arial"/>
+                        <a:buNone/>
+                      </a:pPr>
+                      <a:r>
+                        <a:rPr lang="en-US" sz="1400" u="none" strike="noStrike" cap="none" dirty="0"/>
+                        <a:t>0.921</a:t>
+                      </a:r>
+                      <a:endParaRPr lang="ru" sz="1400" u="none" strike="noStrike" cap="none" dirty="0"/>
+                    </a:p>
+                  </a:txBody>
+                  <a:tcPr marL="91425" marR="91425" marT="91425" marB="91425"/>
+                </a:tc>
+                <a:extLst>
+                  <a:ext uri="{0D108BD9-81ED-4DB2-BD59-A6C34878D82A}">
+                    <a16:rowId xmlns:a16="http://schemas.microsoft.com/office/drawing/2014/main" val="10001"/>
+                  </a:ext>
+                </a:extLst>
+              </a:tr>
+            </a:tbl>
+          </a:graphicData>
+        </a:graphic>
+      </p:graphicFrame>
+      <p:graphicFrame>
+        <p:nvGraphicFramePr>
+          <p:cNvPr id="4" name="Google Shape;161;p26">
+            <a:extLst>
+              <a:ext uri="{FF2B5EF4-FFF2-40B4-BE49-F238E27FC236}">
+                <a16:creationId xmlns:a16="http://schemas.microsoft.com/office/drawing/2014/main" id="{8EB1D278-E93D-4095-84E5-5CB63C59AB05}"/>
+              </a:ext>
+            </a:extLst>
+          </p:cNvPr>
+          <p:cNvGraphicFramePr/>
+          <p:nvPr>
+            <p:extLst>
+              <p:ext uri="{D42A27DB-BD31-4B8C-83A1-F6EECF244321}">
+                <p14:modId xmlns:p14="http://schemas.microsoft.com/office/powerpoint/2010/main" val="1698472023"/>
+              </p:ext>
+            </p:extLst>
+          </p:nvPr>
+        </p:nvGraphicFramePr>
+        <p:xfrm>
+          <a:off x="4911419" y="3811323"/>
+          <a:ext cx="3360831" cy="1005780"/>
+        </p:xfrm>
+        <a:graphic>
+          <a:graphicData uri="http://schemas.openxmlformats.org/drawingml/2006/table">
+            <a:tbl>
+              <a:tblPr>
+                <a:noFill/>
+                <a:tableStyleId>{51A54548-8C6E-4327-B64F-6EE99FB00B55}</a:tableStyleId>
+              </a:tblPr>
+              <a:tblGrid>
+                <a:gridCol w="1120277">
+                  <a:extLst>
+                    <a:ext uri="{9D8B030D-6E8A-4147-A177-3AD203B41FA5}">
+                      <a16:colId xmlns:a16="http://schemas.microsoft.com/office/drawing/2014/main" val="20000"/>
+                    </a:ext>
+                  </a:extLst>
+                </a:gridCol>
+                <a:gridCol w="1120277">
+                  <a:extLst>
+                    <a:ext uri="{9D8B030D-6E8A-4147-A177-3AD203B41FA5}">
+                      <a16:colId xmlns:a16="http://schemas.microsoft.com/office/drawing/2014/main" val="20001"/>
+                    </a:ext>
+                  </a:extLst>
+                </a:gridCol>
+                <a:gridCol w="1120277">
+                  <a:extLst>
+                    <a:ext uri="{9D8B030D-6E8A-4147-A177-3AD203B41FA5}">
+                      <a16:colId xmlns:a16="http://schemas.microsoft.com/office/drawing/2014/main" val="20002"/>
+                    </a:ext>
+                  </a:extLst>
+                </a:gridCol>
+              </a:tblGrid>
+              <a:tr h="267601">
+                <a:tc>
+                  <a:txBody>
+                    <a:bodyPr/>
+                    <a:lstStyle/>
+                    <a:p>
+                      <a:pPr marL="0" marR="0" lvl="0" indent="0" algn="l" rtl="0">
+                        <a:lnSpc>
+                          <a:spcPct val="100000"/>
+                        </a:lnSpc>
+                        <a:spcBef>
+                          <a:spcPts val="0"/>
+                        </a:spcBef>
+                        <a:spcAft>
+                          <a:spcPts val="0"/>
+                        </a:spcAft>
+                        <a:buClr>
+                          <a:srgbClr val="000000"/>
+                        </a:buClr>
+                        <a:buSzPts val="1400"/>
+                        <a:buFont typeface="Arial"/>
+                        <a:buNone/>
+                      </a:pPr>
+                      <a:r>
+                        <a:rPr lang="en-US" sz="1400" u="none" strike="noStrike" cap="none" dirty="0"/>
+                        <a:t>Temporal</a:t>
+                      </a:r>
+                      <a:r>
+                        <a:rPr lang="ru" sz="1400" u="none" strike="noStrike" cap="none" dirty="0"/>
+                        <a:t> </a:t>
+                      </a:r>
+                      <a:r>
+                        <a:rPr lang="en-US" sz="1400" u="none" strike="noStrike" cap="none" dirty="0"/>
+                        <a:t>features</a:t>
+                      </a:r>
+                      <a:endParaRPr sz="1400" u="none" strike="noStrike" cap="none" dirty="0"/>
+                    </a:p>
+                  </a:txBody>
+                  <a:tcPr marL="91425" marR="91425" marT="91425" marB="91425"/>
+                </a:tc>
+                <a:tc>
+                  <a:txBody>
+                    <a:bodyPr/>
+                    <a:lstStyle/>
+                    <a:p>
+                      <a:pPr marL="0" marR="0" lvl="0" indent="0" algn="l" rtl="0">
+                        <a:lnSpc>
+                          <a:spcPct val="100000"/>
+                        </a:lnSpc>
+                        <a:spcBef>
+                          <a:spcPts val="0"/>
+                        </a:spcBef>
+                        <a:spcAft>
+                          <a:spcPts val="0"/>
+                        </a:spcAft>
+                        <a:buClr>
+                          <a:srgbClr val="000000"/>
+                        </a:buClr>
+                        <a:buSzPts val="1400"/>
+                        <a:buFont typeface="Arial"/>
+                        <a:buNone/>
+                      </a:pPr>
+                      <a:r>
+                        <a:rPr lang="ru" sz="1400" u="none" strike="noStrike" cap="none"/>
+                        <a:t>Test</a:t>
+                      </a:r>
+                      <a:endParaRPr sz="1400" u="none" strike="noStrike" cap="none"/>
+                    </a:p>
+                  </a:txBody>
+                  <a:tcPr marL="91425" marR="91425" marT="91425" marB="91425"/>
+                </a:tc>
+                <a:tc>
+                  <a:txBody>
+                    <a:bodyPr/>
+                    <a:lstStyle/>
+                    <a:p>
+                      <a:pPr marL="0" marR="0" lvl="0" indent="0" algn="l" rtl="0">
+                        <a:lnSpc>
+                          <a:spcPct val="100000"/>
+                        </a:lnSpc>
+                        <a:spcBef>
+                          <a:spcPts val="0"/>
+                        </a:spcBef>
+                        <a:spcAft>
+                          <a:spcPts val="0"/>
+                        </a:spcAft>
+                        <a:buClr>
+                          <a:srgbClr val="000000"/>
+                        </a:buClr>
+                        <a:buSzPts val="1400"/>
+                        <a:buFont typeface="Arial"/>
+                        <a:buNone/>
+                      </a:pPr>
+                      <a:r>
+                        <a:rPr lang="ru" sz="1400" u="none" strike="noStrike" cap="none" dirty="0"/>
+                        <a:t>Table</a:t>
+                      </a:r>
+                      <a:endParaRPr sz="1400" u="none" strike="noStrike" cap="none" dirty="0"/>
+                    </a:p>
+                  </a:txBody>
+                  <a:tcPr marL="91425" marR="91425" marT="91425" marB="91425"/>
+                </a:tc>
+                <a:extLst>
+                  <a:ext uri="{0D108BD9-81ED-4DB2-BD59-A6C34878D82A}">
+                    <a16:rowId xmlns:a16="http://schemas.microsoft.com/office/drawing/2014/main" val="10000"/>
+                  </a:ext>
+                </a:extLst>
+              </a:tr>
+              <a:tr h="267601">
+                <a:tc>
+                  <a:txBody>
+                    <a:bodyPr/>
+                    <a:lstStyle/>
+                    <a:p>
+                      <a:pPr marL="0" marR="0" lvl="0" indent="0" algn="l" rtl="0">
+                        <a:lnSpc>
+                          <a:spcPct val="100000"/>
+                        </a:lnSpc>
+                        <a:spcBef>
+                          <a:spcPts val="0"/>
+                        </a:spcBef>
+                        <a:spcAft>
+                          <a:spcPts val="0"/>
+                        </a:spcAft>
+                        <a:buClr>
+                          <a:srgbClr val="000000"/>
+                        </a:buClr>
+                        <a:buSzPts val="1400"/>
+                        <a:buFont typeface="Arial"/>
+                        <a:buNone/>
+                      </a:pPr>
+                      <a:r>
+                        <a:rPr lang="ru" sz="1400" u="none" strike="noStrike" cap="none"/>
+                        <a:t>AUC</a:t>
+                      </a:r>
+                      <a:endParaRPr sz="1400" u="none" strike="noStrike" cap="none"/>
+                    </a:p>
+                  </a:txBody>
+                  <a:tcPr marL="91425" marR="91425" marT="91425" marB="91425"/>
+                </a:tc>
+                <a:tc>
+                  <a:txBody>
+                    <a:bodyPr/>
+                    <a:lstStyle/>
+                    <a:p>
+                      <a:pPr marL="0" marR="0" lvl="0" indent="0" algn="l" rtl="0">
+                        <a:lnSpc>
+                          <a:spcPct val="100000"/>
+                        </a:lnSpc>
+                        <a:spcBef>
+                          <a:spcPts val="0"/>
+                        </a:spcBef>
+                        <a:spcAft>
+                          <a:spcPts val="0"/>
+                        </a:spcAft>
+                        <a:buClr>
+                          <a:srgbClr val="000000"/>
+                        </a:buClr>
+                        <a:buSzPts val="1400"/>
+                        <a:buFont typeface="Arial"/>
+                        <a:buNone/>
+                      </a:pPr>
+                      <a:r>
+                        <a:rPr lang="en-US" sz="1400" u="none" strike="noStrike" cap="none" dirty="0"/>
+                        <a:t>0.979</a:t>
+                      </a:r>
+                      <a:endParaRPr sz="1400" u="none" strike="noStrike" cap="none" dirty="0"/>
+                    </a:p>
+                  </a:txBody>
+                  <a:tcPr marL="91425" marR="91425" marT="91425" marB="91425"/>
+                </a:tc>
+                <a:tc>
+                  <a:txBody>
+                    <a:bodyPr/>
+                    <a:lstStyle/>
+                    <a:p>
+                      <a:pPr marL="0" marR="0" lvl="0" indent="0" algn="l" rtl="0">
+                        <a:lnSpc>
+                          <a:spcPct val="100000"/>
+                        </a:lnSpc>
+                        <a:spcBef>
+                          <a:spcPts val="0"/>
+                        </a:spcBef>
+                        <a:spcAft>
+                          <a:spcPts val="0"/>
+                        </a:spcAft>
+                        <a:buClr>
+                          <a:srgbClr val="000000"/>
+                        </a:buClr>
+                        <a:buSzPts val="1400"/>
+                        <a:buFont typeface="Arial"/>
+                        <a:buNone/>
+                      </a:pPr>
+                      <a:r>
+                        <a:rPr lang="en-US" sz="1400" u="none" strike="noStrike" cap="none" dirty="0"/>
+                        <a:t>0.946</a:t>
+                      </a:r>
+                      <a:endParaRPr sz="1400" u="none" strike="noStrike" cap="none" dirty="0"/>
+                    </a:p>
+                  </a:txBody>
+                  <a:tcPr marL="91425" marR="91425" marT="91425" marB="91425"/>
+                </a:tc>
+                <a:extLst>
+                  <a:ext uri="{0D108BD9-81ED-4DB2-BD59-A6C34878D82A}">
+                    <a16:rowId xmlns:a16="http://schemas.microsoft.com/office/drawing/2014/main" val="10001"/>
+                  </a:ext>
+                </a:extLst>
+              </a:tr>
+            </a:tbl>
+          </a:graphicData>
+        </a:graphic>
+      </p:graphicFrame>
+      <p:pic>
+        <p:nvPicPr>
+          <p:cNvPr id="5" name="Рисунок 4">
+            <a:extLst>
+              <a:ext uri="{FF2B5EF4-FFF2-40B4-BE49-F238E27FC236}">
+                <a16:creationId xmlns:a16="http://schemas.microsoft.com/office/drawing/2014/main" id="{991B945B-EE27-4CB3-83EA-83D02446ADED}"/>
+              </a:ext>
+            </a:extLst>
+          </p:cNvPr>
+          <p:cNvPicPr>
+            <a:picLocks noChangeAspect="1"/>
+          </p:cNvPicPr>
+          <p:nvPr/>
+        </p:nvPicPr>
+        <p:blipFill>
+          <a:blip r:embed="rId2"/>
+          <a:stretch>
+            <a:fillRect/>
+          </a:stretch>
+        </p:blipFill>
+        <p:spPr>
+          <a:xfrm>
+            <a:off x="727650" y="1434436"/>
+            <a:ext cx="2806961" cy="2077945"/>
+          </a:xfrm>
+          <a:prstGeom prst="rect">
+            <a:avLst/>
+          </a:prstGeom>
+        </p:spPr>
+      </p:pic>
+      <p:pic>
+        <p:nvPicPr>
+          <p:cNvPr id="8" name="Рисунок 7">
+            <a:extLst>
+              <a:ext uri="{FF2B5EF4-FFF2-40B4-BE49-F238E27FC236}">
+                <a16:creationId xmlns:a16="http://schemas.microsoft.com/office/drawing/2014/main" id="{50F21281-C158-491F-8ABA-6BDAC5FEDE2A}"/>
+              </a:ext>
+            </a:extLst>
+          </p:cNvPr>
+          <p:cNvPicPr>
+            <a:picLocks noChangeAspect="1"/>
+          </p:cNvPicPr>
+          <p:nvPr/>
+        </p:nvPicPr>
+        <p:blipFill>
+          <a:blip r:embed="rId3"/>
+          <a:stretch>
+            <a:fillRect/>
+          </a:stretch>
+        </p:blipFill>
+        <p:spPr>
+          <a:xfrm>
+            <a:off x="4911419" y="1465999"/>
+            <a:ext cx="2614977" cy="2014818"/>
+          </a:xfrm>
+          <a:prstGeom prst="rect">
+            <a:avLst/>
+          </a:prstGeom>
+        </p:spPr>
+      </p:pic>
+    </p:spTree>
+    <p:extLst>
+      <p:ext uri="{BB962C8B-B14F-4D97-AF65-F5344CB8AC3E}">
+        <p14:creationId xmlns:p14="http://schemas.microsoft.com/office/powerpoint/2010/main" val="1860877306"/>
+      </p:ext>
+    </p:extLst>
+  </p:cSld>
+  <p:clrMapOvr>
+    <a:masterClrMapping/>
+  </p:clrMapOvr>
+</p:sld>
+</file>
+
+<file path=ppt/slides/slide26.xml><?xml version="1.0" encoding="utf-8"?>
+<p:sld xmlns:a="http://schemas.openxmlformats.org/drawingml/2006/main" xmlns:r="http://schemas.openxmlformats.org/officeDocument/2006/relationships" xmlns:p="http://schemas.openxmlformats.org/presentationml/2006/main">
+  <p:cSld>
+    <p:spTree>
+      <p:nvGrpSpPr>
+        <p:cNvPr id="1" name=""/>
+        <p:cNvGrpSpPr/>
+        <p:nvPr/>
+      </p:nvGrpSpPr>
+      <p:grpSpPr>
+        <a:xfrm>
+          <a:off x="0" y="0"/>
+          <a:ext cx="0" cy="0"/>
+          <a:chOff x="0" y="0"/>
+          <a:chExt cx="0" cy="0"/>
+        </a:xfrm>
+      </p:grpSpPr>
+      <p:sp>
+        <p:nvSpPr>
+          <p:cNvPr id="2" name="Заголовок 1">
+            <a:extLst>
+              <a:ext uri="{FF2B5EF4-FFF2-40B4-BE49-F238E27FC236}">
+                <a16:creationId xmlns:a16="http://schemas.microsoft.com/office/drawing/2014/main" id="{AE9F47F1-32A4-4334-B8F9-BA13AD642BF3}"/>
+              </a:ext>
+            </a:extLst>
+          </p:cNvPr>
+          <p:cNvSpPr>
+            <a:spLocks noGrp="1"/>
+          </p:cNvSpPr>
+          <p:nvPr>
+            <p:ph type="title"/>
+          </p:nvPr>
+        </p:nvSpPr>
+        <p:spPr>
+          <a:xfrm>
+            <a:off x="727650" y="664553"/>
+            <a:ext cx="7688700" cy="535200"/>
+          </a:xfrm>
+        </p:spPr>
+        <p:txBody>
+          <a:bodyPr>
+            <a:normAutofit fontScale="90000"/>
+          </a:bodyPr>
+          <a:lstStyle/>
+          <a:p>
+            <a:r>
+              <a:rPr lang="ru-RU" dirty="0"/>
+              <a:t>Заключение</a:t>
+            </a:r>
+          </a:p>
+        </p:txBody>
+      </p:sp>
+      <p:sp>
+        <p:nvSpPr>
+          <p:cNvPr id="4" name="TextBox 3">
+            <a:extLst>
+              <a:ext uri="{FF2B5EF4-FFF2-40B4-BE49-F238E27FC236}">
+                <a16:creationId xmlns:a16="http://schemas.microsoft.com/office/drawing/2014/main" id="{D78554E8-8C48-4560-9DD3-3E7A687E7625}"/>
+              </a:ext>
+            </a:extLst>
+          </p:cNvPr>
+          <p:cNvSpPr txBox="1"/>
+          <p:nvPr/>
+        </p:nvSpPr>
+        <p:spPr>
+          <a:xfrm>
+            <a:off x="727650" y="1370404"/>
+            <a:ext cx="8003067" cy="3108543"/>
           </a:xfrm>
           <a:prstGeom prst="rect">
             <a:avLst/>
           </a:prstGeom>
           <a:noFill/>
-          <a:ln>
-            <a:noFill/>
-          </a:ln>
         </p:spPr>
-      </p:pic>
+        <p:txBody>
+          <a:bodyPr wrap="square" rtlCol="0">
+            <a:spAutoFit/>
+          </a:bodyPr>
+          <a:lstStyle/>
+          <a:p>
+            <a:r>
+              <a:rPr lang="ru-RU" dirty="0"/>
+              <a:t>Мы можем заметить что для малых сетей наша стратегия с беспорядочным перебором работает хуже чем из статьи, но </a:t>
+            </a:r>
+            <a:r>
+              <a:rPr lang="en-US" dirty="0"/>
+              <a:t>AUC </a:t>
+            </a:r>
+            <a:r>
+              <a:rPr lang="ru-RU" dirty="0"/>
+              <a:t>близок к табличной. (</a:t>
+            </a:r>
+            <a:r>
+              <a:rPr lang="en-US" dirty="0" err="1"/>
+              <a:t>BA_bitA</a:t>
+            </a:r>
+            <a:r>
+              <a:rPr lang="en-US" dirty="0"/>
+              <a:t>, </a:t>
+            </a:r>
+            <a:r>
+              <a:rPr lang="en-US" dirty="0" err="1"/>
+              <a:t>BO_bitOt</a:t>
+            </a:r>
+            <a:r>
+              <a:rPr lang="en-US" dirty="0"/>
+              <a:t>)</a:t>
+            </a:r>
+            <a:br>
+              <a:rPr lang="en-US" dirty="0"/>
+            </a:br>
+            <a:br>
+              <a:rPr lang="ru-RU" dirty="0"/>
+            </a:br>
+            <a:r>
+              <a:rPr lang="ru-RU" dirty="0"/>
+              <a:t>Однако если мы переберем все возможные комбинации, не ограничивая размер долей. То стратегия будем лучше, чем табличная с ограничением в 10 000 пар и расстоянием 2. (</a:t>
+            </a:r>
+            <a:r>
+              <a:rPr lang="en-US" dirty="0" err="1"/>
+              <a:t>RA_Rado</a:t>
+            </a:r>
+            <a:r>
+              <a:rPr lang="en-US" dirty="0"/>
+              <a:t>, UC_UC)</a:t>
+            </a:r>
+            <a:br>
+              <a:rPr lang="ru-RU" dirty="0"/>
+            </a:br>
+            <a:br>
+              <a:rPr lang="ru-RU" dirty="0"/>
+            </a:br>
+            <a:r>
+              <a:rPr lang="ru-RU" dirty="0"/>
+              <a:t>Если же мы возьмем очень большие сети, то стратегия с беспорядочным перебором может быть вовсе неэффективна и давать неверную оценку (слишком большая </a:t>
+            </a:r>
+            <a:r>
+              <a:rPr lang="en-US" dirty="0"/>
+              <a:t>AUC)</a:t>
+            </a:r>
+            <a:r>
+              <a:rPr lang="ru-RU" dirty="0"/>
+              <a:t>. Предположительно это происходит из за того что модель неправильно/неэффективно обучается на беспорядочном переборе(</a:t>
+            </a:r>
+            <a:r>
+              <a:rPr lang="en-US" dirty="0" err="1"/>
+              <a:t>ma_SX</a:t>
+            </a:r>
+            <a:r>
+              <a:rPr lang="en-US" dirty="0"/>
+              <a:t>-MO, SU_SX-SU)</a:t>
+            </a:r>
+            <a:br>
+              <a:rPr lang="ru-RU" dirty="0"/>
+            </a:br>
+            <a:endParaRPr lang="ru-RU" dirty="0"/>
+          </a:p>
+          <a:p>
+            <a:br>
+              <a:rPr lang="ru-RU" dirty="0"/>
+            </a:br>
+            <a:endParaRPr lang="ru-RU" dirty="0"/>
+          </a:p>
+        </p:txBody>
+      </p:sp>
     </p:spTree>
+    <p:extLst>
+      <p:ext uri="{BB962C8B-B14F-4D97-AF65-F5344CB8AC3E}">
+        <p14:creationId xmlns:p14="http://schemas.microsoft.com/office/powerpoint/2010/main" val="4047345797"/>
+      </p:ext>
+    </p:extLst>
   </p:cSld>
   <p:clrMapOvr>
     <a:masterClrMapping/>

--- a/notes/Team17.pptx
+++ b/notes/Team17.pptx
@@ -5,7 +5,7 @@
     <p:sldMasterId id="2147483659" r:id="rId1"/>
   </p:sldMasterIdLst>
   <p:notesMasterIdLst>
-    <p:notesMasterId r:id="rId28"/>
+    <p:notesMasterId r:id="rId31"/>
   </p:notesMasterIdLst>
   <p:sldIdLst>
     <p:sldId id="256" r:id="rId2"/>
@@ -33,24 +33,27 @@
     <p:sldId id="281" r:id="rId24"/>
     <p:sldId id="284" r:id="rId25"/>
     <p:sldId id="285" r:id="rId26"/>
-    <p:sldId id="286" r:id="rId27"/>
+    <p:sldId id="290" r:id="rId27"/>
+    <p:sldId id="291" r:id="rId28"/>
+    <p:sldId id="292" r:id="rId29"/>
+    <p:sldId id="289" r:id="rId30"/>
   </p:sldIdLst>
   <p:sldSz cx="9144000" cy="5143500" type="screen16x9"/>
   <p:notesSz cx="6858000" cy="9144000"/>
   <p:embeddedFontLst>
     <p:embeddedFont>
       <p:font typeface="Lato" panose="020B0604020202020204" charset="0"/>
-      <p:regular r:id="rId29"/>
-      <p:bold r:id="rId30"/>
-      <p:italic r:id="rId31"/>
-      <p:boldItalic r:id="rId32"/>
+      <p:regular r:id="rId32"/>
+      <p:bold r:id="rId33"/>
+      <p:italic r:id="rId34"/>
+      <p:boldItalic r:id="rId35"/>
     </p:embeddedFont>
     <p:embeddedFont>
       <p:font typeface="Raleway" panose="020B0604020202020204" charset="-52"/>
-      <p:regular r:id="rId33"/>
-      <p:bold r:id="rId34"/>
-      <p:italic r:id="rId35"/>
-      <p:boldItalic r:id="rId36"/>
+      <p:regular r:id="rId36"/>
+      <p:bold r:id="rId37"/>
+      <p:italic r:id="rId38"/>
+      <p:boldItalic r:id="rId39"/>
     </p:embeddedFont>
   </p:embeddedFontLst>
   <p:defaultTextStyle>
@@ -1031,7 +1034,7 @@
         </p:nvSpPr>
         <p:spPr>
           <a:xfrm>
-            <a:off x="381300" y="685800"/>
+            <a:off x="381000" y="685800"/>
             <a:ext cx="6096000" cy="3429000"/>
           </a:xfrm>
           <a:custGeom>
@@ -12398,29 +12401,32 @@
       </p:sp>
       <p:pic>
         <p:nvPicPr>
-          <p:cNvPr id="138" name="Google Shape;138;p22"/>
-          <p:cNvPicPr preferRelativeResize="0"/>
+          <p:cNvPr id="2" name="Рисунок 1">
+            <a:extLst>
+              <a:ext uri="{FF2B5EF4-FFF2-40B4-BE49-F238E27FC236}">
+                <a16:creationId xmlns:a16="http://schemas.microsoft.com/office/drawing/2014/main" id="{38FAA016-D29C-4D8B-926F-09F7AEA8F36D}"/>
+              </a:ext>
+            </a:extLst>
+          </p:cNvPr>
+          <p:cNvPicPr>
+            <a:picLocks noChangeAspect="1"/>
+          </p:cNvPicPr>
           <p:nvPr/>
         </p:nvPicPr>
-        <p:blipFill rotWithShape="1">
-          <a:blip r:embed="rId3">
-            <a:alphaModFix/>
-          </a:blip>
-          <a:srcRect/>
-          <a:stretch/>
+        <p:blipFill>
+          <a:blip r:embed="rId3"/>
+          <a:stretch>
+            <a:fillRect/>
+          </a:stretch>
         </p:blipFill>
         <p:spPr>
           <a:xfrm>
-            <a:off x="729450" y="1853850"/>
-            <a:ext cx="5248275" cy="2333625"/>
+            <a:off x="729450" y="1968280"/>
+            <a:ext cx="4972744" cy="2314898"/>
           </a:xfrm>
           <a:prstGeom prst="rect">
             <a:avLst/>
           </a:prstGeom>
-          <a:noFill/>
-          <a:ln>
-            <a:noFill/>
-          </a:ln>
         </p:spPr>
       </p:pic>
     </p:spTree>
@@ -13189,7 +13195,7 @@
                   <a:schemeClr val="bg2"/>
                 </a:solidFill>
               </a:rPr>
-              <a:t> признаки </a:t>
+              <a:t> признаки без учёта событий прошлого </a:t>
             </a:r>
           </a:p>
           <a:p>
@@ -13376,7 +13382,7 @@
         </p:nvSpPr>
         <p:spPr>
           <a:xfrm>
-            <a:off x="424606" y="3550070"/>
+            <a:off x="411257" y="3626772"/>
             <a:ext cx="2808113" cy="830997"/>
           </a:xfrm>
           <a:prstGeom prst="rect">
@@ -13422,15 +13428,6 @@
                 <a:latin typeface="Lato" panose="020B0604020202020204" charset="0"/>
               </a:rPr>
             </a:br>
-            <a:r>
-              <a:rPr lang="ru-RU" sz="1200" dirty="0">
-                <a:solidFill>
-                  <a:schemeClr val="bg2"/>
-                </a:solidFill>
-                <a:latin typeface="Lato" panose="020B0604020202020204" charset="0"/>
-              </a:rPr>
-              <a:t>Признаки без учета событий прошлого</a:t>
-            </a:r>
             <a:endParaRPr lang="ru-RU" sz="1200" dirty="0">
               <a:solidFill>
                 <a:schemeClr val="bg2"/>
@@ -13956,7 +13953,7 @@
           <a:p>
             <a:r>
               <a:rPr lang="ru-RU" dirty="0"/>
-              <a:t>Стратегия</a:t>
+              <a:t>Стратегия 1</a:t>
             </a:r>
           </a:p>
         </p:txBody>
@@ -13994,8 +13991,8 @@
               <a:t>Будем беспорядочно и без повторений перебирать все пары вершин </a:t>
             </a:r>
             <a:r>
-              <a:rPr lang="en-US" dirty="0" err="1"/>
-              <a:t>u,v</a:t>
+              <a:rPr lang="en-US" dirty="0"/>
+              <a:t>node1-node2</a:t>
             </a:r>
             <a:r>
               <a:rPr lang="ru-RU" dirty="0"/>
@@ -14031,23 +14028,7 @@
             </a:r>
             <a:r>
               <a:rPr lang="ru-RU" dirty="0"/>
-              <a:t> (без учёта событий прошлого). Перемешиваем</a:t>
-            </a:r>
-            <a:r>
-              <a:rPr lang="en-US" dirty="0"/>
-              <a:t> pos </a:t>
-            </a:r>
-            <a:r>
-              <a:rPr lang="ru-RU" dirty="0"/>
-              <a:t>и </a:t>
-            </a:r>
-            <a:r>
-              <a:rPr lang="en-US" dirty="0"/>
-              <a:t>neg </a:t>
-            </a:r>
-            <a:r>
-              <a:rPr lang="ru-RU" dirty="0"/>
-              <a:t>доли, далее 75% данных используем для обучения и 25% для тестов.</a:t>
+              <a:t> (без учёта событий прошлого). Далее75% данных используем для обучения и 25% для тестов.</a:t>
             </a:r>
             <a:br>
               <a:rPr lang="ru-RU" dirty="0"/>
@@ -14082,7 +14063,7 @@
             </a:br>
             <a:r>
               <a:rPr lang="ru-RU" dirty="0"/>
-              <a:t>В статье используется похожая стратегия, но пары вершин перебираются не беспорядочно, а на расстоянии 2 друг от друга</a:t>
+              <a:t>В статье используется похожая стратегия, но пары вершин перебираются не беспорядочно, а берутся только вершины на расстоянии 2 друг от друга</a:t>
             </a:r>
             <a:br>
               <a:rPr lang="ru-RU" dirty="0"/>
@@ -18177,6 +18158,2030 @@
           <a:p>
             <a:r>
               <a:rPr lang="ru-RU" dirty="0"/>
+              <a:t>Стратегия 2 </a:t>
+            </a:r>
+            <a:r>
+              <a:rPr lang="ru-RU" sz="1600" dirty="0"/>
+              <a:t>(для статических признаков)</a:t>
+            </a:r>
+          </a:p>
+        </p:txBody>
+      </p:sp>
+      <p:sp>
+        <p:nvSpPr>
+          <p:cNvPr id="4" name="TextBox 3">
+            <a:extLst>
+              <a:ext uri="{FF2B5EF4-FFF2-40B4-BE49-F238E27FC236}">
+                <a16:creationId xmlns:a16="http://schemas.microsoft.com/office/drawing/2014/main" id="{D78554E8-8C48-4560-9DD3-3E7A687E7625}"/>
+              </a:ext>
+            </a:extLst>
+          </p:cNvPr>
+          <p:cNvSpPr txBox="1"/>
+          <p:nvPr/>
+        </p:nvSpPr>
+        <p:spPr>
+          <a:xfrm>
+            <a:off x="727650" y="1374937"/>
+            <a:ext cx="8003067" cy="1600438"/>
+          </a:xfrm>
+          <a:prstGeom prst="rect">
+            <a:avLst/>
+          </a:prstGeom>
+          <a:noFill/>
+        </p:spPr>
+        <p:txBody>
+          <a:bodyPr wrap="square" rtlCol="0">
+            <a:spAutoFit/>
+          </a:bodyPr>
+          <a:lstStyle/>
+          <a:p>
+            <a:r>
+              <a:rPr lang="ru-RU" dirty="0"/>
+              <a:t>Будем перебирать все пары вершин </a:t>
+            </a:r>
+            <a:r>
+              <a:rPr lang="en-US" dirty="0"/>
+              <a:t>node1-node2</a:t>
+            </a:r>
+            <a:r>
+              <a:rPr lang="ru-RU" dirty="0"/>
+              <a:t> на расстоянии 2 друг от друга так, чтобы выделить равные доли по 10 000 пар между которыми есть ребро в момент времени </a:t>
+            </a:r>
+            <a:r>
+              <a:rPr lang="en-US" dirty="0"/>
+              <a:t>t</a:t>
+            </a:r>
+            <a:r>
+              <a:rPr lang="ru-RU" dirty="0"/>
+              <a:t> (</a:t>
+            </a:r>
+            <a:r>
+              <a:rPr lang="en-US" dirty="0"/>
+              <a:t>pos) </a:t>
+            </a:r>
+            <a:r>
+              <a:rPr lang="ru-RU" dirty="0"/>
+              <a:t>и пар между которыми ребра нет</a:t>
+            </a:r>
+            <a:r>
+              <a:rPr lang="en-US" dirty="0"/>
+              <a:t> (neg)</a:t>
+            </a:r>
+            <a:r>
+              <a:rPr lang="ru-RU" dirty="0"/>
+              <a:t>. Далее для каждой доли находим или статические признаки. Далее75% данных используем для обучения и 25% для тестов.</a:t>
+            </a:r>
+            <a:br>
+              <a:rPr lang="ru-RU" dirty="0"/>
+            </a:br>
+            <a:br>
+              <a:rPr lang="ru-RU" dirty="0"/>
+            </a:br>
+            <a:br>
+              <a:rPr lang="ru-RU" dirty="0"/>
+            </a:br>
+            <a:endParaRPr lang="ru-RU" dirty="0"/>
+          </a:p>
+        </p:txBody>
+      </p:sp>
+    </p:spTree>
+    <p:extLst>
+      <p:ext uri="{BB962C8B-B14F-4D97-AF65-F5344CB8AC3E}">
+        <p14:creationId xmlns:p14="http://schemas.microsoft.com/office/powerpoint/2010/main" val="2400385559"/>
+      </p:ext>
+    </p:extLst>
+  </p:cSld>
+  <p:clrMapOvr>
+    <a:masterClrMapping/>
+  </p:clrMapOvr>
+</p:sld>
+</file>
+
+<file path=ppt/slides/slide27.xml><?xml version="1.0" encoding="utf-8"?>
+<p:sld xmlns:a="http://schemas.openxmlformats.org/drawingml/2006/main" xmlns:r="http://schemas.openxmlformats.org/officeDocument/2006/relationships" xmlns:p="http://schemas.openxmlformats.org/presentationml/2006/main">
+  <p:cSld>
+    <p:spTree>
+      <p:nvGrpSpPr>
+        <p:cNvPr id="1" name=""/>
+        <p:cNvGrpSpPr/>
+        <p:nvPr/>
+      </p:nvGrpSpPr>
+      <p:grpSpPr>
+        <a:xfrm>
+          <a:off x="0" y="0"/>
+          <a:ext cx="0" cy="0"/>
+          <a:chOff x="0" y="0"/>
+          <a:chExt cx="0" cy="0"/>
+        </a:xfrm>
+      </p:grpSpPr>
+      <p:sp>
+        <p:nvSpPr>
+          <p:cNvPr id="2" name="Заголовок 1">
+            <a:extLst>
+              <a:ext uri="{FF2B5EF4-FFF2-40B4-BE49-F238E27FC236}">
+                <a16:creationId xmlns:a16="http://schemas.microsoft.com/office/drawing/2014/main" id="{AE9F47F1-32A4-4334-B8F9-BA13AD642BF3}"/>
+              </a:ext>
+            </a:extLst>
+          </p:cNvPr>
+          <p:cNvSpPr>
+            <a:spLocks noGrp="1"/>
+          </p:cNvSpPr>
+          <p:nvPr>
+            <p:ph type="title"/>
+          </p:nvPr>
+        </p:nvSpPr>
+        <p:spPr>
+          <a:xfrm>
+            <a:off x="727650" y="664552"/>
+            <a:ext cx="7688700" cy="535200"/>
+          </a:xfrm>
+        </p:spPr>
+        <p:txBody>
+          <a:bodyPr>
+            <a:normAutofit fontScale="90000"/>
+          </a:bodyPr>
+          <a:lstStyle/>
+          <a:p>
+            <a:r>
+              <a:rPr lang="en-US" dirty="0" err="1"/>
+              <a:t>RA_Rado</a:t>
+            </a:r>
+            <a:endParaRPr lang="ru-RU" dirty="0"/>
+          </a:p>
+        </p:txBody>
+      </p:sp>
+      <p:graphicFrame>
+        <p:nvGraphicFramePr>
+          <p:cNvPr id="3" name="Google Shape;161;p26">
+            <a:extLst>
+              <a:ext uri="{FF2B5EF4-FFF2-40B4-BE49-F238E27FC236}">
+                <a16:creationId xmlns:a16="http://schemas.microsoft.com/office/drawing/2014/main" id="{852CED0D-9C0C-461C-B324-B6AF49D8863B}"/>
+              </a:ext>
+            </a:extLst>
+          </p:cNvPr>
+          <p:cNvGraphicFramePr/>
+          <p:nvPr>
+            <p:extLst>
+              <p:ext uri="{D42A27DB-BD31-4B8C-83A1-F6EECF244321}">
+                <p14:modId xmlns:p14="http://schemas.microsoft.com/office/powerpoint/2010/main" val="1125130687"/>
+              </p:ext>
+            </p:extLst>
+          </p:nvPr>
+        </p:nvGraphicFramePr>
+        <p:xfrm>
+          <a:off x="727650" y="3811323"/>
+          <a:ext cx="3360831" cy="1005780"/>
+        </p:xfrm>
+        <a:graphic>
+          <a:graphicData uri="http://schemas.openxmlformats.org/drawingml/2006/table">
+            <a:tbl>
+              <a:tblPr>
+                <a:noFill/>
+                <a:tableStyleId>{51A54548-8C6E-4327-B64F-6EE99FB00B55}</a:tableStyleId>
+              </a:tblPr>
+              <a:tblGrid>
+                <a:gridCol w="1120277">
+                  <a:extLst>
+                    <a:ext uri="{9D8B030D-6E8A-4147-A177-3AD203B41FA5}">
+                      <a16:colId xmlns:a16="http://schemas.microsoft.com/office/drawing/2014/main" val="20000"/>
+                    </a:ext>
+                  </a:extLst>
+                </a:gridCol>
+                <a:gridCol w="1120277">
+                  <a:extLst>
+                    <a:ext uri="{9D8B030D-6E8A-4147-A177-3AD203B41FA5}">
+                      <a16:colId xmlns:a16="http://schemas.microsoft.com/office/drawing/2014/main" val="20001"/>
+                    </a:ext>
+                  </a:extLst>
+                </a:gridCol>
+                <a:gridCol w="1120277">
+                  <a:extLst>
+                    <a:ext uri="{9D8B030D-6E8A-4147-A177-3AD203B41FA5}">
+                      <a16:colId xmlns:a16="http://schemas.microsoft.com/office/drawing/2014/main" val="20002"/>
+                    </a:ext>
+                  </a:extLst>
+                </a:gridCol>
+              </a:tblGrid>
+              <a:tr h="267601">
+                <a:tc>
+                  <a:txBody>
+                    <a:bodyPr/>
+                    <a:lstStyle/>
+                    <a:p>
+                      <a:pPr marL="0" marR="0" lvl="0" indent="0" algn="l" rtl="0">
+                        <a:lnSpc>
+                          <a:spcPct val="100000"/>
+                        </a:lnSpc>
+                        <a:spcBef>
+                          <a:spcPts val="0"/>
+                        </a:spcBef>
+                        <a:spcAft>
+                          <a:spcPts val="0"/>
+                        </a:spcAft>
+                        <a:buClr>
+                          <a:srgbClr val="000000"/>
+                        </a:buClr>
+                        <a:buSzPts val="1400"/>
+                        <a:buFont typeface="Arial"/>
+                        <a:buNone/>
+                      </a:pPr>
+                      <a:r>
+                        <a:rPr lang="ru" sz="1400" u="none" strike="noStrike" cap="none" dirty="0"/>
+                        <a:t>Static </a:t>
+                      </a:r>
+                      <a:r>
+                        <a:rPr lang="en-US" sz="1400" u="none" strike="noStrike" cap="none" dirty="0"/>
+                        <a:t>features</a:t>
+                      </a:r>
+                      <a:endParaRPr sz="1400" u="none" strike="noStrike" cap="none" dirty="0"/>
+                    </a:p>
+                  </a:txBody>
+                  <a:tcPr marL="91425" marR="91425" marT="91425" marB="91425"/>
+                </a:tc>
+                <a:tc>
+                  <a:txBody>
+                    <a:bodyPr/>
+                    <a:lstStyle/>
+                    <a:p>
+                      <a:pPr marL="0" marR="0" lvl="0" indent="0" algn="l" rtl="0">
+                        <a:lnSpc>
+                          <a:spcPct val="100000"/>
+                        </a:lnSpc>
+                        <a:spcBef>
+                          <a:spcPts val="0"/>
+                        </a:spcBef>
+                        <a:spcAft>
+                          <a:spcPts val="0"/>
+                        </a:spcAft>
+                        <a:buClr>
+                          <a:srgbClr val="000000"/>
+                        </a:buClr>
+                        <a:buSzPts val="1400"/>
+                        <a:buFont typeface="Arial"/>
+                        <a:buNone/>
+                      </a:pPr>
+                      <a:r>
+                        <a:rPr lang="ru" sz="1400" u="none" strike="noStrike" cap="none"/>
+                        <a:t>Test</a:t>
+                      </a:r>
+                      <a:endParaRPr sz="1400" u="none" strike="noStrike" cap="none"/>
+                    </a:p>
+                  </a:txBody>
+                  <a:tcPr marL="91425" marR="91425" marT="91425" marB="91425"/>
+                </a:tc>
+                <a:tc>
+                  <a:txBody>
+                    <a:bodyPr/>
+                    <a:lstStyle/>
+                    <a:p>
+                      <a:pPr marL="0" marR="0" lvl="0" indent="0" algn="l" rtl="0">
+                        <a:lnSpc>
+                          <a:spcPct val="100000"/>
+                        </a:lnSpc>
+                        <a:spcBef>
+                          <a:spcPts val="0"/>
+                        </a:spcBef>
+                        <a:spcAft>
+                          <a:spcPts val="0"/>
+                        </a:spcAft>
+                        <a:buClr>
+                          <a:srgbClr val="000000"/>
+                        </a:buClr>
+                        <a:buSzPts val="1400"/>
+                        <a:buFont typeface="Arial"/>
+                        <a:buNone/>
+                      </a:pPr>
+                      <a:r>
+                        <a:rPr lang="ru" sz="1400" u="none" strike="noStrike" cap="none" dirty="0"/>
+                        <a:t>Table</a:t>
+                      </a:r>
+                      <a:endParaRPr sz="1400" u="none" strike="noStrike" cap="none" dirty="0"/>
+                    </a:p>
+                  </a:txBody>
+                  <a:tcPr marL="91425" marR="91425" marT="91425" marB="91425"/>
+                </a:tc>
+                <a:extLst>
+                  <a:ext uri="{0D108BD9-81ED-4DB2-BD59-A6C34878D82A}">
+                    <a16:rowId xmlns:a16="http://schemas.microsoft.com/office/drawing/2014/main" val="10000"/>
+                  </a:ext>
+                </a:extLst>
+              </a:tr>
+              <a:tr h="267601">
+                <a:tc>
+                  <a:txBody>
+                    <a:bodyPr/>
+                    <a:lstStyle/>
+                    <a:p>
+                      <a:pPr marL="0" marR="0" lvl="0" indent="0" algn="l" rtl="0">
+                        <a:lnSpc>
+                          <a:spcPct val="100000"/>
+                        </a:lnSpc>
+                        <a:spcBef>
+                          <a:spcPts val="0"/>
+                        </a:spcBef>
+                        <a:spcAft>
+                          <a:spcPts val="0"/>
+                        </a:spcAft>
+                        <a:buClr>
+                          <a:srgbClr val="000000"/>
+                        </a:buClr>
+                        <a:buSzPts val="1400"/>
+                        <a:buFont typeface="Arial"/>
+                        <a:buNone/>
+                      </a:pPr>
+                      <a:r>
+                        <a:rPr lang="ru" sz="1400" u="none" strike="noStrike" cap="none"/>
+                        <a:t>AUC</a:t>
+                      </a:r>
+                      <a:endParaRPr sz="1400" u="none" strike="noStrike" cap="none"/>
+                    </a:p>
+                  </a:txBody>
+                  <a:tcPr marL="91425" marR="91425" marT="91425" marB="91425"/>
+                </a:tc>
+                <a:tc>
+                  <a:txBody>
+                    <a:bodyPr/>
+                    <a:lstStyle/>
+                    <a:p>
+                      <a:pPr marL="0" marR="0" lvl="0" indent="0" algn="l" rtl="0">
+                        <a:lnSpc>
+                          <a:spcPct val="100000"/>
+                        </a:lnSpc>
+                        <a:spcBef>
+                          <a:spcPts val="0"/>
+                        </a:spcBef>
+                        <a:spcAft>
+                          <a:spcPts val="0"/>
+                        </a:spcAft>
+                        <a:buClr>
+                          <a:srgbClr val="000000"/>
+                        </a:buClr>
+                        <a:buSzPts val="1400"/>
+                        <a:buFont typeface="Arial"/>
+                        <a:buNone/>
+                      </a:pPr>
+                      <a:r>
+                        <a:rPr lang="ru-RU" sz="1400" u="none" strike="noStrike" cap="none" dirty="0"/>
+                        <a:t>0.76</a:t>
+                      </a:r>
+                      <a:r>
+                        <a:rPr lang="en-US" sz="1400" u="none" strike="noStrike" cap="none" dirty="0"/>
+                        <a:t>5</a:t>
+                      </a:r>
+                      <a:endParaRPr sz="1400" u="none" strike="noStrike" cap="none" dirty="0"/>
+                    </a:p>
+                  </a:txBody>
+                  <a:tcPr marL="91425" marR="91425" marT="91425" marB="91425"/>
+                </a:tc>
+                <a:tc>
+                  <a:txBody>
+                    <a:bodyPr/>
+                    <a:lstStyle/>
+                    <a:p>
+                      <a:pPr marL="0" marR="0" lvl="0" indent="0" algn="l" rtl="0">
+                        <a:lnSpc>
+                          <a:spcPct val="100000"/>
+                        </a:lnSpc>
+                        <a:spcBef>
+                          <a:spcPts val="0"/>
+                        </a:spcBef>
+                        <a:spcAft>
+                          <a:spcPts val="0"/>
+                        </a:spcAft>
+                        <a:buClr>
+                          <a:srgbClr val="000000"/>
+                        </a:buClr>
+                        <a:buSzPts val="1400"/>
+                        <a:buFont typeface="Arial"/>
+                        <a:buNone/>
+                      </a:pPr>
+                      <a:r>
+                        <a:rPr lang="ru-RU" sz="1400" u="none" strike="noStrike" cap="none" dirty="0"/>
+                        <a:t>0.864</a:t>
+                      </a:r>
+                      <a:endParaRPr sz="1400" u="none" strike="noStrike" cap="none" dirty="0"/>
+                    </a:p>
+                  </a:txBody>
+                  <a:tcPr marL="91425" marR="91425" marT="91425" marB="91425"/>
+                </a:tc>
+                <a:extLst>
+                  <a:ext uri="{0D108BD9-81ED-4DB2-BD59-A6C34878D82A}">
+                    <a16:rowId xmlns:a16="http://schemas.microsoft.com/office/drawing/2014/main" val="10001"/>
+                  </a:ext>
+                </a:extLst>
+              </a:tr>
+            </a:tbl>
+          </a:graphicData>
+        </a:graphic>
+      </p:graphicFrame>
+      <p:graphicFrame>
+        <p:nvGraphicFramePr>
+          <p:cNvPr id="4" name="Google Shape;161;p26">
+            <a:extLst>
+              <a:ext uri="{FF2B5EF4-FFF2-40B4-BE49-F238E27FC236}">
+                <a16:creationId xmlns:a16="http://schemas.microsoft.com/office/drawing/2014/main" id="{8EB1D278-E93D-4095-84E5-5CB63C59AB05}"/>
+              </a:ext>
+            </a:extLst>
+          </p:cNvPr>
+          <p:cNvGraphicFramePr/>
+          <p:nvPr>
+            <p:extLst>
+              <p:ext uri="{D42A27DB-BD31-4B8C-83A1-F6EECF244321}">
+                <p14:modId xmlns:p14="http://schemas.microsoft.com/office/powerpoint/2010/main" val="1835346403"/>
+              </p:ext>
+            </p:extLst>
+          </p:nvPr>
+        </p:nvGraphicFramePr>
+        <p:xfrm>
+          <a:off x="5096185" y="3811323"/>
+          <a:ext cx="3223764" cy="1219140"/>
+        </p:xfrm>
+        <a:graphic>
+          <a:graphicData uri="http://schemas.openxmlformats.org/drawingml/2006/table">
+            <a:tbl>
+              <a:tblPr>
+                <a:noFill/>
+                <a:tableStyleId>{51A54548-8C6E-4327-B64F-6EE99FB00B55}</a:tableStyleId>
+              </a:tblPr>
+              <a:tblGrid>
+                <a:gridCol w="1074588">
+                  <a:extLst>
+                    <a:ext uri="{9D8B030D-6E8A-4147-A177-3AD203B41FA5}">
+                      <a16:colId xmlns:a16="http://schemas.microsoft.com/office/drawing/2014/main" val="20000"/>
+                    </a:ext>
+                  </a:extLst>
+                </a:gridCol>
+                <a:gridCol w="1074588">
+                  <a:extLst>
+                    <a:ext uri="{9D8B030D-6E8A-4147-A177-3AD203B41FA5}">
+                      <a16:colId xmlns:a16="http://schemas.microsoft.com/office/drawing/2014/main" val="20001"/>
+                    </a:ext>
+                  </a:extLst>
+                </a:gridCol>
+                <a:gridCol w="1074588">
+                  <a:extLst>
+                    <a:ext uri="{9D8B030D-6E8A-4147-A177-3AD203B41FA5}">
+                      <a16:colId xmlns:a16="http://schemas.microsoft.com/office/drawing/2014/main" val="20002"/>
+                    </a:ext>
+                  </a:extLst>
+                </a:gridCol>
+              </a:tblGrid>
+              <a:tr h="436195">
+                <a:tc>
+                  <a:txBody>
+                    <a:bodyPr/>
+                    <a:lstStyle/>
+                    <a:p>
+                      <a:pPr marL="0" marR="0" lvl="0" indent="0" algn="l" rtl="0">
+                        <a:lnSpc>
+                          <a:spcPct val="100000"/>
+                        </a:lnSpc>
+                        <a:spcBef>
+                          <a:spcPts val="0"/>
+                        </a:spcBef>
+                        <a:spcAft>
+                          <a:spcPts val="0"/>
+                        </a:spcAft>
+                        <a:buClr>
+                          <a:srgbClr val="000000"/>
+                        </a:buClr>
+                        <a:buSzPts val="1400"/>
+                        <a:buFont typeface="Arial"/>
+                        <a:buNone/>
+                      </a:pPr>
+                      <a:r>
+                        <a:rPr lang="en-US" sz="1400" u="none" strike="noStrike" cap="none" dirty="0"/>
+                        <a:t>Static features</a:t>
+                      </a:r>
+                    </a:p>
+                  </a:txBody>
+                  <a:tcPr marL="91425" marR="91425" marT="91425" marB="91425"/>
+                </a:tc>
+                <a:tc>
+                  <a:txBody>
+                    <a:bodyPr/>
+                    <a:lstStyle/>
+                    <a:p>
+                      <a:pPr marL="0" marR="0" lvl="0" indent="0" algn="l" rtl="0">
+                        <a:lnSpc>
+                          <a:spcPct val="100000"/>
+                        </a:lnSpc>
+                        <a:spcBef>
+                          <a:spcPts val="0"/>
+                        </a:spcBef>
+                        <a:spcAft>
+                          <a:spcPts val="0"/>
+                        </a:spcAft>
+                        <a:buClr>
+                          <a:srgbClr val="000000"/>
+                        </a:buClr>
+                        <a:buSzPts val="1400"/>
+                        <a:buFont typeface="Arial"/>
+                        <a:buNone/>
+                      </a:pPr>
+                      <a:r>
+                        <a:rPr lang="ru" sz="1400" u="none" strike="noStrike" cap="none"/>
+                        <a:t>Test</a:t>
+                      </a:r>
+                      <a:endParaRPr sz="1400" u="none" strike="noStrike" cap="none"/>
+                    </a:p>
+                  </a:txBody>
+                  <a:tcPr marL="91425" marR="91425" marT="91425" marB="91425"/>
+                </a:tc>
+                <a:tc>
+                  <a:txBody>
+                    <a:bodyPr/>
+                    <a:lstStyle/>
+                    <a:p>
+                      <a:pPr marL="0" marR="0" lvl="0" indent="0" algn="l" rtl="0">
+                        <a:lnSpc>
+                          <a:spcPct val="100000"/>
+                        </a:lnSpc>
+                        <a:spcBef>
+                          <a:spcPts val="0"/>
+                        </a:spcBef>
+                        <a:spcAft>
+                          <a:spcPts val="0"/>
+                        </a:spcAft>
+                        <a:buClr>
+                          <a:srgbClr val="000000"/>
+                        </a:buClr>
+                        <a:buSzPts val="1400"/>
+                        <a:buFont typeface="Arial"/>
+                        <a:buNone/>
+                      </a:pPr>
+                      <a:r>
+                        <a:rPr lang="ru" sz="1400" u="none" strike="noStrike" cap="none" dirty="0"/>
+                        <a:t>Table</a:t>
+                      </a:r>
+                      <a:endParaRPr sz="1400" u="none" strike="noStrike" cap="none" dirty="0"/>
+                    </a:p>
+                  </a:txBody>
+                  <a:tcPr marL="91425" marR="91425" marT="91425" marB="91425"/>
+                </a:tc>
+                <a:extLst>
+                  <a:ext uri="{0D108BD9-81ED-4DB2-BD59-A6C34878D82A}">
+                    <a16:rowId xmlns:a16="http://schemas.microsoft.com/office/drawing/2014/main" val="10000"/>
+                  </a:ext>
+                </a:extLst>
+              </a:tr>
+              <a:tr h="436195">
+                <a:tc>
+                  <a:txBody>
+                    <a:bodyPr/>
+                    <a:lstStyle/>
+                    <a:p>
+                      <a:pPr marL="0" marR="0" lvl="0" indent="0" algn="l" rtl="0">
+                        <a:lnSpc>
+                          <a:spcPct val="100000"/>
+                        </a:lnSpc>
+                        <a:spcBef>
+                          <a:spcPts val="0"/>
+                        </a:spcBef>
+                        <a:spcAft>
+                          <a:spcPts val="0"/>
+                        </a:spcAft>
+                        <a:buClr>
+                          <a:srgbClr val="000000"/>
+                        </a:buClr>
+                        <a:buSzPts val="1400"/>
+                        <a:buFont typeface="Arial"/>
+                        <a:buNone/>
+                      </a:pPr>
+                      <a:r>
+                        <a:rPr lang="ru" sz="1400" u="none" strike="noStrike" cap="none" dirty="0"/>
+                        <a:t>AUC</a:t>
+                      </a:r>
+                      <a:endParaRPr sz="1400" u="none" strike="noStrike" cap="none" dirty="0"/>
+                    </a:p>
+                  </a:txBody>
+                  <a:tcPr marL="91425" marR="91425" marT="91425" marB="91425"/>
+                </a:tc>
+                <a:tc>
+                  <a:txBody>
+                    <a:bodyPr/>
+                    <a:lstStyle/>
+                    <a:p>
+                      <a:pPr marL="0" marR="0" lvl="0" indent="0" algn="l" rtl="0">
+                        <a:lnSpc>
+                          <a:spcPct val="100000"/>
+                        </a:lnSpc>
+                        <a:spcBef>
+                          <a:spcPts val="0"/>
+                        </a:spcBef>
+                        <a:spcAft>
+                          <a:spcPts val="0"/>
+                        </a:spcAft>
+                        <a:buClr>
+                          <a:srgbClr val="000000"/>
+                        </a:buClr>
+                        <a:buSzPts val="1400"/>
+                        <a:buFont typeface="Arial"/>
+                        <a:buNone/>
+                      </a:pPr>
+                      <a:r>
+                        <a:rPr lang="en-US" sz="1400" u="none" strike="noStrike" cap="none" dirty="0"/>
+                        <a:t>0.783</a:t>
+                      </a:r>
+                      <a:endParaRPr sz="1400" u="none" strike="noStrike" cap="none" dirty="0"/>
+                    </a:p>
+                  </a:txBody>
+                  <a:tcPr marL="91425" marR="91425" marT="91425" marB="91425"/>
+                </a:tc>
+                <a:tc>
+                  <a:txBody>
+                    <a:bodyPr/>
+                    <a:lstStyle/>
+                    <a:p>
+                      <a:pPr marL="0" marR="0" lvl="0" indent="0" algn="l" rtl="0">
+                        <a:lnSpc>
+                          <a:spcPct val="100000"/>
+                        </a:lnSpc>
+                        <a:spcBef>
+                          <a:spcPts val="0"/>
+                        </a:spcBef>
+                        <a:spcAft>
+                          <a:spcPts val="0"/>
+                        </a:spcAft>
+                        <a:buClr>
+                          <a:srgbClr val="000000"/>
+                        </a:buClr>
+                        <a:buSzPts val="1400"/>
+                        <a:buFont typeface="Arial"/>
+                        <a:buNone/>
+                      </a:pPr>
+                      <a:r>
+                        <a:rPr lang="ru-RU" sz="1400" u="none" strike="noStrike" cap="none" dirty="0"/>
+                        <a:t>0.731</a:t>
+                      </a:r>
+                    </a:p>
+                    <a:p>
+                      <a:pPr marL="0" marR="0" lvl="0" indent="0" algn="l" rtl="0">
+                        <a:lnSpc>
+                          <a:spcPct val="100000"/>
+                        </a:lnSpc>
+                        <a:spcBef>
+                          <a:spcPts val="0"/>
+                        </a:spcBef>
+                        <a:spcAft>
+                          <a:spcPts val="0"/>
+                        </a:spcAft>
+                        <a:buClr>
+                          <a:srgbClr val="000000"/>
+                        </a:buClr>
+                        <a:buSzPts val="1400"/>
+                        <a:buFont typeface="Arial"/>
+                        <a:buNone/>
+                      </a:pPr>
+                      <a:endParaRPr sz="1400" u="none" strike="noStrike" cap="none" dirty="0"/>
+                    </a:p>
+                  </a:txBody>
+                  <a:tcPr marL="91425" marR="91425" marT="91425" marB="91425"/>
+                </a:tc>
+                <a:extLst>
+                  <a:ext uri="{0D108BD9-81ED-4DB2-BD59-A6C34878D82A}">
+                    <a16:rowId xmlns:a16="http://schemas.microsoft.com/office/drawing/2014/main" val="10001"/>
+                  </a:ext>
+                </a:extLst>
+              </a:tr>
+            </a:tbl>
+          </a:graphicData>
+        </a:graphic>
+      </p:graphicFrame>
+      <p:pic>
+        <p:nvPicPr>
+          <p:cNvPr id="5" name="Рисунок 4">
+            <a:extLst>
+              <a:ext uri="{FF2B5EF4-FFF2-40B4-BE49-F238E27FC236}">
+                <a16:creationId xmlns:a16="http://schemas.microsoft.com/office/drawing/2014/main" id="{C217B53D-03A9-4EE0-9F43-C96B60B5D0B7}"/>
+              </a:ext>
+            </a:extLst>
+          </p:cNvPr>
+          <p:cNvPicPr>
+            <a:picLocks noChangeAspect="1"/>
+          </p:cNvPicPr>
+          <p:nvPr/>
+        </p:nvPicPr>
+        <p:blipFill>
+          <a:blip r:embed="rId2"/>
+          <a:stretch>
+            <a:fillRect/>
+          </a:stretch>
+        </p:blipFill>
+        <p:spPr>
+          <a:xfrm>
+            <a:off x="727650" y="1395105"/>
+            <a:ext cx="2850970" cy="2220865"/>
+          </a:xfrm>
+          <a:prstGeom prst="rect">
+            <a:avLst/>
+          </a:prstGeom>
+        </p:spPr>
+      </p:pic>
+      <p:sp>
+        <p:nvSpPr>
+          <p:cNvPr id="8" name="Заголовок 1">
+            <a:extLst>
+              <a:ext uri="{FF2B5EF4-FFF2-40B4-BE49-F238E27FC236}">
+                <a16:creationId xmlns:a16="http://schemas.microsoft.com/office/drawing/2014/main" id="{654CBF85-C88C-40FE-A518-0CA117C04E9C}"/>
+              </a:ext>
+            </a:extLst>
+          </p:cNvPr>
+          <p:cNvSpPr txBox="1">
+            <a:spLocks/>
+          </p:cNvSpPr>
+          <p:nvPr/>
+        </p:nvSpPr>
+        <p:spPr>
+          <a:xfrm>
+            <a:off x="4911419" y="664552"/>
+            <a:ext cx="3927398" cy="535200"/>
+          </a:xfrm>
+          <a:prstGeom prst="rect">
+            <a:avLst/>
+          </a:prstGeom>
+          <a:noFill/>
+          <a:ln>
+            <a:noFill/>
+          </a:ln>
+        </p:spPr>
+        <p:txBody>
+          <a:bodyPr spcFirstLastPara="1" wrap="square" lIns="91425" tIns="91425" rIns="91425" bIns="91425" anchor="t" anchorCtr="0">
+            <a:normAutofit fontScale="97500" lnSpcReduction="10000"/>
+          </a:bodyPr>
+          <a:lstStyle>
+            <a:defPPr marR="0" lvl="0" algn="l" rtl="0">
+              <a:lnSpc>
+                <a:spcPct val="100000"/>
+              </a:lnSpc>
+              <a:spcBef>
+                <a:spcPts val="0"/>
+              </a:spcBef>
+              <a:spcAft>
+                <a:spcPts val="0"/>
+              </a:spcAft>
+            </a:defPPr>
+            <a:lvl1pPr marR="0" lvl="0" algn="l" rtl="0">
+              <a:lnSpc>
+                <a:spcPct val="100000"/>
+              </a:lnSpc>
+              <a:spcBef>
+                <a:spcPts val="0"/>
+              </a:spcBef>
+              <a:spcAft>
+                <a:spcPts val="0"/>
+              </a:spcAft>
+              <a:buClr>
+                <a:schemeClr val="dk2"/>
+              </a:buClr>
+              <a:buSzPts val="2600"/>
+              <a:buFont typeface="Raleway"/>
+              <a:buNone/>
+              <a:defRPr sz="2600" b="1" i="0" u="none" strike="noStrike" cap="none">
+                <a:solidFill>
+                  <a:schemeClr val="dk2"/>
+                </a:solidFill>
+                <a:latin typeface="Raleway"/>
+                <a:ea typeface="Raleway"/>
+                <a:cs typeface="Raleway"/>
+                <a:sym typeface="Raleway"/>
+              </a:defRPr>
+            </a:lvl1pPr>
+            <a:lvl2pPr marR="0" lvl="1" algn="l" rtl="0">
+              <a:lnSpc>
+                <a:spcPct val="100000"/>
+              </a:lnSpc>
+              <a:spcBef>
+                <a:spcPts val="0"/>
+              </a:spcBef>
+              <a:spcAft>
+                <a:spcPts val="0"/>
+              </a:spcAft>
+              <a:buClr>
+                <a:schemeClr val="dk2"/>
+              </a:buClr>
+              <a:buSzPts val="2600"/>
+              <a:buFont typeface="Raleway"/>
+              <a:buNone/>
+              <a:defRPr sz="2600" b="1" i="0" u="none" strike="noStrike" cap="none">
+                <a:solidFill>
+                  <a:schemeClr val="dk2"/>
+                </a:solidFill>
+                <a:latin typeface="Raleway"/>
+                <a:ea typeface="Raleway"/>
+                <a:cs typeface="Raleway"/>
+                <a:sym typeface="Raleway"/>
+              </a:defRPr>
+            </a:lvl2pPr>
+            <a:lvl3pPr marR="0" lvl="2" algn="l" rtl="0">
+              <a:lnSpc>
+                <a:spcPct val="100000"/>
+              </a:lnSpc>
+              <a:spcBef>
+                <a:spcPts val="0"/>
+              </a:spcBef>
+              <a:spcAft>
+                <a:spcPts val="0"/>
+              </a:spcAft>
+              <a:buClr>
+                <a:schemeClr val="dk2"/>
+              </a:buClr>
+              <a:buSzPts val="2600"/>
+              <a:buFont typeface="Raleway"/>
+              <a:buNone/>
+              <a:defRPr sz="2600" b="1" i="0" u="none" strike="noStrike" cap="none">
+                <a:solidFill>
+                  <a:schemeClr val="dk2"/>
+                </a:solidFill>
+                <a:latin typeface="Raleway"/>
+                <a:ea typeface="Raleway"/>
+                <a:cs typeface="Raleway"/>
+                <a:sym typeface="Raleway"/>
+              </a:defRPr>
+            </a:lvl3pPr>
+            <a:lvl4pPr marR="0" lvl="3" algn="l" rtl="0">
+              <a:lnSpc>
+                <a:spcPct val="100000"/>
+              </a:lnSpc>
+              <a:spcBef>
+                <a:spcPts val="0"/>
+              </a:spcBef>
+              <a:spcAft>
+                <a:spcPts val="0"/>
+              </a:spcAft>
+              <a:buClr>
+                <a:schemeClr val="dk2"/>
+              </a:buClr>
+              <a:buSzPts val="2600"/>
+              <a:buFont typeface="Raleway"/>
+              <a:buNone/>
+              <a:defRPr sz="2600" b="1" i="0" u="none" strike="noStrike" cap="none">
+                <a:solidFill>
+                  <a:schemeClr val="dk2"/>
+                </a:solidFill>
+                <a:latin typeface="Raleway"/>
+                <a:ea typeface="Raleway"/>
+                <a:cs typeface="Raleway"/>
+                <a:sym typeface="Raleway"/>
+              </a:defRPr>
+            </a:lvl4pPr>
+            <a:lvl5pPr marR="0" lvl="4" algn="l" rtl="0">
+              <a:lnSpc>
+                <a:spcPct val="100000"/>
+              </a:lnSpc>
+              <a:spcBef>
+                <a:spcPts val="0"/>
+              </a:spcBef>
+              <a:spcAft>
+                <a:spcPts val="0"/>
+              </a:spcAft>
+              <a:buClr>
+                <a:schemeClr val="dk2"/>
+              </a:buClr>
+              <a:buSzPts val="2600"/>
+              <a:buFont typeface="Raleway"/>
+              <a:buNone/>
+              <a:defRPr sz="2600" b="1" i="0" u="none" strike="noStrike" cap="none">
+                <a:solidFill>
+                  <a:schemeClr val="dk2"/>
+                </a:solidFill>
+                <a:latin typeface="Raleway"/>
+                <a:ea typeface="Raleway"/>
+                <a:cs typeface="Raleway"/>
+                <a:sym typeface="Raleway"/>
+              </a:defRPr>
+            </a:lvl5pPr>
+            <a:lvl6pPr marR="0" lvl="5" algn="l" rtl="0">
+              <a:lnSpc>
+                <a:spcPct val="100000"/>
+              </a:lnSpc>
+              <a:spcBef>
+                <a:spcPts val="0"/>
+              </a:spcBef>
+              <a:spcAft>
+                <a:spcPts val="0"/>
+              </a:spcAft>
+              <a:buClr>
+                <a:schemeClr val="dk2"/>
+              </a:buClr>
+              <a:buSzPts val="2600"/>
+              <a:buFont typeface="Raleway"/>
+              <a:buNone/>
+              <a:defRPr sz="2600" b="1" i="0" u="none" strike="noStrike" cap="none">
+                <a:solidFill>
+                  <a:schemeClr val="dk2"/>
+                </a:solidFill>
+                <a:latin typeface="Raleway"/>
+                <a:ea typeface="Raleway"/>
+                <a:cs typeface="Raleway"/>
+                <a:sym typeface="Raleway"/>
+              </a:defRPr>
+            </a:lvl6pPr>
+            <a:lvl7pPr marR="0" lvl="6" algn="l" rtl="0">
+              <a:lnSpc>
+                <a:spcPct val="100000"/>
+              </a:lnSpc>
+              <a:spcBef>
+                <a:spcPts val="0"/>
+              </a:spcBef>
+              <a:spcAft>
+                <a:spcPts val="0"/>
+              </a:spcAft>
+              <a:buClr>
+                <a:schemeClr val="dk2"/>
+              </a:buClr>
+              <a:buSzPts val="2600"/>
+              <a:buFont typeface="Raleway"/>
+              <a:buNone/>
+              <a:defRPr sz="2600" b="1" i="0" u="none" strike="noStrike" cap="none">
+                <a:solidFill>
+                  <a:schemeClr val="dk2"/>
+                </a:solidFill>
+                <a:latin typeface="Raleway"/>
+                <a:ea typeface="Raleway"/>
+                <a:cs typeface="Raleway"/>
+                <a:sym typeface="Raleway"/>
+              </a:defRPr>
+            </a:lvl7pPr>
+            <a:lvl8pPr marR="0" lvl="7" algn="l" rtl="0">
+              <a:lnSpc>
+                <a:spcPct val="100000"/>
+              </a:lnSpc>
+              <a:spcBef>
+                <a:spcPts val="0"/>
+              </a:spcBef>
+              <a:spcAft>
+                <a:spcPts val="0"/>
+              </a:spcAft>
+              <a:buClr>
+                <a:schemeClr val="dk2"/>
+              </a:buClr>
+              <a:buSzPts val="2600"/>
+              <a:buFont typeface="Raleway"/>
+              <a:buNone/>
+              <a:defRPr sz="2600" b="1" i="0" u="none" strike="noStrike" cap="none">
+                <a:solidFill>
+                  <a:schemeClr val="dk2"/>
+                </a:solidFill>
+                <a:latin typeface="Raleway"/>
+                <a:ea typeface="Raleway"/>
+                <a:cs typeface="Raleway"/>
+                <a:sym typeface="Raleway"/>
+              </a:defRPr>
+            </a:lvl8pPr>
+            <a:lvl9pPr marR="0" lvl="8" algn="l" rtl="0">
+              <a:lnSpc>
+                <a:spcPct val="100000"/>
+              </a:lnSpc>
+              <a:spcBef>
+                <a:spcPts val="0"/>
+              </a:spcBef>
+              <a:spcAft>
+                <a:spcPts val="0"/>
+              </a:spcAft>
+              <a:buClr>
+                <a:schemeClr val="dk2"/>
+              </a:buClr>
+              <a:buSzPts val="2600"/>
+              <a:buFont typeface="Raleway"/>
+              <a:buNone/>
+              <a:defRPr sz="2600" b="1" i="0" u="none" strike="noStrike" cap="none">
+                <a:solidFill>
+                  <a:schemeClr val="dk2"/>
+                </a:solidFill>
+                <a:latin typeface="Raleway"/>
+                <a:ea typeface="Raleway"/>
+                <a:cs typeface="Raleway"/>
+                <a:sym typeface="Raleway"/>
+              </a:defRPr>
+            </a:lvl9pPr>
+          </a:lstStyle>
+          <a:p>
+            <a:r>
+              <a:rPr lang="en-US" dirty="0"/>
+              <a:t>UC_UC</a:t>
+            </a:r>
+            <a:endParaRPr lang="ru-RU" dirty="0"/>
+          </a:p>
+        </p:txBody>
+      </p:sp>
+      <p:pic>
+        <p:nvPicPr>
+          <p:cNvPr id="9" name="Рисунок 8">
+            <a:extLst>
+              <a:ext uri="{FF2B5EF4-FFF2-40B4-BE49-F238E27FC236}">
+                <a16:creationId xmlns:a16="http://schemas.microsoft.com/office/drawing/2014/main" id="{CE3F5CB2-D71E-4873-B4B8-57FC01F8E55C}"/>
+              </a:ext>
+            </a:extLst>
+          </p:cNvPr>
+          <p:cNvPicPr>
+            <a:picLocks noChangeAspect="1"/>
+          </p:cNvPicPr>
+          <p:nvPr/>
+        </p:nvPicPr>
+        <p:blipFill>
+          <a:blip r:embed="rId3"/>
+          <a:stretch>
+            <a:fillRect/>
+          </a:stretch>
+        </p:blipFill>
+        <p:spPr>
+          <a:xfrm>
+            <a:off x="4911419" y="1347612"/>
+            <a:ext cx="2839701" cy="2166738"/>
+          </a:xfrm>
+          <a:prstGeom prst="rect">
+            <a:avLst/>
+          </a:prstGeom>
+        </p:spPr>
+      </p:pic>
+    </p:spTree>
+    <p:extLst>
+      <p:ext uri="{BB962C8B-B14F-4D97-AF65-F5344CB8AC3E}">
+        <p14:creationId xmlns:p14="http://schemas.microsoft.com/office/powerpoint/2010/main" val="3424947725"/>
+      </p:ext>
+    </p:extLst>
+  </p:cSld>
+  <p:clrMapOvr>
+    <a:masterClrMapping/>
+  </p:clrMapOvr>
+</p:sld>
+</file>
+
+<file path=ppt/slides/slide28.xml><?xml version="1.0" encoding="utf-8"?>
+<p:sld xmlns:a="http://schemas.openxmlformats.org/drawingml/2006/main" xmlns:r="http://schemas.openxmlformats.org/officeDocument/2006/relationships" xmlns:p="http://schemas.openxmlformats.org/presentationml/2006/main">
+  <p:cSld>
+    <p:spTree>
+      <p:nvGrpSpPr>
+        <p:cNvPr id="1" name=""/>
+        <p:cNvGrpSpPr/>
+        <p:nvPr/>
+      </p:nvGrpSpPr>
+      <p:grpSpPr>
+        <a:xfrm>
+          <a:off x="0" y="0"/>
+          <a:ext cx="0" cy="0"/>
+          <a:chOff x="0" y="0"/>
+          <a:chExt cx="0" cy="0"/>
+        </a:xfrm>
+      </p:grpSpPr>
+      <p:sp>
+        <p:nvSpPr>
+          <p:cNvPr id="2" name="Заголовок 1">
+            <a:extLst>
+              <a:ext uri="{FF2B5EF4-FFF2-40B4-BE49-F238E27FC236}">
+                <a16:creationId xmlns:a16="http://schemas.microsoft.com/office/drawing/2014/main" id="{AE9F47F1-32A4-4334-B8F9-BA13AD642BF3}"/>
+              </a:ext>
+            </a:extLst>
+          </p:cNvPr>
+          <p:cNvSpPr>
+            <a:spLocks noGrp="1"/>
+          </p:cNvSpPr>
+          <p:nvPr>
+            <p:ph type="title"/>
+          </p:nvPr>
+        </p:nvSpPr>
+        <p:spPr>
+          <a:xfrm>
+            <a:off x="727650" y="664553"/>
+            <a:ext cx="7688700" cy="535200"/>
+          </a:xfrm>
+        </p:spPr>
+        <p:txBody>
+          <a:bodyPr>
+            <a:normAutofit fontScale="90000"/>
+          </a:bodyPr>
+          <a:lstStyle/>
+          <a:p>
+            <a:r>
+              <a:rPr lang="en-US" dirty="0" err="1"/>
+              <a:t>BA_bitA</a:t>
+            </a:r>
+            <a:endParaRPr lang="ru-RU" dirty="0"/>
+          </a:p>
+        </p:txBody>
+      </p:sp>
+      <p:graphicFrame>
+        <p:nvGraphicFramePr>
+          <p:cNvPr id="3" name="Google Shape;161;p26">
+            <a:extLst>
+              <a:ext uri="{FF2B5EF4-FFF2-40B4-BE49-F238E27FC236}">
+                <a16:creationId xmlns:a16="http://schemas.microsoft.com/office/drawing/2014/main" id="{852CED0D-9C0C-461C-B324-B6AF49D8863B}"/>
+              </a:ext>
+            </a:extLst>
+          </p:cNvPr>
+          <p:cNvGraphicFramePr/>
+          <p:nvPr>
+            <p:extLst>
+              <p:ext uri="{D42A27DB-BD31-4B8C-83A1-F6EECF244321}">
+                <p14:modId xmlns:p14="http://schemas.microsoft.com/office/powerpoint/2010/main" val="2387691734"/>
+              </p:ext>
+            </p:extLst>
+          </p:nvPr>
+        </p:nvGraphicFramePr>
+        <p:xfrm>
+          <a:off x="727650" y="3811323"/>
+          <a:ext cx="3360831" cy="1005780"/>
+        </p:xfrm>
+        <a:graphic>
+          <a:graphicData uri="http://schemas.openxmlformats.org/drawingml/2006/table">
+            <a:tbl>
+              <a:tblPr>
+                <a:noFill/>
+                <a:tableStyleId>{51A54548-8C6E-4327-B64F-6EE99FB00B55}</a:tableStyleId>
+              </a:tblPr>
+              <a:tblGrid>
+                <a:gridCol w="1120277">
+                  <a:extLst>
+                    <a:ext uri="{9D8B030D-6E8A-4147-A177-3AD203B41FA5}">
+                      <a16:colId xmlns:a16="http://schemas.microsoft.com/office/drawing/2014/main" val="20000"/>
+                    </a:ext>
+                  </a:extLst>
+                </a:gridCol>
+                <a:gridCol w="1120277">
+                  <a:extLst>
+                    <a:ext uri="{9D8B030D-6E8A-4147-A177-3AD203B41FA5}">
+                      <a16:colId xmlns:a16="http://schemas.microsoft.com/office/drawing/2014/main" val="20001"/>
+                    </a:ext>
+                  </a:extLst>
+                </a:gridCol>
+                <a:gridCol w="1120277">
+                  <a:extLst>
+                    <a:ext uri="{9D8B030D-6E8A-4147-A177-3AD203B41FA5}">
+                      <a16:colId xmlns:a16="http://schemas.microsoft.com/office/drawing/2014/main" val="20002"/>
+                    </a:ext>
+                  </a:extLst>
+                </a:gridCol>
+              </a:tblGrid>
+              <a:tr h="267601">
+                <a:tc>
+                  <a:txBody>
+                    <a:bodyPr/>
+                    <a:lstStyle/>
+                    <a:p>
+                      <a:pPr marL="0" marR="0" lvl="0" indent="0" algn="l" rtl="0">
+                        <a:lnSpc>
+                          <a:spcPct val="100000"/>
+                        </a:lnSpc>
+                        <a:spcBef>
+                          <a:spcPts val="0"/>
+                        </a:spcBef>
+                        <a:spcAft>
+                          <a:spcPts val="0"/>
+                        </a:spcAft>
+                        <a:buClr>
+                          <a:srgbClr val="000000"/>
+                        </a:buClr>
+                        <a:buSzPts val="1400"/>
+                        <a:buFont typeface="Arial"/>
+                        <a:buNone/>
+                      </a:pPr>
+                      <a:r>
+                        <a:rPr lang="ru" sz="1400" u="none" strike="noStrike" cap="none" dirty="0"/>
+                        <a:t>Static </a:t>
+                      </a:r>
+                      <a:r>
+                        <a:rPr lang="en-US" sz="1400" u="none" strike="noStrike" cap="none" dirty="0"/>
+                        <a:t>features</a:t>
+                      </a:r>
+                      <a:endParaRPr sz="1400" u="none" strike="noStrike" cap="none" dirty="0"/>
+                    </a:p>
+                  </a:txBody>
+                  <a:tcPr marL="91425" marR="91425" marT="91425" marB="91425"/>
+                </a:tc>
+                <a:tc>
+                  <a:txBody>
+                    <a:bodyPr/>
+                    <a:lstStyle/>
+                    <a:p>
+                      <a:pPr marL="0" marR="0" lvl="0" indent="0" algn="l" rtl="0">
+                        <a:lnSpc>
+                          <a:spcPct val="100000"/>
+                        </a:lnSpc>
+                        <a:spcBef>
+                          <a:spcPts val="0"/>
+                        </a:spcBef>
+                        <a:spcAft>
+                          <a:spcPts val="0"/>
+                        </a:spcAft>
+                        <a:buClr>
+                          <a:srgbClr val="000000"/>
+                        </a:buClr>
+                        <a:buSzPts val="1400"/>
+                        <a:buFont typeface="Arial"/>
+                        <a:buNone/>
+                      </a:pPr>
+                      <a:r>
+                        <a:rPr lang="ru" sz="1400" u="none" strike="noStrike" cap="none"/>
+                        <a:t>Test</a:t>
+                      </a:r>
+                      <a:endParaRPr sz="1400" u="none" strike="noStrike" cap="none"/>
+                    </a:p>
+                  </a:txBody>
+                  <a:tcPr marL="91425" marR="91425" marT="91425" marB="91425"/>
+                </a:tc>
+                <a:tc>
+                  <a:txBody>
+                    <a:bodyPr/>
+                    <a:lstStyle/>
+                    <a:p>
+                      <a:pPr marL="0" marR="0" lvl="0" indent="0" algn="l" rtl="0">
+                        <a:lnSpc>
+                          <a:spcPct val="100000"/>
+                        </a:lnSpc>
+                        <a:spcBef>
+                          <a:spcPts val="0"/>
+                        </a:spcBef>
+                        <a:spcAft>
+                          <a:spcPts val="0"/>
+                        </a:spcAft>
+                        <a:buClr>
+                          <a:srgbClr val="000000"/>
+                        </a:buClr>
+                        <a:buSzPts val="1400"/>
+                        <a:buFont typeface="Arial"/>
+                        <a:buNone/>
+                      </a:pPr>
+                      <a:r>
+                        <a:rPr lang="ru" sz="1400" u="none" strike="noStrike" cap="none"/>
+                        <a:t>Table</a:t>
+                      </a:r>
+                      <a:endParaRPr sz="1400" u="none" strike="noStrike" cap="none"/>
+                    </a:p>
+                  </a:txBody>
+                  <a:tcPr marL="91425" marR="91425" marT="91425" marB="91425"/>
+                </a:tc>
+                <a:extLst>
+                  <a:ext uri="{0D108BD9-81ED-4DB2-BD59-A6C34878D82A}">
+                    <a16:rowId xmlns:a16="http://schemas.microsoft.com/office/drawing/2014/main" val="10000"/>
+                  </a:ext>
+                </a:extLst>
+              </a:tr>
+              <a:tr h="267601">
+                <a:tc>
+                  <a:txBody>
+                    <a:bodyPr/>
+                    <a:lstStyle/>
+                    <a:p>
+                      <a:pPr marL="0" marR="0" lvl="0" indent="0" algn="l" rtl="0">
+                        <a:lnSpc>
+                          <a:spcPct val="100000"/>
+                        </a:lnSpc>
+                        <a:spcBef>
+                          <a:spcPts val="0"/>
+                        </a:spcBef>
+                        <a:spcAft>
+                          <a:spcPts val="0"/>
+                        </a:spcAft>
+                        <a:buClr>
+                          <a:srgbClr val="000000"/>
+                        </a:buClr>
+                        <a:buSzPts val="1400"/>
+                        <a:buFont typeface="Arial"/>
+                        <a:buNone/>
+                      </a:pPr>
+                      <a:r>
+                        <a:rPr lang="ru" sz="1400" u="none" strike="noStrike" cap="none"/>
+                        <a:t>AUC</a:t>
+                      </a:r>
+                      <a:endParaRPr sz="1400" u="none" strike="noStrike" cap="none"/>
+                    </a:p>
+                  </a:txBody>
+                  <a:tcPr marL="91425" marR="91425" marT="91425" marB="91425"/>
+                </a:tc>
+                <a:tc>
+                  <a:txBody>
+                    <a:bodyPr/>
+                    <a:lstStyle/>
+                    <a:p>
+                      <a:pPr marL="0" marR="0" lvl="0" indent="0" algn="l" rtl="0">
+                        <a:lnSpc>
+                          <a:spcPct val="100000"/>
+                        </a:lnSpc>
+                        <a:spcBef>
+                          <a:spcPts val="0"/>
+                        </a:spcBef>
+                        <a:spcAft>
+                          <a:spcPts val="0"/>
+                        </a:spcAft>
+                        <a:buClr>
+                          <a:srgbClr val="000000"/>
+                        </a:buClr>
+                        <a:buSzPts val="1400"/>
+                        <a:buFont typeface="Arial"/>
+                        <a:buNone/>
+                      </a:pPr>
+                      <a:r>
+                        <a:rPr lang="en-US" sz="1400" u="none" strike="noStrike" cap="none" dirty="0"/>
+                        <a:t>0.832</a:t>
+                      </a:r>
+                      <a:endParaRPr sz="1400" u="none" strike="noStrike" cap="none" dirty="0"/>
+                    </a:p>
+                  </a:txBody>
+                  <a:tcPr marL="91425" marR="91425" marT="91425" marB="91425"/>
+                </a:tc>
+                <a:tc>
+                  <a:txBody>
+                    <a:bodyPr/>
+                    <a:lstStyle/>
+                    <a:p>
+                      <a:pPr marL="0" marR="0" lvl="0" indent="0" algn="l" rtl="0">
+                        <a:lnSpc>
+                          <a:spcPct val="100000"/>
+                        </a:lnSpc>
+                        <a:spcBef>
+                          <a:spcPts val="0"/>
+                        </a:spcBef>
+                        <a:spcAft>
+                          <a:spcPts val="0"/>
+                        </a:spcAft>
+                        <a:buClr>
+                          <a:srgbClr val="000000"/>
+                        </a:buClr>
+                        <a:buSzPts val="1400"/>
+                        <a:buFont typeface="Arial"/>
+                        <a:buNone/>
+                      </a:pPr>
+                      <a:r>
+                        <a:rPr lang="ru-RU" sz="1400" u="none" strike="noStrike" cap="none" dirty="0"/>
+                        <a:t>0.868</a:t>
+                      </a:r>
+                      <a:endParaRPr sz="1400" u="none" strike="noStrike" cap="none" dirty="0"/>
+                    </a:p>
+                  </a:txBody>
+                  <a:tcPr marL="91425" marR="91425" marT="91425" marB="91425"/>
+                </a:tc>
+                <a:extLst>
+                  <a:ext uri="{0D108BD9-81ED-4DB2-BD59-A6C34878D82A}">
+                    <a16:rowId xmlns:a16="http://schemas.microsoft.com/office/drawing/2014/main" val="10001"/>
+                  </a:ext>
+                </a:extLst>
+              </a:tr>
+            </a:tbl>
+          </a:graphicData>
+        </a:graphic>
+      </p:graphicFrame>
+      <p:graphicFrame>
+        <p:nvGraphicFramePr>
+          <p:cNvPr id="4" name="Google Shape;161;p26">
+            <a:extLst>
+              <a:ext uri="{FF2B5EF4-FFF2-40B4-BE49-F238E27FC236}">
+                <a16:creationId xmlns:a16="http://schemas.microsoft.com/office/drawing/2014/main" id="{8EB1D278-E93D-4095-84E5-5CB63C59AB05}"/>
+              </a:ext>
+            </a:extLst>
+          </p:cNvPr>
+          <p:cNvGraphicFramePr/>
+          <p:nvPr>
+            <p:extLst>
+              <p:ext uri="{D42A27DB-BD31-4B8C-83A1-F6EECF244321}">
+                <p14:modId xmlns:p14="http://schemas.microsoft.com/office/powerpoint/2010/main" val="256467596"/>
+              </p:ext>
+            </p:extLst>
+          </p:nvPr>
+        </p:nvGraphicFramePr>
+        <p:xfrm>
+          <a:off x="4911419" y="3811323"/>
+          <a:ext cx="3360831" cy="1005780"/>
+        </p:xfrm>
+        <a:graphic>
+          <a:graphicData uri="http://schemas.openxmlformats.org/drawingml/2006/table">
+            <a:tbl>
+              <a:tblPr>
+                <a:noFill/>
+                <a:tableStyleId>{51A54548-8C6E-4327-B64F-6EE99FB00B55}</a:tableStyleId>
+              </a:tblPr>
+              <a:tblGrid>
+                <a:gridCol w="1120277">
+                  <a:extLst>
+                    <a:ext uri="{9D8B030D-6E8A-4147-A177-3AD203B41FA5}">
+                      <a16:colId xmlns:a16="http://schemas.microsoft.com/office/drawing/2014/main" val="20000"/>
+                    </a:ext>
+                  </a:extLst>
+                </a:gridCol>
+                <a:gridCol w="1120277">
+                  <a:extLst>
+                    <a:ext uri="{9D8B030D-6E8A-4147-A177-3AD203B41FA5}">
+                      <a16:colId xmlns:a16="http://schemas.microsoft.com/office/drawing/2014/main" val="20001"/>
+                    </a:ext>
+                  </a:extLst>
+                </a:gridCol>
+                <a:gridCol w="1120277">
+                  <a:extLst>
+                    <a:ext uri="{9D8B030D-6E8A-4147-A177-3AD203B41FA5}">
+                      <a16:colId xmlns:a16="http://schemas.microsoft.com/office/drawing/2014/main" val="20002"/>
+                    </a:ext>
+                  </a:extLst>
+                </a:gridCol>
+              </a:tblGrid>
+              <a:tr h="267601">
+                <a:tc>
+                  <a:txBody>
+                    <a:bodyPr/>
+                    <a:lstStyle/>
+                    <a:p>
+                      <a:pPr marL="0" marR="0" lvl="0" indent="0" algn="l" rtl="0">
+                        <a:lnSpc>
+                          <a:spcPct val="100000"/>
+                        </a:lnSpc>
+                        <a:spcBef>
+                          <a:spcPts val="0"/>
+                        </a:spcBef>
+                        <a:spcAft>
+                          <a:spcPts val="0"/>
+                        </a:spcAft>
+                        <a:buClr>
+                          <a:srgbClr val="000000"/>
+                        </a:buClr>
+                        <a:buSzPts val="1400"/>
+                        <a:buFont typeface="Arial"/>
+                        <a:buNone/>
+                      </a:pPr>
+                      <a:r>
+                        <a:rPr lang="en-US" sz="1400" u="none" strike="noStrike" cap="none" dirty="0"/>
+                        <a:t>Static features</a:t>
+                      </a:r>
+                    </a:p>
+                  </a:txBody>
+                  <a:tcPr marL="91425" marR="91425" marT="91425" marB="91425"/>
+                </a:tc>
+                <a:tc>
+                  <a:txBody>
+                    <a:bodyPr/>
+                    <a:lstStyle/>
+                    <a:p>
+                      <a:pPr marL="0" marR="0" lvl="0" indent="0" algn="l" rtl="0">
+                        <a:lnSpc>
+                          <a:spcPct val="100000"/>
+                        </a:lnSpc>
+                        <a:spcBef>
+                          <a:spcPts val="0"/>
+                        </a:spcBef>
+                        <a:spcAft>
+                          <a:spcPts val="0"/>
+                        </a:spcAft>
+                        <a:buClr>
+                          <a:srgbClr val="000000"/>
+                        </a:buClr>
+                        <a:buSzPts val="1400"/>
+                        <a:buFont typeface="Arial"/>
+                        <a:buNone/>
+                      </a:pPr>
+                      <a:r>
+                        <a:rPr lang="ru" sz="1400" u="none" strike="noStrike" cap="none"/>
+                        <a:t>Test</a:t>
+                      </a:r>
+                      <a:endParaRPr sz="1400" u="none" strike="noStrike" cap="none"/>
+                    </a:p>
+                  </a:txBody>
+                  <a:tcPr marL="91425" marR="91425" marT="91425" marB="91425"/>
+                </a:tc>
+                <a:tc>
+                  <a:txBody>
+                    <a:bodyPr/>
+                    <a:lstStyle/>
+                    <a:p>
+                      <a:pPr marL="0" marR="0" lvl="0" indent="0" algn="l" rtl="0">
+                        <a:lnSpc>
+                          <a:spcPct val="100000"/>
+                        </a:lnSpc>
+                        <a:spcBef>
+                          <a:spcPts val="0"/>
+                        </a:spcBef>
+                        <a:spcAft>
+                          <a:spcPts val="0"/>
+                        </a:spcAft>
+                        <a:buClr>
+                          <a:srgbClr val="000000"/>
+                        </a:buClr>
+                        <a:buSzPts val="1400"/>
+                        <a:buFont typeface="Arial"/>
+                        <a:buNone/>
+                      </a:pPr>
+                      <a:r>
+                        <a:rPr lang="ru" sz="1400" u="none" strike="noStrike" cap="none" dirty="0"/>
+                        <a:t>Table</a:t>
+                      </a:r>
+                      <a:endParaRPr sz="1400" u="none" strike="noStrike" cap="none" dirty="0"/>
+                    </a:p>
+                  </a:txBody>
+                  <a:tcPr marL="91425" marR="91425" marT="91425" marB="91425"/>
+                </a:tc>
+                <a:extLst>
+                  <a:ext uri="{0D108BD9-81ED-4DB2-BD59-A6C34878D82A}">
+                    <a16:rowId xmlns:a16="http://schemas.microsoft.com/office/drawing/2014/main" val="10000"/>
+                  </a:ext>
+                </a:extLst>
+              </a:tr>
+              <a:tr h="267601">
+                <a:tc>
+                  <a:txBody>
+                    <a:bodyPr/>
+                    <a:lstStyle/>
+                    <a:p>
+                      <a:pPr marL="0" marR="0" lvl="0" indent="0" algn="l" rtl="0">
+                        <a:lnSpc>
+                          <a:spcPct val="100000"/>
+                        </a:lnSpc>
+                        <a:spcBef>
+                          <a:spcPts val="0"/>
+                        </a:spcBef>
+                        <a:spcAft>
+                          <a:spcPts val="0"/>
+                        </a:spcAft>
+                        <a:buClr>
+                          <a:srgbClr val="000000"/>
+                        </a:buClr>
+                        <a:buSzPts val="1400"/>
+                        <a:buFont typeface="Arial"/>
+                        <a:buNone/>
+                      </a:pPr>
+                      <a:r>
+                        <a:rPr lang="ru" sz="1400" u="none" strike="noStrike" cap="none"/>
+                        <a:t>AUC</a:t>
+                      </a:r>
+                      <a:endParaRPr sz="1400" u="none" strike="noStrike" cap="none"/>
+                    </a:p>
+                  </a:txBody>
+                  <a:tcPr marL="91425" marR="91425" marT="91425" marB="91425"/>
+                </a:tc>
+                <a:tc>
+                  <a:txBody>
+                    <a:bodyPr/>
+                    <a:lstStyle/>
+                    <a:p>
+                      <a:pPr marL="0" marR="0" lvl="0" indent="0" algn="l" rtl="0">
+                        <a:lnSpc>
+                          <a:spcPct val="100000"/>
+                        </a:lnSpc>
+                        <a:spcBef>
+                          <a:spcPts val="0"/>
+                        </a:spcBef>
+                        <a:spcAft>
+                          <a:spcPts val="0"/>
+                        </a:spcAft>
+                        <a:buClr>
+                          <a:srgbClr val="000000"/>
+                        </a:buClr>
+                        <a:buSzPts val="1400"/>
+                        <a:buFont typeface="Arial"/>
+                        <a:buNone/>
+                      </a:pPr>
+                      <a:r>
+                        <a:rPr lang="en-US" sz="1400" u="none" strike="noStrike" cap="none" dirty="0"/>
+                        <a:t>0.713</a:t>
+                      </a:r>
+                      <a:endParaRPr sz="1400" u="none" strike="noStrike" cap="none" dirty="0"/>
+                    </a:p>
+                  </a:txBody>
+                  <a:tcPr marL="91425" marR="91425" marT="91425" marB="91425"/>
+                </a:tc>
+                <a:tc>
+                  <a:txBody>
+                    <a:bodyPr/>
+                    <a:lstStyle/>
+                    <a:p>
+                      <a:pPr marL="0" marR="0" lvl="0" indent="0" algn="l" rtl="0">
+                        <a:lnSpc>
+                          <a:spcPct val="100000"/>
+                        </a:lnSpc>
+                        <a:spcBef>
+                          <a:spcPts val="0"/>
+                        </a:spcBef>
+                        <a:spcAft>
+                          <a:spcPts val="0"/>
+                        </a:spcAft>
+                        <a:buClr>
+                          <a:srgbClr val="000000"/>
+                        </a:buClr>
+                        <a:buSzPts val="1400"/>
+                        <a:buFont typeface="Arial"/>
+                        <a:buNone/>
+                      </a:pPr>
+                      <a:r>
+                        <a:rPr lang="ru-RU" sz="1400" u="none" strike="noStrike" cap="none" dirty="0"/>
+                        <a:t>0.821</a:t>
+                      </a:r>
+                    </a:p>
+                  </a:txBody>
+                  <a:tcPr marL="91425" marR="91425" marT="91425" marB="91425"/>
+                </a:tc>
+                <a:extLst>
+                  <a:ext uri="{0D108BD9-81ED-4DB2-BD59-A6C34878D82A}">
+                    <a16:rowId xmlns:a16="http://schemas.microsoft.com/office/drawing/2014/main" val="10001"/>
+                  </a:ext>
+                </a:extLst>
+              </a:tr>
+            </a:tbl>
+          </a:graphicData>
+        </a:graphic>
+      </p:graphicFrame>
+      <p:sp>
+        <p:nvSpPr>
+          <p:cNvPr id="7" name="Заголовок 1">
+            <a:extLst>
+              <a:ext uri="{FF2B5EF4-FFF2-40B4-BE49-F238E27FC236}">
+                <a16:creationId xmlns:a16="http://schemas.microsoft.com/office/drawing/2014/main" id="{5B58D687-353E-4AD4-9F72-759D0F635B36}"/>
+              </a:ext>
+            </a:extLst>
+          </p:cNvPr>
+          <p:cNvSpPr txBox="1">
+            <a:spLocks/>
+          </p:cNvSpPr>
+          <p:nvPr/>
+        </p:nvSpPr>
+        <p:spPr>
+          <a:xfrm>
+            <a:off x="4911419" y="664552"/>
+            <a:ext cx="3927398" cy="535200"/>
+          </a:xfrm>
+          <a:prstGeom prst="rect">
+            <a:avLst/>
+          </a:prstGeom>
+          <a:noFill/>
+          <a:ln>
+            <a:noFill/>
+          </a:ln>
+        </p:spPr>
+        <p:txBody>
+          <a:bodyPr spcFirstLastPara="1" wrap="square" lIns="91425" tIns="91425" rIns="91425" bIns="91425" anchor="t" anchorCtr="0">
+            <a:normAutofit fontScale="97500" lnSpcReduction="10000"/>
+          </a:bodyPr>
+          <a:lstStyle>
+            <a:defPPr marR="0" lvl="0" algn="l" rtl="0">
+              <a:lnSpc>
+                <a:spcPct val="100000"/>
+              </a:lnSpc>
+              <a:spcBef>
+                <a:spcPts val="0"/>
+              </a:spcBef>
+              <a:spcAft>
+                <a:spcPts val="0"/>
+              </a:spcAft>
+            </a:defPPr>
+            <a:lvl1pPr marR="0" lvl="0" algn="l" rtl="0">
+              <a:lnSpc>
+                <a:spcPct val="100000"/>
+              </a:lnSpc>
+              <a:spcBef>
+                <a:spcPts val="0"/>
+              </a:spcBef>
+              <a:spcAft>
+                <a:spcPts val="0"/>
+              </a:spcAft>
+              <a:buClr>
+                <a:schemeClr val="dk2"/>
+              </a:buClr>
+              <a:buSzPts val="2600"/>
+              <a:buFont typeface="Raleway"/>
+              <a:buNone/>
+              <a:defRPr sz="2600" b="1" i="0" u="none" strike="noStrike" cap="none">
+                <a:solidFill>
+                  <a:schemeClr val="dk2"/>
+                </a:solidFill>
+                <a:latin typeface="Raleway"/>
+                <a:ea typeface="Raleway"/>
+                <a:cs typeface="Raleway"/>
+                <a:sym typeface="Raleway"/>
+              </a:defRPr>
+            </a:lvl1pPr>
+            <a:lvl2pPr marR="0" lvl="1" algn="l" rtl="0">
+              <a:lnSpc>
+                <a:spcPct val="100000"/>
+              </a:lnSpc>
+              <a:spcBef>
+                <a:spcPts val="0"/>
+              </a:spcBef>
+              <a:spcAft>
+                <a:spcPts val="0"/>
+              </a:spcAft>
+              <a:buClr>
+                <a:schemeClr val="dk2"/>
+              </a:buClr>
+              <a:buSzPts val="2600"/>
+              <a:buFont typeface="Raleway"/>
+              <a:buNone/>
+              <a:defRPr sz="2600" b="1" i="0" u="none" strike="noStrike" cap="none">
+                <a:solidFill>
+                  <a:schemeClr val="dk2"/>
+                </a:solidFill>
+                <a:latin typeface="Raleway"/>
+                <a:ea typeface="Raleway"/>
+                <a:cs typeface="Raleway"/>
+                <a:sym typeface="Raleway"/>
+              </a:defRPr>
+            </a:lvl2pPr>
+            <a:lvl3pPr marR="0" lvl="2" algn="l" rtl="0">
+              <a:lnSpc>
+                <a:spcPct val="100000"/>
+              </a:lnSpc>
+              <a:spcBef>
+                <a:spcPts val="0"/>
+              </a:spcBef>
+              <a:spcAft>
+                <a:spcPts val="0"/>
+              </a:spcAft>
+              <a:buClr>
+                <a:schemeClr val="dk2"/>
+              </a:buClr>
+              <a:buSzPts val="2600"/>
+              <a:buFont typeface="Raleway"/>
+              <a:buNone/>
+              <a:defRPr sz="2600" b="1" i="0" u="none" strike="noStrike" cap="none">
+                <a:solidFill>
+                  <a:schemeClr val="dk2"/>
+                </a:solidFill>
+                <a:latin typeface="Raleway"/>
+                <a:ea typeface="Raleway"/>
+                <a:cs typeface="Raleway"/>
+                <a:sym typeface="Raleway"/>
+              </a:defRPr>
+            </a:lvl3pPr>
+            <a:lvl4pPr marR="0" lvl="3" algn="l" rtl="0">
+              <a:lnSpc>
+                <a:spcPct val="100000"/>
+              </a:lnSpc>
+              <a:spcBef>
+                <a:spcPts val="0"/>
+              </a:spcBef>
+              <a:spcAft>
+                <a:spcPts val="0"/>
+              </a:spcAft>
+              <a:buClr>
+                <a:schemeClr val="dk2"/>
+              </a:buClr>
+              <a:buSzPts val="2600"/>
+              <a:buFont typeface="Raleway"/>
+              <a:buNone/>
+              <a:defRPr sz="2600" b="1" i="0" u="none" strike="noStrike" cap="none">
+                <a:solidFill>
+                  <a:schemeClr val="dk2"/>
+                </a:solidFill>
+                <a:latin typeface="Raleway"/>
+                <a:ea typeface="Raleway"/>
+                <a:cs typeface="Raleway"/>
+                <a:sym typeface="Raleway"/>
+              </a:defRPr>
+            </a:lvl4pPr>
+            <a:lvl5pPr marR="0" lvl="4" algn="l" rtl="0">
+              <a:lnSpc>
+                <a:spcPct val="100000"/>
+              </a:lnSpc>
+              <a:spcBef>
+                <a:spcPts val="0"/>
+              </a:spcBef>
+              <a:spcAft>
+                <a:spcPts val="0"/>
+              </a:spcAft>
+              <a:buClr>
+                <a:schemeClr val="dk2"/>
+              </a:buClr>
+              <a:buSzPts val="2600"/>
+              <a:buFont typeface="Raleway"/>
+              <a:buNone/>
+              <a:defRPr sz="2600" b="1" i="0" u="none" strike="noStrike" cap="none">
+                <a:solidFill>
+                  <a:schemeClr val="dk2"/>
+                </a:solidFill>
+                <a:latin typeface="Raleway"/>
+                <a:ea typeface="Raleway"/>
+                <a:cs typeface="Raleway"/>
+                <a:sym typeface="Raleway"/>
+              </a:defRPr>
+            </a:lvl5pPr>
+            <a:lvl6pPr marR="0" lvl="5" algn="l" rtl="0">
+              <a:lnSpc>
+                <a:spcPct val="100000"/>
+              </a:lnSpc>
+              <a:spcBef>
+                <a:spcPts val="0"/>
+              </a:spcBef>
+              <a:spcAft>
+                <a:spcPts val="0"/>
+              </a:spcAft>
+              <a:buClr>
+                <a:schemeClr val="dk2"/>
+              </a:buClr>
+              <a:buSzPts val="2600"/>
+              <a:buFont typeface="Raleway"/>
+              <a:buNone/>
+              <a:defRPr sz="2600" b="1" i="0" u="none" strike="noStrike" cap="none">
+                <a:solidFill>
+                  <a:schemeClr val="dk2"/>
+                </a:solidFill>
+                <a:latin typeface="Raleway"/>
+                <a:ea typeface="Raleway"/>
+                <a:cs typeface="Raleway"/>
+                <a:sym typeface="Raleway"/>
+              </a:defRPr>
+            </a:lvl6pPr>
+            <a:lvl7pPr marR="0" lvl="6" algn="l" rtl="0">
+              <a:lnSpc>
+                <a:spcPct val="100000"/>
+              </a:lnSpc>
+              <a:spcBef>
+                <a:spcPts val="0"/>
+              </a:spcBef>
+              <a:spcAft>
+                <a:spcPts val="0"/>
+              </a:spcAft>
+              <a:buClr>
+                <a:schemeClr val="dk2"/>
+              </a:buClr>
+              <a:buSzPts val="2600"/>
+              <a:buFont typeface="Raleway"/>
+              <a:buNone/>
+              <a:defRPr sz="2600" b="1" i="0" u="none" strike="noStrike" cap="none">
+                <a:solidFill>
+                  <a:schemeClr val="dk2"/>
+                </a:solidFill>
+                <a:latin typeface="Raleway"/>
+                <a:ea typeface="Raleway"/>
+                <a:cs typeface="Raleway"/>
+                <a:sym typeface="Raleway"/>
+              </a:defRPr>
+            </a:lvl7pPr>
+            <a:lvl8pPr marR="0" lvl="7" algn="l" rtl="0">
+              <a:lnSpc>
+                <a:spcPct val="100000"/>
+              </a:lnSpc>
+              <a:spcBef>
+                <a:spcPts val="0"/>
+              </a:spcBef>
+              <a:spcAft>
+                <a:spcPts val="0"/>
+              </a:spcAft>
+              <a:buClr>
+                <a:schemeClr val="dk2"/>
+              </a:buClr>
+              <a:buSzPts val="2600"/>
+              <a:buFont typeface="Raleway"/>
+              <a:buNone/>
+              <a:defRPr sz="2600" b="1" i="0" u="none" strike="noStrike" cap="none">
+                <a:solidFill>
+                  <a:schemeClr val="dk2"/>
+                </a:solidFill>
+                <a:latin typeface="Raleway"/>
+                <a:ea typeface="Raleway"/>
+                <a:cs typeface="Raleway"/>
+                <a:sym typeface="Raleway"/>
+              </a:defRPr>
+            </a:lvl8pPr>
+            <a:lvl9pPr marR="0" lvl="8" algn="l" rtl="0">
+              <a:lnSpc>
+                <a:spcPct val="100000"/>
+              </a:lnSpc>
+              <a:spcBef>
+                <a:spcPts val="0"/>
+              </a:spcBef>
+              <a:spcAft>
+                <a:spcPts val="0"/>
+              </a:spcAft>
+              <a:buClr>
+                <a:schemeClr val="dk2"/>
+              </a:buClr>
+              <a:buSzPts val="2600"/>
+              <a:buFont typeface="Raleway"/>
+              <a:buNone/>
+              <a:defRPr sz="2600" b="1" i="0" u="none" strike="noStrike" cap="none">
+                <a:solidFill>
+                  <a:schemeClr val="dk2"/>
+                </a:solidFill>
+                <a:latin typeface="Raleway"/>
+                <a:ea typeface="Raleway"/>
+                <a:cs typeface="Raleway"/>
+                <a:sym typeface="Raleway"/>
+              </a:defRPr>
+            </a:lvl9pPr>
+          </a:lstStyle>
+          <a:p>
+            <a:r>
+              <a:rPr lang="en-US" dirty="0" err="1"/>
+              <a:t>BO_bitOt</a:t>
+            </a:r>
+            <a:endParaRPr lang="ru-RU" dirty="0"/>
+          </a:p>
+        </p:txBody>
+      </p:sp>
+      <p:pic>
+        <p:nvPicPr>
+          <p:cNvPr id="9" name="Рисунок 8">
+            <a:extLst>
+              <a:ext uri="{FF2B5EF4-FFF2-40B4-BE49-F238E27FC236}">
+                <a16:creationId xmlns:a16="http://schemas.microsoft.com/office/drawing/2014/main" id="{E4E6A7AC-8DA8-45F1-873B-13DD9E778F52}"/>
+              </a:ext>
+            </a:extLst>
+          </p:cNvPr>
+          <p:cNvPicPr>
+            <a:picLocks noChangeAspect="1"/>
+          </p:cNvPicPr>
+          <p:nvPr/>
+        </p:nvPicPr>
+        <p:blipFill>
+          <a:blip r:embed="rId2"/>
+          <a:stretch>
+            <a:fillRect/>
+          </a:stretch>
+        </p:blipFill>
+        <p:spPr>
+          <a:xfrm>
+            <a:off x="4911419" y="1253727"/>
+            <a:ext cx="2959158" cy="2222059"/>
+          </a:xfrm>
+          <a:prstGeom prst="rect">
+            <a:avLst/>
+          </a:prstGeom>
+        </p:spPr>
+      </p:pic>
+      <p:pic>
+        <p:nvPicPr>
+          <p:cNvPr id="10" name="Рисунок 9">
+            <a:extLst>
+              <a:ext uri="{FF2B5EF4-FFF2-40B4-BE49-F238E27FC236}">
+                <a16:creationId xmlns:a16="http://schemas.microsoft.com/office/drawing/2014/main" id="{13D4A5EF-9ECC-4758-916F-2F439A8918ED}"/>
+              </a:ext>
+            </a:extLst>
+          </p:cNvPr>
+          <p:cNvPicPr>
+            <a:picLocks noChangeAspect="1"/>
+          </p:cNvPicPr>
+          <p:nvPr/>
+        </p:nvPicPr>
+        <p:blipFill>
+          <a:blip r:embed="rId3"/>
+          <a:stretch>
+            <a:fillRect/>
+          </a:stretch>
+        </p:blipFill>
+        <p:spPr>
+          <a:xfrm>
+            <a:off x="727650" y="1428332"/>
+            <a:ext cx="2538647" cy="1931985"/>
+          </a:xfrm>
+          <a:prstGeom prst="rect">
+            <a:avLst/>
+          </a:prstGeom>
+        </p:spPr>
+      </p:pic>
+    </p:spTree>
+    <p:extLst>
+      <p:ext uri="{BB962C8B-B14F-4D97-AF65-F5344CB8AC3E}">
+        <p14:creationId xmlns:p14="http://schemas.microsoft.com/office/powerpoint/2010/main" val="714257943"/>
+      </p:ext>
+    </p:extLst>
+  </p:cSld>
+  <p:clrMapOvr>
+    <a:masterClrMapping/>
+  </p:clrMapOvr>
+</p:sld>
+</file>
+
+<file path=ppt/slides/slide29.xml><?xml version="1.0" encoding="utf-8"?>
+<p:sld xmlns:a="http://schemas.openxmlformats.org/drawingml/2006/main" xmlns:r="http://schemas.openxmlformats.org/officeDocument/2006/relationships" xmlns:p="http://schemas.openxmlformats.org/presentationml/2006/main">
+  <p:cSld>
+    <p:spTree>
+      <p:nvGrpSpPr>
+        <p:cNvPr id="1" name=""/>
+        <p:cNvGrpSpPr/>
+        <p:nvPr/>
+      </p:nvGrpSpPr>
+      <p:grpSpPr>
+        <a:xfrm>
+          <a:off x="0" y="0"/>
+          <a:ext cx="0" cy="0"/>
+          <a:chOff x="0" y="0"/>
+          <a:chExt cx="0" cy="0"/>
+        </a:xfrm>
+      </p:grpSpPr>
+      <p:sp>
+        <p:nvSpPr>
+          <p:cNvPr id="2" name="Заголовок 1">
+            <a:extLst>
+              <a:ext uri="{FF2B5EF4-FFF2-40B4-BE49-F238E27FC236}">
+                <a16:creationId xmlns:a16="http://schemas.microsoft.com/office/drawing/2014/main" id="{AE9F47F1-32A4-4334-B8F9-BA13AD642BF3}"/>
+              </a:ext>
+            </a:extLst>
+          </p:cNvPr>
+          <p:cNvSpPr>
+            <a:spLocks noGrp="1"/>
+          </p:cNvSpPr>
+          <p:nvPr>
+            <p:ph type="title"/>
+          </p:nvPr>
+        </p:nvSpPr>
+        <p:spPr>
+          <a:xfrm>
+            <a:off x="727650" y="664553"/>
+            <a:ext cx="7688700" cy="535200"/>
+          </a:xfrm>
+        </p:spPr>
+        <p:txBody>
+          <a:bodyPr>
+            <a:normAutofit fontScale="90000"/>
+          </a:bodyPr>
+          <a:lstStyle/>
+          <a:p>
+            <a:r>
+              <a:rPr lang="ru-RU" dirty="0"/>
               <a:t>Заключение</a:t>
             </a:r>
           </a:p>
@@ -18197,7 +20202,7 @@
         <p:spPr>
           <a:xfrm>
             <a:off x="727650" y="1370404"/>
-            <a:ext cx="8003067" cy="3108543"/>
+            <a:ext cx="8003067" cy="2893100"/>
           </a:xfrm>
           <a:prstGeom prst="rect">
             <a:avLst/>
@@ -18212,7 +20217,7 @@
           <a:p>
             <a:r>
               <a:rPr lang="ru-RU" dirty="0"/>
-              <a:t>Мы можем заметить что для малых сетей наша стратегия с беспорядочным перебором работает хуже чем из статьи, но </a:t>
+              <a:t>Мы можем заметить что для малых сетей наша стратегия с беспорядочным перебором работает так же как и стратегия с расстоянием 2, </a:t>
             </a:r>
             <a:r>
               <a:rPr lang="en-US" dirty="0"/>
@@ -18246,7 +20251,7 @@
             </a:br>
             <a:r>
               <a:rPr lang="ru-RU" dirty="0"/>
-              <a:t>Однако если мы переберем все возможные комбинации, не ограничивая размер долей. То стратегия будем лучше, чем табличная с ограничением в 10 000 пар и расстоянием 2. (</a:t>
+              <a:t>Если мы переберем все возможные комбинации с равными долями, но не ограничивая размер долей. То стратегия будем лучше, чем табличная с ограничением в 10 000 пар и расстоянием 2. (</a:t>
             </a:r>
             <a:r>
               <a:rPr lang="en-US" dirty="0" err="1"/>
@@ -18264,23 +20269,19 @@
             </a:br>
             <a:r>
               <a:rPr lang="ru-RU" dirty="0"/>
-              <a:t>Если же мы возьмем очень большие сети, то стратегия с беспорядочным перебором может быть вовсе неэффективна и давать неверную оценку (слишком большая </a:t>
+              <a:t>Также мы можем заметить что для больших сетей эффективнее использовать </a:t>
             </a:r>
             <a:r>
-              <a:rPr lang="en-US" dirty="0"/>
-              <a:t>AUC)</a:t>
+              <a:rPr lang="ru-RU" dirty="0" err="1"/>
+              <a:t>темпоральные</a:t>
             </a:r>
             <a:r>
               <a:rPr lang="ru-RU" dirty="0"/>
-              <a:t>. Предположительно это происходит из за того что модель неправильно/неэффективно обучается на беспорядочном переборе(</a:t>
+              <a:t> признаки, а </a:t>
             </a:r>
             <a:r>
-              <a:rPr lang="en-US" dirty="0" err="1"/>
-              <a:t>ma_SX</a:t>
-            </a:r>
-            <a:r>
-              <a:rPr lang="en-US" dirty="0"/>
-              <a:t>-MO, SU_SX-SU)</a:t>
+              <a:rPr lang="ru-RU"/>
+              <a:t>не статические</a:t>
             </a:r>
             <a:br>
               <a:rPr lang="ru-RU" dirty="0"/>
@@ -18298,7 +20299,7 @@
     </p:spTree>
     <p:extLst>
       <p:ext uri="{BB962C8B-B14F-4D97-AF65-F5344CB8AC3E}">
-        <p14:creationId xmlns:p14="http://schemas.microsoft.com/office/powerpoint/2010/main" val="4047345797"/>
+        <p14:creationId xmlns:p14="http://schemas.microsoft.com/office/powerpoint/2010/main" val="3125018497"/>
       </p:ext>
     </p:extLst>
   </p:cSld>
@@ -18735,2616 +20736,10 @@
         <p:nvGraphicFramePr>
           <p:cNvPr id="97" name="Google Shape;97;p15"/>
           <p:cNvGraphicFramePr/>
-          <p:nvPr/>
-        </p:nvGraphicFramePr>
-        <p:xfrm>
-          <a:off x="-12" y="0"/>
-          <a:ext cx="9144025" cy="5143500"/>
-        </p:xfrm>
-        <a:graphic>
-          <a:graphicData uri="http://schemas.openxmlformats.org/drawingml/2006/table">
-            <a:tbl>
-              <a:tblPr>
-                <a:noFill/>
-                <a:tableStyleId>{51A54548-8C6E-4327-B64F-6EE99FB00B55}</a:tableStyleId>
-              </a:tblPr>
-              <a:tblGrid>
-                <a:gridCol w="831275">
-                  <a:extLst>
-                    <a:ext uri="{9D8B030D-6E8A-4147-A177-3AD203B41FA5}">
-                      <a16:colId xmlns:a16="http://schemas.microsoft.com/office/drawing/2014/main" val="20000"/>
-                    </a:ext>
-                  </a:extLst>
-                </a:gridCol>
-                <a:gridCol w="831275">
-                  <a:extLst>
-                    <a:ext uri="{9D8B030D-6E8A-4147-A177-3AD203B41FA5}">
-                      <a16:colId xmlns:a16="http://schemas.microsoft.com/office/drawing/2014/main" val="20001"/>
-                    </a:ext>
-                  </a:extLst>
-                </a:gridCol>
-                <a:gridCol w="831275">
-                  <a:extLst>
-                    <a:ext uri="{9D8B030D-6E8A-4147-A177-3AD203B41FA5}">
-                      <a16:colId xmlns:a16="http://schemas.microsoft.com/office/drawing/2014/main" val="20002"/>
-                    </a:ext>
-                  </a:extLst>
-                </a:gridCol>
-                <a:gridCol w="831275">
-                  <a:extLst>
-                    <a:ext uri="{9D8B030D-6E8A-4147-A177-3AD203B41FA5}">
-                      <a16:colId xmlns:a16="http://schemas.microsoft.com/office/drawing/2014/main" val="20003"/>
-                    </a:ext>
-                  </a:extLst>
-                </a:gridCol>
-                <a:gridCol w="831275">
-                  <a:extLst>
-                    <a:ext uri="{9D8B030D-6E8A-4147-A177-3AD203B41FA5}">
-                      <a16:colId xmlns:a16="http://schemas.microsoft.com/office/drawing/2014/main" val="20004"/>
-                    </a:ext>
-                  </a:extLst>
-                </a:gridCol>
-                <a:gridCol w="831275">
-                  <a:extLst>
-                    <a:ext uri="{9D8B030D-6E8A-4147-A177-3AD203B41FA5}">
-                      <a16:colId xmlns:a16="http://schemas.microsoft.com/office/drawing/2014/main" val="20005"/>
-                    </a:ext>
-                  </a:extLst>
-                </a:gridCol>
-                <a:gridCol w="831275">
-                  <a:extLst>
-                    <a:ext uri="{9D8B030D-6E8A-4147-A177-3AD203B41FA5}">
-                      <a16:colId xmlns:a16="http://schemas.microsoft.com/office/drawing/2014/main" val="20006"/>
-                    </a:ext>
-                  </a:extLst>
-                </a:gridCol>
-                <a:gridCol w="831275">
-                  <a:extLst>
-                    <a:ext uri="{9D8B030D-6E8A-4147-A177-3AD203B41FA5}">
-                      <a16:colId xmlns:a16="http://schemas.microsoft.com/office/drawing/2014/main" val="20007"/>
-                    </a:ext>
-                  </a:extLst>
-                </a:gridCol>
-                <a:gridCol w="831275">
-                  <a:extLst>
-                    <a:ext uri="{9D8B030D-6E8A-4147-A177-3AD203B41FA5}">
-                      <a16:colId xmlns:a16="http://schemas.microsoft.com/office/drawing/2014/main" val="20008"/>
-                    </a:ext>
-                  </a:extLst>
-                </a:gridCol>
-                <a:gridCol w="831275">
-                  <a:extLst>
-                    <a:ext uri="{9D8B030D-6E8A-4147-A177-3AD203B41FA5}">
-                      <a16:colId xmlns:a16="http://schemas.microsoft.com/office/drawing/2014/main" val="20009"/>
-                    </a:ext>
-                  </a:extLst>
-                </a:gridCol>
-                <a:gridCol w="831275">
-                  <a:extLst>
-                    <a:ext uri="{9D8B030D-6E8A-4147-A177-3AD203B41FA5}">
-                      <a16:colId xmlns:a16="http://schemas.microsoft.com/office/drawing/2014/main" val="20010"/>
-                    </a:ext>
-                  </a:extLst>
-                </a:gridCol>
-              </a:tblGrid>
-              <a:tr h="783950">
-                <a:tc rowSpan="2">
-                  <a:txBody>
-                    <a:bodyPr/>
-                    <a:lstStyle/>
-                    <a:p>
-                      <a:pPr marL="0" marR="0" lvl="0" indent="0" algn="l" rtl="0">
-                        <a:lnSpc>
-                          <a:spcPct val="100000"/>
-                        </a:lnSpc>
-                        <a:spcBef>
-                          <a:spcPts val="0"/>
-                        </a:spcBef>
-                        <a:spcAft>
-                          <a:spcPts val="0"/>
-                        </a:spcAft>
-                        <a:buClr>
-                          <a:srgbClr val="000000"/>
-                        </a:buClr>
-                        <a:buSzPts val="1400"/>
-                        <a:buFont typeface="Arial"/>
-                        <a:buNone/>
-                      </a:pPr>
-                      <a:r>
-                        <a:rPr lang="ru" sz="1400" u="none" strike="noStrike" cap="none">
-                          <a:latin typeface="Times New Roman"/>
-                          <a:ea typeface="Times New Roman"/>
-                          <a:cs typeface="Times New Roman"/>
-                          <a:sym typeface="Times New Roman"/>
-                        </a:rPr>
-                        <a:t>Датасет</a:t>
-                      </a:r>
-                      <a:endParaRPr sz="1400" u="none" strike="noStrike" cap="none">
-                        <a:latin typeface="Times New Roman"/>
-                        <a:ea typeface="Times New Roman"/>
-                        <a:cs typeface="Times New Roman"/>
-                        <a:sym typeface="Times New Roman"/>
-                      </a:endParaRPr>
-                    </a:p>
-                  </a:txBody>
-                  <a:tcPr marL="91425" marR="91425" marT="91425" marB="91425"/>
-                </a:tc>
-                <a:tc rowSpan="2">
-                  <a:txBody>
-                    <a:bodyPr/>
-                    <a:lstStyle/>
-                    <a:p>
-                      <a:pPr marL="0" marR="0" lvl="0" indent="0" algn="l" rtl="0">
-                        <a:lnSpc>
-                          <a:spcPct val="100000"/>
-                        </a:lnSpc>
-                        <a:spcBef>
-                          <a:spcPts val="0"/>
-                        </a:spcBef>
-                        <a:spcAft>
-                          <a:spcPts val="0"/>
-                        </a:spcAft>
-                        <a:buClr>
-                          <a:srgbClr val="000000"/>
-                        </a:buClr>
-                        <a:buSzPts val="1400"/>
-                        <a:buFont typeface="Arial"/>
-                        <a:buNone/>
-                      </a:pPr>
-                      <a:r>
-                        <a:rPr lang="ru" sz="1400" u="none" strike="noStrike" cap="none">
-                          <a:latin typeface="Times New Roman"/>
-                          <a:ea typeface="Times New Roman"/>
-                          <a:cs typeface="Times New Roman"/>
-                          <a:sym typeface="Times New Roman"/>
-                        </a:rPr>
-                        <a:t>Кол-во вершин</a:t>
-                      </a:r>
-                      <a:endParaRPr sz="1400" u="none" strike="noStrike" cap="none">
-                        <a:latin typeface="Times New Roman"/>
-                        <a:ea typeface="Times New Roman"/>
-                        <a:cs typeface="Times New Roman"/>
-                        <a:sym typeface="Times New Roman"/>
-                      </a:endParaRPr>
-                    </a:p>
-                  </a:txBody>
-                  <a:tcPr marL="91425" marR="91425" marT="91425" marB="91425"/>
-                </a:tc>
-                <a:tc rowSpan="2">
-                  <a:txBody>
-                    <a:bodyPr/>
-                    <a:lstStyle/>
-                    <a:p>
-                      <a:pPr marL="0" marR="0" lvl="0" indent="0" algn="l" rtl="0">
-                        <a:lnSpc>
-                          <a:spcPct val="100000"/>
-                        </a:lnSpc>
-                        <a:spcBef>
-                          <a:spcPts val="0"/>
-                        </a:spcBef>
-                        <a:spcAft>
-                          <a:spcPts val="0"/>
-                        </a:spcAft>
-                        <a:buClr>
-                          <a:srgbClr val="000000"/>
-                        </a:buClr>
-                        <a:buSzPts val="1400"/>
-                        <a:buFont typeface="Arial"/>
-                        <a:buNone/>
-                      </a:pPr>
-                      <a:r>
-                        <a:rPr lang="ru" sz="1400" u="none" strike="noStrike" cap="none">
-                          <a:latin typeface="Times New Roman"/>
-                          <a:ea typeface="Times New Roman"/>
-                          <a:cs typeface="Times New Roman"/>
-                          <a:sym typeface="Times New Roman"/>
-                        </a:rPr>
-                        <a:t>Кол-во ребер</a:t>
-                      </a:r>
-                      <a:endParaRPr sz="1400" u="none" strike="noStrike" cap="none">
-                        <a:latin typeface="Times New Roman"/>
-                        <a:ea typeface="Times New Roman"/>
-                        <a:cs typeface="Times New Roman"/>
-                        <a:sym typeface="Times New Roman"/>
-                      </a:endParaRPr>
-                    </a:p>
-                  </a:txBody>
-                  <a:tcPr marL="91425" marR="91425" marT="91425" marB="91425"/>
-                </a:tc>
-                <a:tc gridSpan="3">
-                  <a:txBody>
-                    <a:bodyPr/>
-                    <a:lstStyle/>
-                    <a:p>
-                      <a:pPr marL="0" marR="0" lvl="0" indent="0" algn="l" rtl="0">
-                        <a:lnSpc>
-                          <a:spcPct val="100000"/>
-                        </a:lnSpc>
-                        <a:spcBef>
-                          <a:spcPts val="0"/>
-                        </a:spcBef>
-                        <a:spcAft>
-                          <a:spcPts val="0"/>
-                        </a:spcAft>
-                        <a:buClr>
-                          <a:srgbClr val="000000"/>
-                        </a:buClr>
-                        <a:buSzPts val="1400"/>
-                        <a:buFont typeface="Arial"/>
-                        <a:buNone/>
-                      </a:pPr>
-                      <a:r>
-                        <a:rPr lang="ru" sz="1400" u="none" strike="noStrike" cap="none">
-                          <a:latin typeface="Times New Roman"/>
-                          <a:ea typeface="Times New Roman"/>
-                          <a:cs typeface="Times New Roman"/>
-                          <a:sym typeface="Times New Roman"/>
-                        </a:rPr>
-                        <a:t>Случайный подграф</a:t>
-                      </a:r>
-                      <a:endParaRPr sz="1400" u="none" strike="noStrike" cap="none">
-                        <a:latin typeface="Times New Roman"/>
-                        <a:ea typeface="Times New Roman"/>
-                        <a:cs typeface="Times New Roman"/>
-                        <a:sym typeface="Times New Roman"/>
-                      </a:endParaRPr>
-                    </a:p>
-                  </a:txBody>
-                  <a:tcPr marL="91425" marR="91425" marT="91425" marB="91425"/>
-                </a:tc>
-                <a:tc hMerge="1">
-                  <a:txBody>
-                    <a:bodyPr/>
-                    <a:lstStyle/>
-                    <a:p>
-                      <a:endParaRPr lang="ru-RU"/>
-                    </a:p>
-                  </a:txBody>
-                  <a:tcPr/>
-                </a:tc>
-                <a:tc hMerge="1">
-                  <a:txBody>
-                    <a:bodyPr/>
-                    <a:lstStyle/>
-                    <a:p>
-                      <a:endParaRPr lang="ru-RU"/>
-                    </a:p>
-                  </a:txBody>
-                  <a:tcPr/>
-                </a:tc>
-                <a:tc gridSpan="3">
-                  <a:txBody>
-                    <a:bodyPr/>
-                    <a:lstStyle/>
-                    <a:p>
-                      <a:pPr marL="0" marR="0" lvl="0" indent="0" algn="l" rtl="0">
-                        <a:lnSpc>
-                          <a:spcPct val="100000"/>
-                        </a:lnSpc>
-                        <a:spcBef>
-                          <a:spcPts val="0"/>
-                        </a:spcBef>
-                        <a:spcAft>
-                          <a:spcPts val="0"/>
-                        </a:spcAft>
-                        <a:buClr>
-                          <a:srgbClr val="000000"/>
-                        </a:buClr>
-                        <a:buSzPts val="1400"/>
-                        <a:buFont typeface="Arial"/>
-                        <a:buNone/>
-                      </a:pPr>
-                      <a:r>
-                        <a:rPr lang="ru" sz="1400" u="none" strike="noStrike" cap="none">
-                          <a:latin typeface="Times New Roman"/>
-                          <a:ea typeface="Times New Roman"/>
-                          <a:cs typeface="Times New Roman"/>
-                          <a:sym typeface="Times New Roman"/>
-                        </a:rPr>
-                        <a:t>Снежный ком</a:t>
-                      </a:r>
-                      <a:endParaRPr sz="1400" u="none" strike="noStrike" cap="none">
-                        <a:latin typeface="Times New Roman"/>
-                        <a:ea typeface="Times New Roman"/>
-                        <a:cs typeface="Times New Roman"/>
-                        <a:sym typeface="Times New Roman"/>
-                      </a:endParaRPr>
-                    </a:p>
-                  </a:txBody>
-                  <a:tcPr marL="91425" marR="91425" marT="91425" marB="91425"/>
-                </a:tc>
-                <a:tc hMerge="1">
-                  <a:txBody>
-                    <a:bodyPr/>
-                    <a:lstStyle/>
-                    <a:p>
-                      <a:endParaRPr lang="ru-RU"/>
-                    </a:p>
-                  </a:txBody>
-                  <a:tcPr/>
-                </a:tc>
-                <a:tc hMerge="1">
-                  <a:txBody>
-                    <a:bodyPr/>
-                    <a:lstStyle/>
-                    <a:p>
-                      <a:endParaRPr lang="ru-RU"/>
-                    </a:p>
-                  </a:txBody>
-                  <a:tcPr/>
-                </a:tc>
-                <a:tc rowSpan="2">
-                  <a:txBody>
-                    <a:bodyPr/>
-                    <a:lstStyle/>
-                    <a:p>
-                      <a:pPr marL="0" marR="0" lvl="0" indent="0" algn="l" rtl="0">
-                        <a:lnSpc>
-                          <a:spcPct val="100000"/>
-                        </a:lnSpc>
-                        <a:spcBef>
-                          <a:spcPts val="0"/>
-                        </a:spcBef>
-                        <a:spcAft>
-                          <a:spcPts val="0"/>
-                        </a:spcAft>
-                        <a:buClr>
-                          <a:srgbClr val="000000"/>
-                        </a:buClr>
-                        <a:buSzPts val="1400"/>
-                        <a:buFont typeface="Arial"/>
-                        <a:buNone/>
-                      </a:pPr>
-                      <a:r>
-                        <a:rPr lang="ru" sz="1400" u="none" strike="noStrike" cap="none">
-                          <a:latin typeface="Times New Roman"/>
-                          <a:ea typeface="Times New Roman"/>
-                          <a:cs typeface="Times New Roman"/>
-                          <a:sym typeface="Times New Roman"/>
-                        </a:rPr>
-                        <a:t>Средний кластерный коэффициент</a:t>
-                      </a:r>
-                      <a:endParaRPr sz="1400" u="none" strike="noStrike" cap="none">
-                        <a:latin typeface="Times New Roman"/>
-                        <a:ea typeface="Times New Roman"/>
-                        <a:cs typeface="Times New Roman"/>
-                        <a:sym typeface="Times New Roman"/>
-                      </a:endParaRPr>
-                    </a:p>
-                  </a:txBody>
-                  <a:tcPr marL="91425" marR="91425" marT="91425" marB="91425"/>
-                </a:tc>
-                <a:tc rowSpan="2">
-                  <a:txBody>
-                    <a:bodyPr/>
-                    <a:lstStyle/>
-                    <a:p>
-                      <a:pPr marL="0" marR="0" lvl="0" indent="0" algn="l" rtl="0">
-                        <a:lnSpc>
-                          <a:spcPct val="100000"/>
-                        </a:lnSpc>
-                        <a:spcBef>
-                          <a:spcPts val="0"/>
-                        </a:spcBef>
-                        <a:spcAft>
-                          <a:spcPts val="0"/>
-                        </a:spcAft>
-                        <a:buClr>
-                          <a:srgbClr val="000000"/>
-                        </a:buClr>
-                        <a:buSzPts val="1400"/>
-                        <a:buFont typeface="Arial"/>
-                        <a:buNone/>
-                      </a:pPr>
-                      <a:r>
-                        <a:rPr lang="ru" sz="1400" u="none" strike="noStrike" cap="none">
-                          <a:latin typeface="Times New Roman"/>
-                          <a:ea typeface="Times New Roman"/>
-                          <a:cs typeface="Times New Roman"/>
-                          <a:sym typeface="Times New Roman"/>
-                        </a:rPr>
-                        <a:t>Коэффициент ассортативности</a:t>
-                      </a:r>
-                      <a:endParaRPr sz="1400" u="none" strike="noStrike" cap="none">
-                        <a:latin typeface="Times New Roman"/>
-                        <a:ea typeface="Times New Roman"/>
-                        <a:cs typeface="Times New Roman"/>
-                        <a:sym typeface="Times New Roman"/>
-                      </a:endParaRPr>
-                    </a:p>
-                  </a:txBody>
-                  <a:tcPr marL="91425" marR="91425" marT="91425" marB="91425"/>
-                </a:tc>
-                <a:extLst>
-                  <a:ext uri="{0D108BD9-81ED-4DB2-BD59-A6C34878D82A}">
-                    <a16:rowId xmlns:a16="http://schemas.microsoft.com/office/drawing/2014/main" val="10000"/>
-                  </a:ext>
-                </a:extLst>
-              </a:tr>
-              <a:tr h="919600">
-                <a:tc vMerge="1">
-                  <a:txBody>
-                    <a:bodyPr/>
-                    <a:lstStyle/>
-                    <a:p>
-                      <a:endParaRPr lang="ru-RU"/>
-                    </a:p>
-                  </a:txBody>
-                  <a:tcPr/>
-                </a:tc>
-                <a:tc vMerge="1">
-                  <a:txBody>
-                    <a:bodyPr/>
-                    <a:lstStyle/>
-                    <a:p>
-                      <a:endParaRPr lang="ru-RU"/>
-                    </a:p>
-                  </a:txBody>
-                  <a:tcPr/>
-                </a:tc>
-                <a:tc vMerge="1">
-                  <a:txBody>
-                    <a:bodyPr/>
-                    <a:lstStyle/>
-                    <a:p>
-                      <a:endParaRPr lang="ru-RU"/>
-                    </a:p>
-                  </a:txBody>
-                  <a:tcPr/>
-                </a:tc>
-                <a:tc>
-                  <a:txBody>
-                    <a:bodyPr/>
-                    <a:lstStyle/>
-                    <a:p>
-                      <a:pPr marL="0" marR="0" lvl="0" indent="0" algn="l" rtl="0">
-                        <a:lnSpc>
-                          <a:spcPct val="100000"/>
-                        </a:lnSpc>
-                        <a:spcBef>
-                          <a:spcPts val="0"/>
-                        </a:spcBef>
-                        <a:spcAft>
-                          <a:spcPts val="0"/>
-                        </a:spcAft>
-                        <a:buClr>
-                          <a:srgbClr val="000000"/>
-                        </a:buClr>
-                        <a:buSzPts val="1400"/>
-                        <a:buFont typeface="Arial"/>
-                        <a:buNone/>
-                      </a:pPr>
-                      <a:r>
-                        <a:rPr lang="ru" sz="1400" u="none" strike="noStrike" cap="none">
-                          <a:latin typeface="Times New Roman"/>
-                          <a:ea typeface="Times New Roman"/>
-                          <a:cs typeface="Times New Roman"/>
-                          <a:sym typeface="Times New Roman"/>
-                        </a:rPr>
-                        <a:t>Диаметр</a:t>
-                      </a:r>
-                      <a:endParaRPr sz="1400" u="none" strike="noStrike" cap="none">
-                        <a:latin typeface="Times New Roman"/>
-                        <a:ea typeface="Times New Roman"/>
-                        <a:cs typeface="Times New Roman"/>
-                        <a:sym typeface="Times New Roman"/>
-                      </a:endParaRPr>
-                    </a:p>
-                  </a:txBody>
-                  <a:tcPr marL="91425" marR="91425" marT="91425" marB="91425"/>
-                </a:tc>
-                <a:tc>
-                  <a:txBody>
-                    <a:bodyPr/>
-                    <a:lstStyle/>
-                    <a:p>
-                      <a:pPr marL="0" marR="0" lvl="0" indent="0" algn="l" rtl="0">
-                        <a:lnSpc>
-                          <a:spcPct val="100000"/>
-                        </a:lnSpc>
-                        <a:spcBef>
-                          <a:spcPts val="0"/>
-                        </a:spcBef>
-                        <a:spcAft>
-                          <a:spcPts val="0"/>
-                        </a:spcAft>
-                        <a:buClr>
-                          <a:srgbClr val="000000"/>
-                        </a:buClr>
-                        <a:buSzPts val="1400"/>
-                        <a:buFont typeface="Arial"/>
-                        <a:buNone/>
-                      </a:pPr>
-                      <a:r>
-                        <a:rPr lang="ru" sz="1400" u="none" strike="noStrike" cap="none">
-                          <a:latin typeface="Times New Roman"/>
-                          <a:ea typeface="Times New Roman"/>
-                          <a:cs typeface="Times New Roman"/>
-                          <a:sym typeface="Times New Roman"/>
-                        </a:rPr>
-                        <a:t>Радиус</a:t>
-                      </a:r>
-                      <a:endParaRPr sz="1400" u="none" strike="noStrike" cap="none">
-                        <a:latin typeface="Times New Roman"/>
-                        <a:ea typeface="Times New Roman"/>
-                        <a:cs typeface="Times New Roman"/>
-                        <a:sym typeface="Times New Roman"/>
-                      </a:endParaRPr>
-                    </a:p>
-                  </a:txBody>
-                  <a:tcPr marL="91425" marR="91425" marT="91425" marB="91425"/>
-                </a:tc>
-                <a:tc>
-                  <a:txBody>
-                    <a:bodyPr/>
-                    <a:lstStyle/>
-                    <a:p>
-                      <a:pPr marL="0" marR="0" lvl="0" indent="0" algn="l" rtl="0">
-                        <a:lnSpc>
-                          <a:spcPct val="100000"/>
-                        </a:lnSpc>
-                        <a:spcBef>
-                          <a:spcPts val="0"/>
-                        </a:spcBef>
-                        <a:spcAft>
-                          <a:spcPts val="0"/>
-                        </a:spcAft>
-                        <a:buClr>
-                          <a:srgbClr val="000000"/>
-                        </a:buClr>
-                        <a:buSzPts val="1400"/>
-                        <a:buFont typeface="Arial"/>
-                        <a:buNone/>
-                      </a:pPr>
-                      <a:r>
-                        <a:rPr lang="ru" sz="1400" u="none" strike="noStrike" cap="none">
-                          <a:latin typeface="Times New Roman"/>
-                          <a:ea typeface="Times New Roman"/>
-                          <a:cs typeface="Times New Roman"/>
-                          <a:sym typeface="Times New Roman"/>
-                        </a:rPr>
-                        <a:t>90 пр. расстояни</a:t>
-                      </a:r>
-                      <a:endParaRPr sz="1400" u="none" strike="noStrike" cap="none">
-                        <a:latin typeface="Times New Roman"/>
-                        <a:ea typeface="Times New Roman"/>
-                        <a:cs typeface="Times New Roman"/>
-                        <a:sym typeface="Times New Roman"/>
-                      </a:endParaRPr>
-                    </a:p>
-                  </a:txBody>
-                  <a:tcPr marL="91425" marR="91425" marT="91425" marB="91425"/>
-                </a:tc>
-                <a:tc>
-                  <a:txBody>
-                    <a:bodyPr/>
-                    <a:lstStyle/>
-                    <a:p>
-                      <a:pPr marL="0" marR="0" lvl="0" indent="0" algn="l" rtl="0">
-                        <a:lnSpc>
-                          <a:spcPct val="100000"/>
-                        </a:lnSpc>
-                        <a:spcBef>
-                          <a:spcPts val="0"/>
-                        </a:spcBef>
-                        <a:spcAft>
-                          <a:spcPts val="0"/>
-                        </a:spcAft>
-                        <a:buClr>
-                          <a:schemeClr val="dk1"/>
-                        </a:buClr>
-                        <a:buSzPts val="1100"/>
-                        <a:buFont typeface="Arial"/>
-                        <a:buNone/>
-                      </a:pPr>
-                      <a:r>
-                        <a:rPr lang="ru" sz="1400" u="none" strike="noStrike" cap="none">
-                          <a:solidFill>
-                            <a:schemeClr val="dk2"/>
-                          </a:solidFill>
-                          <a:latin typeface="Times New Roman"/>
-                          <a:ea typeface="Times New Roman"/>
-                          <a:cs typeface="Times New Roman"/>
-                          <a:sym typeface="Times New Roman"/>
-                        </a:rPr>
-                        <a:t>Диаметр</a:t>
-                      </a:r>
-                      <a:endParaRPr sz="1400" u="none" strike="noStrike" cap="none">
-                        <a:solidFill>
-                          <a:schemeClr val="dk2"/>
-                        </a:solidFill>
-                        <a:latin typeface="Times New Roman"/>
-                        <a:ea typeface="Times New Roman"/>
-                        <a:cs typeface="Times New Roman"/>
-                        <a:sym typeface="Times New Roman"/>
-                      </a:endParaRPr>
-                    </a:p>
-                  </a:txBody>
-                  <a:tcPr marL="91425" marR="91425" marT="91425" marB="91425"/>
-                </a:tc>
-                <a:tc>
-                  <a:txBody>
-                    <a:bodyPr/>
-                    <a:lstStyle/>
-                    <a:p>
-                      <a:pPr marL="0" marR="0" lvl="0" indent="0" algn="l" rtl="0">
-                        <a:lnSpc>
-                          <a:spcPct val="100000"/>
-                        </a:lnSpc>
-                        <a:spcBef>
-                          <a:spcPts val="0"/>
-                        </a:spcBef>
-                        <a:spcAft>
-                          <a:spcPts val="0"/>
-                        </a:spcAft>
-                        <a:buClr>
-                          <a:schemeClr val="dk1"/>
-                        </a:buClr>
-                        <a:buSzPts val="1100"/>
-                        <a:buFont typeface="Arial"/>
-                        <a:buNone/>
-                      </a:pPr>
-                      <a:r>
-                        <a:rPr lang="ru" sz="1400" u="none" strike="noStrike" cap="none">
-                          <a:solidFill>
-                            <a:schemeClr val="dk2"/>
-                          </a:solidFill>
-                          <a:latin typeface="Times New Roman"/>
-                          <a:ea typeface="Times New Roman"/>
-                          <a:cs typeface="Times New Roman"/>
-                          <a:sym typeface="Times New Roman"/>
-                        </a:rPr>
-                        <a:t>Радиус</a:t>
-                      </a:r>
-                      <a:endParaRPr sz="1400" u="none" strike="noStrike" cap="none">
-                        <a:solidFill>
-                          <a:schemeClr val="dk2"/>
-                        </a:solidFill>
-                        <a:latin typeface="Times New Roman"/>
-                        <a:ea typeface="Times New Roman"/>
-                        <a:cs typeface="Times New Roman"/>
-                        <a:sym typeface="Times New Roman"/>
-                      </a:endParaRPr>
-                    </a:p>
-                  </a:txBody>
-                  <a:tcPr marL="91425" marR="91425" marT="91425" marB="91425"/>
-                </a:tc>
-                <a:tc>
-                  <a:txBody>
-                    <a:bodyPr/>
-                    <a:lstStyle/>
-                    <a:p>
-                      <a:pPr marL="0" marR="0" lvl="0" indent="0" algn="l" rtl="0">
-                        <a:lnSpc>
-                          <a:spcPct val="100000"/>
-                        </a:lnSpc>
-                        <a:spcBef>
-                          <a:spcPts val="0"/>
-                        </a:spcBef>
-                        <a:spcAft>
-                          <a:spcPts val="0"/>
-                        </a:spcAft>
-                        <a:buClr>
-                          <a:srgbClr val="000000"/>
-                        </a:buClr>
-                        <a:buSzPts val="1400"/>
-                        <a:buFont typeface="Arial"/>
-                        <a:buNone/>
-                      </a:pPr>
-                      <a:r>
-                        <a:rPr lang="ru" sz="1400" u="none" strike="noStrike" cap="none">
-                          <a:latin typeface="Times New Roman"/>
-                          <a:ea typeface="Times New Roman"/>
-                          <a:cs typeface="Times New Roman"/>
-                          <a:sym typeface="Times New Roman"/>
-                        </a:rPr>
-                        <a:t>90 пр. расстояни</a:t>
-                      </a:r>
-                      <a:endParaRPr sz="1400" u="none" strike="noStrike" cap="none">
-                        <a:latin typeface="Times New Roman"/>
-                        <a:ea typeface="Times New Roman"/>
-                        <a:cs typeface="Times New Roman"/>
-                        <a:sym typeface="Times New Roman"/>
-                      </a:endParaRPr>
-                    </a:p>
-                  </a:txBody>
-                  <a:tcPr marL="91425" marR="91425" marT="91425" marB="91425"/>
-                </a:tc>
-                <a:tc vMerge="1">
-                  <a:txBody>
-                    <a:bodyPr/>
-                    <a:lstStyle/>
-                    <a:p>
-                      <a:endParaRPr lang="ru-RU"/>
-                    </a:p>
-                  </a:txBody>
-                  <a:tcPr/>
-                </a:tc>
-                <a:tc vMerge="1">
-                  <a:txBody>
-                    <a:bodyPr/>
-                    <a:lstStyle/>
-                    <a:p>
-                      <a:endParaRPr lang="ru-RU"/>
-                    </a:p>
-                  </a:txBody>
-                  <a:tcPr/>
-                </a:tc>
-                <a:extLst>
-                  <a:ext uri="{0D108BD9-81ED-4DB2-BD59-A6C34878D82A}">
-                    <a16:rowId xmlns:a16="http://schemas.microsoft.com/office/drawing/2014/main" val="10001"/>
-                  </a:ext>
-                </a:extLst>
-              </a:tr>
-              <a:tr h="919600">
-                <a:tc>
-                  <a:txBody>
-                    <a:bodyPr/>
-                    <a:lstStyle/>
-                    <a:p>
-                      <a:pPr marL="0" marR="0" lvl="0" indent="0" algn="l" rtl="0">
-                        <a:lnSpc>
-                          <a:spcPct val="100000"/>
-                        </a:lnSpc>
-                        <a:spcBef>
-                          <a:spcPts val="0"/>
-                        </a:spcBef>
-                        <a:spcAft>
-                          <a:spcPts val="0"/>
-                        </a:spcAft>
-                        <a:buClr>
-                          <a:srgbClr val="000000"/>
-                        </a:buClr>
-                        <a:buSzPts val="1400"/>
-                        <a:buFont typeface="Arial"/>
-                        <a:buNone/>
-                      </a:pPr>
-                      <a:r>
-                        <a:rPr lang="ru" sz="1400" u="none" strike="noStrike" cap="none" dirty="0">
-                          <a:latin typeface="Times New Roman"/>
-                          <a:ea typeface="Times New Roman"/>
-                          <a:cs typeface="Times New Roman"/>
-                          <a:sym typeface="Times New Roman"/>
-                        </a:rPr>
-                        <a:t>Socfb-Middlebury</a:t>
-                      </a:r>
-                      <a:endParaRPr sz="1400" u="none" strike="noStrike" cap="none" dirty="0">
-                        <a:latin typeface="Times New Roman"/>
-                        <a:ea typeface="Times New Roman"/>
-                        <a:cs typeface="Times New Roman"/>
-                        <a:sym typeface="Times New Roman"/>
-                      </a:endParaRPr>
-                    </a:p>
-                  </a:txBody>
-                  <a:tcPr marL="91425" marR="91425" marT="91425" marB="91425"/>
-                </a:tc>
-                <a:tc>
-                  <a:txBody>
-                    <a:bodyPr/>
-                    <a:lstStyle/>
-                    <a:p>
-                      <a:pPr marL="0" marR="0" lvl="0" indent="0" algn="l" rtl="0">
-                        <a:lnSpc>
-                          <a:spcPct val="100000"/>
-                        </a:lnSpc>
-                        <a:spcBef>
-                          <a:spcPts val="0"/>
-                        </a:spcBef>
-                        <a:spcAft>
-                          <a:spcPts val="0"/>
-                        </a:spcAft>
-                        <a:buClr>
-                          <a:srgbClr val="000000"/>
-                        </a:buClr>
-                        <a:buSzPts val="1400"/>
-                        <a:buFont typeface="Arial"/>
-                        <a:buNone/>
-                      </a:pPr>
-                      <a:r>
-                        <a:rPr lang="ru" sz="1400" u="none" strike="noStrike" cap="none">
-                          <a:latin typeface="Times New Roman"/>
-                          <a:ea typeface="Times New Roman"/>
-                          <a:cs typeface="Times New Roman"/>
-                          <a:sym typeface="Times New Roman"/>
-                        </a:rPr>
-                        <a:t>3075</a:t>
-                      </a:r>
-                      <a:endParaRPr sz="1400" u="none" strike="noStrike" cap="none">
-                        <a:latin typeface="Times New Roman"/>
-                        <a:ea typeface="Times New Roman"/>
-                        <a:cs typeface="Times New Roman"/>
-                        <a:sym typeface="Times New Roman"/>
-                      </a:endParaRPr>
-                    </a:p>
-                  </a:txBody>
-                  <a:tcPr marL="91425" marR="91425" marT="91425" marB="91425"/>
-                </a:tc>
-                <a:tc>
-                  <a:txBody>
-                    <a:bodyPr/>
-                    <a:lstStyle/>
-                    <a:p>
-                      <a:pPr marL="0" marR="0" lvl="0" indent="0" algn="l" rtl="0">
-                        <a:lnSpc>
-                          <a:spcPct val="100000"/>
-                        </a:lnSpc>
-                        <a:spcBef>
-                          <a:spcPts val="0"/>
-                        </a:spcBef>
-                        <a:spcAft>
-                          <a:spcPts val="0"/>
-                        </a:spcAft>
-                        <a:buClr>
-                          <a:srgbClr val="000000"/>
-                        </a:buClr>
-                        <a:buSzPts val="1400"/>
-                        <a:buFont typeface="Arial"/>
-                        <a:buNone/>
-                      </a:pPr>
-                      <a:r>
-                        <a:rPr lang="ru" sz="1400" u="none" strike="noStrike" cap="none">
-                          <a:latin typeface="Times New Roman"/>
-                          <a:ea typeface="Times New Roman"/>
-                          <a:cs typeface="Times New Roman"/>
-                          <a:sym typeface="Times New Roman"/>
-                        </a:rPr>
-                        <a:t>124610</a:t>
-                      </a:r>
-                      <a:endParaRPr sz="1400" u="none" strike="noStrike" cap="none">
-                        <a:latin typeface="Times New Roman"/>
-                        <a:ea typeface="Times New Roman"/>
-                        <a:cs typeface="Times New Roman"/>
-                        <a:sym typeface="Times New Roman"/>
-                      </a:endParaRPr>
-                    </a:p>
-                  </a:txBody>
-                  <a:tcPr marL="91425" marR="91425" marT="91425" marB="91425"/>
-                </a:tc>
-                <a:tc>
-                  <a:txBody>
-                    <a:bodyPr/>
-                    <a:lstStyle/>
-                    <a:p>
-                      <a:pPr marL="0" marR="0" lvl="0" indent="0" algn="l" rtl="0">
-                        <a:lnSpc>
-                          <a:spcPct val="100000"/>
-                        </a:lnSpc>
-                        <a:spcBef>
-                          <a:spcPts val="0"/>
-                        </a:spcBef>
-                        <a:spcAft>
-                          <a:spcPts val="0"/>
-                        </a:spcAft>
-                        <a:buClr>
-                          <a:srgbClr val="000000"/>
-                        </a:buClr>
-                        <a:buSzPts val="1400"/>
-                        <a:buFont typeface="Arial"/>
-                        <a:buNone/>
-                      </a:pPr>
-                      <a:r>
-                        <a:rPr lang="ru" sz="1400" u="none" strike="noStrike" cap="none">
-                          <a:latin typeface="Times New Roman"/>
-                          <a:ea typeface="Times New Roman"/>
-                          <a:cs typeface="Times New Roman"/>
-                          <a:sym typeface="Times New Roman"/>
-                        </a:rPr>
-                        <a:t>8</a:t>
-                      </a:r>
-                      <a:endParaRPr sz="1400" u="none" strike="noStrike" cap="none">
-                        <a:latin typeface="Times New Roman"/>
-                        <a:ea typeface="Times New Roman"/>
-                        <a:cs typeface="Times New Roman"/>
-                        <a:sym typeface="Times New Roman"/>
-                      </a:endParaRPr>
-                    </a:p>
-                  </a:txBody>
-                  <a:tcPr marL="91425" marR="91425" marT="91425" marB="91425"/>
-                </a:tc>
-                <a:tc>
-                  <a:txBody>
-                    <a:bodyPr/>
-                    <a:lstStyle/>
-                    <a:p>
-                      <a:pPr marL="0" marR="0" lvl="0" indent="0" algn="l" rtl="0">
-                        <a:lnSpc>
-                          <a:spcPct val="100000"/>
-                        </a:lnSpc>
-                        <a:spcBef>
-                          <a:spcPts val="0"/>
-                        </a:spcBef>
-                        <a:spcAft>
-                          <a:spcPts val="0"/>
-                        </a:spcAft>
-                        <a:buClr>
-                          <a:srgbClr val="000000"/>
-                        </a:buClr>
-                        <a:buSzPts val="1400"/>
-                        <a:buFont typeface="Arial"/>
-                        <a:buNone/>
-                      </a:pPr>
-                      <a:r>
-                        <a:rPr lang="ru" sz="1400" u="none" strike="noStrike" cap="none">
-                          <a:latin typeface="Times New Roman"/>
-                          <a:ea typeface="Times New Roman"/>
-                          <a:cs typeface="Times New Roman"/>
-                          <a:sym typeface="Times New Roman"/>
-                        </a:rPr>
-                        <a:t>4</a:t>
-                      </a:r>
-                      <a:endParaRPr sz="1400" u="none" strike="noStrike" cap="none">
-                        <a:latin typeface="Times New Roman"/>
-                        <a:ea typeface="Times New Roman"/>
-                        <a:cs typeface="Times New Roman"/>
-                        <a:sym typeface="Times New Roman"/>
-                      </a:endParaRPr>
-                    </a:p>
-                  </a:txBody>
-                  <a:tcPr marL="91425" marR="91425" marT="91425" marB="91425"/>
-                </a:tc>
-                <a:tc>
-                  <a:txBody>
-                    <a:bodyPr/>
-                    <a:lstStyle/>
-                    <a:p>
-                      <a:pPr marL="0" marR="0" lvl="0" indent="0" algn="l" rtl="0">
-                        <a:lnSpc>
-                          <a:spcPct val="100000"/>
-                        </a:lnSpc>
-                        <a:spcBef>
-                          <a:spcPts val="0"/>
-                        </a:spcBef>
-                        <a:spcAft>
-                          <a:spcPts val="0"/>
-                        </a:spcAft>
-                        <a:buClr>
-                          <a:srgbClr val="000000"/>
-                        </a:buClr>
-                        <a:buSzPts val="1400"/>
-                        <a:buFont typeface="Arial"/>
-                        <a:buNone/>
-                      </a:pPr>
-                      <a:r>
-                        <a:rPr lang="ru" sz="1400" u="none" strike="noStrike" cap="none">
-                          <a:latin typeface="Times New Roman"/>
-                          <a:ea typeface="Times New Roman"/>
-                          <a:cs typeface="Times New Roman"/>
-                          <a:sym typeface="Times New Roman"/>
-                        </a:rPr>
-                        <a:t>4.0</a:t>
-                      </a:r>
-                      <a:endParaRPr sz="1400" u="none" strike="noStrike" cap="none">
-                        <a:latin typeface="Times New Roman"/>
-                        <a:ea typeface="Times New Roman"/>
-                        <a:cs typeface="Times New Roman"/>
-                        <a:sym typeface="Times New Roman"/>
-                      </a:endParaRPr>
-                    </a:p>
-                  </a:txBody>
-                  <a:tcPr marL="91425" marR="91425" marT="91425" marB="91425"/>
-                </a:tc>
-                <a:tc>
-                  <a:txBody>
-                    <a:bodyPr/>
-                    <a:lstStyle/>
-                    <a:p>
-                      <a:pPr marL="0" marR="0" lvl="0" indent="0" algn="l" rtl="0">
-                        <a:lnSpc>
-                          <a:spcPct val="100000"/>
-                        </a:lnSpc>
-                        <a:spcBef>
-                          <a:spcPts val="0"/>
-                        </a:spcBef>
-                        <a:spcAft>
-                          <a:spcPts val="0"/>
-                        </a:spcAft>
-                        <a:buClr>
-                          <a:srgbClr val="000000"/>
-                        </a:buClr>
-                        <a:buSzPts val="1400"/>
-                        <a:buFont typeface="Arial"/>
-                        <a:buNone/>
-                      </a:pPr>
-                      <a:r>
-                        <a:rPr lang="ru" sz="1400" u="none" strike="noStrike" cap="none">
-                          <a:latin typeface="Times New Roman"/>
-                          <a:ea typeface="Times New Roman"/>
-                          <a:cs typeface="Times New Roman"/>
-                          <a:sym typeface="Times New Roman"/>
-                        </a:rPr>
-                        <a:t>4</a:t>
-                      </a:r>
-                      <a:endParaRPr sz="1400" u="none" strike="noStrike" cap="none">
-                        <a:latin typeface="Times New Roman"/>
-                        <a:ea typeface="Times New Roman"/>
-                        <a:cs typeface="Times New Roman"/>
-                        <a:sym typeface="Times New Roman"/>
-                      </a:endParaRPr>
-                    </a:p>
-                  </a:txBody>
-                  <a:tcPr marL="91425" marR="91425" marT="91425" marB="91425"/>
-                </a:tc>
-                <a:tc>
-                  <a:txBody>
-                    <a:bodyPr/>
-                    <a:lstStyle/>
-                    <a:p>
-                      <a:pPr marL="0" marR="0" lvl="0" indent="0" algn="l" rtl="0">
-                        <a:lnSpc>
-                          <a:spcPct val="100000"/>
-                        </a:lnSpc>
-                        <a:spcBef>
-                          <a:spcPts val="0"/>
-                        </a:spcBef>
-                        <a:spcAft>
-                          <a:spcPts val="0"/>
-                        </a:spcAft>
-                        <a:buClr>
-                          <a:srgbClr val="000000"/>
-                        </a:buClr>
-                        <a:buSzPts val="1400"/>
-                        <a:buFont typeface="Arial"/>
-                        <a:buNone/>
-                      </a:pPr>
-                      <a:r>
-                        <a:rPr lang="ru" sz="1400" u="none" strike="noStrike" cap="none">
-                          <a:latin typeface="Times New Roman"/>
-                          <a:ea typeface="Times New Roman"/>
-                          <a:cs typeface="Times New Roman"/>
-                          <a:sym typeface="Times New Roman"/>
-                        </a:rPr>
-                        <a:t>3</a:t>
-                      </a:r>
-                      <a:endParaRPr sz="1400" u="none" strike="noStrike" cap="none">
-                        <a:latin typeface="Times New Roman"/>
-                        <a:ea typeface="Times New Roman"/>
-                        <a:cs typeface="Times New Roman"/>
-                        <a:sym typeface="Times New Roman"/>
-                      </a:endParaRPr>
-                    </a:p>
-                  </a:txBody>
-                  <a:tcPr marL="91425" marR="91425" marT="91425" marB="91425"/>
-                </a:tc>
-                <a:tc>
-                  <a:txBody>
-                    <a:bodyPr/>
-                    <a:lstStyle/>
-                    <a:p>
-                      <a:pPr marL="0" marR="0" lvl="0" indent="0" algn="l" rtl="0">
-                        <a:lnSpc>
-                          <a:spcPct val="100000"/>
-                        </a:lnSpc>
-                        <a:spcBef>
-                          <a:spcPts val="0"/>
-                        </a:spcBef>
-                        <a:spcAft>
-                          <a:spcPts val="0"/>
-                        </a:spcAft>
-                        <a:buClr>
-                          <a:srgbClr val="000000"/>
-                        </a:buClr>
-                        <a:buSzPts val="1400"/>
-                        <a:buFont typeface="Arial"/>
-                        <a:buNone/>
-                      </a:pPr>
-                      <a:r>
-                        <a:rPr lang="ru" sz="1400" u="none" strike="noStrike" cap="none">
-                          <a:latin typeface="Times New Roman"/>
-                          <a:ea typeface="Times New Roman"/>
-                          <a:cs typeface="Times New Roman"/>
-                          <a:sym typeface="Times New Roman"/>
-                        </a:rPr>
-                        <a:t>3.0</a:t>
-                      </a:r>
-                      <a:endParaRPr sz="1400" u="none" strike="noStrike" cap="none">
-                        <a:latin typeface="Times New Roman"/>
-                        <a:ea typeface="Times New Roman"/>
-                        <a:cs typeface="Times New Roman"/>
-                        <a:sym typeface="Times New Roman"/>
-                      </a:endParaRPr>
-                    </a:p>
-                  </a:txBody>
-                  <a:tcPr marL="91425" marR="91425" marT="91425" marB="91425"/>
-                </a:tc>
-                <a:tc>
-                  <a:txBody>
-                    <a:bodyPr/>
-                    <a:lstStyle/>
-                    <a:p>
-                      <a:pPr marL="0" marR="0" lvl="0" indent="0" algn="l" rtl="0">
-                        <a:lnSpc>
-                          <a:spcPct val="100000"/>
-                        </a:lnSpc>
-                        <a:spcBef>
-                          <a:spcPts val="0"/>
-                        </a:spcBef>
-                        <a:spcAft>
-                          <a:spcPts val="0"/>
-                        </a:spcAft>
-                        <a:buClr>
-                          <a:srgbClr val="000000"/>
-                        </a:buClr>
-                        <a:buSzPts val="1400"/>
-                        <a:buFont typeface="Arial"/>
-                        <a:buNone/>
-                      </a:pPr>
-                      <a:r>
-                        <a:rPr lang="ru" sz="1400" u="none" strike="noStrike" cap="none">
-                          <a:latin typeface="Times New Roman"/>
-                          <a:ea typeface="Times New Roman"/>
-                          <a:cs typeface="Times New Roman"/>
-                          <a:sym typeface="Times New Roman"/>
-                        </a:rPr>
-                        <a:t>0.2816</a:t>
-                      </a:r>
-                      <a:endParaRPr sz="1400" u="none" strike="noStrike" cap="none">
-                        <a:latin typeface="Times New Roman"/>
-                        <a:ea typeface="Times New Roman"/>
-                        <a:cs typeface="Times New Roman"/>
-                        <a:sym typeface="Times New Roman"/>
-                      </a:endParaRPr>
-                    </a:p>
-                  </a:txBody>
-                  <a:tcPr marL="91425" marR="91425" marT="91425" marB="91425"/>
-                </a:tc>
-                <a:tc>
-                  <a:txBody>
-                    <a:bodyPr/>
-                    <a:lstStyle/>
-                    <a:p>
-                      <a:pPr marL="0" marR="0" lvl="0" indent="0" algn="l" rtl="0">
-                        <a:lnSpc>
-                          <a:spcPct val="100000"/>
-                        </a:lnSpc>
-                        <a:spcBef>
-                          <a:spcPts val="0"/>
-                        </a:spcBef>
-                        <a:spcAft>
-                          <a:spcPts val="0"/>
-                        </a:spcAft>
-                        <a:buClr>
-                          <a:srgbClr val="000000"/>
-                        </a:buClr>
-                        <a:buSzPts val="1400"/>
-                        <a:buFont typeface="Arial"/>
-                        <a:buNone/>
-                      </a:pPr>
-                      <a:r>
-                        <a:rPr lang="ru" sz="1400" u="none" strike="noStrike" cap="none">
-                          <a:latin typeface="Times New Roman"/>
-                          <a:ea typeface="Times New Roman"/>
-                          <a:cs typeface="Times New Roman"/>
-                          <a:sym typeface="Times New Roman"/>
-                        </a:rPr>
-                        <a:t>0.078</a:t>
-                      </a:r>
-                      <a:endParaRPr sz="1400" u="none" strike="noStrike" cap="none">
-                        <a:latin typeface="Times New Roman"/>
-                        <a:ea typeface="Times New Roman"/>
-                        <a:cs typeface="Times New Roman"/>
-                        <a:sym typeface="Times New Roman"/>
-                      </a:endParaRPr>
-                    </a:p>
-                  </a:txBody>
-                  <a:tcPr marL="91425" marR="91425" marT="91425" marB="91425"/>
-                </a:tc>
-                <a:extLst>
-                  <a:ext uri="{0D108BD9-81ED-4DB2-BD59-A6C34878D82A}">
-                    <a16:rowId xmlns:a16="http://schemas.microsoft.com/office/drawing/2014/main" val="10002"/>
-                  </a:ext>
-                </a:extLst>
-              </a:tr>
-              <a:tr h="919600">
-                <a:tc>
-                  <a:txBody>
-                    <a:bodyPr/>
-                    <a:lstStyle/>
-                    <a:p>
-                      <a:pPr marL="0" marR="0" lvl="0" indent="0" algn="l" rtl="0">
-                        <a:lnSpc>
-                          <a:spcPct val="100000"/>
-                        </a:lnSpc>
-                        <a:spcBef>
-                          <a:spcPts val="0"/>
-                        </a:spcBef>
-                        <a:spcAft>
-                          <a:spcPts val="0"/>
-                        </a:spcAft>
-                        <a:buClr>
-                          <a:srgbClr val="000000"/>
-                        </a:buClr>
-                        <a:buSzPts val="1400"/>
-                        <a:buFont typeface="Arial"/>
-                        <a:buNone/>
-                      </a:pPr>
-                      <a:r>
-                        <a:rPr lang="ru" sz="1400" u="none" strike="noStrike" cap="none" dirty="0">
-                          <a:latin typeface="Times New Roman"/>
-                          <a:ea typeface="Times New Roman"/>
-                          <a:cs typeface="Times New Roman"/>
-                          <a:sym typeface="Times New Roman"/>
-                        </a:rPr>
-                        <a:t>socfb-Reed98</a:t>
-                      </a:r>
-                      <a:endParaRPr sz="1400" u="none" strike="noStrike" cap="none" dirty="0">
-                        <a:latin typeface="Times New Roman"/>
-                        <a:ea typeface="Times New Roman"/>
-                        <a:cs typeface="Times New Roman"/>
-                        <a:sym typeface="Times New Roman"/>
-                      </a:endParaRPr>
-                    </a:p>
-                  </a:txBody>
-                  <a:tcPr marL="91425" marR="91425" marT="91425" marB="91425"/>
-                </a:tc>
-                <a:tc>
-                  <a:txBody>
-                    <a:bodyPr/>
-                    <a:lstStyle/>
-                    <a:p>
-                      <a:pPr marL="0" marR="0" lvl="0" indent="0" algn="l" rtl="0">
-                        <a:lnSpc>
-                          <a:spcPct val="100000"/>
-                        </a:lnSpc>
-                        <a:spcBef>
-                          <a:spcPts val="0"/>
-                        </a:spcBef>
-                        <a:spcAft>
-                          <a:spcPts val="0"/>
-                        </a:spcAft>
-                        <a:buClr>
-                          <a:srgbClr val="000000"/>
-                        </a:buClr>
-                        <a:buSzPts val="1400"/>
-                        <a:buFont typeface="Arial"/>
-                        <a:buNone/>
-                      </a:pPr>
-                      <a:r>
-                        <a:rPr lang="ru" sz="1400" u="none" strike="noStrike" cap="none">
-                          <a:latin typeface="Times New Roman"/>
-                          <a:ea typeface="Times New Roman"/>
-                          <a:cs typeface="Times New Roman"/>
-                          <a:sym typeface="Times New Roman"/>
-                        </a:rPr>
-                        <a:t>962</a:t>
-                      </a:r>
-                      <a:endParaRPr sz="1400" u="none" strike="noStrike" cap="none">
-                        <a:latin typeface="Times New Roman"/>
-                        <a:ea typeface="Times New Roman"/>
-                        <a:cs typeface="Times New Roman"/>
-                        <a:sym typeface="Times New Roman"/>
-                      </a:endParaRPr>
-                    </a:p>
-                  </a:txBody>
-                  <a:tcPr marL="91425" marR="91425" marT="91425" marB="91425"/>
-                </a:tc>
-                <a:tc>
-                  <a:txBody>
-                    <a:bodyPr/>
-                    <a:lstStyle/>
-                    <a:p>
-                      <a:pPr marL="0" marR="0" lvl="0" indent="0" algn="l" rtl="0">
-                        <a:lnSpc>
-                          <a:spcPct val="100000"/>
-                        </a:lnSpc>
-                        <a:spcBef>
-                          <a:spcPts val="0"/>
-                        </a:spcBef>
-                        <a:spcAft>
-                          <a:spcPts val="0"/>
-                        </a:spcAft>
-                        <a:buClr>
-                          <a:srgbClr val="000000"/>
-                        </a:buClr>
-                        <a:buSzPts val="1400"/>
-                        <a:buFont typeface="Arial"/>
-                        <a:buNone/>
-                      </a:pPr>
-                      <a:r>
-                        <a:rPr lang="ru" sz="1400" u="none" strike="noStrike" cap="none">
-                          <a:latin typeface="Times New Roman"/>
-                          <a:ea typeface="Times New Roman"/>
-                          <a:cs typeface="Times New Roman"/>
-                          <a:sym typeface="Times New Roman"/>
-                        </a:rPr>
-                        <a:t>18812</a:t>
-                      </a:r>
-                      <a:endParaRPr sz="1400" u="none" strike="noStrike" cap="none">
-                        <a:latin typeface="Times New Roman"/>
-                        <a:ea typeface="Times New Roman"/>
-                        <a:cs typeface="Times New Roman"/>
-                        <a:sym typeface="Times New Roman"/>
-                      </a:endParaRPr>
-                    </a:p>
-                  </a:txBody>
-                  <a:tcPr marL="91425" marR="91425" marT="91425" marB="91425"/>
-                </a:tc>
-                <a:tc>
-                  <a:txBody>
-                    <a:bodyPr/>
-                    <a:lstStyle/>
-                    <a:p>
-                      <a:pPr marL="0" marR="0" lvl="0" indent="0" algn="l" rtl="0">
-                        <a:lnSpc>
-                          <a:spcPct val="100000"/>
-                        </a:lnSpc>
-                        <a:spcBef>
-                          <a:spcPts val="0"/>
-                        </a:spcBef>
-                        <a:spcAft>
-                          <a:spcPts val="0"/>
-                        </a:spcAft>
-                        <a:buClr>
-                          <a:srgbClr val="000000"/>
-                        </a:buClr>
-                        <a:buSzPts val="1400"/>
-                        <a:buFont typeface="Arial"/>
-                        <a:buNone/>
-                      </a:pPr>
-                      <a:r>
-                        <a:rPr lang="ru" sz="1400" u="none" strike="noStrike" cap="none">
-                          <a:latin typeface="Times New Roman"/>
-                          <a:ea typeface="Times New Roman"/>
-                          <a:cs typeface="Times New Roman"/>
-                          <a:sym typeface="Times New Roman"/>
-                        </a:rPr>
-                        <a:t>6</a:t>
-                      </a:r>
-                      <a:endParaRPr sz="1400" u="none" strike="noStrike" cap="none">
-                        <a:latin typeface="Times New Roman"/>
-                        <a:ea typeface="Times New Roman"/>
-                        <a:cs typeface="Times New Roman"/>
-                        <a:sym typeface="Times New Roman"/>
-                      </a:endParaRPr>
-                    </a:p>
-                  </a:txBody>
-                  <a:tcPr marL="91425" marR="91425" marT="91425" marB="91425"/>
-                </a:tc>
-                <a:tc>
-                  <a:txBody>
-                    <a:bodyPr/>
-                    <a:lstStyle/>
-                    <a:p>
-                      <a:pPr marL="0" marR="0" lvl="0" indent="0" algn="l" rtl="0">
-                        <a:lnSpc>
-                          <a:spcPct val="100000"/>
-                        </a:lnSpc>
-                        <a:spcBef>
-                          <a:spcPts val="0"/>
-                        </a:spcBef>
-                        <a:spcAft>
-                          <a:spcPts val="0"/>
-                        </a:spcAft>
-                        <a:buClr>
-                          <a:srgbClr val="000000"/>
-                        </a:buClr>
-                        <a:buSzPts val="1400"/>
-                        <a:buFont typeface="Arial"/>
-                        <a:buNone/>
-                      </a:pPr>
-                      <a:r>
-                        <a:rPr lang="ru" sz="1400" u="none" strike="noStrike" cap="none">
-                          <a:latin typeface="Times New Roman"/>
-                          <a:ea typeface="Times New Roman"/>
-                          <a:cs typeface="Times New Roman"/>
-                          <a:sym typeface="Times New Roman"/>
-                        </a:rPr>
-                        <a:t>3</a:t>
-                      </a:r>
-                      <a:endParaRPr sz="1400" u="none" strike="noStrike" cap="none">
-                        <a:latin typeface="Times New Roman"/>
-                        <a:ea typeface="Times New Roman"/>
-                        <a:cs typeface="Times New Roman"/>
-                        <a:sym typeface="Times New Roman"/>
-                      </a:endParaRPr>
-                    </a:p>
-                  </a:txBody>
-                  <a:tcPr marL="91425" marR="91425" marT="91425" marB="91425"/>
-                </a:tc>
-                <a:tc>
-                  <a:txBody>
-                    <a:bodyPr/>
-                    <a:lstStyle/>
-                    <a:p>
-                      <a:pPr marL="0" marR="0" lvl="0" indent="0" algn="l" rtl="0">
-                        <a:lnSpc>
-                          <a:spcPct val="100000"/>
-                        </a:lnSpc>
-                        <a:spcBef>
-                          <a:spcPts val="0"/>
-                        </a:spcBef>
-                        <a:spcAft>
-                          <a:spcPts val="0"/>
-                        </a:spcAft>
-                        <a:buClr>
-                          <a:srgbClr val="000000"/>
-                        </a:buClr>
-                        <a:buSzPts val="1400"/>
-                        <a:buFont typeface="Arial"/>
-                        <a:buNone/>
-                      </a:pPr>
-                      <a:r>
-                        <a:rPr lang="ru" sz="1400" u="none" strike="noStrike" cap="none">
-                          <a:latin typeface="Times New Roman"/>
-                          <a:ea typeface="Times New Roman"/>
-                          <a:cs typeface="Times New Roman"/>
-                          <a:sym typeface="Times New Roman"/>
-                        </a:rPr>
-                        <a:t>3.0</a:t>
-                      </a:r>
-                      <a:endParaRPr sz="1400" u="none" strike="noStrike" cap="none">
-                        <a:latin typeface="Times New Roman"/>
-                        <a:ea typeface="Times New Roman"/>
-                        <a:cs typeface="Times New Roman"/>
-                        <a:sym typeface="Times New Roman"/>
-                      </a:endParaRPr>
-                    </a:p>
-                  </a:txBody>
-                  <a:tcPr marL="91425" marR="91425" marT="91425" marB="91425"/>
-                </a:tc>
-                <a:tc>
-                  <a:txBody>
-                    <a:bodyPr/>
-                    <a:lstStyle/>
-                    <a:p>
-                      <a:pPr marL="0" marR="0" lvl="0" indent="0" algn="l" rtl="0">
-                        <a:lnSpc>
-                          <a:spcPct val="100000"/>
-                        </a:lnSpc>
-                        <a:spcBef>
-                          <a:spcPts val="0"/>
-                        </a:spcBef>
-                        <a:spcAft>
-                          <a:spcPts val="0"/>
-                        </a:spcAft>
-                        <a:buClr>
-                          <a:srgbClr val="000000"/>
-                        </a:buClr>
-                        <a:buSzPts val="1400"/>
-                        <a:buFont typeface="Arial"/>
-                        <a:buNone/>
-                      </a:pPr>
-                      <a:r>
-                        <a:rPr lang="ru" sz="1400" u="none" strike="noStrike" cap="none">
-                          <a:latin typeface="Times New Roman"/>
-                          <a:ea typeface="Times New Roman"/>
-                          <a:cs typeface="Times New Roman"/>
-                          <a:sym typeface="Times New Roman"/>
-                        </a:rPr>
-                        <a:t>4</a:t>
-                      </a:r>
-                      <a:endParaRPr sz="1400" u="none" strike="noStrike" cap="none">
-                        <a:latin typeface="Times New Roman"/>
-                        <a:ea typeface="Times New Roman"/>
-                        <a:cs typeface="Times New Roman"/>
-                        <a:sym typeface="Times New Roman"/>
-                      </a:endParaRPr>
-                    </a:p>
-                  </a:txBody>
-                  <a:tcPr marL="91425" marR="91425" marT="91425" marB="91425"/>
-                </a:tc>
-                <a:tc>
-                  <a:txBody>
-                    <a:bodyPr/>
-                    <a:lstStyle/>
-                    <a:p>
-                      <a:pPr marL="0" marR="0" lvl="0" indent="0" algn="l" rtl="0">
-                        <a:lnSpc>
-                          <a:spcPct val="100000"/>
-                        </a:lnSpc>
-                        <a:spcBef>
-                          <a:spcPts val="0"/>
-                        </a:spcBef>
-                        <a:spcAft>
-                          <a:spcPts val="0"/>
-                        </a:spcAft>
-                        <a:buClr>
-                          <a:srgbClr val="000000"/>
-                        </a:buClr>
-                        <a:buSzPts val="1400"/>
-                        <a:buFont typeface="Arial"/>
-                        <a:buNone/>
-                      </a:pPr>
-                      <a:r>
-                        <a:rPr lang="ru" sz="1400" u="none" strike="noStrike" cap="none">
-                          <a:latin typeface="Times New Roman"/>
-                          <a:ea typeface="Times New Roman"/>
-                          <a:cs typeface="Times New Roman"/>
-                          <a:sym typeface="Times New Roman"/>
-                        </a:rPr>
-                        <a:t>2</a:t>
-                      </a:r>
-                      <a:endParaRPr sz="1400" u="none" strike="noStrike" cap="none">
-                        <a:latin typeface="Times New Roman"/>
-                        <a:ea typeface="Times New Roman"/>
-                        <a:cs typeface="Times New Roman"/>
-                        <a:sym typeface="Times New Roman"/>
-                      </a:endParaRPr>
-                    </a:p>
-                  </a:txBody>
-                  <a:tcPr marL="91425" marR="91425" marT="91425" marB="91425"/>
-                </a:tc>
-                <a:tc>
-                  <a:txBody>
-                    <a:bodyPr/>
-                    <a:lstStyle/>
-                    <a:p>
-                      <a:pPr marL="0" marR="0" lvl="0" indent="0" algn="l" rtl="0">
-                        <a:lnSpc>
-                          <a:spcPct val="100000"/>
-                        </a:lnSpc>
-                        <a:spcBef>
-                          <a:spcPts val="0"/>
-                        </a:spcBef>
-                        <a:spcAft>
-                          <a:spcPts val="0"/>
-                        </a:spcAft>
-                        <a:buClr>
-                          <a:srgbClr val="000000"/>
-                        </a:buClr>
-                        <a:buSzPts val="1400"/>
-                        <a:buFont typeface="Arial"/>
-                        <a:buNone/>
-                      </a:pPr>
-                      <a:r>
-                        <a:rPr lang="ru" sz="1400" u="none" strike="noStrike" cap="none">
-                          <a:latin typeface="Times New Roman"/>
-                          <a:ea typeface="Times New Roman"/>
-                          <a:cs typeface="Times New Roman"/>
-                          <a:sym typeface="Times New Roman"/>
-                        </a:rPr>
-                        <a:t>3.0</a:t>
-                      </a:r>
-                      <a:endParaRPr sz="1400" u="none" strike="noStrike" cap="none">
-                        <a:latin typeface="Times New Roman"/>
-                        <a:ea typeface="Times New Roman"/>
-                        <a:cs typeface="Times New Roman"/>
-                        <a:sym typeface="Times New Roman"/>
-                      </a:endParaRPr>
-                    </a:p>
-                  </a:txBody>
-                  <a:tcPr marL="91425" marR="91425" marT="91425" marB="91425"/>
-                </a:tc>
-                <a:tc>
-                  <a:txBody>
-                    <a:bodyPr/>
-                    <a:lstStyle/>
-                    <a:p>
-                      <a:pPr marL="0" marR="0" lvl="0" indent="0" algn="l" rtl="0">
-                        <a:lnSpc>
-                          <a:spcPct val="100000"/>
-                        </a:lnSpc>
-                        <a:spcBef>
-                          <a:spcPts val="0"/>
-                        </a:spcBef>
-                        <a:spcAft>
-                          <a:spcPts val="0"/>
-                        </a:spcAft>
-                        <a:buClr>
-                          <a:srgbClr val="000000"/>
-                        </a:buClr>
-                        <a:buSzPts val="1400"/>
-                        <a:buFont typeface="Arial"/>
-                        <a:buNone/>
-                      </a:pPr>
-                      <a:r>
-                        <a:rPr lang="ru" sz="1400" u="none" strike="noStrike" cap="none">
-                          <a:latin typeface="Times New Roman"/>
-                          <a:ea typeface="Times New Roman"/>
-                          <a:cs typeface="Times New Roman"/>
-                          <a:sym typeface="Times New Roman"/>
-                        </a:rPr>
-                        <a:t>0.3184</a:t>
-                      </a:r>
-                      <a:endParaRPr sz="1400" u="none" strike="noStrike" cap="none">
-                        <a:latin typeface="Times New Roman"/>
-                        <a:ea typeface="Times New Roman"/>
-                        <a:cs typeface="Times New Roman"/>
-                        <a:sym typeface="Times New Roman"/>
-                      </a:endParaRPr>
-                    </a:p>
-                  </a:txBody>
-                  <a:tcPr marL="91425" marR="91425" marT="91425" marB="91425"/>
-                </a:tc>
-                <a:tc>
-                  <a:txBody>
-                    <a:bodyPr/>
-                    <a:lstStyle/>
-                    <a:p>
-                      <a:pPr marL="0" marR="0" lvl="0" indent="0" algn="l" rtl="0">
-                        <a:lnSpc>
-                          <a:spcPct val="100000"/>
-                        </a:lnSpc>
-                        <a:spcBef>
-                          <a:spcPts val="0"/>
-                        </a:spcBef>
-                        <a:spcAft>
-                          <a:spcPts val="0"/>
-                        </a:spcAft>
-                        <a:buClr>
-                          <a:srgbClr val="000000"/>
-                        </a:buClr>
-                        <a:buSzPts val="1400"/>
-                        <a:buFont typeface="Arial"/>
-                        <a:buNone/>
-                      </a:pPr>
-                      <a:r>
-                        <a:rPr lang="ru" sz="1400" u="none" strike="noStrike" cap="none">
-                          <a:latin typeface="Times New Roman"/>
-                          <a:ea typeface="Times New Roman"/>
-                          <a:cs typeface="Times New Roman"/>
-                          <a:sym typeface="Times New Roman"/>
-                        </a:rPr>
-                        <a:t>0.0234</a:t>
-                      </a:r>
-                      <a:endParaRPr sz="1400" u="none" strike="noStrike" cap="none">
-                        <a:latin typeface="Times New Roman"/>
-                        <a:ea typeface="Times New Roman"/>
-                        <a:cs typeface="Times New Roman"/>
-                        <a:sym typeface="Times New Roman"/>
-                      </a:endParaRPr>
-                    </a:p>
-                  </a:txBody>
-                  <a:tcPr marL="91425" marR="91425" marT="91425" marB="91425"/>
-                </a:tc>
-                <a:extLst>
-                  <a:ext uri="{0D108BD9-81ED-4DB2-BD59-A6C34878D82A}">
-                    <a16:rowId xmlns:a16="http://schemas.microsoft.com/office/drawing/2014/main" val="10003"/>
-                  </a:ext>
-                </a:extLst>
-              </a:tr>
-              <a:tr h="919600">
-                <a:tc>
-                  <a:txBody>
-                    <a:bodyPr/>
-                    <a:lstStyle/>
-                    <a:p>
-                      <a:pPr marL="0" marR="0" lvl="0" indent="0" algn="l" rtl="0">
-                        <a:lnSpc>
-                          <a:spcPct val="100000"/>
-                        </a:lnSpc>
-                        <a:spcBef>
-                          <a:spcPts val="0"/>
-                        </a:spcBef>
-                        <a:spcAft>
-                          <a:spcPts val="0"/>
-                        </a:spcAft>
-                        <a:buClr>
-                          <a:srgbClr val="000000"/>
-                        </a:buClr>
-                        <a:buSzPts val="1400"/>
-                        <a:buFont typeface="Arial"/>
-                        <a:buNone/>
-                      </a:pPr>
-                      <a:r>
-                        <a:rPr lang="ru" sz="1400" u="none" strike="noStrike" cap="none" dirty="0">
-                          <a:latin typeface="Times New Roman"/>
-                          <a:ea typeface="Times New Roman"/>
-                          <a:cs typeface="Times New Roman"/>
-                          <a:sym typeface="Times New Roman"/>
-                        </a:rPr>
-                        <a:t>testgraph_1</a:t>
-                      </a:r>
-                      <a:endParaRPr sz="1400" u="none" strike="noStrike" cap="none" dirty="0">
-                        <a:latin typeface="Times New Roman"/>
-                        <a:ea typeface="Times New Roman"/>
-                        <a:cs typeface="Times New Roman"/>
-                        <a:sym typeface="Times New Roman"/>
-                      </a:endParaRPr>
-                    </a:p>
-                  </a:txBody>
-                  <a:tcPr marL="91425" marR="91425" marT="91425" marB="91425"/>
-                </a:tc>
-                <a:tc>
-                  <a:txBody>
-                    <a:bodyPr/>
-                    <a:lstStyle/>
-                    <a:p>
-                      <a:pPr marL="0" marR="0" lvl="0" indent="0" algn="l" rtl="0">
-                        <a:lnSpc>
-                          <a:spcPct val="100000"/>
-                        </a:lnSpc>
-                        <a:spcBef>
-                          <a:spcPts val="0"/>
-                        </a:spcBef>
-                        <a:spcAft>
-                          <a:spcPts val="0"/>
-                        </a:spcAft>
-                        <a:buClr>
-                          <a:srgbClr val="000000"/>
-                        </a:buClr>
-                        <a:buSzPts val="1400"/>
-                        <a:buFont typeface="Arial"/>
-                        <a:buNone/>
-                      </a:pPr>
-                      <a:r>
-                        <a:rPr lang="ru" sz="1400" u="none" strike="noStrike" cap="none">
-                          <a:latin typeface="Times New Roman"/>
-                          <a:ea typeface="Times New Roman"/>
-                          <a:cs typeface="Times New Roman"/>
-                          <a:sym typeface="Times New Roman"/>
-                        </a:rPr>
-                        <a:t>9</a:t>
-                      </a:r>
-                      <a:endParaRPr sz="1400" u="none" strike="noStrike" cap="none">
-                        <a:latin typeface="Times New Roman"/>
-                        <a:ea typeface="Times New Roman"/>
-                        <a:cs typeface="Times New Roman"/>
-                        <a:sym typeface="Times New Roman"/>
-                      </a:endParaRPr>
-                    </a:p>
-                  </a:txBody>
-                  <a:tcPr marL="91425" marR="91425" marT="91425" marB="91425"/>
-                </a:tc>
-                <a:tc>
-                  <a:txBody>
-                    <a:bodyPr/>
-                    <a:lstStyle/>
-                    <a:p>
-                      <a:pPr marL="0" marR="0" lvl="0" indent="0" algn="l" rtl="0">
-                        <a:lnSpc>
-                          <a:spcPct val="100000"/>
-                        </a:lnSpc>
-                        <a:spcBef>
-                          <a:spcPts val="0"/>
-                        </a:spcBef>
-                        <a:spcAft>
-                          <a:spcPts val="0"/>
-                        </a:spcAft>
-                        <a:buClr>
-                          <a:srgbClr val="000000"/>
-                        </a:buClr>
-                        <a:buSzPts val="1400"/>
-                        <a:buFont typeface="Arial"/>
-                        <a:buNone/>
-                      </a:pPr>
-                      <a:r>
-                        <a:rPr lang="ru" sz="1400" u="none" strike="noStrike" cap="none">
-                          <a:latin typeface="Times New Roman"/>
-                          <a:ea typeface="Times New Roman"/>
-                          <a:cs typeface="Times New Roman"/>
-                          <a:sym typeface="Times New Roman"/>
-                        </a:rPr>
-                        <a:t>14</a:t>
-                      </a:r>
-                      <a:endParaRPr sz="1400" u="none" strike="noStrike" cap="none">
-                        <a:latin typeface="Times New Roman"/>
-                        <a:ea typeface="Times New Roman"/>
-                        <a:cs typeface="Times New Roman"/>
-                        <a:sym typeface="Times New Roman"/>
-                      </a:endParaRPr>
-                    </a:p>
-                  </a:txBody>
-                  <a:tcPr marL="91425" marR="91425" marT="91425" marB="91425"/>
-                </a:tc>
-                <a:tc>
-                  <a:txBody>
-                    <a:bodyPr/>
-                    <a:lstStyle/>
-                    <a:p>
-                      <a:pPr marL="0" marR="0" lvl="0" indent="0" algn="l" rtl="0">
-                        <a:lnSpc>
-                          <a:spcPct val="100000"/>
-                        </a:lnSpc>
-                        <a:spcBef>
-                          <a:spcPts val="0"/>
-                        </a:spcBef>
-                        <a:spcAft>
-                          <a:spcPts val="0"/>
-                        </a:spcAft>
-                        <a:buClr>
-                          <a:srgbClr val="000000"/>
-                        </a:buClr>
-                        <a:buSzPts val="1400"/>
-                        <a:buFont typeface="Arial"/>
-                        <a:buNone/>
-                      </a:pPr>
-                      <a:r>
-                        <a:rPr lang="ru" sz="1400" u="none" strike="noStrike" cap="none">
-                          <a:latin typeface="Times New Roman"/>
-                          <a:ea typeface="Times New Roman"/>
-                          <a:cs typeface="Times New Roman"/>
-                          <a:sym typeface="Times New Roman"/>
-                        </a:rPr>
-                        <a:t>3</a:t>
-                      </a:r>
-                      <a:endParaRPr sz="1400" u="none" strike="noStrike" cap="none">
-                        <a:latin typeface="Times New Roman"/>
-                        <a:ea typeface="Times New Roman"/>
-                        <a:cs typeface="Times New Roman"/>
-                        <a:sym typeface="Times New Roman"/>
-                      </a:endParaRPr>
-                    </a:p>
-                  </a:txBody>
-                  <a:tcPr marL="91425" marR="91425" marT="91425" marB="91425"/>
-                </a:tc>
-                <a:tc>
-                  <a:txBody>
-                    <a:bodyPr/>
-                    <a:lstStyle/>
-                    <a:p>
-                      <a:pPr marL="0" marR="0" lvl="0" indent="0" algn="l" rtl="0">
-                        <a:lnSpc>
-                          <a:spcPct val="100000"/>
-                        </a:lnSpc>
-                        <a:spcBef>
-                          <a:spcPts val="0"/>
-                        </a:spcBef>
-                        <a:spcAft>
-                          <a:spcPts val="0"/>
-                        </a:spcAft>
-                        <a:buClr>
-                          <a:srgbClr val="000000"/>
-                        </a:buClr>
-                        <a:buSzPts val="1400"/>
-                        <a:buFont typeface="Arial"/>
-                        <a:buNone/>
-                      </a:pPr>
-                      <a:r>
-                        <a:rPr lang="ru" sz="1400" u="none" strike="noStrike" cap="none">
-                          <a:latin typeface="Times New Roman"/>
-                          <a:ea typeface="Times New Roman"/>
-                          <a:cs typeface="Times New Roman"/>
-                          <a:sym typeface="Times New Roman"/>
-                        </a:rPr>
-                        <a:t>2</a:t>
-                      </a:r>
-                      <a:endParaRPr sz="1400" u="none" strike="noStrike" cap="none">
-                        <a:latin typeface="Times New Roman"/>
-                        <a:ea typeface="Times New Roman"/>
-                        <a:cs typeface="Times New Roman"/>
-                        <a:sym typeface="Times New Roman"/>
-                      </a:endParaRPr>
-                    </a:p>
-                  </a:txBody>
-                  <a:tcPr marL="91425" marR="91425" marT="91425" marB="91425"/>
-                </a:tc>
-                <a:tc>
-                  <a:txBody>
-                    <a:bodyPr/>
-                    <a:lstStyle/>
-                    <a:p>
-                      <a:pPr marL="0" marR="0" lvl="0" indent="0" algn="l" rtl="0">
-                        <a:lnSpc>
-                          <a:spcPct val="100000"/>
-                        </a:lnSpc>
-                        <a:spcBef>
-                          <a:spcPts val="0"/>
-                        </a:spcBef>
-                        <a:spcAft>
-                          <a:spcPts val="0"/>
-                        </a:spcAft>
-                        <a:buClr>
-                          <a:srgbClr val="000000"/>
-                        </a:buClr>
-                        <a:buSzPts val="1400"/>
-                        <a:buFont typeface="Arial"/>
-                        <a:buNone/>
-                      </a:pPr>
-                      <a:r>
-                        <a:rPr lang="ru" sz="1400" u="none" strike="noStrike" cap="none">
-                          <a:latin typeface="Times New Roman"/>
-                          <a:ea typeface="Times New Roman"/>
-                          <a:cs typeface="Times New Roman"/>
-                          <a:sym typeface="Times New Roman"/>
-                        </a:rPr>
-                        <a:t>3.0</a:t>
-                      </a:r>
-                      <a:endParaRPr sz="1400" u="none" strike="noStrike" cap="none">
-                        <a:latin typeface="Times New Roman"/>
-                        <a:ea typeface="Times New Roman"/>
-                        <a:cs typeface="Times New Roman"/>
-                        <a:sym typeface="Times New Roman"/>
-                      </a:endParaRPr>
-                    </a:p>
-                  </a:txBody>
-                  <a:tcPr marL="91425" marR="91425" marT="91425" marB="91425"/>
-                </a:tc>
-                <a:tc>
-                  <a:txBody>
-                    <a:bodyPr/>
-                    <a:lstStyle/>
-                    <a:p>
-                      <a:pPr marL="0" marR="0" lvl="0" indent="0" algn="l" rtl="0">
-                        <a:lnSpc>
-                          <a:spcPct val="100000"/>
-                        </a:lnSpc>
-                        <a:spcBef>
-                          <a:spcPts val="0"/>
-                        </a:spcBef>
-                        <a:spcAft>
-                          <a:spcPts val="0"/>
-                        </a:spcAft>
-                        <a:buClr>
-                          <a:srgbClr val="000000"/>
-                        </a:buClr>
-                        <a:buSzPts val="1400"/>
-                        <a:buFont typeface="Arial"/>
-                        <a:buNone/>
-                      </a:pPr>
-                      <a:r>
-                        <a:rPr lang="ru" sz="1400" u="none" strike="noStrike" cap="none">
-                          <a:latin typeface="Times New Roman"/>
-                          <a:ea typeface="Times New Roman"/>
-                          <a:cs typeface="Times New Roman"/>
-                          <a:sym typeface="Times New Roman"/>
-                        </a:rPr>
-                        <a:t>-</a:t>
-                      </a:r>
-                      <a:endParaRPr sz="1400" u="none" strike="noStrike" cap="none">
-                        <a:latin typeface="Times New Roman"/>
-                        <a:ea typeface="Times New Roman"/>
-                        <a:cs typeface="Times New Roman"/>
-                        <a:sym typeface="Times New Roman"/>
-                      </a:endParaRPr>
-                    </a:p>
-                  </a:txBody>
-                  <a:tcPr marL="91425" marR="91425" marT="91425" marB="91425"/>
-                </a:tc>
-                <a:tc>
-                  <a:txBody>
-                    <a:bodyPr/>
-                    <a:lstStyle/>
-                    <a:p>
-                      <a:pPr marL="0" marR="0" lvl="0" indent="0" algn="l" rtl="0">
-                        <a:lnSpc>
-                          <a:spcPct val="100000"/>
-                        </a:lnSpc>
-                        <a:spcBef>
-                          <a:spcPts val="0"/>
-                        </a:spcBef>
-                        <a:spcAft>
-                          <a:spcPts val="0"/>
-                        </a:spcAft>
-                        <a:buClr>
-                          <a:srgbClr val="000000"/>
-                        </a:buClr>
-                        <a:buSzPts val="1400"/>
-                        <a:buFont typeface="Arial"/>
-                        <a:buNone/>
-                      </a:pPr>
-                      <a:r>
-                        <a:rPr lang="ru" sz="1400" u="none" strike="noStrike" cap="none">
-                          <a:latin typeface="Times New Roman"/>
-                          <a:ea typeface="Times New Roman"/>
-                          <a:cs typeface="Times New Roman"/>
-                          <a:sym typeface="Times New Roman"/>
-                        </a:rPr>
-                        <a:t>-</a:t>
-                      </a:r>
-                      <a:endParaRPr sz="1400" u="none" strike="noStrike" cap="none">
-                        <a:latin typeface="Times New Roman"/>
-                        <a:ea typeface="Times New Roman"/>
-                        <a:cs typeface="Times New Roman"/>
-                        <a:sym typeface="Times New Roman"/>
-                      </a:endParaRPr>
-                    </a:p>
-                  </a:txBody>
-                  <a:tcPr marL="91425" marR="91425" marT="91425" marB="91425"/>
-                </a:tc>
-                <a:tc>
-                  <a:txBody>
-                    <a:bodyPr/>
-                    <a:lstStyle/>
-                    <a:p>
-                      <a:pPr marL="0" marR="0" lvl="0" indent="0" algn="l" rtl="0">
-                        <a:lnSpc>
-                          <a:spcPct val="100000"/>
-                        </a:lnSpc>
-                        <a:spcBef>
-                          <a:spcPts val="0"/>
-                        </a:spcBef>
-                        <a:spcAft>
-                          <a:spcPts val="0"/>
-                        </a:spcAft>
-                        <a:buClr>
-                          <a:srgbClr val="000000"/>
-                        </a:buClr>
-                        <a:buSzPts val="1400"/>
-                        <a:buFont typeface="Arial"/>
-                        <a:buNone/>
-                      </a:pPr>
-                      <a:r>
-                        <a:rPr lang="ru" sz="1400" u="none" strike="noStrike" cap="none">
-                          <a:latin typeface="Times New Roman"/>
-                          <a:ea typeface="Times New Roman"/>
-                          <a:cs typeface="Times New Roman"/>
-                          <a:sym typeface="Times New Roman"/>
-                        </a:rPr>
-                        <a:t>-</a:t>
-                      </a:r>
-                      <a:endParaRPr sz="1400" u="none" strike="noStrike" cap="none">
-                        <a:latin typeface="Times New Roman"/>
-                        <a:ea typeface="Times New Roman"/>
-                        <a:cs typeface="Times New Roman"/>
-                        <a:sym typeface="Times New Roman"/>
-                      </a:endParaRPr>
-                    </a:p>
-                  </a:txBody>
-                  <a:tcPr marL="91425" marR="91425" marT="91425" marB="91425"/>
-                </a:tc>
-                <a:tc>
-                  <a:txBody>
-                    <a:bodyPr/>
-                    <a:lstStyle/>
-                    <a:p>
-                      <a:pPr marL="0" marR="0" lvl="0" indent="0" algn="l" rtl="0">
-                        <a:lnSpc>
-                          <a:spcPct val="100000"/>
-                        </a:lnSpc>
-                        <a:spcBef>
-                          <a:spcPts val="0"/>
-                        </a:spcBef>
-                        <a:spcAft>
-                          <a:spcPts val="0"/>
-                        </a:spcAft>
-                        <a:buClr>
-                          <a:srgbClr val="000000"/>
-                        </a:buClr>
-                        <a:buSzPts val="1400"/>
-                        <a:buFont typeface="Arial"/>
-                        <a:buNone/>
-                      </a:pPr>
-                      <a:r>
-                        <a:rPr lang="ru" sz="1400" u="none" strike="noStrike" cap="none">
-                          <a:latin typeface="Times New Roman"/>
-                          <a:ea typeface="Times New Roman"/>
-                          <a:cs typeface="Times New Roman"/>
-                          <a:sym typeface="Times New Roman"/>
-                        </a:rPr>
-                        <a:t>0.3999</a:t>
-                      </a:r>
-                      <a:endParaRPr sz="1400" u="none" strike="noStrike" cap="none">
-                        <a:latin typeface="Times New Roman"/>
-                        <a:ea typeface="Times New Roman"/>
-                        <a:cs typeface="Times New Roman"/>
-                        <a:sym typeface="Times New Roman"/>
-                      </a:endParaRPr>
-                    </a:p>
-                  </a:txBody>
-                  <a:tcPr marL="91425" marR="91425" marT="91425" marB="91425"/>
-                </a:tc>
-                <a:tc>
-                  <a:txBody>
-                    <a:bodyPr/>
-                    <a:lstStyle/>
-                    <a:p>
-                      <a:pPr marL="0" marR="0" lvl="0" indent="0" algn="l" rtl="0">
-                        <a:lnSpc>
-                          <a:spcPct val="100000"/>
-                        </a:lnSpc>
-                        <a:spcBef>
-                          <a:spcPts val="0"/>
-                        </a:spcBef>
-                        <a:spcAft>
-                          <a:spcPts val="0"/>
-                        </a:spcAft>
-                        <a:buClr>
-                          <a:srgbClr val="000000"/>
-                        </a:buClr>
-                        <a:buSzPts val="1400"/>
-                        <a:buFont typeface="Arial"/>
-                        <a:buNone/>
-                      </a:pPr>
-                      <a:r>
-                        <a:rPr lang="ru" sz="1400" u="none" strike="noStrike" cap="none">
-                          <a:latin typeface="Times New Roman"/>
-                          <a:ea typeface="Times New Roman"/>
-                          <a:cs typeface="Times New Roman"/>
-                          <a:sym typeface="Times New Roman"/>
-                        </a:rPr>
-                        <a:t>-0.2037</a:t>
-                      </a:r>
-                      <a:endParaRPr sz="1400" u="none" strike="noStrike" cap="none">
-                        <a:latin typeface="Times New Roman"/>
-                        <a:ea typeface="Times New Roman"/>
-                        <a:cs typeface="Times New Roman"/>
-                        <a:sym typeface="Times New Roman"/>
-                      </a:endParaRPr>
-                    </a:p>
-                  </a:txBody>
-                  <a:tcPr marL="91425" marR="91425" marT="91425" marB="91425"/>
-                </a:tc>
-                <a:extLst>
-                  <a:ext uri="{0D108BD9-81ED-4DB2-BD59-A6C34878D82A}">
-                    <a16:rowId xmlns:a16="http://schemas.microsoft.com/office/drawing/2014/main" val="10004"/>
-                  </a:ext>
-                </a:extLst>
-              </a:tr>
-              <a:tr h="681150">
-                <a:tc>
-                  <a:txBody>
-                    <a:bodyPr/>
-                    <a:lstStyle/>
-                    <a:p>
-                      <a:pPr marL="0" marR="0" lvl="0" indent="0" algn="l" rtl="0">
-                        <a:lnSpc>
-                          <a:spcPct val="100000"/>
-                        </a:lnSpc>
-                        <a:spcBef>
-                          <a:spcPts val="0"/>
-                        </a:spcBef>
-                        <a:spcAft>
-                          <a:spcPts val="0"/>
-                        </a:spcAft>
-                        <a:buClr>
-                          <a:srgbClr val="000000"/>
-                        </a:buClr>
-                        <a:buSzPts val="1400"/>
-                        <a:buFont typeface="Arial"/>
-                        <a:buNone/>
-                      </a:pPr>
-                      <a:r>
-                        <a:rPr lang="ru" sz="1400" u="none" strike="noStrike" cap="none" dirty="0">
-                          <a:latin typeface="Times New Roman"/>
-                          <a:ea typeface="Times New Roman"/>
-                          <a:cs typeface="Times New Roman"/>
-                          <a:sym typeface="Times New Roman"/>
-                        </a:rPr>
-                        <a:t>testgraph_2</a:t>
-                      </a:r>
-                      <a:endParaRPr sz="1400" u="none" strike="noStrike" cap="none" dirty="0">
-                        <a:latin typeface="Times New Roman"/>
-                        <a:ea typeface="Times New Roman"/>
-                        <a:cs typeface="Times New Roman"/>
-                        <a:sym typeface="Times New Roman"/>
-                      </a:endParaRPr>
-                    </a:p>
-                  </a:txBody>
-                  <a:tcPr marL="91425" marR="91425" marT="91425" marB="91425"/>
-                </a:tc>
-                <a:tc>
-                  <a:txBody>
-                    <a:bodyPr/>
-                    <a:lstStyle/>
-                    <a:p>
-                      <a:pPr marL="0" marR="0" lvl="0" indent="0" algn="l" rtl="0">
-                        <a:lnSpc>
-                          <a:spcPct val="100000"/>
-                        </a:lnSpc>
-                        <a:spcBef>
-                          <a:spcPts val="0"/>
-                        </a:spcBef>
-                        <a:spcAft>
-                          <a:spcPts val="0"/>
-                        </a:spcAft>
-                        <a:buClr>
-                          <a:srgbClr val="000000"/>
-                        </a:buClr>
-                        <a:buSzPts val="1400"/>
-                        <a:buFont typeface="Arial"/>
-                        <a:buNone/>
-                      </a:pPr>
-                      <a:r>
-                        <a:rPr lang="ru" sz="1400" u="none" strike="noStrike" cap="none">
-                          <a:latin typeface="Times New Roman"/>
-                          <a:ea typeface="Times New Roman"/>
-                          <a:cs typeface="Times New Roman"/>
-                          <a:sym typeface="Times New Roman"/>
-                        </a:rPr>
-                        <a:t>34</a:t>
-                      </a:r>
-                      <a:endParaRPr sz="1400" u="none" strike="noStrike" cap="none">
-                        <a:latin typeface="Times New Roman"/>
-                        <a:ea typeface="Times New Roman"/>
-                        <a:cs typeface="Times New Roman"/>
-                        <a:sym typeface="Times New Roman"/>
-                      </a:endParaRPr>
-                    </a:p>
-                  </a:txBody>
-                  <a:tcPr marL="91425" marR="91425" marT="91425" marB="91425"/>
-                </a:tc>
-                <a:tc>
-                  <a:txBody>
-                    <a:bodyPr/>
-                    <a:lstStyle/>
-                    <a:p>
-                      <a:pPr marL="0" marR="0" lvl="0" indent="0" algn="l" rtl="0">
-                        <a:lnSpc>
-                          <a:spcPct val="100000"/>
-                        </a:lnSpc>
-                        <a:spcBef>
-                          <a:spcPts val="0"/>
-                        </a:spcBef>
-                        <a:spcAft>
-                          <a:spcPts val="0"/>
-                        </a:spcAft>
-                        <a:buClr>
-                          <a:srgbClr val="000000"/>
-                        </a:buClr>
-                        <a:buSzPts val="1400"/>
-                        <a:buFont typeface="Arial"/>
-                        <a:buNone/>
-                      </a:pPr>
-                      <a:r>
-                        <a:rPr lang="ru" sz="1400" u="none" strike="noStrike" cap="none">
-                          <a:latin typeface="Times New Roman"/>
-                          <a:ea typeface="Times New Roman"/>
-                          <a:cs typeface="Times New Roman"/>
-                          <a:sym typeface="Times New Roman"/>
-                        </a:rPr>
-                        <a:t>78</a:t>
-                      </a:r>
-                      <a:endParaRPr sz="1400" u="none" strike="noStrike" cap="none">
-                        <a:latin typeface="Times New Roman"/>
-                        <a:ea typeface="Times New Roman"/>
-                        <a:cs typeface="Times New Roman"/>
-                        <a:sym typeface="Times New Roman"/>
-                      </a:endParaRPr>
-                    </a:p>
-                  </a:txBody>
-                  <a:tcPr marL="91425" marR="91425" marT="91425" marB="91425"/>
-                </a:tc>
-                <a:tc>
-                  <a:txBody>
-                    <a:bodyPr/>
-                    <a:lstStyle/>
-                    <a:p>
-                      <a:pPr marL="0" marR="0" lvl="0" indent="0" algn="l" rtl="0">
-                        <a:lnSpc>
-                          <a:spcPct val="100000"/>
-                        </a:lnSpc>
-                        <a:spcBef>
-                          <a:spcPts val="0"/>
-                        </a:spcBef>
-                        <a:spcAft>
-                          <a:spcPts val="0"/>
-                        </a:spcAft>
-                        <a:buClr>
-                          <a:srgbClr val="000000"/>
-                        </a:buClr>
-                        <a:buSzPts val="1400"/>
-                        <a:buFont typeface="Arial"/>
-                        <a:buNone/>
-                      </a:pPr>
-                      <a:r>
-                        <a:rPr lang="ru" sz="1400" u="none" strike="noStrike" cap="none">
-                          <a:latin typeface="Times New Roman"/>
-                          <a:ea typeface="Times New Roman"/>
-                          <a:cs typeface="Times New Roman"/>
-                          <a:sym typeface="Times New Roman"/>
-                        </a:rPr>
-                        <a:t>5</a:t>
-                      </a:r>
-                      <a:endParaRPr sz="1400" u="none" strike="noStrike" cap="none">
-                        <a:latin typeface="Times New Roman"/>
-                        <a:ea typeface="Times New Roman"/>
-                        <a:cs typeface="Times New Roman"/>
-                        <a:sym typeface="Times New Roman"/>
-                      </a:endParaRPr>
-                    </a:p>
-                  </a:txBody>
-                  <a:tcPr marL="91425" marR="91425" marT="91425" marB="91425"/>
-                </a:tc>
-                <a:tc>
-                  <a:txBody>
-                    <a:bodyPr/>
-                    <a:lstStyle/>
-                    <a:p>
-                      <a:pPr marL="0" marR="0" lvl="0" indent="0" algn="l" rtl="0">
-                        <a:lnSpc>
-                          <a:spcPct val="100000"/>
-                        </a:lnSpc>
-                        <a:spcBef>
-                          <a:spcPts val="0"/>
-                        </a:spcBef>
-                        <a:spcAft>
-                          <a:spcPts val="0"/>
-                        </a:spcAft>
-                        <a:buClr>
-                          <a:srgbClr val="000000"/>
-                        </a:buClr>
-                        <a:buSzPts val="1400"/>
-                        <a:buFont typeface="Arial"/>
-                        <a:buNone/>
-                      </a:pPr>
-                      <a:r>
-                        <a:rPr lang="ru" sz="1400" u="none" strike="noStrike" cap="none">
-                          <a:latin typeface="Times New Roman"/>
-                          <a:ea typeface="Times New Roman"/>
-                          <a:cs typeface="Times New Roman"/>
-                          <a:sym typeface="Times New Roman"/>
-                        </a:rPr>
-                        <a:t>3</a:t>
-                      </a:r>
-                      <a:endParaRPr sz="1400" u="none" strike="noStrike" cap="none">
-                        <a:latin typeface="Times New Roman"/>
-                        <a:ea typeface="Times New Roman"/>
-                        <a:cs typeface="Times New Roman"/>
-                        <a:sym typeface="Times New Roman"/>
-                      </a:endParaRPr>
-                    </a:p>
-                  </a:txBody>
-                  <a:tcPr marL="91425" marR="91425" marT="91425" marB="91425"/>
-                </a:tc>
-                <a:tc>
-                  <a:txBody>
-                    <a:bodyPr/>
-                    <a:lstStyle/>
-                    <a:p>
-                      <a:pPr marL="0" marR="0" lvl="0" indent="0" algn="l" rtl="0">
-                        <a:lnSpc>
-                          <a:spcPct val="100000"/>
-                        </a:lnSpc>
-                        <a:spcBef>
-                          <a:spcPts val="0"/>
-                        </a:spcBef>
-                        <a:spcAft>
-                          <a:spcPts val="0"/>
-                        </a:spcAft>
-                        <a:buClr>
-                          <a:srgbClr val="000000"/>
-                        </a:buClr>
-                        <a:buSzPts val="1400"/>
-                        <a:buFont typeface="Arial"/>
-                        <a:buNone/>
-                      </a:pPr>
-                      <a:r>
-                        <a:rPr lang="ru" sz="1400" u="none" strike="noStrike" cap="none">
-                          <a:latin typeface="Times New Roman"/>
-                          <a:ea typeface="Times New Roman"/>
-                          <a:cs typeface="Times New Roman"/>
-                          <a:sym typeface="Times New Roman"/>
-                        </a:rPr>
-                        <a:t>4.0</a:t>
-                      </a:r>
-                      <a:endParaRPr sz="1400" u="none" strike="noStrike" cap="none">
-                        <a:latin typeface="Times New Roman"/>
-                        <a:ea typeface="Times New Roman"/>
-                        <a:cs typeface="Times New Roman"/>
-                        <a:sym typeface="Times New Roman"/>
-                      </a:endParaRPr>
-                    </a:p>
-                  </a:txBody>
-                  <a:tcPr marL="91425" marR="91425" marT="91425" marB="91425"/>
-                </a:tc>
-                <a:tc>
-                  <a:txBody>
-                    <a:bodyPr/>
-                    <a:lstStyle/>
-                    <a:p>
-                      <a:pPr marL="0" marR="0" lvl="0" indent="0" algn="l" rtl="0">
-                        <a:lnSpc>
-                          <a:spcPct val="100000"/>
-                        </a:lnSpc>
-                        <a:spcBef>
-                          <a:spcPts val="0"/>
-                        </a:spcBef>
-                        <a:spcAft>
-                          <a:spcPts val="0"/>
-                        </a:spcAft>
-                        <a:buClr>
-                          <a:srgbClr val="000000"/>
-                        </a:buClr>
-                        <a:buSzPts val="1400"/>
-                        <a:buFont typeface="Arial"/>
-                        <a:buNone/>
-                      </a:pPr>
-                      <a:r>
-                        <a:rPr lang="ru" sz="1400" u="none" strike="noStrike" cap="none">
-                          <a:latin typeface="Times New Roman"/>
-                          <a:ea typeface="Times New Roman"/>
-                          <a:cs typeface="Times New Roman"/>
-                          <a:sym typeface="Times New Roman"/>
-                        </a:rPr>
-                        <a:t>-</a:t>
-                      </a:r>
-                      <a:endParaRPr sz="1400" u="none" strike="noStrike" cap="none">
-                        <a:latin typeface="Times New Roman"/>
-                        <a:ea typeface="Times New Roman"/>
-                        <a:cs typeface="Times New Roman"/>
-                        <a:sym typeface="Times New Roman"/>
-                      </a:endParaRPr>
-                    </a:p>
-                  </a:txBody>
-                  <a:tcPr marL="91425" marR="91425" marT="91425" marB="91425"/>
-                </a:tc>
-                <a:tc>
-                  <a:txBody>
-                    <a:bodyPr/>
-                    <a:lstStyle/>
-                    <a:p>
-                      <a:pPr marL="0" marR="0" lvl="0" indent="0" algn="l" rtl="0">
-                        <a:lnSpc>
-                          <a:spcPct val="100000"/>
-                        </a:lnSpc>
-                        <a:spcBef>
-                          <a:spcPts val="0"/>
-                        </a:spcBef>
-                        <a:spcAft>
-                          <a:spcPts val="0"/>
-                        </a:spcAft>
-                        <a:buClr>
-                          <a:srgbClr val="000000"/>
-                        </a:buClr>
-                        <a:buSzPts val="1400"/>
-                        <a:buFont typeface="Arial"/>
-                        <a:buNone/>
-                      </a:pPr>
-                      <a:r>
-                        <a:rPr lang="ru" sz="1400" u="none" strike="noStrike" cap="none">
-                          <a:latin typeface="Times New Roman"/>
-                          <a:ea typeface="Times New Roman"/>
-                          <a:cs typeface="Times New Roman"/>
-                          <a:sym typeface="Times New Roman"/>
-                        </a:rPr>
-                        <a:t>-</a:t>
-                      </a:r>
-                      <a:endParaRPr sz="1400" u="none" strike="noStrike" cap="none">
-                        <a:latin typeface="Times New Roman"/>
-                        <a:ea typeface="Times New Roman"/>
-                        <a:cs typeface="Times New Roman"/>
-                        <a:sym typeface="Times New Roman"/>
-                      </a:endParaRPr>
-                    </a:p>
-                  </a:txBody>
-                  <a:tcPr marL="91425" marR="91425" marT="91425" marB="91425"/>
-                </a:tc>
-                <a:tc>
-                  <a:txBody>
-                    <a:bodyPr/>
-                    <a:lstStyle/>
-                    <a:p>
-                      <a:pPr marL="0" marR="0" lvl="0" indent="0" algn="l" rtl="0">
-                        <a:lnSpc>
-                          <a:spcPct val="100000"/>
-                        </a:lnSpc>
-                        <a:spcBef>
-                          <a:spcPts val="0"/>
-                        </a:spcBef>
-                        <a:spcAft>
-                          <a:spcPts val="0"/>
-                        </a:spcAft>
-                        <a:buClr>
-                          <a:srgbClr val="000000"/>
-                        </a:buClr>
-                        <a:buSzPts val="1400"/>
-                        <a:buFont typeface="Arial"/>
-                        <a:buNone/>
-                      </a:pPr>
-                      <a:r>
-                        <a:rPr lang="ru" sz="1400" u="none" strike="noStrike" cap="none">
-                          <a:latin typeface="Times New Roman"/>
-                          <a:ea typeface="Times New Roman"/>
-                          <a:cs typeface="Times New Roman"/>
-                          <a:sym typeface="Times New Roman"/>
-                        </a:rPr>
-                        <a:t>-</a:t>
-                      </a:r>
-                      <a:endParaRPr sz="1400" u="none" strike="noStrike" cap="none">
-                        <a:latin typeface="Times New Roman"/>
-                        <a:ea typeface="Times New Roman"/>
-                        <a:cs typeface="Times New Roman"/>
-                        <a:sym typeface="Times New Roman"/>
-                      </a:endParaRPr>
-                    </a:p>
-                  </a:txBody>
-                  <a:tcPr marL="91425" marR="91425" marT="91425" marB="91425"/>
-                </a:tc>
-                <a:tc>
-                  <a:txBody>
-                    <a:bodyPr/>
-                    <a:lstStyle/>
-                    <a:p>
-                      <a:pPr marL="0" marR="0" lvl="0" indent="0" algn="l" rtl="0">
-                        <a:lnSpc>
-                          <a:spcPct val="100000"/>
-                        </a:lnSpc>
-                        <a:spcBef>
-                          <a:spcPts val="0"/>
-                        </a:spcBef>
-                        <a:spcAft>
-                          <a:spcPts val="0"/>
-                        </a:spcAft>
-                        <a:buClr>
-                          <a:srgbClr val="000000"/>
-                        </a:buClr>
-                        <a:buSzPts val="1400"/>
-                        <a:buFont typeface="Arial"/>
-                        <a:buNone/>
-                      </a:pPr>
-                      <a:r>
-                        <a:rPr lang="ru" sz="1400" u="none" strike="noStrike" cap="none">
-                          <a:latin typeface="Times New Roman"/>
-                          <a:ea typeface="Times New Roman"/>
-                          <a:cs typeface="Times New Roman"/>
-                          <a:sym typeface="Times New Roman"/>
-                        </a:rPr>
-                        <a:t>0.5706</a:t>
-                      </a:r>
-                      <a:endParaRPr sz="1400" u="none" strike="noStrike" cap="none">
-                        <a:latin typeface="Times New Roman"/>
-                        <a:ea typeface="Times New Roman"/>
-                        <a:cs typeface="Times New Roman"/>
-                        <a:sym typeface="Times New Roman"/>
-                      </a:endParaRPr>
-                    </a:p>
-                  </a:txBody>
-                  <a:tcPr marL="91425" marR="91425" marT="91425" marB="91425"/>
-                </a:tc>
-                <a:tc>
-                  <a:txBody>
-                    <a:bodyPr/>
-                    <a:lstStyle/>
-                    <a:p>
-                      <a:pPr marL="0" marR="0" lvl="0" indent="0" algn="l" rtl="0">
-                        <a:lnSpc>
-                          <a:spcPct val="100000"/>
-                        </a:lnSpc>
-                        <a:spcBef>
-                          <a:spcPts val="0"/>
-                        </a:spcBef>
-                        <a:spcAft>
-                          <a:spcPts val="0"/>
-                        </a:spcAft>
-                        <a:buClr>
-                          <a:srgbClr val="000000"/>
-                        </a:buClr>
-                        <a:buSzPts val="1400"/>
-                        <a:buFont typeface="Arial"/>
-                        <a:buNone/>
-                      </a:pPr>
-                      <a:r>
-                        <a:rPr lang="ru" sz="1400" u="none" strike="noStrike" cap="none" dirty="0">
-                          <a:latin typeface="Times New Roman"/>
-                          <a:ea typeface="Times New Roman"/>
-                          <a:cs typeface="Times New Roman"/>
-                          <a:sym typeface="Times New Roman"/>
-                        </a:rPr>
-                        <a:t>-0.4756</a:t>
-                      </a:r>
-                      <a:endParaRPr sz="1400" u="none" strike="noStrike" cap="none" dirty="0">
-                        <a:latin typeface="Times New Roman"/>
-                        <a:ea typeface="Times New Roman"/>
-                        <a:cs typeface="Times New Roman"/>
-                        <a:sym typeface="Times New Roman"/>
-                      </a:endParaRPr>
-                    </a:p>
-                  </a:txBody>
-                  <a:tcPr marL="91425" marR="91425" marT="91425" marB="91425"/>
-                </a:tc>
-                <a:extLst>
-                  <a:ext uri="{0D108BD9-81ED-4DB2-BD59-A6C34878D82A}">
-                    <a16:rowId xmlns:a16="http://schemas.microsoft.com/office/drawing/2014/main" val="10005"/>
-                  </a:ext>
-                </a:extLst>
-              </a:tr>
-            </a:tbl>
-          </a:graphicData>
-        </a:graphic>
-      </p:graphicFrame>
-    </p:spTree>
-  </p:cSld>
-  <p:clrMapOvr>
-    <a:masterClrMapping/>
-  </p:clrMapOvr>
-</p:sld>
-</file>
-
-<file path=ppt/slides/slide6.xml><?xml version="1.0" encoding="utf-8"?>
-<p:sld xmlns:a="http://schemas.openxmlformats.org/drawingml/2006/main" xmlns:r="http://schemas.openxmlformats.org/officeDocument/2006/relationships" xmlns:p="http://schemas.openxmlformats.org/presentationml/2006/main">
-  <p:cSld>
-    <p:spTree>
-      <p:nvGrpSpPr>
-        <p:cNvPr id="1" name="Shape 101"/>
-        <p:cNvGrpSpPr/>
-        <p:nvPr/>
-      </p:nvGrpSpPr>
-      <p:grpSpPr>
-        <a:xfrm>
-          <a:off x="0" y="0"/>
-          <a:ext cx="0" cy="0"/>
-          <a:chOff x="0" y="0"/>
-          <a:chExt cx="0" cy="0"/>
-        </a:xfrm>
-      </p:grpSpPr>
-      <p:graphicFrame>
-        <p:nvGraphicFramePr>
-          <p:cNvPr id="102" name="Google Shape;102;p16"/>
-          <p:cNvGraphicFramePr/>
           <p:nvPr>
             <p:extLst>
               <p:ext uri="{D42A27DB-BD31-4B8C-83A1-F6EECF244321}">
-                <p14:modId xmlns:p14="http://schemas.microsoft.com/office/powerpoint/2010/main" val="2819103519"/>
+                <p14:modId xmlns:p14="http://schemas.microsoft.com/office/powerpoint/2010/main" val="921862081"/>
               </p:ext>
             </p:extLst>
           </p:nvPr>
@@ -22118,6 +21513,2627 @@
                           <a:cs typeface="Times New Roman"/>
                           <a:sym typeface="Times New Roman"/>
                         </a:rPr>
+                        <a:t>Socfb-Middlebury</a:t>
+                      </a:r>
+                      <a:endParaRPr sz="1400" u="none" strike="noStrike" cap="none" dirty="0">
+                        <a:latin typeface="Times New Roman"/>
+                        <a:ea typeface="Times New Roman"/>
+                        <a:cs typeface="Times New Roman"/>
+                        <a:sym typeface="Times New Roman"/>
+                      </a:endParaRPr>
+                    </a:p>
+                  </a:txBody>
+                  <a:tcPr marL="91425" marR="91425" marT="91425" marB="91425"/>
+                </a:tc>
+                <a:tc>
+                  <a:txBody>
+                    <a:bodyPr/>
+                    <a:lstStyle/>
+                    <a:p>
+                      <a:pPr marL="0" marR="0" lvl="0" indent="0" algn="l" rtl="0">
+                        <a:lnSpc>
+                          <a:spcPct val="100000"/>
+                        </a:lnSpc>
+                        <a:spcBef>
+                          <a:spcPts val="0"/>
+                        </a:spcBef>
+                        <a:spcAft>
+                          <a:spcPts val="0"/>
+                        </a:spcAft>
+                        <a:buClr>
+                          <a:srgbClr val="000000"/>
+                        </a:buClr>
+                        <a:buSzPts val="1400"/>
+                        <a:buFont typeface="Arial"/>
+                        <a:buNone/>
+                      </a:pPr>
+                      <a:r>
+                        <a:rPr lang="ru" sz="1400" u="none" strike="noStrike" cap="none">
+                          <a:latin typeface="Times New Roman"/>
+                          <a:ea typeface="Times New Roman"/>
+                          <a:cs typeface="Times New Roman"/>
+                          <a:sym typeface="Times New Roman"/>
+                        </a:rPr>
+                        <a:t>3075</a:t>
+                      </a:r>
+                      <a:endParaRPr sz="1400" u="none" strike="noStrike" cap="none">
+                        <a:latin typeface="Times New Roman"/>
+                        <a:ea typeface="Times New Roman"/>
+                        <a:cs typeface="Times New Roman"/>
+                        <a:sym typeface="Times New Roman"/>
+                      </a:endParaRPr>
+                    </a:p>
+                  </a:txBody>
+                  <a:tcPr marL="91425" marR="91425" marT="91425" marB="91425"/>
+                </a:tc>
+                <a:tc>
+                  <a:txBody>
+                    <a:bodyPr/>
+                    <a:lstStyle/>
+                    <a:p>
+                      <a:pPr marL="0" marR="0" lvl="0" indent="0" algn="l" rtl="0">
+                        <a:lnSpc>
+                          <a:spcPct val="100000"/>
+                        </a:lnSpc>
+                        <a:spcBef>
+                          <a:spcPts val="0"/>
+                        </a:spcBef>
+                        <a:spcAft>
+                          <a:spcPts val="0"/>
+                        </a:spcAft>
+                        <a:buClr>
+                          <a:srgbClr val="000000"/>
+                        </a:buClr>
+                        <a:buSzPts val="1400"/>
+                        <a:buFont typeface="Arial"/>
+                        <a:buNone/>
+                      </a:pPr>
+                      <a:r>
+                        <a:rPr lang="ru" sz="1400" u="none" strike="noStrike" cap="none">
+                          <a:latin typeface="Times New Roman"/>
+                          <a:ea typeface="Times New Roman"/>
+                          <a:cs typeface="Times New Roman"/>
+                          <a:sym typeface="Times New Roman"/>
+                        </a:rPr>
+                        <a:t>124610</a:t>
+                      </a:r>
+                      <a:endParaRPr sz="1400" u="none" strike="noStrike" cap="none">
+                        <a:latin typeface="Times New Roman"/>
+                        <a:ea typeface="Times New Roman"/>
+                        <a:cs typeface="Times New Roman"/>
+                        <a:sym typeface="Times New Roman"/>
+                      </a:endParaRPr>
+                    </a:p>
+                  </a:txBody>
+                  <a:tcPr marL="91425" marR="91425" marT="91425" marB="91425"/>
+                </a:tc>
+                <a:tc>
+                  <a:txBody>
+                    <a:bodyPr/>
+                    <a:lstStyle/>
+                    <a:p>
+                      <a:pPr marL="0" marR="0" lvl="0" indent="0" algn="l" rtl="0">
+                        <a:lnSpc>
+                          <a:spcPct val="100000"/>
+                        </a:lnSpc>
+                        <a:spcBef>
+                          <a:spcPts val="0"/>
+                        </a:spcBef>
+                        <a:spcAft>
+                          <a:spcPts val="0"/>
+                        </a:spcAft>
+                        <a:buClr>
+                          <a:srgbClr val="000000"/>
+                        </a:buClr>
+                        <a:buSzPts val="1400"/>
+                        <a:buFont typeface="Arial"/>
+                        <a:buNone/>
+                      </a:pPr>
+                      <a:r>
+                        <a:rPr lang="ru" sz="1400" u="none" strike="noStrike" cap="none">
+                          <a:latin typeface="Times New Roman"/>
+                          <a:ea typeface="Times New Roman"/>
+                          <a:cs typeface="Times New Roman"/>
+                          <a:sym typeface="Times New Roman"/>
+                        </a:rPr>
+                        <a:t>8</a:t>
+                      </a:r>
+                      <a:endParaRPr sz="1400" u="none" strike="noStrike" cap="none">
+                        <a:latin typeface="Times New Roman"/>
+                        <a:ea typeface="Times New Roman"/>
+                        <a:cs typeface="Times New Roman"/>
+                        <a:sym typeface="Times New Roman"/>
+                      </a:endParaRPr>
+                    </a:p>
+                  </a:txBody>
+                  <a:tcPr marL="91425" marR="91425" marT="91425" marB="91425"/>
+                </a:tc>
+                <a:tc>
+                  <a:txBody>
+                    <a:bodyPr/>
+                    <a:lstStyle/>
+                    <a:p>
+                      <a:pPr marL="0" marR="0" lvl="0" indent="0" algn="l" rtl="0">
+                        <a:lnSpc>
+                          <a:spcPct val="100000"/>
+                        </a:lnSpc>
+                        <a:spcBef>
+                          <a:spcPts val="0"/>
+                        </a:spcBef>
+                        <a:spcAft>
+                          <a:spcPts val="0"/>
+                        </a:spcAft>
+                        <a:buClr>
+                          <a:srgbClr val="000000"/>
+                        </a:buClr>
+                        <a:buSzPts val="1400"/>
+                        <a:buFont typeface="Arial"/>
+                        <a:buNone/>
+                      </a:pPr>
+                      <a:r>
+                        <a:rPr lang="ru" sz="1400" u="none" strike="noStrike" cap="none">
+                          <a:latin typeface="Times New Roman"/>
+                          <a:ea typeface="Times New Roman"/>
+                          <a:cs typeface="Times New Roman"/>
+                          <a:sym typeface="Times New Roman"/>
+                        </a:rPr>
+                        <a:t>4</a:t>
+                      </a:r>
+                      <a:endParaRPr sz="1400" u="none" strike="noStrike" cap="none">
+                        <a:latin typeface="Times New Roman"/>
+                        <a:ea typeface="Times New Roman"/>
+                        <a:cs typeface="Times New Roman"/>
+                        <a:sym typeface="Times New Roman"/>
+                      </a:endParaRPr>
+                    </a:p>
+                  </a:txBody>
+                  <a:tcPr marL="91425" marR="91425" marT="91425" marB="91425"/>
+                </a:tc>
+                <a:tc>
+                  <a:txBody>
+                    <a:bodyPr/>
+                    <a:lstStyle/>
+                    <a:p>
+                      <a:pPr marL="0" marR="0" lvl="0" indent="0" algn="l" rtl="0">
+                        <a:lnSpc>
+                          <a:spcPct val="100000"/>
+                        </a:lnSpc>
+                        <a:spcBef>
+                          <a:spcPts val="0"/>
+                        </a:spcBef>
+                        <a:spcAft>
+                          <a:spcPts val="0"/>
+                        </a:spcAft>
+                        <a:buClr>
+                          <a:srgbClr val="000000"/>
+                        </a:buClr>
+                        <a:buSzPts val="1400"/>
+                        <a:buFont typeface="Arial"/>
+                        <a:buNone/>
+                      </a:pPr>
+                      <a:r>
+                        <a:rPr lang="ru" sz="1400" u="none" strike="noStrike" cap="none">
+                          <a:latin typeface="Times New Roman"/>
+                          <a:ea typeface="Times New Roman"/>
+                          <a:cs typeface="Times New Roman"/>
+                          <a:sym typeface="Times New Roman"/>
+                        </a:rPr>
+                        <a:t>4.0</a:t>
+                      </a:r>
+                      <a:endParaRPr sz="1400" u="none" strike="noStrike" cap="none">
+                        <a:latin typeface="Times New Roman"/>
+                        <a:ea typeface="Times New Roman"/>
+                        <a:cs typeface="Times New Roman"/>
+                        <a:sym typeface="Times New Roman"/>
+                      </a:endParaRPr>
+                    </a:p>
+                  </a:txBody>
+                  <a:tcPr marL="91425" marR="91425" marT="91425" marB="91425"/>
+                </a:tc>
+                <a:tc>
+                  <a:txBody>
+                    <a:bodyPr/>
+                    <a:lstStyle/>
+                    <a:p>
+                      <a:pPr marL="0" marR="0" lvl="0" indent="0" algn="l" rtl="0">
+                        <a:lnSpc>
+                          <a:spcPct val="100000"/>
+                        </a:lnSpc>
+                        <a:spcBef>
+                          <a:spcPts val="0"/>
+                        </a:spcBef>
+                        <a:spcAft>
+                          <a:spcPts val="0"/>
+                        </a:spcAft>
+                        <a:buClr>
+                          <a:srgbClr val="000000"/>
+                        </a:buClr>
+                        <a:buSzPts val="1400"/>
+                        <a:buFont typeface="Arial"/>
+                        <a:buNone/>
+                      </a:pPr>
+                      <a:r>
+                        <a:rPr lang="ru" sz="1400" u="none" strike="noStrike" cap="none">
+                          <a:latin typeface="Times New Roman"/>
+                          <a:ea typeface="Times New Roman"/>
+                          <a:cs typeface="Times New Roman"/>
+                          <a:sym typeface="Times New Roman"/>
+                        </a:rPr>
+                        <a:t>4</a:t>
+                      </a:r>
+                      <a:endParaRPr sz="1400" u="none" strike="noStrike" cap="none">
+                        <a:latin typeface="Times New Roman"/>
+                        <a:ea typeface="Times New Roman"/>
+                        <a:cs typeface="Times New Roman"/>
+                        <a:sym typeface="Times New Roman"/>
+                      </a:endParaRPr>
+                    </a:p>
+                  </a:txBody>
+                  <a:tcPr marL="91425" marR="91425" marT="91425" marB="91425"/>
+                </a:tc>
+                <a:tc>
+                  <a:txBody>
+                    <a:bodyPr/>
+                    <a:lstStyle/>
+                    <a:p>
+                      <a:pPr marL="0" marR="0" lvl="0" indent="0" algn="l" rtl="0">
+                        <a:lnSpc>
+                          <a:spcPct val="100000"/>
+                        </a:lnSpc>
+                        <a:spcBef>
+                          <a:spcPts val="0"/>
+                        </a:spcBef>
+                        <a:spcAft>
+                          <a:spcPts val="0"/>
+                        </a:spcAft>
+                        <a:buClr>
+                          <a:srgbClr val="000000"/>
+                        </a:buClr>
+                        <a:buSzPts val="1400"/>
+                        <a:buFont typeface="Arial"/>
+                        <a:buNone/>
+                      </a:pPr>
+                      <a:r>
+                        <a:rPr lang="ru" sz="1400" u="none" strike="noStrike" cap="none">
+                          <a:latin typeface="Times New Roman"/>
+                          <a:ea typeface="Times New Roman"/>
+                          <a:cs typeface="Times New Roman"/>
+                          <a:sym typeface="Times New Roman"/>
+                        </a:rPr>
+                        <a:t>3</a:t>
+                      </a:r>
+                      <a:endParaRPr sz="1400" u="none" strike="noStrike" cap="none">
+                        <a:latin typeface="Times New Roman"/>
+                        <a:ea typeface="Times New Roman"/>
+                        <a:cs typeface="Times New Roman"/>
+                        <a:sym typeface="Times New Roman"/>
+                      </a:endParaRPr>
+                    </a:p>
+                  </a:txBody>
+                  <a:tcPr marL="91425" marR="91425" marT="91425" marB="91425"/>
+                </a:tc>
+                <a:tc>
+                  <a:txBody>
+                    <a:bodyPr/>
+                    <a:lstStyle/>
+                    <a:p>
+                      <a:pPr marL="0" marR="0" lvl="0" indent="0" algn="l" rtl="0">
+                        <a:lnSpc>
+                          <a:spcPct val="100000"/>
+                        </a:lnSpc>
+                        <a:spcBef>
+                          <a:spcPts val="0"/>
+                        </a:spcBef>
+                        <a:spcAft>
+                          <a:spcPts val="0"/>
+                        </a:spcAft>
+                        <a:buClr>
+                          <a:srgbClr val="000000"/>
+                        </a:buClr>
+                        <a:buSzPts val="1400"/>
+                        <a:buFont typeface="Arial"/>
+                        <a:buNone/>
+                      </a:pPr>
+                      <a:r>
+                        <a:rPr lang="ru" sz="1400" u="none" strike="noStrike" cap="none">
+                          <a:latin typeface="Times New Roman"/>
+                          <a:ea typeface="Times New Roman"/>
+                          <a:cs typeface="Times New Roman"/>
+                          <a:sym typeface="Times New Roman"/>
+                        </a:rPr>
+                        <a:t>3.0</a:t>
+                      </a:r>
+                      <a:endParaRPr sz="1400" u="none" strike="noStrike" cap="none">
+                        <a:latin typeface="Times New Roman"/>
+                        <a:ea typeface="Times New Roman"/>
+                        <a:cs typeface="Times New Roman"/>
+                        <a:sym typeface="Times New Roman"/>
+                      </a:endParaRPr>
+                    </a:p>
+                  </a:txBody>
+                  <a:tcPr marL="91425" marR="91425" marT="91425" marB="91425"/>
+                </a:tc>
+                <a:tc>
+                  <a:txBody>
+                    <a:bodyPr/>
+                    <a:lstStyle/>
+                    <a:p>
+                      <a:pPr marL="0" marR="0" lvl="0" indent="0" algn="l" rtl="0">
+                        <a:lnSpc>
+                          <a:spcPct val="100000"/>
+                        </a:lnSpc>
+                        <a:spcBef>
+                          <a:spcPts val="0"/>
+                        </a:spcBef>
+                        <a:spcAft>
+                          <a:spcPts val="0"/>
+                        </a:spcAft>
+                        <a:buClr>
+                          <a:srgbClr val="000000"/>
+                        </a:buClr>
+                        <a:buSzPts val="1400"/>
+                        <a:buFont typeface="Arial"/>
+                        <a:buNone/>
+                      </a:pPr>
+                      <a:r>
+                        <a:rPr lang="ru" sz="1400" u="none" strike="noStrike" cap="none">
+                          <a:latin typeface="Times New Roman"/>
+                          <a:ea typeface="Times New Roman"/>
+                          <a:cs typeface="Times New Roman"/>
+                          <a:sym typeface="Times New Roman"/>
+                        </a:rPr>
+                        <a:t>0.2816</a:t>
+                      </a:r>
+                      <a:endParaRPr sz="1400" u="none" strike="noStrike" cap="none">
+                        <a:latin typeface="Times New Roman"/>
+                        <a:ea typeface="Times New Roman"/>
+                        <a:cs typeface="Times New Roman"/>
+                        <a:sym typeface="Times New Roman"/>
+                      </a:endParaRPr>
+                    </a:p>
+                  </a:txBody>
+                  <a:tcPr marL="91425" marR="91425" marT="91425" marB="91425"/>
+                </a:tc>
+                <a:tc>
+                  <a:txBody>
+                    <a:bodyPr/>
+                    <a:lstStyle/>
+                    <a:p>
+                      <a:pPr marL="0" marR="0" lvl="0" indent="0" algn="l" rtl="0">
+                        <a:lnSpc>
+                          <a:spcPct val="100000"/>
+                        </a:lnSpc>
+                        <a:spcBef>
+                          <a:spcPts val="0"/>
+                        </a:spcBef>
+                        <a:spcAft>
+                          <a:spcPts val="0"/>
+                        </a:spcAft>
+                        <a:buClr>
+                          <a:srgbClr val="000000"/>
+                        </a:buClr>
+                        <a:buSzPts val="1400"/>
+                        <a:buFont typeface="Arial"/>
+                        <a:buNone/>
+                      </a:pPr>
+                      <a:r>
+                        <a:rPr lang="ru" sz="1400" u="none" strike="noStrike" cap="none">
+                          <a:latin typeface="Times New Roman"/>
+                          <a:ea typeface="Times New Roman"/>
+                          <a:cs typeface="Times New Roman"/>
+                          <a:sym typeface="Times New Roman"/>
+                        </a:rPr>
+                        <a:t>0.078</a:t>
+                      </a:r>
+                      <a:endParaRPr sz="1400" u="none" strike="noStrike" cap="none">
+                        <a:latin typeface="Times New Roman"/>
+                        <a:ea typeface="Times New Roman"/>
+                        <a:cs typeface="Times New Roman"/>
+                        <a:sym typeface="Times New Roman"/>
+                      </a:endParaRPr>
+                    </a:p>
+                  </a:txBody>
+                  <a:tcPr marL="91425" marR="91425" marT="91425" marB="91425"/>
+                </a:tc>
+                <a:extLst>
+                  <a:ext uri="{0D108BD9-81ED-4DB2-BD59-A6C34878D82A}">
+                    <a16:rowId xmlns:a16="http://schemas.microsoft.com/office/drawing/2014/main" val="10002"/>
+                  </a:ext>
+                </a:extLst>
+              </a:tr>
+              <a:tr h="919600">
+                <a:tc>
+                  <a:txBody>
+                    <a:bodyPr/>
+                    <a:lstStyle/>
+                    <a:p>
+                      <a:pPr marL="0" marR="0" lvl="0" indent="0" algn="l" rtl="0">
+                        <a:lnSpc>
+                          <a:spcPct val="100000"/>
+                        </a:lnSpc>
+                        <a:spcBef>
+                          <a:spcPts val="0"/>
+                        </a:spcBef>
+                        <a:spcAft>
+                          <a:spcPts val="0"/>
+                        </a:spcAft>
+                        <a:buClr>
+                          <a:srgbClr val="000000"/>
+                        </a:buClr>
+                        <a:buSzPts val="1400"/>
+                        <a:buFont typeface="Arial"/>
+                        <a:buNone/>
+                      </a:pPr>
+                      <a:r>
+                        <a:rPr lang="ru" sz="1400" u="none" strike="noStrike" cap="none" dirty="0">
+                          <a:latin typeface="Times New Roman"/>
+                          <a:ea typeface="Times New Roman"/>
+                          <a:cs typeface="Times New Roman"/>
+                          <a:sym typeface="Times New Roman"/>
+                        </a:rPr>
+                        <a:t>socfb-Reed98</a:t>
+                      </a:r>
+                      <a:endParaRPr sz="1400" u="none" strike="noStrike" cap="none" dirty="0">
+                        <a:latin typeface="Times New Roman"/>
+                        <a:ea typeface="Times New Roman"/>
+                        <a:cs typeface="Times New Roman"/>
+                        <a:sym typeface="Times New Roman"/>
+                      </a:endParaRPr>
+                    </a:p>
+                  </a:txBody>
+                  <a:tcPr marL="91425" marR="91425" marT="91425" marB="91425"/>
+                </a:tc>
+                <a:tc>
+                  <a:txBody>
+                    <a:bodyPr/>
+                    <a:lstStyle/>
+                    <a:p>
+                      <a:pPr marL="0" marR="0" lvl="0" indent="0" algn="l" rtl="0">
+                        <a:lnSpc>
+                          <a:spcPct val="100000"/>
+                        </a:lnSpc>
+                        <a:spcBef>
+                          <a:spcPts val="0"/>
+                        </a:spcBef>
+                        <a:spcAft>
+                          <a:spcPts val="0"/>
+                        </a:spcAft>
+                        <a:buClr>
+                          <a:srgbClr val="000000"/>
+                        </a:buClr>
+                        <a:buSzPts val="1400"/>
+                        <a:buFont typeface="Arial"/>
+                        <a:buNone/>
+                      </a:pPr>
+                      <a:r>
+                        <a:rPr lang="ru" sz="1400" u="none" strike="noStrike" cap="none">
+                          <a:latin typeface="Times New Roman"/>
+                          <a:ea typeface="Times New Roman"/>
+                          <a:cs typeface="Times New Roman"/>
+                          <a:sym typeface="Times New Roman"/>
+                        </a:rPr>
+                        <a:t>962</a:t>
+                      </a:r>
+                      <a:endParaRPr sz="1400" u="none" strike="noStrike" cap="none">
+                        <a:latin typeface="Times New Roman"/>
+                        <a:ea typeface="Times New Roman"/>
+                        <a:cs typeface="Times New Roman"/>
+                        <a:sym typeface="Times New Roman"/>
+                      </a:endParaRPr>
+                    </a:p>
+                  </a:txBody>
+                  <a:tcPr marL="91425" marR="91425" marT="91425" marB="91425"/>
+                </a:tc>
+                <a:tc>
+                  <a:txBody>
+                    <a:bodyPr/>
+                    <a:lstStyle/>
+                    <a:p>
+                      <a:pPr marL="0" marR="0" lvl="0" indent="0" algn="l" rtl="0">
+                        <a:lnSpc>
+                          <a:spcPct val="100000"/>
+                        </a:lnSpc>
+                        <a:spcBef>
+                          <a:spcPts val="0"/>
+                        </a:spcBef>
+                        <a:spcAft>
+                          <a:spcPts val="0"/>
+                        </a:spcAft>
+                        <a:buClr>
+                          <a:srgbClr val="000000"/>
+                        </a:buClr>
+                        <a:buSzPts val="1400"/>
+                        <a:buFont typeface="Arial"/>
+                        <a:buNone/>
+                      </a:pPr>
+                      <a:r>
+                        <a:rPr lang="ru" sz="1400" u="none" strike="noStrike" cap="none">
+                          <a:latin typeface="Times New Roman"/>
+                          <a:ea typeface="Times New Roman"/>
+                          <a:cs typeface="Times New Roman"/>
+                          <a:sym typeface="Times New Roman"/>
+                        </a:rPr>
+                        <a:t>18812</a:t>
+                      </a:r>
+                      <a:endParaRPr sz="1400" u="none" strike="noStrike" cap="none">
+                        <a:latin typeface="Times New Roman"/>
+                        <a:ea typeface="Times New Roman"/>
+                        <a:cs typeface="Times New Roman"/>
+                        <a:sym typeface="Times New Roman"/>
+                      </a:endParaRPr>
+                    </a:p>
+                  </a:txBody>
+                  <a:tcPr marL="91425" marR="91425" marT="91425" marB="91425"/>
+                </a:tc>
+                <a:tc>
+                  <a:txBody>
+                    <a:bodyPr/>
+                    <a:lstStyle/>
+                    <a:p>
+                      <a:pPr marL="0" marR="0" lvl="0" indent="0" algn="l" rtl="0">
+                        <a:lnSpc>
+                          <a:spcPct val="100000"/>
+                        </a:lnSpc>
+                        <a:spcBef>
+                          <a:spcPts val="0"/>
+                        </a:spcBef>
+                        <a:spcAft>
+                          <a:spcPts val="0"/>
+                        </a:spcAft>
+                        <a:buClr>
+                          <a:srgbClr val="000000"/>
+                        </a:buClr>
+                        <a:buSzPts val="1400"/>
+                        <a:buFont typeface="Arial"/>
+                        <a:buNone/>
+                      </a:pPr>
+                      <a:r>
+                        <a:rPr lang="ru" sz="1400" u="none" strike="noStrike" cap="none">
+                          <a:latin typeface="Times New Roman"/>
+                          <a:ea typeface="Times New Roman"/>
+                          <a:cs typeface="Times New Roman"/>
+                          <a:sym typeface="Times New Roman"/>
+                        </a:rPr>
+                        <a:t>6</a:t>
+                      </a:r>
+                      <a:endParaRPr sz="1400" u="none" strike="noStrike" cap="none">
+                        <a:latin typeface="Times New Roman"/>
+                        <a:ea typeface="Times New Roman"/>
+                        <a:cs typeface="Times New Roman"/>
+                        <a:sym typeface="Times New Roman"/>
+                      </a:endParaRPr>
+                    </a:p>
+                  </a:txBody>
+                  <a:tcPr marL="91425" marR="91425" marT="91425" marB="91425"/>
+                </a:tc>
+                <a:tc>
+                  <a:txBody>
+                    <a:bodyPr/>
+                    <a:lstStyle/>
+                    <a:p>
+                      <a:pPr marL="0" marR="0" lvl="0" indent="0" algn="l" rtl="0">
+                        <a:lnSpc>
+                          <a:spcPct val="100000"/>
+                        </a:lnSpc>
+                        <a:spcBef>
+                          <a:spcPts val="0"/>
+                        </a:spcBef>
+                        <a:spcAft>
+                          <a:spcPts val="0"/>
+                        </a:spcAft>
+                        <a:buClr>
+                          <a:srgbClr val="000000"/>
+                        </a:buClr>
+                        <a:buSzPts val="1400"/>
+                        <a:buFont typeface="Arial"/>
+                        <a:buNone/>
+                      </a:pPr>
+                      <a:r>
+                        <a:rPr lang="ru" sz="1400" u="none" strike="noStrike" cap="none">
+                          <a:latin typeface="Times New Roman"/>
+                          <a:ea typeface="Times New Roman"/>
+                          <a:cs typeface="Times New Roman"/>
+                          <a:sym typeface="Times New Roman"/>
+                        </a:rPr>
+                        <a:t>3</a:t>
+                      </a:r>
+                      <a:endParaRPr sz="1400" u="none" strike="noStrike" cap="none">
+                        <a:latin typeface="Times New Roman"/>
+                        <a:ea typeface="Times New Roman"/>
+                        <a:cs typeface="Times New Roman"/>
+                        <a:sym typeface="Times New Roman"/>
+                      </a:endParaRPr>
+                    </a:p>
+                  </a:txBody>
+                  <a:tcPr marL="91425" marR="91425" marT="91425" marB="91425"/>
+                </a:tc>
+                <a:tc>
+                  <a:txBody>
+                    <a:bodyPr/>
+                    <a:lstStyle/>
+                    <a:p>
+                      <a:pPr marL="0" marR="0" lvl="0" indent="0" algn="l" rtl="0">
+                        <a:lnSpc>
+                          <a:spcPct val="100000"/>
+                        </a:lnSpc>
+                        <a:spcBef>
+                          <a:spcPts val="0"/>
+                        </a:spcBef>
+                        <a:spcAft>
+                          <a:spcPts val="0"/>
+                        </a:spcAft>
+                        <a:buClr>
+                          <a:srgbClr val="000000"/>
+                        </a:buClr>
+                        <a:buSzPts val="1400"/>
+                        <a:buFont typeface="Arial"/>
+                        <a:buNone/>
+                      </a:pPr>
+                      <a:r>
+                        <a:rPr lang="ru" sz="1400" u="none" strike="noStrike" cap="none">
+                          <a:latin typeface="Times New Roman"/>
+                          <a:ea typeface="Times New Roman"/>
+                          <a:cs typeface="Times New Roman"/>
+                          <a:sym typeface="Times New Roman"/>
+                        </a:rPr>
+                        <a:t>3.0</a:t>
+                      </a:r>
+                      <a:endParaRPr sz="1400" u="none" strike="noStrike" cap="none">
+                        <a:latin typeface="Times New Roman"/>
+                        <a:ea typeface="Times New Roman"/>
+                        <a:cs typeface="Times New Roman"/>
+                        <a:sym typeface="Times New Roman"/>
+                      </a:endParaRPr>
+                    </a:p>
+                  </a:txBody>
+                  <a:tcPr marL="91425" marR="91425" marT="91425" marB="91425"/>
+                </a:tc>
+                <a:tc>
+                  <a:txBody>
+                    <a:bodyPr/>
+                    <a:lstStyle/>
+                    <a:p>
+                      <a:pPr marL="0" marR="0" lvl="0" indent="0" algn="l" rtl="0">
+                        <a:lnSpc>
+                          <a:spcPct val="100000"/>
+                        </a:lnSpc>
+                        <a:spcBef>
+                          <a:spcPts val="0"/>
+                        </a:spcBef>
+                        <a:spcAft>
+                          <a:spcPts val="0"/>
+                        </a:spcAft>
+                        <a:buClr>
+                          <a:srgbClr val="000000"/>
+                        </a:buClr>
+                        <a:buSzPts val="1400"/>
+                        <a:buFont typeface="Arial"/>
+                        <a:buNone/>
+                      </a:pPr>
+                      <a:r>
+                        <a:rPr lang="ru" sz="1400" u="none" strike="noStrike" cap="none">
+                          <a:latin typeface="Times New Roman"/>
+                          <a:ea typeface="Times New Roman"/>
+                          <a:cs typeface="Times New Roman"/>
+                          <a:sym typeface="Times New Roman"/>
+                        </a:rPr>
+                        <a:t>4</a:t>
+                      </a:r>
+                      <a:endParaRPr sz="1400" u="none" strike="noStrike" cap="none">
+                        <a:latin typeface="Times New Roman"/>
+                        <a:ea typeface="Times New Roman"/>
+                        <a:cs typeface="Times New Roman"/>
+                        <a:sym typeface="Times New Roman"/>
+                      </a:endParaRPr>
+                    </a:p>
+                  </a:txBody>
+                  <a:tcPr marL="91425" marR="91425" marT="91425" marB="91425"/>
+                </a:tc>
+                <a:tc>
+                  <a:txBody>
+                    <a:bodyPr/>
+                    <a:lstStyle/>
+                    <a:p>
+                      <a:pPr marL="0" marR="0" lvl="0" indent="0" algn="l" rtl="0">
+                        <a:lnSpc>
+                          <a:spcPct val="100000"/>
+                        </a:lnSpc>
+                        <a:spcBef>
+                          <a:spcPts val="0"/>
+                        </a:spcBef>
+                        <a:spcAft>
+                          <a:spcPts val="0"/>
+                        </a:spcAft>
+                        <a:buClr>
+                          <a:srgbClr val="000000"/>
+                        </a:buClr>
+                        <a:buSzPts val="1400"/>
+                        <a:buFont typeface="Arial"/>
+                        <a:buNone/>
+                      </a:pPr>
+                      <a:r>
+                        <a:rPr lang="ru" sz="1400" u="none" strike="noStrike" cap="none">
+                          <a:latin typeface="Times New Roman"/>
+                          <a:ea typeface="Times New Roman"/>
+                          <a:cs typeface="Times New Roman"/>
+                          <a:sym typeface="Times New Roman"/>
+                        </a:rPr>
+                        <a:t>2</a:t>
+                      </a:r>
+                      <a:endParaRPr sz="1400" u="none" strike="noStrike" cap="none">
+                        <a:latin typeface="Times New Roman"/>
+                        <a:ea typeface="Times New Roman"/>
+                        <a:cs typeface="Times New Roman"/>
+                        <a:sym typeface="Times New Roman"/>
+                      </a:endParaRPr>
+                    </a:p>
+                  </a:txBody>
+                  <a:tcPr marL="91425" marR="91425" marT="91425" marB="91425"/>
+                </a:tc>
+                <a:tc>
+                  <a:txBody>
+                    <a:bodyPr/>
+                    <a:lstStyle/>
+                    <a:p>
+                      <a:pPr marL="0" marR="0" lvl="0" indent="0" algn="l" rtl="0">
+                        <a:lnSpc>
+                          <a:spcPct val="100000"/>
+                        </a:lnSpc>
+                        <a:spcBef>
+                          <a:spcPts val="0"/>
+                        </a:spcBef>
+                        <a:spcAft>
+                          <a:spcPts val="0"/>
+                        </a:spcAft>
+                        <a:buClr>
+                          <a:srgbClr val="000000"/>
+                        </a:buClr>
+                        <a:buSzPts val="1400"/>
+                        <a:buFont typeface="Arial"/>
+                        <a:buNone/>
+                      </a:pPr>
+                      <a:r>
+                        <a:rPr lang="ru" sz="1400" u="none" strike="noStrike" cap="none">
+                          <a:latin typeface="Times New Roman"/>
+                          <a:ea typeface="Times New Roman"/>
+                          <a:cs typeface="Times New Roman"/>
+                          <a:sym typeface="Times New Roman"/>
+                        </a:rPr>
+                        <a:t>3.0</a:t>
+                      </a:r>
+                      <a:endParaRPr sz="1400" u="none" strike="noStrike" cap="none">
+                        <a:latin typeface="Times New Roman"/>
+                        <a:ea typeface="Times New Roman"/>
+                        <a:cs typeface="Times New Roman"/>
+                        <a:sym typeface="Times New Roman"/>
+                      </a:endParaRPr>
+                    </a:p>
+                  </a:txBody>
+                  <a:tcPr marL="91425" marR="91425" marT="91425" marB="91425"/>
+                </a:tc>
+                <a:tc>
+                  <a:txBody>
+                    <a:bodyPr/>
+                    <a:lstStyle/>
+                    <a:p>
+                      <a:pPr marL="0" marR="0" lvl="0" indent="0" algn="l" rtl="0">
+                        <a:lnSpc>
+                          <a:spcPct val="100000"/>
+                        </a:lnSpc>
+                        <a:spcBef>
+                          <a:spcPts val="0"/>
+                        </a:spcBef>
+                        <a:spcAft>
+                          <a:spcPts val="0"/>
+                        </a:spcAft>
+                        <a:buClr>
+                          <a:srgbClr val="000000"/>
+                        </a:buClr>
+                        <a:buSzPts val="1400"/>
+                        <a:buFont typeface="Arial"/>
+                        <a:buNone/>
+                      </a:pPr>
+                      <a:r>
+                        <a:rPr lang="ru" sz="1400" u="none" strike="noStrike" cap="none">
+                          <a:latin typeface="Times New Roman"/>
+                          <a:ea typeface="Times New Roman"/>
+                          <a:cs typeface="Times New Roman"/>
+                          <a:sym typeface="Times New Roman"/>
+                        </a:rPr>
+                        <a:t>0.3184</a:t>
+                      </a:r>
+                      <a:endParaRPr sz="1400" u="none" strike="noStrike" cap="none">
+                        <a:latin typeface="Times New Roman"/>
+                        <a:ea typeface="Times New Roman"/>
+                        <a:cs typeface="Times New Roman"/>
+                        <a:sym typeface="Times New Roman"/>
+                      </a:endParaRPr>
+                    </a:p>
+                  </a:txBody>
+                  <a:tcPr marL="91425" marR="91425" marT="91425" marB="91425"/>
+                </a:tc>
+                <a:tc>
+                  <a:txBody>
+                    <a:bodyPr/>
+                    <a:lstStyle/>
+                    <a:p>
+                      <a:pPr marL="0" marR="0" lvl="0" indent="0" algn="l" rtl="0">
+                        <a:lnSpc>
+                          <a:spcPct val="100000"/>
+                        </a:lnSpc>
+                        <a:spcBef>
+                          <a:spcPts val="0"/>
+                        </a:spcBef>
+                        <a:spcAft>
+                          <a:spcPts val="0"/>
+                        </a:spcAft>
+                        <a:buClr>
+                          <a:srgbClr val="000000"/>
+                        </a:buClr>
+                        <a:buSzPts val="1400"/>
+                        <a:buFont typeface="Arial"/>
+                        <a:buNone/>
+                      </a:pPr>
+                      <a:r>
+                        <a:rPr lang="ru" sz="1400" u="none" strike="noStrike" cap="none">
+                          <a:latin typeface="Times New Roman"/>
+                          <a:ea typeface="Times New Roman"/>
+                          <a:cs typeface="Times New Roman"/>
+                          <a:sym typeface="Times New Roman"/>
+                        </a:rPr>
+                        <a:t>0.0234</a:t>
+                      </a:r>
+                      <a:endParaRPr sz="1400" u="none" strike="noStrike" cap="none">
+                        <a:latin typeface="Times New Roman"/>
+                        <a:ea typeface="Times New Roman"/>
+                        <a:cs typeface="Times New Roman"/>
+                        <a:sym typeface="Times New Roman"/>
+                      </a:endParaRPr>
+                    </a:p>
+                  </a:txBody>
+                  <a:tcPr marL="91425" marR="91425" marT="91425" marB="91425"/>
+                </a:tc>
+                <a:extLst>
+                  <a:ext uri="{0D108BD9-81ED-4DB2-BD59-A6C34878D82A}">
+                    <a16:rowId xmlns:a16="http://schemas.microsoft.com/office/drawing/2014/main" val="10003"/>
+                  </a:ext>
+                </a:extLst>
+              </a:tr>
+              <a:tr h="919600">
+                <a:tc>
+                  <a:txBody>
+                    <a:bodyPr/>
+                    <a:lstStyle/>
+                    <a:p>
+                      <a:pPr marL="0" marR="0" lvl="0" indent="0" algn="l" rtl="0">
+                        <a:lnSpc>
+                          <a:spcPct val="100000"/>
+                        </a:lnSpc>
+                        <a:spcBef>
+                          <a:spcPts val="0"/>
+                        </a:spcBef>
+                        <a:spcAft>
+                          <a:spcPts val="0"/>
+                        </a:spcAft>
+                        <a:buClr>
+                          <a:srgbClr val="000000"/>
+                        </a:buClr>
+                        <a:buSzPts val="1400"/>
+                        <a:buFont typeface="Arial"/>
+                        <a:buNone/>
+                      </a:pPr>
+                      <a:r>
+                        <a:rPr lang="ru" sz="1400" u="none" strike="noStrike" cap="none" dirty="0">
+                          <a:latin typeface="Times New Roman"/>
+                          <a:ea typeface="Times New Roman"/>
+                          <a:cs typeface="Times New Roman"/>
+                          <a:sym typeface="Times New Roman"/>
+                        </a:rPr>
+                        <a:t>testgraph_1</a:t>
+                      </a:r>
+                      <a:endParaRPr sz="1400" u="none" strike="noStrike" cap="none" dirty="0">
+                        <a:latin typeface="Times New Roman"/>
+                        <a:ea typeface="Times New Roman"/>
+                        <a:cs typeface="Times New Roman"/>
+                        <a:sym typeface="Times New Roman"/>
+                      </a:endParaRPr>
+                    </a:p>
+                  </a:txBody>
+                  <a:tcPr marL="91425" marR="91425" marT="91425" marB="91425"/>
+                </a:tc>
+                <a:tc>
+                  <a:txBody>
+                    <a:bodyPr/>
+                    <a:lstStyle/>
+                    <a:p>
+                      <a:pPr marL="0" marR="0" lvl="0" indent="0" algn="l" rtl="0">
+                        <a:lnSpc>
+                          <a:spcPct val="100000"/>
+                        </a:lnSpc>
+                        <a:spcBef>
+                          <a:spcPts val="0"/>
+                        </a:spcBef>
+                        <a:spcAft>
+                          <a:spcPts val="0"/>
+                        </a:spcAft>
+                        <a:buClr>
+                          <a:srgbClr val="000000"/>
+                        </a:buClr>
+                        <a:buSzPts val="1400"/>
+                        <a:buFont typeface="Arial"/>
+                        <a:buNone/>
+                      </a:pPr>
+                      <a:r>
+                        <a:rPr lang="ru" sz="1400" u="none" strike="noStrike" cap="none">
+                          <a:latin typeface="Times New Roman"/>
+                          <a:ea typeface="Times New Roman"/>
+                          <a:cs typeface="Times New Roman"/>
+                          <a:sym typeface="Times New Roman"/>
+                        </a:rPr>
+                        <a:t>9</a:t>
+                      </a:r>
+                      <a:endParaRPr sz="1400" u="none" strike="noStrike" cap="none">
+                        <a:latin typeface="Times New Roman"/>
+                        <a:ea typeface="Times New Roman"/>
+                        <a:cs typeface="Times New Roman"/>
+                        <a:sym typeface="Times New Roman"/>
+                      </a:endParaRPr>
+                    </a:p>
+                  </a:txBody>
+                  <a:tcPr marL="91425" marR="91425" marT="91425" marB="91425"/>
+                </a:tc>
+                <a:tc>
+                  <a:txBody>
+                    <a:bodyPr/>
+                    <a:lstStyle/>
+                    <a:p>
+                      <a:pPr marL="0" marR="0" lvl="0" indent="0" algn="l" rtl="0">
+                        <a:lnSpc>
+                          <a:spcPct val="100000"/>
+                        </a:lnSpc>
+                        <a:spcBef>
+                          <a:spcPts val="0"/>
+                        </a:spcBef>
+                        <a:spcAft>
+                          <a:spcPts val="0"/>
+                        </a:spcAft>
+                        <a:buClr>
+                          <a:srgbClr val="000000"/>
+                        </a:buClr>
+                        <a:buSzPts val="1400"/>
+                        <a:buFont typeface="Arial"/>
+                        <a:buNone/>
+                      </a:pPr>
+                      <a:r>
+                        <a:rPr lang="ru" sz="1400" u="none" strike="noStrike" cap="none" dirty="0">
+                          <a:latin typeface="Times New Roman"/>
+                          <a:ea typeface="Times New Roman"/>
+                          <a:cs typeface="Times New Roman"/>
+                          <a:sym typeface="Times New Roman"/>
+                        </a:rPr>
+                        <a:t>1</a:t>
+                      </a:r>
+                      <a:r>
+                        <a:rPr lang="en-US" sz="1400" u="none" strike="noStrike" cap="none" dirty="0">
+                          <a:latin typeface="Times New Roman"/>
+                          <a:ea typeface="Times New Roman"/>
+                          <a:cs typeface="Times New Roman"/>
+                          <a:sym typeface="Times New Roman"/>
+                        </a:rPr>
+                        <a:t>3</a:t>
+                      </a:r>
+                      <a:endParaRPr sz="1400" u="none" strike="noStrike" cap="none" dirty="0">
+                        <a:latin typeface="Times New Roman"/>
+                        <a:ea typeface="Times New Roman"/>
+                        <a:cs typeface="Times New Roman"/>
+                        <a:sym typeface="Times New Roman"/>
+                      </a:endParaRPr>
+                    </a:p>
+                  </a:txBody>
+                  <a:tcPr marL="91425" marR="91425" marT="91425" marB="91425"/>
+                </a:tc>
+                <a:tc>
+                  <a:txBody>
+                    <a:bodyPr/>
+                    <a:lstStyle/>
+                    <a:p>
+                      <a:pPr marL="0" marR="0" lvl="0" indent="0" algn="l" rtl="0">
+                        <a:lnSpc>
+                          <a:spcPct val="100000"/>
+                        </a:lnSpc>
+                        <a:spcBef>
+                          <a:spcPts val="0"/>
+                        </a:spcBef>
+                        <a:spcAft>
+                          <a:spcPts val="0"/>
+                        </a:spcAft>
+                        <a:buClr>
+                          <a:srgbClr val="000000"/>
+                        </a:buClr>
+                        <a:buSzPts val="1400"/>
+                        <a:buFont typeface="Arial"/>
+                        <a:buNone/>
+                      </a:pPr>
+                      <a:r>
+                        <a:rPr lang="ru" sz="1400" u="none" strike="noStrike" cap="none">
+                          <a:latin typeface="Times New Roman"/>
+                          <a:ea typeface="Times New Roman"/>
+                          <a:cs typeface="Times New Roman"/>
+                          <a:sym typeface="Times New Roman"/>
+                        </a:rPr>
+                        <a:t>3</a:t>
+                      </a:r>
+                      <a:endParaRPr sz="1400" u="none" strike="noStrike" cap="none">
+                        <a:latin typeface="Times New Roman"/>
+                        <a:ea typeface="Times New Roman"/>
+                        <a:cs typeface="Times New Roman"/>
+                        <a:sym typeface="Times New Roman"/>
+                      </a:endParaRPr>
+                    </a:p>
+                  </a:txBody>
+                  <a:tcPr marL="91425" marR="91425" marT="91425" marB="91425"/>
+                </a:tc>
+                <a:tc>
+                  <a:txBody>
+                    <a:bodyPr/>
+                    <a:lstStyle/>
+                    <a:p>
+                      <a:pPr marL="0" marR="0" lvl="0" indent="0" algn="l" rtl="0">
+                        <a:lnSpc>
+                          <a:spcPct val="100000"/>
+                        </a:lnSpc>
+                        <a:spcBef>
+                          <a:spcPts val="0"/>
+                        </a:spcBef>
+                        <a:spcAft>
+                          <a:spcPts val="0"/>
+                        </a:spcAft>
+                        <a:buClr>
+                          <a:srgbClr val="000000"/>
+                        </a:buClr>
+                        <a:buSzPts val="1400"/>
+                        <a:buFont typeface="Arial"/>
+                        <a:buNone/>
+                      </a:pPr>
+                      <a:r>
+                        <a:rPr lang="ru" sz="1400" u="none" strike="noStrike" cap="none">
+                          <a:latin typeface="Times New Roman"/>
+                          <a:ea typeface="Times New Roman"/>
+                          <a:cs typeface="Times New Roman"/>
+                          <a:sym typeface="Times New Roman"/>
+                        </a:rPr>
+                        <a:t>2</a:t>
+                      </a:r>
+                      <a:endParaRPr sz="1400" u="none" strike="noStrike" cap="none">
+                        <a:latin typeface="Times New Roman"/>
+                        <a:ea typeface="Times New Roman"/>
+                        <a:cs typeface="Times New Roman"/>
+                        <a:sym typeface="Times New Roman"/>
+                      </a:endParaRPr>
+                    </a:p>
+                  </a:txBody>
+                  <a:tcPr marL="91425" marR="91425" marT="91425" marB="91425"/>
+                </a:tc>
+                <a:tc>
+                  <a:txBody>
+                    <a:bodyPr/>
+                    <a:lstStyle/>
+                    <a:p>
+                      <a:pPr marL="0" marR="0" lvl="0" indent="0" algn="l" rtl="0">
+                        <a:lnSpc>
+                          <a:spcPct val="100000"/>
+                        </a:lnSpc>
+                        <a:spcBef>
+                          <a:spcPts val="0"/>
+                        </a:spcBef>
+                        <a:spcAft>
+                          <a:spcPts val="0"/>
+                        </a:spcAft>
+                        <a:buClr>
+                          <a:srgbClr val="000000"/>
+                        </a:buClr>
+                        <a:buSzPts val="1400"/>
+                        <a:buFont typeface="Arial"/>
+                        <a:buNone/>
+                      </a:pPr>
+                      <a:r>
+                        <a:rPr lang="ru" sz="1400" u="none" strike="noStrike" cap="none">
+                          <a:latin typeface="Times New Roman"/>
+                          <a:ea typeface="Times New Roman"/>
+                          <a:cs typeface="Times New Roman"/>
+                          <a:sym typeface="Times New Roman"/>
+                        </a:rPr>
+                        <a:t>3.0</a:t>
+                      </a:r>
+                      <a:endParaRPr sz="1400" u="none" strike="noStrike" cap="none">
+                        <a:latin typeface="Times New Roman"/>
+                        <a:ea typeface="Times New Roman"/>
+                        <a:cs typeface="Times New Roman"/>
+                        <a:sym typeface="Times New Roman"/>
+                      </a:endParaRPr>
+                    </a:p>
+                  </a:txBody>
+                  <a:tcPr marL="91425" marR="91425" marT="91425" marB="91425"/>
+                </a:tc>
+                <a:tc>
+                  <a:txBody>
+                    <a:bodyPr/>
+                    <a:lstStyle/>
+                    <a:p>
+                      <a:pPr marL="0" marR="0" lvl="0" indent="0" algn="l" rtl="0">
+                        <a:lnSpc>
+                          <a:spcPct val="100000"/>
+                        </a:lnSpc>
+                        <a:spcBef>
+                          <a:spcPts val="0"/>
+                        </a:spcBef>
+                        <a:spcAft>
+                          <a:spcPts val="0"/>
+                        </a:spcAft>
+                        <a:buClr>
+                          <a:srgbClr val="000000"/>
+                        </a:buClr>
+                        <a:buSzPts val="1400"/>
+                        <a:buFont typeface="Arial"/>
+                        <a:buNone/>
+                      </a:pPr>
+                      <a:r>
+                        <a:rPr lang="ru" sz="1400" u="none" strike="noStrike" cap="none">
+                          <a:latin typeface="Times New Roman"/>
+                          <a:ea typeface="Times New Roman"/>
+                          <a:cs typeface="Times New Roman"/>
+                          <a:sym typeface="Times New Roman"/>
+                        </a:rPr>
+                        <a:t>-</a:t>
+                      </a:r>
+                      <a:endParaRPr sz="1400" u="none" strike="noStrike" cap="none">
+                        <a:latin typeface="Times New Roman"/>
+                        <a:ea typeface="Times New Roman"/>
+                        <a:cs typeface="Times New Roman"/>
+                        <a:sym typeface="Times New Roman"/>
+                      </a:endParaRPr>
+                    </a:p>
+                  </a:txBody>
+                  <a:tcPr marL="91425" marR="91425" marT="91425" marB="91425"/>
+                </a:tc>
+                <a:tc>
+                  <a:txBody>
+                    <a:bodyPr/>
+                    <a:lstStyle/>
+                    <a:p>
+                      <a:pPr marL="0" marR="0" lvl="0" indent="0" algn="l" rtl="0">
+                        <a:lnSpc>
+                          <a:spcPct val="100000"/>
+                        </a:lnSpc>
+                        <a:spcBef>
+                          <a:spcPts val="0"/>
+                        </a:spcBef>
+                        <a:spcAft>
+                          <a:spcPts val="0"/>
+                        </a:spcAft>
+                        <a:buClr>
+                          <a:srgbClr val="000000"/>
+                        </a:buClr>
+                        <a:buSzPts val="1400"/>
+                        <a:buFont typeface="Arial"/>
+                        <a:buNone/>
+                      </a:pPr>
+                      <a:r>
+                        <a:rPr lang="ru" sz="1400" u="none" strike="noStrike" cap="none">
+                          <a:latin typeface="Times New Roman"/>
+                          <a:ea typeface="Times New Roman"/>
+                          <a:cs typeface="Times New Roman"/>
+                          <a:sym typeface="Times New Roman"/>
+                        </a:rPr>
+                        <a:t>-</a:t>
+                      </a:r>
+                      <a:endParaRPr sz="1400" u="none" strike="noStrike" cap="none">
+                        <a:latin typeface="Times New Roman"/>
+                        <a:ea typeface="Times New Roman"/>
+                        <a:cs typeface="Times New Roman"/>
+                        <a:sym typeface="Times New Roman"/>
+                      </a:endParaRPr>
+                    </a:p>
+                  </a:txBody>
+                  <a:tcPr marL="91425" marR="91425" marT="91425" marB="91425"/>
+                </a:tc>
+                <a:tc>
+                  <a:txBody>
+                    <a:bodyPr/>
+                    <a:lstStyle/>
+                    <a:p>
+                      <a:pPr marL="0" marR="0" lvl="0" indent="0" algn="l" rtl="0">
+                        <a:lnSpc>
+                          <a:spcPct val="100000"/>
+                        </a:lnSpc>
+                        <a:spcBef>
+                          <a:spcPts val="0"/>
+                        </a:spcBef>
+                        <a:spcAft>
+                          <a:spcPts val="0"/>
+                        </a:spcAft>
+                        <a:buClr>
+                          <a:srgbClr val="000000"/>
+                        </a:buClr>
+                        <a:buSzPts val="1400"/>
+                        <a:buFont typeface="Arial"/>
+                        <a:buNone/>
+                      </a:pPr>
+                      <a:r>
+                        <a:rPr lang="ru" sz="1400" u="none" strike="noStrike" cap="none">
+                          <a:latin typeface="Times New Roman"/>
+                          <a:ea typeface="Times New Roman"/>
+                          <a:cs typeface="Times New Roman"/>
+                          <a:sym typeface="Times New Roman"/>
+                        </a:rPr>
+                        <a:t>-</a:t>
+                      </a:r>
+                      <a:endParaRPr sz="1400" u="none" strike="noStrike" cap="none">
+                        <a:latin typeface="Times New Roman"/>
+                        <a:ea typeface="Times New Roman"/>
+                        <a:cs typeface="Times New Roman"/>
+                        <a:sym typeface="Times New Roman"/>
+                      </a:endParaRPr>
+                    </a:p>
+                  </a:txBody>
+                  <a:tcPr marL="91425" marR="91425" marT="91425" marB="91425"/>
+                </a:tc>
+                <a:tc>
+                  <a:txBody>
+                    <a:bodyPr/>
+                    <a:lstStyle/>
+                    <a:p>
+                      <a:pPr marL="0" marR="0" lvl="0" indent="0" algn="l" rtl="0">
+                        <a:lnSpc>
+                          <a:spcPct val="100000"/>
+                        </a:lnSpc>
+                        <a:spcBef>
+                          <a:spcPts val="0"/>
+                        </a:spcBef>
+                        <a:spcAft>
+                          <a:spcPts val="0"/>
+                        </a:spcAft>
+                        <a:buClr>
+                          <a:srgbClr val="000000"/>
+                        </a:buClr>
+                        <a:buSzPts val="1400"/>
+                        <a:buFont typeface="Arial"/>
+                        <a:buNone/>
+                      </a:pPr>
+                      <a:r>
+                        <a:rPr lang="ru" sz="1400" u="none" strike="noStrike" cap="none">
+                          <a:latin typeface="Times New Roman"/>
+                          <a:ea typeface="Times New Roman"/>
+                          <a:cs typeface="Times New Roman"/>
+                          <a:sym typeface="Times New Roman"/>
+                        </a:rPr>
+                        <a:t>0.3999</a:t>
+                      </a:r>
+                      <a:endParaRPr sz="1400" u="none" strike="noStrike" cap="none">
+                        <a:latin typeface="Times New Roman"/>
+                        <a:ea typeface="Times New Roman"/>
+                        <a:cs typeface="Times New Roman"/>
+                        <a:sym typeface="Times New Roman"/>
+                      </a:endParaRPr>
+                    </a:p>
+                  </a:txBody>
+                  <a:tcPr marL="91425" marR="91425" marT="91425" marB="91425"/>
+                </a:tc>
+                <a:tc>
+                  <a:txBody>
+                    <a:bodyPr/>
+                    <a:lstStyle/>
+                    <a:p>
+                      <a:pPr marL="0" marR="0" lvl="0" indent="0" algn="l" rtl="0">
+                        <a:lnSpc>
+                          <a:spcPct val="100000"/>
+                        </a:lnSpc>
+                        <a:spcBef>
+                          <a:spcPts val="0"/>
+                        </a:spcBef>
+                        <a:spcAft>
+                          <a:spcPts val="0"/>
+                        </a:spcAft>
+                        <a:buClr>
+                          <a:srgbClr val="000000"/>
+                        </a:buClr>
+                        <a:buSzPts val="1400"/>
+                        <a:buFont typeface="Arial"/>
+                        <a:buNone/>
+                      </a:pPr>
+                      <a:r>
+                        <a:rPr lang="ru" sz="1400" u="none" strike="noStrike" cap="none">
+                          <a:latin typeface="Times New Roman"/>
+                          <a:ea typeface="Times New Roman"/>
+                          <a:cs typeface="Times New Roman"/>
+                          <a:sym typeface="Times New Roman"/>
+                        </a:rPr>
+                        <a:t>-0.2037</a:t>
+                      </a:r>
+                      <a:endParaRPr sz="1400" u="none" strike="noStrike" cap="none">
+                        <a:latin typeface="Times New Roman"/>
+                        <a:ea typeface="Times New Roman"/>
+                        <a:cs typeface="Times New Roman"/>
+                        <a:sym typeface="Times New Roman"/>
+                      </a:endParaRPr>
+                    </a:p>
+                  </a:txBody>
+                  <a:tcPr marL="91425" marR="91425" marT="91425" marB="91425"/>
+                </a:tc>
+                <a:extLst>
+                  <a:ext uri="{0D108BD9-81ED-4DB2-BD59-A6C34878D82A}">
+                    <a16:rowId xmlns:a16="http://schemas.microsoft.com/office/drawing/2014/main" val="10004"/>
+                  </a:ext>
+                </a:extLst>
+              </a:tr>
+              <a:tr h="681150">
+                <a:tc>
+                  <a:txBody>
+                    <a:bodyPr/>
+                    <a:lstStyle/>
+                    <a:p>
+                      <a:pPr marL="0" marR="0" lvl="0" indent="0" algn="l" rtl="0">
+                        <a:lnSpc>
+                          <a:spcPct val="100000"/>
+                        </a:lnSpc>
+                        <a:spcBef>
+                          <a:spcPts val="0"/>
+                        </a:spcBef>
+                        <a:spcAft>
+                          <a:spcPts val="0"/>
+                        </a:spcAft>
+                        <a:buClr>
+                          <a:srgbClr val="000000"/>
+                        </a:buClr>
+                        <a:buSzPts val="1400"/>
+                        <a:buFont typeface="Arial"/>
+                        <a:buNone/>
+                      </a:pPr>
+                      <a:r>
+                        <a:rPr lang="ru" sz="1400" u="none" strike="noStrike" cap="none" dirty="0">
+                          <a:latin typeface="Times New Roman"/>
+                          <a:ea typeface="Times New Roman"/>
+                          <a:cs typeface="Times New Roman"/>
+                          <a:sym typeface="Times New Roman"/>
+                        </a:rPr>
+                        <a:t>testgraph_2</a:t>
+                      </a:r>
+                      <a:endParaRPr sz="1400" u="none" strike="noStrike" cap="none" dirty="0">
+                        <a:latin typeface="Times New Roman"/>
+                        <a:ea typeface="Times New Roman"/>
+                        <a:cs typeface="Times New Roman"/>
+                        <a:sym typeface="Times New Roman"/>
+                      </a:endParaRPr>
+                    </a:p>
+                  </a:txBody>
+                  <a:tcPr marL="91425" marR="91425" marT="91425" marB="91425"/>
+                </a:tc>
+                <a:tc>
+                  <a:txBody>
+                    <a:bodyPr/>
+                    <a:lstStyle/>
+                    <a:p>
+                      <a:pPr marL="0" marR="0" lvl="0" indent="0" algn="l" rtl="0">
+                        <a:lnSpc>
+                          <a:spcPct val="100000"/>
+                        </a:lnSpc>
+                        <a:spcBef>
+                          <a:spcPts val="0"/>
+                        </a:spcBef>
+                        <a:spcAft>
+                          <a:spcPts val="0"/>
+                        </a:spcAft>
+                        <a:buClr>
+                          <a:srgbClr val="000000"/>
+                        </a:buClr>
+                        <a:buSzPts val="1400"/>
+                        <a:buFont typeface="Arial"/>
+                        <a:buNone/>
+                      </a:pPr>
+                      <a:r>
+                        <a:rPr lang="ru" sz="1400" u="none" strike="noStrike" cap="none">
+                          <a:latin typeface="Times New Roman"/>
+                          <a:ea typeface="Times New Roman"/>
+                          <a:cs typeface="Times New Roman"/>
+                          <a:sym typeface="Times New Roman"/>
+                        </a:rPr>
+                        <a:t>34</a:t>
+                      </a:r>
+                      <a:endParaRPr sz="1400" u="none" strike="noStrike" cap="none">
+                        <a:latin typeface="Times New Roman"/>
+                        <a:ea typeface="Times New Roman"/>
+                        <a:cs typeface="Times New Roman"/>
+                        <a:sym typeface="Times New Roman"/>
+                      </a:endParaRPr>
+                    </a:p>
+                  </a:txBody>
+                  <a:tcPr marL="91425" marR="91425" marT="91425" marB="91425"/>
+                </a:tc>
+                <a:tc>
+                  <a:txBody>
+                    <a:bodyPr/>
+                    <a:lstStyle/>
+                    <a:p>
+                      <a:pPr marL="0" marR="0" lvl="0" indent="0" algn="l" rtl="0">
+                        <a:lnSpc>
+                          <a:spcPct val="100000"/>
+                        </a:lnSpc>
+                        <a:spcBef>
+                          <a:spcPts val="0"/>
+                        </a:spcBef>
+                        <a:spcAft>
+                          <a:spcPts val="0"/>
+                        </a:spcAft>
+                        <a:buClr>
+                          <a:srgbClr val="000000"/>
+                        </a:buClr>
+                        <a:buSzPts val="1400"/>
+                        <a:buFont typeface="Arial"/>
+                        <a:buNone/>
+                      </a:pPr>
+                      <a:r>
+                        <a:rPr lang="ru" sz="1400" u="none" strike="noStrike" cap="none">
+                          <a:latin typeface="Times New Roman"/>
+                          <a:ea typeface="Times New Roman"/>
+                          <a:cs typeface="Times New Roman"/>
+                          <a:sym typeface="Times New Roman"/>
+                        </a:rPr>
+                        <a:t>78</a:t>
+                      </a:r>
+                      <a:endParaRPr sz="1400" u="none" strike="noStrike" cap="none">
+                        <a:latin typeface="Times New Roman"/>
+                        <a:ea typeface="Times New Roman"/>
+                        <a:cs typeface="Times New Roman"/>
+                        <a:sym typeface="Times New Roman"/>
+                      </a:endParaRPr>
+                    </a:p>
+                  </a:txBody>
+                  <a:tcPr marL="91425" marR="91425" marT="91425" marB="91425"/>
+                </a:tc>
+                <a:tc>
+                  <a:txBody>
+                    <a:bodyPr/>
+                    <a:lstStyle/>
+                    <a:p>
+                      <a:pPr marL="0" marR="0" lvl="0" indent="0" algn="l" rtl="0">
+                        <a:lnSpc>
+                          <a:spcPct val="100000"/>
+                        </a:lnSpc>
+                        <a:spcBef>
+                          <a:spcPts val="0"/>
+                        </a:spcBef>
+                        <a:spcAft>
+                          <a:spcPts val="0"/>
+                        </a:spcAft>
+                        <a:buClr>
+                          <a:srgbClr val="000000"/>
+                        </a:buClr>
+                        <a:buSzPts val="1400"/>
+                        <a:buFont typeface="Arial"/>
+                        <a:buNone/>
+                      </a:pPr>
+                      <a:r>
+                        <a:rPr lang="ru" sz="1400" u="none" strike="noStrike" cap="none">
+                          <a:latin typeface="Times New Roman"/>
+                          <a:ea typeface="Times New Roman"/>
+                          <a:cs typeface="Times New Roman"/>
+                          <a:sym typeface="Times New Roman"/>
+                        </a:rPr>
+                        <a:t>5</a:t>
+                      </a:r>
+                      <a:endParaRPr sz="1400" u="none" strike="noStrike" cap="none">
+                        <a:latin typeface="Times New Roman"/>
+                        <a:ea typeface="Times New Roman"/>
+                        <a:cs typeface="Times New Roman"/>
+                        <a:sym typeface="Times New Roman"/>
+                      </a:endParaRPr>
+                    </a:p>
+                  </a:txBody>
+                  <a:tcPr marL="91425" marR="91425" marT="91425" marB="91425"/>
+                </a:tc>
+                <a:tc>
+                  <a:txBody>
+                    <a:bodyPr/>
+                    <a:lstStyle/>
+                    <a:p>
+                      <a:pPr marL="0" marR="0" lvl="0" indent="0" algn="l" rtl="0">
+                        <a:lnSpc>
+                          <a:spcPct val="100000"/>
+                        </a:lnSpc>
+                        <a:spcBef>
+                          <a:spcPts val="0"/>
+                        </a:spcBef>
+                        <a:spcAft>
+                          <a:spcPts val="0"/>
+                        </a:spcAft>
+                        <a:buClr>
+                          <a:srgbClr val="000000"/>
+                        </a:buClr>
+                        <a:buSzPts val="1400"/>
+                        <a:buFont typeface="Arial"/>
+                        <a:buNone/>
+                      </a:pPr>
+                      <a:r>
+                        <a:rPr lang="ru" sz="1400" u="none" strike="noStrike" cap="none">
+                          <a:latin typeface="Times New Roman"/>
+                          <a:ea typeface="Times New Roman"/>
+                          <a:cs typeface="Times New Roman"/>
+                          <a:sym typeface="Times New Roman"/>
+                        </a:rPr>
+                        <a:t>3</a:t>
+                      </a:r>
+                      <a:endParaRPr sz="1400" u="none" strike="noStrike" cap="none">
+                        <a:latin typeface="Times New Roman"/>
+                        <a:ea typeface="Times New Roman"/>
+                        <a:cs typeface="Times New Roman"/>
+                        <a:sym typeface="Times New Roman"/>
+                      </a:endParaRPr>
+                    </a:p>
+                  </a:txBody>
+                  <a:tcPr marL="91425" marR="91425" marT="91425" marB="91425"/>
+                </a:tc>
+                <a:tc>
+                  <a:txBody>
+                    <a:bodyPr/>
+                    <a:lstStyle/>
+                    <a:p>
+                      <a:pPr marL="0" marR="0" lvl="0" indent="0" algn="l" rtl="0">
+                        <a:lnSpc>
+                          <a:spcPct val="100000"/>
+                        </a:lnSpc>
+                        <a:spcBef>
+                          <a:spcPts val="0"/>
+                        </a:spcBef>
+                        <a:spcAft>
+                          <a:spcPts val="0"/>
+                        </a:spcAft>
+                        <a:buClr>
+                          <a:srgbClr val="000000"/>
+                        </a:buClr>
+                        <a:buSzPts val="1400"/>
+                        <a:buFont typeface="Arial"/>
+                        <a:buNone/>
+                      </a:pPr>
+                      <a:r>
+                        <a:rPr lang="ru" sz="1400" u="none" strike="noStrike" cap="none">
+                          <a:latin typeface="Times New Roman"/>
+                          <a:ea typeface="Times New Roman"/>
+                          <a:cs typeface="Times New Roman"/>
+                          <a:sym typeface="Times New Roman"/>
+                        </a:rPr>
+                        <a:t>4.0</a:t>
+                      </a:r>
+                      <a:endParaRPr sz="1400" u="none" strike="noStrike" cap="none">
+                        <a:latin typeface="Times New Roman"/>
+                        <a:ea typeface="Times New Roman"/>
+                        <a:cs typeface="Times New Roman"/>
+                        <a:sym typeface="Times New Roman"/>
+                      </a:endParaRPr>
+                    </a:p>
+                  </a:txBody>
+                  <a:tcPr marL="91425" marR="91425" marT="91425" marB="91425"/>
+                </a:tc>
+                <a:tc>
+                  <a:txBody>
+                    <a:bodyPr/>
+                    <a:lstStyle/>
+                    <a:p>
+                      <a:pPr marL="0" marR="0" lvl="0" indent="0" algn="l" rtl="0">
+                        <a:lnSpc>
+                          <a:spcPct val="100000"/>
+                        </a:lnSpc>
+                        <a:spcBef>
+                          <a:spcPts val="0"/>
+                        </a:spcBef>
+                        <a:spcAft>
+                          <a:spcPts val="0"/>
+                        </a:spcAft>
+                        <a:buClr>
+                          <a:srgbClr val="000000"/>
+                        </a:buClr>
+                        <a:buSzPts val="1400"/>
+                        <a:buFont typeface="Arial"/>
+                        <a:buNone/>
+                      </a:pPr>
+                      <a:r>
+                        <a:rPr lang="ru" sz="1400" u="none" strike="noStrike" cap="none">
+                          <a:latin typeface="Times New Roman"/>
+                          <a:ea typeface="Times New Roman"/>
+                          <a:cs typeface="Times New Roman"/>
+                          <a:sym typeface="Times New Roman"/>
+                        </a:rPr>
+                        <a:t>-</a:t>
+                      </a:r>
+                      <a:endParaRPr sz="1400" u="none" strike="noStrike" cap="none">
+                        <a:latin typeface="Times New Roman"/>
+                        <a:ea typeface="Times New Roman"/>
+                        <a:cs typeface="Times New Roman"/>
+                        <a:sym typeface="Times New Roman"/>
+                      </a:endParaRPr>
+                    </a:p>
+                  </a:txBody>
+                  <a:tcPr marL="91425" marR="91425" marT="91425" marB="91425"/>
+                </a:tc>
+                <a:tc>
+                  <a:txBody>
+                    <a:bodyPr/>
+                    <a:lstStyle/>
+                    <a:p>
+                      <a:pPr marL="0" marR="0" lvl="0" indent="0" algn="l" rtl="0">
+                        <a:lnSpc>
+                          <a:spcPct val="100000"/>
+                        </a:lnSpc>
+                        <a:spcBef>
+                          <a:spcPts val="0"/>
+                        </a:spcBef>
+                        <a:spcAft>
+                          <a:spcPts val="0"/>
+                        </a:spcAft>
+                        <a:buClr>
+                          <a:srgbClr val="000000"/>
+                        </a:buClr>
+                        <a:buSzPts val="1400"/>
+                        <a:buFont typeface="Arial"/>
+                        <a:buNone/>
+                      </a:pPr>
+                      <a:r>
+                        <a:rPr lang="ru" sz="1400" u="none" strike="noStrike" cap="none">
+                          <a:latin typeface="Times New Roman"/>
+                          <a:ea typeface="Times New Roman"/>
+                          <a:cs typeface="Times New Roman"/>
+                          <a:sym typeface="Times New Roman"/>
+                        </a:rPr>
+                        <a:t>-</a:t>
+                      </a:r>
+                      <a:endParaRPr sz="1400" u="none" strike="noStrike" cap="none">
+                        <a:latin typeface="Times New Roman"/>
+                        <a:ea typeface="Times New Roman"/>
+                        <a:cs typeface="Times New Roman"/>
+                        <a:sym typeface="Times New Roman"/>
+                      </a:endParaRPr>
+                    </a:p>
+                  </a:txBody>
+                  <a:tcPr marL="91425" marR="91425" marT="91425" marB="91425"/>
+                </a:tc>
+                <a:tc>
+                  <a:txBody>
+                    <a:bodyPr/>
+                    <a:lstStyle/>
+                    <a:p>
+                      <a:pPr marL="0" marR="0" lvl="0" indent="0" algn="l" rtl="0">
+                        <a:lnSpc>
+                          <a:spcPct val="100000"/>
+                        </a:lnSpc>
+                        <a:spcBef>
+                          <a:spcPts val="0"/>
+                        </a:spcBef>
+                        <a:spcAft>
+                          <a:spcPts val="0"/>
+                        </a:spcAft>
+                        <a:buClr>
+                          <a:srgbClr val="000000"/>
+                        </a:buClr>
+                        <a:buSzPts val="1400"/>
+                        <a:buFont typeface="Arial"/>
+                        <a:buNone/>
+                      </a:pPr>
+                      <a:r>
+                        <a:rPr lang="ru" sz="1400" u="none" strike="noStrike" cap="none">
+                          <a:latin typeface="Times New Roman"/>
+                          <a:ea typeface="Times New Roman"/>
+                          <a:cs typeface="Times New Roman"/>
+                          <a:sym typeface="Times New Roman"/>
+                        </a:rPr>
+                        <a:t>-</a:t>
+                      </a:r>
+                      <a:endParaRPr sz="1400" u="none" strike="noStrike" cap="none">
+                        <a:latin typeface="Times New Roman"/>
+                        <a:ea typeface="Times New Roman"/>
+                        <a:cs typeface="Times New Roman"/>
+                        <a:sym typeface="Times New Roman"/>
+                      </a:endParaRPr>
+                    </a:p>
+                  </a:txBody>
+                  <a:tcPr marL="91425" marR="91425" marT="91425" marB="91425"/>
+                </a:tc>
+                <a:tc>
+                  <a:txBody>
+                    <a:bodyPr/>
+                    <a:lstStyle/>
+                    <a:p>
+                      <a:pPr marL="0" marR="0" lvl="0" indent="0" algn="l" rtl="0">
+                        <a:lnSpc>
+                          <a:spcPct val="100000"/>
+                        </a:lnSpc>
+                        <a:spcBef>
+                          <a:spcPts val="0"/>
+                        </a:spcBef>
+                        <a:spcAft>
+                          <a:spcPts val="0"/>
+                        </a:spcAft>
+                        <a:buClr>
+                          <a:srgbClr val="000000"/>
+                        </a:buClr>
+                        <a:buSzPts val="1400"/>
+                        <a:buFont typeface="Arial"/>
+                        <a:buNone/>
+                      </a:pPr>
+                      <a:r>
+                        <a:rPr lang="ru" sz="1400" u="none" strike="noStrike" cap="none">
+                          <a:latin typeface="Times New Roman"/>
+                          <a:ea typeface="Times New Roman"/>
+                          <a:cs typeface="Times New Roman"/>
+                          <a:sym typeface="Times New Roman"/>
+                        </a:rPr>
+                        <a:t>0.5706</a:t>
+                      </a:r>
+                      <a:endParaRPr sz="1400" u="none" strike="noStrike" cap="none">
+                        <a:latin typeface="Times New Roman"/>
+                        <a:ea typeface="Times New Roman"/>
+                        <a:cs typeface="Times New Roman"/>
+                        <a:sym typeface="Times New Roman"/>
+                      </a:endParaRPr>
+                    </a:p>
+                  </a:txBody>
+                  <a:tcPr marL="91425" marR="91425" marT="91425" marB="91425"/>
+                </a:tc>
+                <a:tc>
+                  <a:txBody>
+                    <a:bodyPr/>
+                    <a:lstStyle/>
+                    <a:p>
+                      <a:pPr marL="0" marR="0" lvl="0" indent="0" algn="l" rtl="0">
+                        <a:lnSpc>
+                          <a:spcPct val="100000"/>
+                        </a:lnSpc>
+                        <a:spcBef>
+                          <a:spcPts val="0"/>
+                        </a:spcBef>
+                        <a:spcAft>
+                          <a:spcPts val="0"/>
+                        </a:spcAft>
+                        <a:buClr>
+                          <a:srgbClr val="000000"/>
+                        </a:buClr>
+                        <a:buSzPts val="1400"/>
+                        <a:buFont typeface="Arial"/>
+                        <a:buNone/>
+                      </a:pPr>
+                      <a:r>
+                        <a:rPr lang="ru" sz="1400" u="none" strike="noStrike" cap="none" dirty="0">
+                          <a:latin typeface="Times New Roman"/>
+                          <a:ea typeface="Times New Roman"/>
+                          <a:cs typeface="Times New Roman"/>
+                          <a:sym typeface="Times New Roman"/>
+                        </a:rPr>
+                        <a:t>-0.4756</a:t>
+                      </a:r>
+                      <a:endParaRPr sz="1400" u="none" strike="noStrike" cap="none" dirty="0">
+                        <a:latin typeface="Times New Roman"/>
+                        <a:ea typeface="Times New Roman"/>
+                        <a:cs typeface="Times New Roman"/>
+                        <a:sym typeface="Times New Roman"/>
+                      </a:endParaRPr>
+                    </a:p>
+                  </a:txBody>
+                  <a:tcPr marL="91425" marR="91425" marT="91425" marB="91425"/>
+                </a:tc>
+                <a:extLst>
+                  <a:ext uri="{0D108BD9-81ED-4DB2-BD59-A6C34878D82A}">
+                    <a16:rowId xmlns:a16="http://schemas.microsoft.com/office/drawing/2014/main" val="10005"/>
+                  </a:ext>
+                </a:extLst>
+              </a:tr>
+            </a:tbl>
+          </a:graphicData>
+        </a:graphic>
+      </p:graphicFrame>
+    </p:spTree>
+  </p:cSld>
+  <p:clrMapOvr>
+    <a:masterClrMapping/>
+  </p:clrMapOvr>
+</p:sld>
+</file>
+
+<file path=ppt/slides/slide6.xml><?xml version="1.0" encoding="utf-8"?>
+<p:sld xmlns:a="http://schemas.openxmlformats.org/drawingml/2006/main" xmlns:r="http://schemas.openxmlformats.org/officeDocument/2006/relationships" xmlns:p="http://schemas.openxmlformats.org/presentationml/2006/main">
+  <p:cSld>
+    <p:spTree>
+      <p:nvGrpSpPr>
+        <p:cNvPr id="1" name="Shape 101"/>
+        <p:cNvGrpSpPr/>
+        <p:nvPr/>
+      </p:nvGrpSpPr>
+      <p:grpSpPr>
+        <a:xfrm>
+          <a:off x="0" y="0"/>
+          <a:ext cx="0" cy="0"/>
+          <a:chOff x="0" y="0"/>
+          <a:chExt cx="0" cy="0"/>
+        </a:xfrm>
+      </p:grpSpPr>
+      <p:graphicFrame>
+        <p:nvGraphicFramePr>
+          <p:cNvPr id="102" name="Google Shape;102;p16"/>
+          <p:cNvGraphicFramePr/>
+          <p:nvPr>
+            <p:extLst>
+              <p:ext uri="{D42A27DB-BD31-4B8C-83A1-F6EECF244321}">
+                <p14:modId xmlns:p14="http://schemas.microsoft.com/office/powerpoint/2010/main" val="3499969107"/>
+              </p:ext>
+            </p:extLst>
+          </p:nvPr>
+        </p:nvGraphicFramePr>
+        <p:xfrm>
+          <a:off x="-12" y="0"/>
+          <a:ext cx="9144025" cy="5143500"/>
+        </p:xfrm>
+        <a:graphic>
+          <a:graphicData uri="http://schemas.openxmlformats.org/drawingml/2006/table">
+            <a:tbl>
+              <a:tblPr>
+                <a:noFill/>
+                <a:tableStyleId>{51A54548-8C6E-4327-B64F-6EE99FB00B55}</a:tableStyleId>
+              </a:tblPr>
+              <a:tblGrid>
+                <a:gridCol w="831275">
+                  <a:extLst>
+                    <a:ext uri="{9D8B030D-6E8A-4147-A177-3AD203B41FA5}">
+                      <a16:colId xmlns:a16="http://schemas.microsoft.com/office/drawing/2014/main" val="20000"/>
+                    </a:ext>
+                  </a:extLst>
+                </a:gridCol>
+                <a:gridCol w="831275">
+                  <a:extLst>
+                    <a:ext uri="{9D8B030D-6E8A-4147-A177-3AD203B41FA5}">
+                      <a16:colId xmlns:a16="http://schemas.microsoft.com/office/drawing/2014/main" val="20001"/>
+                    </a:ext>
+                  </a:extLst>
+                </a:gridCol>
+                <a:gridCol w="831275">
+                  <a:extLst>
+                    <a:ext uri="{9D8B030D-6E8A-4147-A177-3AD203B41FA5}">
+                      <a16:colId xmlns:a16="http://schemas.microsoft.com/office/drawing/2014/main" val="20002"/>
+                    </a:ext>
+                  </a:extLst>
+                </a:gridCol>
+                <a:gridCol w="831275">
+                  <a:extLst>
+                    <a:ext uri="{9D8B030D-6E8A-4147-A177-3AD203B41FA5}">
+                      <a16:colId xmlns:a16="http://schemas.microsoft.com/office/drawing/2014/main" val="20003"/>
+                    </a:ext>
+                  </a:extLst>
+                </a:gridCol>
+                <a:gridCol w="831275">
+                  <a:extLst>
+                    <a:ext uri="{9D8B030D-6E8A-4147-A177-3AD203B41FA5}">
+                      <a16:colId xmlns:a16="http://schemas.microsoft.com/office/drawing/2014/main" val="20004"/>
+                    </a:ext>
+                  </a:extLst>
+                </a:gridCol>
+                <a:gridCol w="831275">
+                  <a:extLst>
+                    <a:ext uri="{9D8B030D-6E8A-4147-A177-3AD203B41FA5}">
+                      <a16:colId xmlns:a16="http://schemas.microsoft.com/office/drawing/2014/main" val="20005"/>
+                    </a:ext>
+                  </a:extLst>
+                </a:gridCol>
+                <a:gridCol w="831275">
+                  <a:extLst>
+                    <a:ext uri="{9D8B030D-6E8A-4147-A177-3AD203B41FA5}">
+                      <a16:colId xmlns:a16="http://schemas.microsoft.com/office/drawing/2014/main" val="20006"/>
+                    </a:ext>
+                  </a:extLst>
+                </a:gridCol>
+                <a:gridCol w="831275">
+                  <a:extLst>
+                    <a:ext uri="{9D8B030D-6E8A-4147-A177-3AD203B41FA5}">
+                      <a16:colId xmlns:a16="http://schemas.microsoft.com/office/drawing/2014/main" val="20007"/>
+                    </a:ext>
+                  </a:extLst>
+                </a:gridCol>
+                <a:gridCol w="831275">
+                  <a:extLst>
+                    <a:ext uri="{9D8B030D-6E8A-4147-A177-3AD203B41FA5}">
+                      <a16:colId xmlns:a16="http://schemas.microsoft.com/office/drawing/2014/main" val="20008"/>
+                    </a:ext>
+                  </a:extLst>
+                </a:gridCol>
+                <a:gridCol w="831275">
+                  <a:extLst>
+                    <a:ext uri="{9D8B030D-6E8A-4147-A177-3AD203B41FA5}">
+                      <a16:colId xmlns:a16="http://schemas.microsoft.com/office/drawing/2014/main" val="20009"/>
+                    </a:ext>
+                  </a:extLst>
+                </a:gridCol>
+                <a:gridCol w="831275">
+                  <a:extLst>
+                    <a:ext uri="{9D8B030D-6E8A-4147-A177-3AD203B41FA5}">
+                      <a16:colId xmlns:a16="http://schemas.microsoft.com/office/drawing/2014/main" val="20010"/>
+                    </a:ext>
+                  </a:extLst>
+                </a:gridCol>
+              </a:tblGrid>
+              <a:tr h="783950">
+                <a:tc rowSpan="2">
+                  <a:txBody>
+                    <a:bodyPr/>
+                    <a:lstStyle/>
+                    <a:p>
+                      <a:pPr marL="0" marR="0" lvl="0" indent="0" algn="l" rtl="0">
+                        <a:lnSpc>
+                          <a:spcPct val="100000"/>
+                        </a:lnSpc>
+                        <a:spcBef>
+                          <a:spcPts val="0"/>
+                        </a:spcBef>
+                        <a:spcAft>
+                          <a:spcPts val="0"/>
+                        </a:spcAft>
+                        <a:buClr>
+                          <a:srgbClr val="000000"/>
+                        </a:buClr>
+                        <a:buSzPts val="1400"/>
+                        <a:buFont typeface="Arial"/>
+                        <a:buNone/>
+                      </a:pPr>
+                      <a:r>
+                        <a:rPr lang="ru" sz="1400" u="none" strike="noStrike" cap="none">
+                          <a:latin typeface="Times New Roman"/>
+                          <a:ea typeface="Times New Roman"/>
+                          <a:cs typeface="Times New Roman"/>
+                          <a:sym typeface="Times New Roman"/>
+                        </a:rPr>
+                        <a:t>Датасет</a:t>
+                      </a:r>
+                      <a:endParaRPr sz="1400" u="none" strike="noStrike" cap="none">
+                        <a:latin typeface="Times New Roman"/>
+                        <a:ea typeface="Times New Roman"/>
+                        <a:cs typeface="Times New Roman"/>
+                        <a:sym typeface="Times New Roman"/>
+                      </a:endParaRPr>
+                    </a:p>
+                  </a:txBody>
+                  <a:tcPr marL="91425" marR="91425" marT="91425" marB="91425"/>
+                </a:tc>
+                <a:tc rowSpan="2">
+                  <a:txBody>
+                    <a:bodyPr/>
+                    <a:lstStyle/>
+                    <a:p>
+                      <a:pPr marL="0" marR="0" lvl="0" indent="0" algn="l" rtl="0">
+                        <a:lnSpc>
+                          <a:spcPct val="100000"/>
+                        </a:lnSpc>
+                        <a:spcBef>
+                          <a:spcPts val="0"/>
+                        </a:spcBef>
+                        <a:spcAft>
+                          <a:spcPts val="0"/>
+                        </a:spcAft>
+                        <a:buClr>
+                          <a:srgbClr val="000000"/>
+                        </a:buClr>
+                        <a:buSzPts val="1400"/>
+                        <a:buFont typeface="Arial"/>
+                        <a:buNone/>
+                      </a:pPr>
+                      <a:r>
+                        <a:rPr lang="ru" sz="1400" u="none" strike="noStrike" cap="none">
+                          <a:latin typeface="Times New Roman"/>
+                          <a:ea typeface="Times New Roman"/>
+                          <a:cs typeface="Times New Roman"/>
+                          <a:sym typeface="Times New Roman"/>
+                        </a:rPr>
+                        <a:t>Кол-во вершин</a:t>
+                      </a:r>
+                      <a:endParaRPr sz="1400" u="none" strike="noStrike" cap="none">
+                        <a:latin typeface="Times New Roman"/>
+                        <a:ea typeface="Times New Roman"/>
+                        <a:cs typeface="Times New Roman"/>
+                        <a:sym typeface="Times New Roman"/>
+                      </a:endParaRPr>
+                    </a:p>
+                  </a:txBody>
+                  <a:tcPr marL="91425" marR="91425" marT="91425" marB="91425"/>
+                </a:tc>
+                <a:tc rowSpan="2">
+                  <a:txBody>
+                    <a:bodyPr/>
+                    <a:lstStyle/>
+                    <a:p>
+                      <a:pPr marL="0" marR="0" lvl="0" indent="0" algn="l" rtl="0">
+                        <a:lnSpc>
+                          <a:spcPct val="100000"/>
+                        </a:lnSpc>
+                        <a:spcBef>
+                          <a:spcPts val="0"/>
+                        </a:spcBef>
+                        <a:spcAft>
+                          <a:spcPts val="0"/>
+                        </a:spcAft>
+                        <a:buClr>
+                          <a:srgbClr val="000000"/>
+                        </a:buClr>
+                        <a:buSzPts val="1400"/>
+                        <a:buFont typeface="Arial"/>
+                        <a:buNone/>
+                      </a:pPr>
+                      <a:r>
+                        <a:rPr lang="ru" sz="1400" u="none" strike="noStrike" cap="none">
+                          <a:latin typeface="Times New Roman"/>
+                          <a:ea typeface="Times New Roman"/>
+                          <a:cs typeface="Times New Roman"/>
+                          <a:sym typeface="Times New Roman"/>
+                        </a:rPr>
+                        <a:t>Кол-во ребер</a:t>
+                      </a:r>
+                      <a:endParaRPr sz="1400" u="none" strike="noStrike" cap="none">
+                        <a:latin typeface="Times New Roman"/>
+                        <a:ea typeface="Times New Roman"/>
+                        <a:cs typeface="Times New Roman"/>
+                        <a:sym typeface="Times New Roman"/>
+                      </a:endParaRPr>
+                    </a:p>
+                  </a:txBody>
+                  <a:tcPr marL="91425" marR="91425" marT="91425" marB="91425"/>
+                </a:tc>
+                <a:tc gridSpan="3">
+                  <a:txBody>
+                    <a:bodyPr/>
+                    <a:lstStyle/>
+                    <a:p>
+                      <a:pPr marL="0" marR="0" lvl="0" indent="0" algn="l" rtl="0">
+                        <a:lnSpc>
+                          <a:spcPct val="100000"/>
+                        </a:lnSpc>
+                        <a:spcBef>
+                          <a:spcPts val="0"/>
+                        </a:spcBef>
+                        <a:spcAft>
+                          <a:spcPts val="0"/>
+                        </a:spcAft>
+                        <a:buClr>
+                          <a:srgbClr val="000000"/>
+                        </a:buClr>
+                        <a:buSzPts val="1400"/>
+                        <a:buFont typeface="Arial"/>
+                        <a:buNone/>
+                      </a:pPr>
+                      <a:r>
+                        <a:rPr lang="ru" sz="1400" u="none" strike="noStrike" cap="none">
+                          <a:latin typeface="Times New Roman"/>
+                          <a:ea typeface="Times New Roman"/>
+                          <a:cs typeface="Times New Roman"/>
+                          <a:sym typeface="Times New Roman"/>
+                        </a:rPr>
+                        <a:t>Случайный подграф</a:t>
+                      </a:r>
+                      <a:endParaRPr sz="1400" u="none" strike="noStrike" cap="none">
+                        <a:latin typeface="Times New Roman"/>
+                        <a:ea typeface="Times New Roman"/>
+                        <a:cs typeface="Times New Roman"/>
+                        <a:sym typeface="Times New Roman"/>
+                      </a:endParaRPr>
+                    </a:p>
+                  </a:txBody>
+                  <a:tcPr marL="91425" marR="91425" marT="91425" marB="91425"/>
+                </a:tc>
+                <a:tc hMerge="1">
+                  <a:txBody>
+                    <a:bodyPr/>
+                    <a:lstStyle/>
+                    <a:p>
+                      <a:endParaRPr lang="ru-RU"/>
+                    </a:p>
+                  </a:txBody>
+                  <a:tcPr/>
+                </a:tc>
+                <a:tc hMerge="1">
+                  <a:txBody>
+                    <a:bodyPr/>
+                    <a:lstStyle/>
+                    <a:p>
+                      <a:endParaRPr lang="ru-RU"/>
+                    </a:p>
+                  </a:txBody>
+                  <a:tcPr/>
+                </a:tc>
+                <a:tc gridSpan="3">
+                  <a:txBody>
+                    <a:bodyPr/>
+                    <a:lstStyle/>
+                    <a:p>
+                      <a:pPr marL="0" marR="0" lvl="0" indent="0" algn="l" rtl="0">
+                        <a:lnSpc>
+                          <a:spcPct val="100000"/>
+                        </a:lnSpc>
+                        <a:spcBef>
+                          <a:spcPts val="0"/>
+                        </a:spcBef>
+                        <a:spcAft>
+                          <a:spcPts val="0"/>
+                        </a:spcAft>
+                        <a:buClr>
+                          <a:srgbClr val="000000"/>
+                        </a:buClr>
+                        <a:buSzPts val="1400"/>
+                        <a:buFont typeface="Arial"/>
+                        <a:buNone/>
+                      </a:pPr>
+                      <a:r>
+                        <a:rPr lang="ru" sz="1400" u="none" strike="noStrike" cap="none">
+                          <a:latin typeface="Times New Roman"/>
+                          <a:ea typeface="Times New Roman"/>
+                          <a:cs typeface="Times New Roman"/>
+                          <a:sym typeface="Times New Roman"/>
+                        </a:rPr>
+                        <a:t>Снежный ком</a:t>
+                      </a:r>
+                      <a:endParaRPr sz="1400" u="none" strike="noStrike" cap="none">
+                        <a:latin typeface="Times New Roman"/>
+                        <a:ea typeface="Times New Roman"/>
+                        <a:cs typeface="Times New Roman"/>
+                        <a:sym typeface="Times New Roman"/>
+                      </a:endParaRPr>
+                    </a:p>
+                  </a:txBody>
+                  <a:tcPr marL="91425" marR="91425" marT="91425" marB="91425"/>
+                </a:tc>
+                <a:tc hMerge="1">
+                  <a:txBody>
+                    <a:bodyPr/>
+                    <a:lstStyle/>
+                    <a:p>
+                      <a:endParaRPr lang="ru-RU"/>
+                    </a:p>
+                  </a:txBody>
+                  <a:tcPr/>
+                </a:tc>
+                <a:tc hMerge="1">
+                  <a:txBody>
+                    <a:bodyPr/>
+                    <a:lstStyle/>
+                    <a:p>
+                      <a:endParaRPr lang="ru-RU"/>
+                    </a:p>
+                  </a:txBody>
+                  <a:tcPr/>
+                </a:tc>
+                <a:tc rowSpan="2">
+                  <a:txBody>
+                    <a:bodyPr/>
+                    <a:lstStyle/>
+                    <a:p>
+                      <a:pPr marL="0" marR="0" lvl="0" indent="0" algn="l" rtl="0">
+                        <a:lnSpc>
+                          <a:spcPct val="100000"/>
+                        </a:lnSpc>
+                        <a:spcBef>
+                          <a:spcPts val="0"/>
+                        </a:spcBef>
+                        <a:spcAft>
+                          <a:spcPts val="0"/>
+                        </a:spcAft>
+                        <a:buClr>
+                          <a:srgbClr val="000000"/>
+                        </a:buClr>
+                        <a:buSzPts val="1400"/>
+                        <a:buFont typeface="Arial"/>
+                        <a:buNone/>
+                      </a:pPr>
+                      <a:r>
+                        <a:rPr lang="ru" sz="1400" u="none" strike="noStrike" cap="none">
+                          <a:latin typeface="Times New Roman"/>
+                          <a:ea typeface="Times New Roman"/>
+                          <a:cs typeface="Times New Roman"/>
+                          <a:sym typeface="Times New Roman"/>
+                        </a:rPr>
+                        <a:t>Средний кластерный коэффициент</a:t>
+                      </a:r>
+                      <a:endParaRPr sz="1400" u="none" strike="noStrike" cap="none">
+                        <a:latin typeface="Times New Roman"/>
+                        <a:ea typeface="Times New Roman"/>
+                        <a:cs typeface="Times New Roman"/>
+                        <a:sym typeface="Times New Roman"/>
+                      </a:endParaRPr>
+                    </a:p>
+                  </a:txBody>
+                  <a:tcPr marL="91425" marR="91425" marT="91425" marB="91425"/>
+                </a:tc>
+                <a:tc rowSpan="2">
+                  <a:txBody>
+                    <a:bodyPr/>
+                    <a:lstStyle/>
+                    <a:p>
+                      <a:pPr marL="0" marR="0" lvl="0" indent="0" algn="l" rtl="0">
+                        <a:lnSpc>
+                          <a:spcPct val="100000"/>
+                        </a:lnSpc>
+                        <a:spcBef>
+                          <a:spcPts val="0"/>
+                        </a:spcBef>
+                        <a:spcAft>
+                          <a:spcPts val="0"/>
+                        </a:spcAft>
+                        <a:buClr>
+                          <a:srgbClr val="000000"/>
+                        </a:buClr>
+                        <a:buSzPts val="1400"/>
+                        <a:buFont typeface="Arial"/>
+                        <a:buNone/>
+                      </a:pPr>
+                      <a:r>
+                        <a:rPr lang="ru" sz="1400" u="none" strike="noStrike" cap="none">
+                          <a:latin typeface="Times New Roman"/>
+                          <a:ea typeface="Times New Roman"/>
+                          <a:cs typeface="Times New Roman"/>
+                          <a:sym typeface="Times New Roman"/>
+                        </a:rPr>
+                        <a:t>Коэффициент ассортативности</a:t>
+                      </a:r>
+                      <a:endParaRPr sz="1400" u="none" strike="noStrike" cap="none">
+                        <a:latin typeface="Times New Roman"/>
+                        <a:ea typeface="Times New Roman"/>
+                        <a:cs typeface="Times New Roman"/>
+                        <a:sym typeface="Times New Roman"/>
+                      </a:endParaRPr>
+                    </a:p>
+                  </a:txBody>
+                  <a:tcPr marL="91425" marR="91425" marT="91425" marB="91425"/>
+                </a:tc>
+                <a:extLst>
+                  <a:ext uri="{0D108BD9-81ED-4DB2-BD59-A6C34878D82A}">
+                    <a16:rowId xmlns:a16="http://schemas.microsoft.com/office/drawing/2014/main" val="10000"/>
+                  </a:ext>
+                </a:extLst>
+              </a:tr>
+              <a:tr h="919600">
+                <a:tc vMerge="1">
+                  <a:txBody>
+                    <a:bodyPr/>
+                    <a:lstStyle/>
+                    <a:p>
+                      <a:endParaRPr lang="ru-RU"/>
+                    </a:p>
+                  </a:txBody>
+                  <a:tcPr/>
+                </a:tc>
+                <a:tc vMerge="1">
+                  <a:txBody>
+                    <a:bodyPr/>
+                    <a:lstStyle/>
+                    <a:p>
+                      <a:endParaRPr lang="ru-RU"/>
+                    </a:p>
+                  </a:txBody>
+                  <a:tcPr/>
+                </a:tc>
+                <a:tc vMerge="1">
+                  <a:txBody>
+                    <a:bodyPr/>
+                    <a:lstStyle/>
+                    <a:p>
+                      <a:endParaRPr lang="ru-RU"/>
+                    </a:p>
+                  </a:txBody>
+                  <a:tcPr/>
+                </a:tc>
+                <a:tc>
+                  <a:txBody>
+                    <a:bodyPr/>
+                    <a:lstStyle/>
+                    <a:p>
+                      <a:pPr marL="0" marR="0" lvl="0" indent="0" algn="l" rtl="0">
+                        <a:lnSpc>
+                          <a:spcPct val="100000"/>
+                        </a:lnSpc>
+                        <a:spcBef>
+                          <a:spcPts val="0"/>
+                        </a:spcBef>
+                        <a:spcAft>
+                          <a:spcPts val="0"/>
+                        </a:spcAft>
+                        <a:buClr>
+                          <a:srgbClr val="000000"/>
+                        </a:buClr>
+                        <a:buSzPts val="1400"/>
+                        <a:buFont typeface="Arial"/>
+                        <a:buNone/>
+                      </a:pPr>
+                      <a:r>
+                        <a:rPr lang="ru" sz="1400" u="none" strike="noStrike" cap="none">
+                          <a:latin typeface="Times New Roman"/>
+                          <a:ea typeface="Times New Roman"/>
+                          <a:cs typeface="Times New Roman"/>
+                          <a:sym typeface="Times New Roman"/>
+                        </a:rPr>
+                        <a:t>Диаметр</a:t>
+                      </a:r>
+                      <a:endParaRPr sz="1400" u="none" strike="noStrike" cap="none">
+                        <a:latin typeface="Times New Roman"/>
+                        <a:ea typeface="Times New Roman"/>
+                        <a:cs typeface="Times New Roman"/>
+                        <a:sym typeface="Times New Roman"/>
+                      </a:endParaRPr>
+                    </a:p>
+                  </a:txBody>
+                  <a:tcPr marL="91425" marR="91425" marT="91425" marB="91425"/>
+                </a:tc>
+                <a:tc>
+                  <a:txBody>
+                    <a:bodyPr/>
+                    <a:lstStyle/>
+                    <a:p>
+                      <a:pPr marL="0" marR="0" lvl="0" indent="0" algn="l" rtl="0">
+                        <a:lnSpc>
+                          <a:spcPct val="100000"/>
+                        </a:lnSpc>
+                        <a:spcBef>
+                          <a:spcPts val="0"/>
+                        </a:spcBef>
+                        <a:spcAft>
+                          <a:spcPts val="0"/>
+                        </a:spcAft>
+                        <a:buClr>
+                          <a:srgbClr val="000000"/>
+                        </a:buClr>
+                        <a:buSzPts val="1400"/>
+                        <a:buFont typeface="Arial"/>
+                        <a:buNone/>
+                      </a:pPr>
+                      <a:r>
+                        <a:rPr lang="ru" sz="1400" u="none" strike="noStrike" cap="none">
+                          <a:latin typeface="Times New Roman"/>
+                          <a:ea typeface="Times New Roman"/>
+                          <a:cs typeface="Times New Roman"/>
+                          <a:sym typeface="Times New Roman"/>
+                        </a:rPr>
+                        <a:t>Радиус</a:t>
+                      </a:r>
+                      <a:endParaRPr sz="1400" u="none" strike="noStrike" cap="none">
+                        <a:latin typeface="Times New Roman"/>
+                        <a:ea typeface="Times New Roman"/>
+                        <a:cs typeface="Times New Roman"/>
+                        <a:sym typeface="Times New Roman"/>
+                      </a:endParaRPr>
+                    </a:p>
+                  </a:txBody>
+                  <a:tcPr marL="91425" marR="91425" marT="91425" marB="91425"/>
+                </a:tc>
+                <a:tc>
+                  <a:txBody>
+                    <a:bodyPr/>
+                    <a:lstStyle/>
+                    <a:p>
+                      <a:pPr marL="0" marR="0" lvl="0" indent="0" algn="l" rtl="0">
+                        <a:lnSpc>
+                          <a:spcPct val="100000"/>
+                        </a:lnSpc>
+                        <a:spcBef>
+                          <a:spcPts val="0"/>
+                        </a:spcBef>
+                        <a:spcAft>
+                          <a:spcPts val="0"/>
+                        </a:spcAft>
+                        <a:buClr>
+                          <a:srgbClr val="000000"/>
+                        </a:buClr>
+                        <a:buSzPts val="1400"/>
+                        <a:buFont typeface="Arial"/>
+                        <a:buNone/>
+                      </a:pPr>
+                      <a:r>
+                        <a:rPr lang="ru" sz="1400" u="none" strike="noStrike" cap="none">
+                          <a:latin typeface="Times New Roman"/>
+                          <a:ea typeface="Times New Roman"/>
+                          <a:cs typeface="Times New Roman"/>
+                          <a:sym typeface="Times New Roman"/>
+                        </a:rPr>
+                        <a:t>90 пр. расстояни</a:t>
+                      </a:r>
+                      <a:endParaRPr sz="1400" u="none" strike="noStrike" cap="none">
+                        <a:latin typeface="Times New Roman"/>
+                        <a:ea typeface="Times New Roman"/>
+                        <a:cs typeface="Times New Roman"/>
+                        <a:sym typeface="Times New Roman"/>
+                      </a:endParaRPr>
+                    </a:p>
+                  </a:txBody>
+                  <a:tcPr marL="91425" marR="91425" marT="91425" marB="91425"/>
+                </a:tc>
+                <a:tc>
+                  <a:txBody>
+                    <a:bodyPr/>
+                    <a:lstStyle/>
+                    <a:p>
+                      <a:pPr marL="0" marR="0" lvl="0" indent="0" algn="l" rtl="0">
+                        <a:lnSpc>
+                          <a:spcPct val="100000"/>
+                        </a:lnSpc>
+                        <a:spcBef>
+                          <a:spcPts val="0"/>
+                        </a:spcBef>
+                        <a:spcAft>
+                          <a:spcPts val="0"/>
+                        </a:spcAft>
+                        <a:buClr>
+                          <a:schemeClr val="dk1"/>
+                        </a:buClr>
+                        <a:buSzPts val="1100"/>
+                        <a:buFont typeface="Arial"/>
+                        <a:buNone/>
+                      </a:pPr>
+                      <a:r>
+                        <a:rPr lang="ru" sz="1400" u="none" strike="noStrike" cap="none">
+                          <a:solidFill>
+                            <a:schemeClr val="dk2"/>
+                          </a:solidFill>
+                          <a:latin typeface="Times New Roman"/>
+                          <a:ea typeface="Times New Roman"/>
+                          <a:cs typeface="Times New Roman"/>
+                          <a:sym typeface="Times New Roman"/>
+                        </a:rPr>
+                        <a:t>Диаметр</a:t>
+                      </a:r>
+                      <a:endParaRPr sz="1400" u="none" strike="noStrike" cap="none">
+                        <a:solidFill>
+                          <a:schemeClr val="dk2"/>
+                        </a:solidFill>
+                        <a:latin typeface="Times New Roman"/>
+                        <a:ea typeface="Times New Roman"/>
+                        <a:cs typeface="Times New Roman"/>
+                        <a:sym typeface="Times New Roman"/>
+                      </a:endParaRPr>
+                    </a:p>
+                  </a:txBody>
+                  <a:tcPr marL="91425" marR="91425" marT="91425" marB="91425"/>
+                </a:tc>
+                <a:tc>
+                  <a:txBody>
+                    <a:bodyPr/>
+                    <a:lstStyle/>
+                    <a:p>
+                      <a:pPr marL="0" marR="0" lvl="0" indent="0" algn="l" rtl="0">
+                        <a:lnSpc>
+                          <a:spcPct val="100000"/>
+                        </a:lnSpc>
+                        <a:spcBef>
+                          <a:spcPts val="0"/>
+                        </a:spcBef>
+                        <a:spcAft>
+                          <a:spcPts val="0"/>
+                        </a:spcAft>
+                        <a:buClr>
+                          <a:schemeClr val="dk1"/>
+                        </a:buClr>
+                        <a:buSzPts val="1100"/>
+                        <a:buFont typeface="Arial"/>
+                        <a:buNone/>
+                      </a:pPr>
+                      <a:r>
+                        <a:rPr lang="ru" sz="1400" u="none" strike="noStrike" cap="none">
+                          <a:solidFill>
+                            <a:schemeClr val="dk2"/>
+                          </a:solidFill>
+                          <a:latin typeface="Times New Roman"/>
+                          <a:ea typeface="Times New Roman"/>
+                          <a:cs typeface="Times New Roman"/>
+                          <a:sym typeface="Times New Roman"/>
+                        </a:rPr>
+                        <a:t>Радиус</a:t>
+                      </a:r>
+                      <a:endParaRPr sz="1400" u="none" strike="noStrike" cap="none">
+                        <a:solidFill>
+                          <a:schemeClr val="dk2"/>
+                        </a:solidFill>
+                        <a:latin typeface="Times New Roman"/>
+                        <a:ea typeface="Times New Roman"/>
+                        <a:cs typeface="Times New Roman"/>
+                        <a:sym typeface="Times New Roman"/>
+                      </a:endParaRPr>
+                    </a:p>
+                  </a:txBody>
+                  <a:tcPr marL="91425" marR="91425" marT="91425" marB="91425"/>
+                </a:tc>
+                <a:tc>
+                  <a:txBody>
+                    <a:bodyPr/>
+                    <a:lstStyle/>
+                    <a:p>
+                      <a:pPr marL="0" marR="0" lvl="0" indent="0" algn="l" rtl="0">
+                        <a:lnSpc>
+                          <a:spcPct val="100000"/>
+                        </a:lnSpc>
+                        <a:spcBef>
+                          <a:spcPts val="0"/>
+                        </a:spcBef>
+                        <a:spcAft>
+                          <a:spcPts val="0"/>
+                        </a:spcAft>
+                        <a:buClr>
+                          <a:srgbClr val="000000"/>
+                        </a:buClr>
+                        <a:buSzPts val="1400"/>
+                        <a:buFont typeface="Arial"/>
+                        <a:buNone/>
+                      </a:pPr>
+                      <a:r>
+                        <a:rPr lang="ru" sz="1400" u="none" strike="noStrike" cap="none">
+                          <a:latin typeface="Times New Roman"/>
+                          <a:ea typeface="Times New Roman"/>
+                          <a:cs typeface="Times New Roman"/>
+                          <a:sym typeface="Times New Roman"/>
+                        </a:rPr>
+                        <a:t>90 пр. расстояни</a:t>
+                      </a:r>
+                      <a:endParaRPr sz="1400" u="none" strike="noStrike" cap="none">
+                        <a:latin typeface="Times New Roman"/>
+                        <a:ea typeface="Times New Roman"/>
+                        <a:cs typeface="Times New Roman"/>
+                        <a:sym typeface="Times New Roman"/>
+                      </a:endParaRPr>
+                    </a:p>
+                  </a:txBody>
+                  <a:tcPr marL="91425" marR="91425" marT="91425" marB="91425"/>
+                </a:tc>
+                <a:tc vMerge="1">
+                  <a:txBody>
+                    <a:bodyPr/>
+                    <a:lstStyle/>
+                    <a:p>
+                      <a:endParaRPr lang="ru-RU"/>
+                    </a:p>
+                  </a:txBody>
+                  <a:tcPr/>
+                </a:tc>
+                <a:tc vMerge="1">
+                  <a:txBody>
+                    <a:bodyPr/>
+                    <a:lstStyle/>
+                    <a:p>
+                      <a:endParaRPr lang="ru-RU"/>
+                    </a:p>
+                  </a:txBody>
+                  <a:tcPr/>
+                </a:tc>
+                <a:extLst>
+                  <a:ext uri="{0D108BD9-81ED-4DB2-BD59-A6C34878D82A}">
+                    <a16:rowId xmlns:a16="http://schemas.microsoft.com/office/drawing/2014/main" val="10001"/>
+                  </a:ext>
+                </a:extLst>
+              </a:tr>
+              <a:tr h="919600">
+                <a:tc>
+                  <a:txBody>
+                    <a:bodyPr/>
+                    <a:lstStyle/>
+                    <a:p>
+                      <a:pPr marL="0" marR="0" lvl="0" indent="0" algn="l" rtl="0">
+                        <a:lnSpc>
+                          <a:spcPct val="100000"/>
+                        </a:lnSpc>
+                        <a:spcBef>
+                          <a:spcPts val="0"/>
+                        </a:spcBef>
+                        <a:spcAft>
+                          <a:spcPts val="0"/>
+                        </a:spcAft>
+                        <a:buClr>
+                          <a:srgbClr val="000000"/>
+                        </a:buClr>
+                        <a:buSzPts val="1400"/>
+                        <a:buFont typeface="Arial"/>
+                        <a:buNone/>
+                      </a:pPr>
+                      <a:r>
+                        <a:rPr lang="ru" sz="1400" u="none" strike="noStrike" cap="none" dirty="0">
+                          <a:latin typeface="Times New Roman"/>
+                          <a:ea typeface="Times New Roman"/>
+                          <a:cs typeface="Times New Roman"/>
+                          <a:sym typeface="Times New Roman"/>
+                        </a:rPr>
                         <a:t>BA_bitA</a:t>
                       </a:r>
                       <a:endParaRPr sz="1400" u="none" strike="noStrike" cap="none" dirty="0">
@@ -22611,15 +24627,24 @@
                         <a:buNone/>
                       </a:pPr>
                       <a:r>
-                        <a:rPr lang="ru" sz="1400" u="none" strike="noStrike" cap="none">
+                        <a:rPr lang="ru" sz="1400" u="none" strike="noStrike" cap="none" dirty="0">
                           <a:latin typeface="Times New Roman"/>
                           <a:ea typeface="Times New Roman"/>
                           <a:cs typeface="Times New Roman"/>
                           <a:sym typeface="Times New Roman"/>
                         </a:rPr>
-                        <a:t>148</a:t>
+                        <a:t>1</a:t>
                       </a:r>
-                      <a:endParaRPr sz="1400" u="none" strike="noStrike" cap="none">
+                      <a:r>
+                        <a:rPr lang="en-US" sz="1400" u="none" strike="noStrike" cap="none" dirty="0">
+                          <a:latin typeface="Times New Roman"/>
+                          <a:ea typeface="Times New Roman"/>
+                          <a:cs typeface="Times New Roman"/>
+                          <a:sym typeface="Times New Roman"/>
+                        </a:rPr>
+                        <a:t>67</a:t>
+                      </a:r>
+                      <a:endParaRPr sz="1400" u="none" strike="noStrike" cap="none" dirty="0">
                         <a:latin typeface="Times New Roman"/>
                         <a:ea typeface="Times New Roman"/>
                         <a:cs typeface="Times New Roman"/>
@@ -22652,15 +24677,15 @@
                         <a:buNone/>
                       </a:pPr>
                       <a:r>
-                        <a:rPr lang="ru" sz="1400" u="none" strike="noStrike" cap="none">
+                        <a:rPr lang="en-US" sz="1400" u="none" strike="noStrike" cap="none" dirty="0">
                           <a:latin typeface="Times New Roman"/>
                           <a:ea typeface="Times New Roman"/>
                           <a:cs typeface="Times New Roman"/>
                           <a:sym typeface="Times New Roman"/>
                         </a:rPr>
-                        <a:t>1086</a:t>
+                        <a:t>3250</a:t>
                       </a:r>
-                      <a:endParaRPr sz="1400" u="none" strike="noStrike" cap="none">
+                      <a:endParaRPr sz="1400" u="none" strike="noStrike" cap="none" dirty="0">
                         <a:latin typeface="Times New Roman"/>
                         <a:ea typeface="Times New Roman"/>
                         <a:cs typeface="Times New Roman"/>
@@ -22693,7 +24718,7 @@
                         <a:buNone/>
                       </a:pPr>
                       <a:r>
-                        <a:rPr lang="ru" sz="1400" u="none" strike="noStrike" cap="none">
+                        <a:rPr lang="en-US" sz="1400" u="none" strike="noStrike" cap="none" dirty="0">
                           <a:latin typeface="Times New Roman"/>
                           <a:ea typeface="Times New Roman"/>
                           <a:cs typeface="Times New Roman"/>
@@ -22701,7 +24726,7 @@
                         </a:rPr>
                         <a:t>5</a:t>
                       </a:r>
-                      <a:endParaRPr sz="1400" u="none" strike="noStrike" cap="none">
+                      <a:endParaRPr sz="1400" u="none" strike="noStrike" cap="none" dirty="0">
                         <a:latin typeface="Times New Roman"/>
                         <a:ea typeface="Times New Roman"/>
                         <a:cs typeface="Times New Roman"/>
@@ -22734,7 +24759,7 @@
                         <a:buNone/>
                       </a:pPr>
                       <a:r>
-                        <a:rPr lang="ru" sz="1400" u="none" strike="noStrike" cap="none">
+                        <a:rPr lang="en-US" sz="1400" u="none" strike="noStrike" cap="none" dirty="0">
                           <a:latin typeface="Times New Roman"/>
                           <a:ea typeface="Times New Roman"/>
                           <a:cs typeface="Times New Roman"/>
@@ -22742,7 +24767,7 @@
                         </a:rPr>
                         <a:t>3</a:t>
                       </a:r>
-                      <a:endParaRPr sz="1400" u="none" strike="noStrike" cap="none">
+                      <a:endParaRPr sz="1400" u="none" strike="noStrike" cap="none" dirty="0">
                         <a:latin typeface="Times New Roman"/>
                         <a:ea typeface="Times New Roman"/>
                         <a:cs typeface="Times New Roman"/>
@@ -22775,15 +24800,15 @@
                         <a:buNone/>
                       </a:pPr>
                       <a:r>
-                        <a:rPr lang="ru" sz="1400" u="none" strike="noStrike" cap="none">
+                        <a:rPr lang="en-US" sz="1400" u="none" strike="noStrike" cap="none" dirty="0">
                           <a:latin typeface="Times New Roman"/>
                           <a:ea typeface="Times New Roman"/>
                           <a:cs typeface="Times New Roman"/>
                           <a:sym typeface="Times New Roman"/>
                         </a:rPr>
-                        <a:t>3.0</a:t>
+                        <a:t>3</a:t>
                       </a:r>
-                      <a:endParaRPr sz="1400" u="none" strike="noStrike" cap="none">
+                      <a:endParaRPr sz="1400" u="none" strike="noStrike" cap="none" dirty="0">
                         <a:latin typeface="Times New Roman"/>
                         <a:ea typeface="Times New Roman"/>
                         <a:cs typeface="Times New Roman"/>
@@ -22816,7 +24841,7 @@
                         <a:buNone/>
                       </a:pPr>
                       <a:r>
-                        <a:rPr lang="ru" sz="1400" u="none" strike="noStrike" cap="none">
+                        <a:rPr lang="en-US" sz="1400" u="none" strike="noStrike" cap="none" dirty="0">
                           <a:latin typeface="Times New Roman"/>
                           <a:ea typeface="Times New Roman"/>
                           <a:cs typeface="Times New Roman"/>
@@ -22824,7 +24849,7 @@
                         </a:rPr>
                         <a:t>5</a:t>
                       </a:r>
-                      <a:endParaRPr sz="1400" u="none" strike="noStrike" cap="none">
+                      <a:endParaRPr sz="1400" u="none" strike="noStrike" cap="none" dirty="0">
                         <a:latin typeface="Times New Roman"/>
                         <a:ea typeface="Times New Roman"/>
                         <a:cs typeface="Times New Roman"/>
@@ -22857,7 +24882,7 @@
                         <a:buNone/>
                       </a:pPr>
                       <a:r>
-                        <a:rPr lang="ru" sz="1400" u="none" strike="noStrike" cap="none">
+                        <a:rPr lang="en-US" sz="1400" u="none" strike="noStrike" cap="none" dirty="0">
                           <a:latin typeface="Times New Roman"/>
                           <a:ea typeface="Times New Roman"/>
                           <a:cs typeface="Times New Roman"/>
@@ -22865,7 +24890,7 @@
                         </a:rPr>
                         <a:t>3</a:t>
                       </a:r>
-                      <a:endParaRPr sz="1400" u="none" strike="noStrike" cap="none">
+                      <a:endParaRPr sz="1400" u="none" strike="noStrike" cap="none" dirty="0">
                         <a:latin typeface="Times New Roman"/>
                         <a:ea typeface="Times New Roman"/>
                         <a:cs typeface="Times New Roman"/>
@@ -22898,15 +24923,15 @@
                         <a:buNone/>
                       </a:pPr>
                       <a:r>
-                        <a:rPr lang="ru" sz="1400" u="none" strike="noStrike" cap="none">
+                        <a:rPr lang="en-US" sz="1400" u="none" strike="noStrike" cap="none" dirty="0">
                           <a:latin typeface="Times New Roman"/>
                           <a:ea typeface="Times New Roman"/>
                           <a:cs typeface="Times New Roman"/>
                           <a:sym typeface="Times New Roman"/>
                         </a:rPr>
-                        <a:t>3.0</a:t>
+                        <a:t>3</a:t>
                       </a:r>
-                      <a:endParaRPr sz="1400" u="none" strike="noStrike" cap="none">
+                      <a:endParaRPr sz="1400" u="none" strike="noStrike" cap="none" dirty="0">
                         <a:latin typeface="Times New Roman"/>
                         <a:ea typeface="Times New Roman"/>
                         <a:cs typeface="Times New Roman"/>
@@ -22939,15 +24964,15 @@
                         <a:buNone/>
                       </a:pPr>
                       <a:r>
-                        <a:rPr lang="ru" sz="1400" u="none" strike="noStrike" cap="none">
+                        <a:rPr lang="en-US" sz="1400" u="none" strike="noStrike" cap="none" dirty="0">
                           <a:latin typeface="Times New Roman"/>
                           <a:ea typeface="Times New Roman"/>
                           <a:cs typeface="Times New Roman"/>
                           <a:sym typeface="Times New Roman"/>
                         </a:rPr>
-                        <a:t>0.5608</a:t>
+                        <a:t>0.5919</a:t>
                       </a:r>
-                      <a:endParaRPr sz="1400" u="none" strike="noStrike" cap="none">
+                      <a:endParaRPr sz="1400" u="none" strike="noStrike" cap="none" dirty="0">
                         <a:latin typeface="Times New Roman"/>
                         <a:ea typeface="Times New Roman"/>
                         <a:cs typeface="Times New Roman"/>
@@ -22980,15 +25005,15 @@
                         <a:buNone/>
                       </a:pPr>
                       <a:r>
-                        <a:rPr lang="ru" sz="1400" u="none" strike="noStrike" cap="none">
+                        <a:rPr lang="en-US" sz="1400" u="none" strike="noStrike" cap="none" dirty="0">
                           <a:latin typeface="Times New Roman"/>
                           <a:ea typeface="Times New Roman"/>
                           <a:cs typeface="Times New Roman"/>
                           <a:sym typeface="Times New Roman"/>
                         </a:rPr>
-                        <a:t>-0.2584</a:t>
+                        <a:t>-0.2941</a:t>
                       </a:r>
-                      <a:endParaRPr sz="1400" u="none" strike="noStrike" cap="none">
+                      <a:endParaRPr sz="1400" u="none" strike="noStrike" cap="none" dirty="0">
                         <a:latin typeface="Times New Roman"/>
                         <a:ea typeface="Times New Roman"/>
                         <a:cs typeface="Times New Roman"/>

--- a/notes/Team17.pptx
+++ b/notes/Team17.pptx
@@ -5,7 +5,7 @@
     <p:sldMasterId id="2147483659" r:id="rId1"/>
   </p:sldMasterIdLst>
   <p:notesMasterIdLst>
-    <p:notesMasterId r:id="rId31"/>
+    <p:notesMasterId r:id="rId32"/>
   </p:notesMasterIdLst>
   <p:sldIdLst>
     <p:sldId id="256" r:id="rId2"/>
@@ -37,23 +37,24 @@
     <p:sldId id="291" r:id="rId28"/>
     <p:sldId id="292" r:id="rId29"/>
     <p:sldId id="289" r:id="rId30"/>
+    <p:sldId id="293" r:id="rId31"/>
   </p:sldIdLst>
   <p:sldSz cx="9144000" cy="5143500" type="screen16x9"/>
   <p:notesSz cx="6858000" cy="9144000"/>
   <p:embeddedFontLst>
     <p:embeddedFont>
       <p:font typeface="Lato" panose="020B0604020202020204" charset="0"/>
-      <p:regular r:id="rId32"/>
-      <p:bold r:id="rId33"/>
-      <p:italic r:id="rId34"/>
-      <p:boldItalic r:id="rId35"/>
+      <p:regular r:id="rId33"/>
+      <p:bold r:id="rId34"/>
+      <p:italic r:id="rId35"/>
+      <p:boldItalic r:id="rId36"/>
     </p:embeddedFont>
     <p:embeddedFont>
       <p:font typeface="Raleway" panose="020B0604020202020204" charset="-52"/>
-      <p:regular r:id="rId36"/>
-      <p:bold r:id="rId37"/>
-      <p:italic r:id="rId38"/>
-      <p:boldItalic r:id="rId39"/>
+      <p:regular r:id="rId37"/>
+      <p:bold r:id="rId38"/>
+      <p:italic r:id="rId39"/>
+      <p:boldItalic r:id="rId40"/>
     </p:embeddedFont>
   </p:embeddedFontLst>
   <p:defaultTextStyle>
@@ -13368,74 +13369,6 @@
           </a:prstGeom>
         </p:spPr>
       </p:pic>
-      <p:sp>
-        <p:nvSpPr>
-          <p:cNvPr id="9" name="Прямоугольник 8">
-            <a:extLst>
-              <a:ext uri="{FF2B5EF4-FFF2-40B4-BE49-F238E27FC236}">
-                <a16:creationId xmlns:a16="http://schemas.microsoft.com/office/drawing/2014/main" id="{34B3FD22-BB44-42D8-A933-50861715FF19}"/>
-              </a:ext>
-            </a:extLst>
-          </p:cNvPr>
-          <p:cNvSpPr/>
-          <p:nvPr/>
-        </p:nvSpPr>
-        <p:spPr>
-          <a:xfrm>
-            <a:off x="411257" y="3626772"/>
-            <a:ext cx="2808113" cy="830997"/>
-          </a:xfrm>
-          <a:prstGeom prst="rect">
-            <a:avLst/>
-          </a:prstGeom>
-        </p:spPr>
-        <p:txBody>
-          <a:bodyPr wrap="square">
-            <a:spAutoFit/>
-          </a:bodyPr>
-          <a:lstStyle/>
-          <a:p>
-            <a:r>
-              <a:rPr lang="ru-RU" sz="1200" dirty="0">
-                <a:solidFill>
-                  <a:schemeClr val="bg2"/>
-                </a:solidFill>
-              </a:rPr>
-              <a:t>Для весовых функций взят коэффициент </a:t>
-            </a:r>
-            <a:r>
-              <a:rPr lang="en-US" sz="1200" dirty="0">
-                <a:solidFill>
-                  <a:schemeClr val="bg2"/>
-                </a:solidFill>
-                <a:latin typeface="Lato" panose="020B0604020202020204" charset="0"/>
-              </a:rPr>
-              <a:t>l=0.2</a:t>
-            </a:r>
-            <a:br>
-              <a:rPr lang="en-US" sz="1200" dirty="0">
-                <a:solidFill>
-                  <a:schemeClr val="bg2"/>
-                </a:solidFill>
-                <a:latin typeface="Lato" panose="020B0604020202020204" charset="0"/>
-              </a:rPr>
-            </a:br>
-            <a:br>
-              <a:rPr lang="en-US" sz="1200" dirty="0">
-                <a:solidFill>
-                  <a:schemeClr val="bg2"/>
-                </a:solidFill>
-                <a:latin typeface="Lato" panose="020B0604020202020204" charset="0"/>
-              </a:rPr>
-            </a:br>
-            <a:endParaRPr lang="ru-RU" sz="1200" dirty="0">
-              <a:solidFill>
-                <a:schemeClr val="bg2"/>
-              </a:solidFill>
-            </a:endParaRPr>
-          </a:p>
-        </p:txBody>
-      </p:sp>
     </p:spTree>
     <p:extLst>
       <p:ext uri="{BB962C8B-B14F-4D97-AF65-F5344CB8AC3E}">
@@ -16479,7 +16412,7 @@
           <p:nvPr>
             <p:extLst>
               <p:ext uri="{D42A27DB-BD31-4B8C-83A1-F6EECF244321}">
-                <p14:modId xmlns:p14="http://schemas.microsoft.com/office/powerpoint/2010/main" val="501813185"/>
+                <p14:modId xmlns:p14="http://schemas.microsoft.com/office/powerpoint/2010/main" val="3722656161"/>
               </p:ext>
             </p:extLst>
           </p:nvPr>
@@ -16682,7 +16615,11 @@
                       </a:pPr>
                       <a:r>
                         <a:rPr lang="ru-RU" sz="1400" u="none" strike="noStrike" cap="none" dirty="0"/>
-                        <a:t>0.808</a:t>
+                        <a:t>0.</a:t>
+                      </a:r>
+                      <a:r>
+                        <a:rPr lang="en-US" sz="1400" u="none" strike="noStrike" cap="none" dirty="0"/>
+                        <a:t>783</a:t>
                       </a:r>
                       <a:endParaRPr sz="1400" u="none" strike="noStrike" cap="none" dirty="0"/>
                     </a:p>
@@ -16762,10 +16699,10 @@
       </p:pic>
       <p:pic>
         <p:nvPicPr>
-          <p:cNvPr id="7" name="Рисунок 6">
+          <p:cNvPr id="6" name="Рисунок 5">
             <a:extLst>
               <a:ext uri="{FF2B5EF4-FFF2-40B4-BE49-F238E27FC236}">
-                <a16:creationId xmlns:a16="http://schemas.microsoft.com/office/drawing/2014/main" id="{A73D689A-CEEB-4454-A303-DBDD2A726338}"/>
+                <a16:creationId xmlns:a16="http://schemas.microsoft.com/office/drawing/2014/main" id="{7877FA4D-B907-4959-A58B-B640E490C63E}"/>
               </a:ext>
             </a:extLst>
           </p:cNvPr>
@@ -16782,8 +16719,8 @@
         </p:blipFill>
         <p:spPr>
           <a:xfrm>
-            <a:off x="4911419" y="1332177"/>
-            <a:ext cx="2921416" cy="2210945"/>
+            <a:off x="4651065" y="1332176"/>
+            <a:ext cx="2957374" cy="2224813"/>
           </a:xfrm>
           <a:prstGeom prst="rect">
             <a:avLst/>
@@ -18323,7 +18260,7 @@
           <p:nvPr>
             <p:extLst>
               <p:ext uri="{D42A27DB-BD31-4B8C-83A1-F6EECF244321}">
-                <p14:modId xmlns:p14="http://schemas.microsoft.com/office/powerpoint/2010/main" val="1125130687"/>
+                <p14:modId xmlns:p14="http://schemas.microsoft.com/office/powerpoint/2010/main" val="3127207241"/>
               </p:ext>
             </p:extLst>
           </p:nvPr>
@@ -18392,6 +18329,10 @@
                       <a:r>
                         <a:rPr lang="en-US" sz="1400" u="none" strike="noStrike" cap="none" dirty="0"/>
                         <a:t>features</a:t>
+                      </a:r>
+                      <a:r>
+                        <a:rPr lang="ru-RU" sz="1400" u="none" strike="noStrike" cap="none" dirty="0"/>
+                        <a:t> </a:t>
                       </a:r>
                       <a:endParaRPr sz="1400" u="none" strike="noStrike" cap="none" dirty="0"/>
                     </a:p>
@@ -20182,7 +20123,7 @@
           <a:p>
             <a:r>
               <a:rPr lang="ru-RU" dirty="0"/>
-              <a:t>Заключение</a:t>
+              <a:t>Примечание</a:t>
             </a:r>
           </a:p>
         </p:txBody>
@@ -20202,7 +20143,7 @@
         <p:spPr>
           <a:xfrm>
             <a:off x="727650" y="1370404"/>
-            <a:ext cx="8003067" cy="2893100"/>
+            <a:ext cx="8003067" cy="3970318"/>
           </a:xfrm>
           <a:prstGeom prst="rect">
             <a:avLst/>
@@ -20277,11 +20218,25 @@
             </a:r>
             <a:r>
               <a:rPr lang="ru-RU" dirty="0"/>
-              <a:t> признаки, а </a:t>
+              <a:t> признаки, а не статические.</a:t>
+            </a:r>
+            <a:br>
+              <a:rPr lang="ru-RU" dirty="0"/>
+            </a:br>
+            <a:br>
+              <a:rPr lang="ru-RU" dirty="0"/>
+            </a:br>
+            <a:r>
+              <a:rPr lang="ru-RU" dirty="0"/>
+              <a:t>Также очень важна стратегия вычисления признаков, лучшим вариантом является вычисление </a:t>
             </a:r>
             <a:r>
-              <a:rPr lang="ru-RU"/>
-              <a:t>не статические</a:t>
+              <a:rPr lang="ru-RU" dirty="0" err="1"/>
+              <a:t>темпоральных</a:t>
+            </a:r>
+            <a:r>
+              <a:rPr lang="ru-RU" dirty="0"/>
+              <a:t> признаков, учитывая прошлые события (появления ребер) и взятие равных долей с максимальным возможным размером(несмотря на то что это ощутимо увеличит время вычисления)</a:t>
             </a:r>
             <a:br>
               <a:rPr lang="ru-RU" dirty="0"/>
@@ -20390,6 +20345,151 @@
     <p:extLst>
       <p:ext uri="{BB962C8B-B14F-4D97-AF65-F5344CB8AC3E}">
         <p14:creationId xmlns:p14="http://schemas.microsoft.com/office/powerpoint/2010/main" val="2413644295"/>
+      </p:ext>
+    </p:extLst>
+  </p:cSld>
+  <p:clrMapOvr>
+    <a:masterClrMapping/>
+  </p:clrMapOvr>
+</p:sld>
+</file>
+
+<file path=ppt/slides/slide30.xml><?xml version="1.0" encoding="utf-8"?>
+<p:sld xmlns:a="http://schemas.openxmlformats.org/drawingml/2006/main" xmlns:r="http://schemas.openxmlformats.org/officeDocument/2006/relationships" xmlns:p="http://schemas.openxmlformats.org/presentationml/2006/main">
+  <p:cSld>
+    <p:spTree>
+      <p:nvGrpSpPr>
+        <p:cNvPr id="1" name=""/>
+        <p:cNvGrpSpPr/>
+        <p:nvPr/>
+      </p:nvGrpSpPr>
+      <p:grpSpPr>
+        <a:xfrm>
+          <a:off x="0" y="0"/>
+          <a:ext cx="0" cy="0"/>
+          <a:chOff x="0" y="0"/>
+          <a:chExt cx="0" cy="0"/>
+        </a:xfrm>
+      </p:grpSpPr>
+      <p:sp>
+        <p:nvSpPr>
+          <p:cNvPr id="2" name="Заголовок 1">
+            <a:extLst>
+              <a:ext uri="{FF2B5EF4-FFF2-40B4-BE49-F238E27FC236}">
+                <a16:creationId xmlns:a16="http://schemas.microsoft.com/office/drawing/2014/main" id="{AE9F47F1-32A4-4334-B8F9-BA13AD642BF3}"/>
+              </a:ext>
+            </a:extLst>
+          </p:cNvPr>
+          <p:cNvSpPr>
+            <a:spLocks noGrp="1"/>
+          </p:cNvSpPr>
+          <p:nvPr>
+            <p:ph type="title"/>
+          </p:nvPr>
+        </p:nvSpPr>
+        <p:spPr>
+          <a:xfrm>
+            <a:off x="727650" y="664553"/>
+            <a:ext cx="7688700" cy="535200"/>
+          </a:xfrm>
+        </p:spPr>
+        <p:txBody>
+          <a:bodyPr>
+            <a:normAutofit fontScale="90000"/>
+          </a:bodyPr>
+          <a:lstStyle/>
+          <a:p>
+            <a:r>
+              <a:rPr lang="ru-RU" dirty="0"/>
+              <a:t>Вывод</a:t>
+            </a:r>
+          </a:p>
+        </p:txBody>
+      </p:sp>
+      <p:sp>
+        <p:nvSpPr>
+          <p:cNvPr id="4" name="TextBox 3">
+            <a:extLst>
+              <a:ext uri="{FF2B5EF4-FFF2-40B4-BE49-F238E27FC236}">
+                <a16:creationId xmlns:a16="http://schemas.microsoft.com/office/drawing/2014/main" id="{D78554E8-8C48-4560-9DD3-3E7A687E7625}"/>
+              </a:ext>
+            </a:extLst>
+          </p:cNvPr>
+          <p:cNvSpPr txBox="1"/>
+          <p:nvPr/>
+        </p:nvSpPr>
+        <p:spPr>
+          <a:xfrm>
+            <a:off x="727650" y="1370404"/>
+            <a:ext cx="8003067" cy="2462213"/>
+          </a:xfrm>
+          <a:prstGeom prst="rect">
+            <a:avLst/>
+          </a:prstGeom>
+          <a:noFill/>
+        </p:spPr>
+        <p:txBody>
+          <a:bodyPr wrap="square" rtlCol="0">
+            <a:spAutoFit/>
+          </a:bodyPr>
+          <a:lstStyle/>
+          <a:p>
+            <a:r>
+              <a:rPr lang="ru-RU" dirty="0"/>
+              <a:t>Подведя итог мы можем сделать следующие выводы:</a:t>
+            </a:r>
+          </a:p>
+          <a:p>
+            <a:endParaRPr lang="ru-RU" dirty="0"/>
+          </a:p>
+          <a:p>
+            <a:pPr marL="285750" indent="-285750">
+              <a:buFont typeface="Arial" panose="020B0604020202020204" pitchFamily="34" charset="0"/>
+              <a:buChar char="•"/>
+            </a:pPr>
+            <a:r>
+              <a:rPr lang="ru-RU" dirty="0"/>
+              <a:t>Производительность в задаче предсказания появления ребер выше, когда учитывается временная информация.</a:t>
+            </a:r>
+          </a:p>
+          <a:p>
+            <a:endParaRPr lang="ru-RU" dirty="0"/>
+          </a:p>
+          <a:p>
+            <a:pPr marL="285750" indent="-285750">
+              <a:buFont typeface="Arial" panose="020B0604020202020204" pitchFamily="34" charset="0"/>
+              <a:buChar char="•"/>
+            </a:pPr>
+            <a:r>
+              <a:rPr lang="ru-RU" dirty="0"/>
+              <a:t>Производительность прогнозирования связей связана с глобальной структурой сети.</a:t>
+            </a:r>
+          </a:p>
+          <a:p>
+            <a:endParaRPr lang="ru-RU" dirty="0"/>
+          </a:p>
+          <a:p>
+            <a:pPr marL="285750" indent="-285750">
+              <a:buFont typeface="Arial" panose="020B0604020202020204" pitchFamily="34" charset="0"/>
+              <a:buChar char="•"/>
+            </a:pPr>
+            <a:r>
+              <a:rPr lang="ru-RU" dirty="0"/>
+              <a:t>Производительность прогнозирования сильно зависит от стратегии выбора данных для обучения</a:t>
+            </a:r>
+          </a:p>
+          <a:p>
+            <a:br>
+              <a:rPr lang="ru-RU" dirty="0"/>
+            </a:br>
+            <a:endParaRPr lang="ru-RU" dirty="0"/>
+          </a:p>
+        </p:txBody>
+      </p:sp>
+    </p:spTree>
+    <p:extLst>
+      <p:ext uri="{BB962C8B-B14F-4D97-AF65-F5344CB8AC3E}">
+        <p14:creationId xmlns:p14="http://schemas.microsoft.com/office/powerpoint/2010/main" val="2650797581"/>
       </p:ext>
     </p:extLst>
   </p:cSld>
